--- a/CF_Poster.pptx
+++ b/CF_Poster.pptx
@@ -10,21 +10,23 @@
     <p:sldMasterId id="2147483713" r:id="rId7"/>
     <p:sldMasterId id="2147483726" r:id="rId8"/>
     <p:sldMasterId id="2147483739" r:id="rId9"/>
+    <p:sldMasterId id="2147483752" r:id="rId10"/>
+    <p:sldMasterId id="2147483765" r:id="rId11"/>
   </p:sldMasterIdLst>
   <p:notesMasterIdLst>
-    <p:notesMasterId r:id="rId10"/>
+    <p:notesMasterId r:id="rId12"/>
   </p:notesMasterIdLst>
   <p:sldIdLst>
-    <p:sldId id="256" r:id="rId11"/>
-    <p:sldId id="257" r:id="rId12"/>
-    <p:sldId id="258" r:id="rId13"/>
-    <p:sldId id="259" r:id="rId14"/>
-    <p:sldId id="260" r:id="rId15"/>
-    <p:sldId id="261" r:id="rId16"/>
-    <p:sldId id="262" r:id="rId17"/>
-    <p:sldId id="263" r:id="rId18"/>
-    <p:sldId id="264" r:id="rId19"/>
-    <p:sldId id="265" r:id="rId20"/>
+    <p:sldId id="256" r:id="rId13"/>
+    <p:sldId id="257" r:id="rId14"/>
+    <p:sldId id="258" r:id="rId15"/>
+    <p:sldId id="259" r:id="rId16"/>
+    <p:sldId id="260" r:id="rId17"/>
+    <p:sldId id="261" r:id="rId18"/>
+    <p:sldId id="262" r:id="rId19"/>
+    <p:sldId id="263" r:id="rId20"/>
+    <p:sldId id="264" r:id="rId21"/>
+    <p:sldId id="265" r:id="rId22"/>
   </p:sldIdLst>
   <p:sldSz cx="43891200" cy="32918400"/>
   <p:notesSz cx="7315200" cy="9601200"/>
@@ -50,7 +52,7 @@
       </p:grpSpPr>
       <p:sp>
         <p:nvSpPr>
-          <p:cNvPr id="296" name="PlaceHolder 1"/>
+          <p:cNvPr id="378" name="PlaceHolder 1"/>
           <p:cNvSpPr>
             <a:spLocks noGrp="1"/>
           </p:cNvSpPr>
@@ -82,7 +84,7 @@
       </p:sp>
       <p:sp>
         <p:nvSpPr>
-          <p:cNvPr id="297" name="PlaceHolder 2"/>
+          <p:cNvPr id="379" name="PlaceHolder 2"/>
           <p:cNvSpPr>
             <a:spLocks noGrp="1"/>
           </p:cNvSpPr>
@@ -114,7 +116,7 @@
       </p:sp>
       <p:sp>
         <p:nvSpPr>
-          <p:cNvPr id="298" name="PlaceHolder 3"/>
+          <p:cNvPr id="380" name="PlaceHolder 3"/>
           <p:cNvSpPr>
             <a:spLocks noGrp="1"/>
           </p:cNvSpPr>
@@ -147,7 +149,7 @@
       </p:sp>
       <p:sp>
         <p:nvSpPr>
-          <p:cNvPr id="299" name="PlaceHolder 4"/>
+          <p:cNvPr id="381" name="PlaceHolder 4"/>
           <p:cNvSpPr>
             <a:spLocks noGrp="1"/>
           </p:cNvSpPr>
@@ -179,7 +181,7 @@
       </p:sp>
       <p:sp>
         <p:nvSpPr>
-          <p:cNvPr id="300" name="PlaceHolder 5"/>
+          <p:cNvPr id="382" name="PlaceHolder 5"/>
           <p:cNvSpPr>
             <a:spLocks noGrp="1"/>
           </p:cNvSpPr>
@@ -200,7 +202,7 @@
           <a:bodyPr lIns="0" rIns="0" tIns="0" bIns="0" anchor="b"/>
           <a:p>
             <a:pPr algn="r"/>
-            <a:fld id="{09EB8569-78DA-445D-A1A1-8E5BA0029D84}" type="slidenum">
+            <a:fld id="{1A405FB2-5DEA-4B3C-B6EE-702863F911ED}" type="slidenum">
               <a:rPr lang="en-US" sz="1400">
                 <a:latin typeface="Times New Roman"/>
               </a:rPr>
@@ -235,14 +237,14 @@
       </p:grpSpPr>
       <p:sp>
         <p:nvSpPr>
-          <p:cNvPr id="369" name="CustomShape 1"/>
+          <p:cNvPr id="452" name="CustomShape 1"/>
           <p:cNvSpPr/>
           <p:nvPr/>
         </p:nvSpPr>
         <p:spPr>
           <a:xfrm>
             <a:off x="4143600" y="9119520"/>
-            <a:ext cx="3168720" cy="478800"/>
+            <a:ext cx="3168360" cy="478440"/>
           </a:xfrm>
           <a:prstGeom prst="rect">
             <a:avLst/>
@@ -260,7 +262,7 @@
                 <a:spcPct val="100000"/>
               </a:lnSpc>
             </a:pPr>
-            <a:fld id="{6DD68C0F-39B4-4752-ABC2-61F9AABA8452}" type="slidenum">
+            <a:fld id="{ACF8D02E-A170-448C-AA09-09D12C17825F}" type="slidenum">
               <a:rPr lang="en-US" sz="1200">
                 <a:solidFill>
                   <a:srgbClr val="000000"/>
@@ -276,7 +278,7 @@
       </p:sp>
       <p:sp>
         <p:nvSpPr>
-          <p:cNvPr id="370" name="PlaceHolder 2"/>
+          <p:cNvPr id="453" name="PlaceHolder 2"/>
           <p:cNvSpPr>
             <a:spLocks noGrp="1"/>
           </p:cNvSpPr>
@@ -287,7 +289,7 @@
         <p:spPr>
           <a:xfrm>
             <a:off x="731520" y="4561560"/>
-            <a:ext cx="5851080" cy="4319280"/>
+            <a:ext cx="5850720" cy="4318920"/>
           </a:xfrm>
           <a:prstGeom prst="rect">
             <a:avLst/>
@@ -357,7 +359,7 @@
         <p:spPr>
           <a:xfrm>
             <a:off x="2194560" y="1313280"/>
-            <a:ext cx="39501720" cy="5497200"/>
+            <a:ext cx="39501360" cy="5497200"/>
           </a:xfrm>
           <a:prstGeom prst="rect">
             <a:avLst/>
@@ -384,7 +386,7 @@
         <p:spPr>
           <a:xfrm>
             <a:off x="2194560" y="7702560"/>
-            <a:ext cx="39501720" cy="9106920"/>
+            <a:ext cx="39501360" cy="9106560"/>
           </a:xfrm>
           <a:prstGeom prst="rect">
             <a:avLst/>
@@ -409,20 +411,1027 @@
         </p:nvSpPr>
         <p:spPr>
           <a:xfrm>
-            <a:off x="2194560" y="17674920"/>
-            <a:ext cx="39501720" cy="9106920"/>
-          </a:xfrm>
-          <a:prstGeom prst="rect">
-            <a:avLst/>
-          </a:prstGeom>
-        </p:spPr>
-        <p:txBody>
-          <a:bodyPr lIns="0" rIns="0" tIns="0" bIns="0"/>
-          <a:p>
-            <a:endParaRPr/>
-          </a:p>
-        </p:txBody>
-      </p:sp>
+            <a:off x="2194560" y="17674560"/>
+            <a:ext cx="39501360" cy="9106560"/>
+          </a:xfrm>
+          <a:prstGeom prst="rect">
+            <a:avLst/>
+          </a:prstGeom>
+        </p:spPr>
+        <p:txBody>
+          <a:bodyPr lIns="0" rIns="0" tIns="0" bIns="0"/>
+          <a:p>
+            <a:endParaRPr/>
+          </a:p>
+        </p:txBody>
+      </p:sp>
+    </p:spTree>
+  </p:cSld>
+</p:sldLayout>
+</file>
+
+<file path=ppt/slideLayouts/slideLayout100.xml><?xml version="1.0" encoding="utf-8"?>
+<p:sldLayout xmlns:a="http://schemas.openxmlformats.org/drawingml/2006/main" xmlns:p="http://schemas.openxmlformats.org/presentationml/2006/main" xmlns:r="http://schemas.openxmlformats.org/officeDocument/2006/relationships" type="twoObj" preserve="1">
+  <p:cSld name="Title, 2 Content">
+    <p:spTree>
+      <p:nvGrpSpPr>
+        <p:cNvPr id="1" name=""/>
+        <p:cNvGrpSpPr/>
+        <p:nvPr/>
+      </p:nvGrpSpPr>
+      <p:grpSpPr>
+        <a:xfrm>
+          <a:off x="0" y="0"/>
+          <a:ext cx="0" cy="0"/>
+          <a:chOff x="0" y="0"/>
+          <a:chExt cx="0" cy="0"/>
+        </a:xfrm>
+      </p:grpSpPr>
+      <p:sp>
+        <p:nvSpPr>
+          <p:cNvPr id="307" name="PlaceHolder 1"/>
+          <p:cNvSpPr>
+            <a:spLocks noGrp="1"/>
+          </p:cNvSpPr>
+          <p:nvPr>
+            <p:ph type="title"/>
+          </p:nvPr>
+        </p:nvSpPr>
+        <p:spPr>
+          <a:xfrm>
+            <a:off x="2194560" y="1313280"/>
+            <a:ext cx="39501360" cy="5497200"/>
+          </a:xfrm>
+          <a:prstGeom prst="rect">
+            <a:avLst/>
+          </a:prstGeom>
+        </p:spPr>
+        <p:txBody>
+          <a:bodyPr lIns="0" rIns="0" tIns="0" bIns="0" anchor="ctr"/>
+          <a:p>
+            <a:pPr algn="ctr"/>
+            <a:endParaRPr/>
+          </a:p>
+        </p:txBody>
+      </p:sp>
+      <p:sp>
+        <p:nvSpPr>
+          <p:cNvPr id="308" name="PlaceHolder 2"/>
+          <p:cNvSpPr>
+            <a:spLocks noGrp="1"/>
+          </p:cNvSpPr>
+          <p:nvPr>
+            <p:ph type="body"/>
+          </p:nvPr>
+        </p:nvSpPr>
+        <p:spPr>
+          <a:xfrm>
+            <a:off x="2194560" y="7702560"/>
+            <a:ext cx="19276560" cy="19091880"/>
+          </a:xfrm>
+          <a:prstGeom prst="rect">
+            <a:avLst/>
+          </a:prstGeom>
+        </p:spPr>
+        <p:txBody>
+          <a:bodyPr lIns="0" rIns="0" tIns="0" bIns="0"/>
+          <a:p>
+            <a:endParaRPr/>
+          </a:p>
+        </p:txBody>
+      </p:sp>
+      <p:sp>
+        <p:nvSpPr>
+          <p:cNvPr id="309" name="PlaceHolder 3"/>
+          <p:cNvSpPr>
+            <a:spLocks noGrp="1"/>
+          </p:cNvSpPr>
+          <p:nvPr>
+            <p:ph type="body"/>
+          </p:nvPr>
+        </p:nvSpPr>
+        <p:spPr>
+          <a:xfrm>
+            <a:off x="22435200" y="7702560"/>
+            <a:ext cx="19276560" cy="19091880"/>
+          </a:xfrm>
+          <a:prstGeom prst="rect">
+            <a:avLst/>
+          </a:prstGeom>
+        </p:spPr>
+        <p:txBody>
+          <a:bodyPr lIns="0" rIns="0" tIns="0" bIns="0"/>
+          <a:p>
+            <a:endParaRPr/>
+          </a:p>
+        </p:txBody>
+      </p:sp>
+    </p:spTree>
+  </p:cSld>
+</p:sldLayout>
+</file>
+
+<file path=ppt/slideLayouts/slideLayout101.xml><?xml version="1.0" encoding="utf-8"?>
+<p:sldLayout xmlns:a="http://schemas.openxmlformats.org/drawingml/2006/main" xmlns:p="http://schemas.openxmlformats.org/presentationml/2006/main" xmlns:r="http://schemas.openxmlformats.org/officeDocument/2006/relationships" type="titleOnly" preserve="1">
+  <p:cSld name="Title Only">
+    <p:spTree>
+      <p:nvGrpSpPr>
+        <p:cNvPr id="1" name=""/>
+        <p:cNvGrpSpPr/>
+        <p:nvPr/>
+      </p:nvGrpSpPr>
+      <p:grpSpPr>
+        <a:xfrm>
+          <a:off x="0" y="0"/>
+          <a:ext cx="0" cy="0"/>
+          <a:chOff x="0" y="0"/>
+          <a:chExt cx="0" cy="0"/>
+        </a:xfrm>
+      </p:grpSpPr>
+      <p:sp>
+        <p:nvSpPr>
+          <p:cNvPr id="310" name="PlaceHolder 1"/>
+          <p:cNvSpPr>
+            <a:spLocks noGrp="1"/>
+          </p:cNvSpPr>
+          <p:nvPr>
+            <p:ph type="title"/>
+          </p:nvPr>
+        </p:nvSpPr>
+        <p:spPr>
+          <a:xfrm>
+            <a:off x="2194560" y="1313280"/>
+            <a:ext cx="39501360" cy="5497200"/>
+          </a:xfrm>
+          <a:prstGeom prst="rect">
+            <a:avLst/>
+          </a:prstGeom>
+        </p:spPr>
+        <p:txBody>
+          <a:bodyPr lIns="0" rIns="0" tIns="0" bIns="0" anchor="ctr"/>
+          <a:p>
+            <a:pPr algn="ctr"/>
+            <a:endParaRPr/>
+          </a:p>
+        </p:txBody>
+      </p:sp>
+    </p:spTree>
+  </p:cSld>
+</p:sldLayout>
+</file>
+
+<file path=ppt/slideLayouts/slideLayout102.xml><?xml version="1.0" encoding="utf-8"?>
+<p:sldLayout xmlns:a="http://schemas.openxmlformats.org/drawingml/2006/main" xmlns:p="http://schemas.openxmlformats.org/presentationml/2006/main" xmlns:r="http://schemas.openxmlformats.org/officeDocument/2006/relationships" type="objOnly" preserve="1">
+  <p:cSld name="Centered Text">
+    <p:spTree>
+      <p:nvGrpSpPr>
+        <p:cNvPr id="1" name=""/>
+        <p:cNvGrpSpPr/>
+        <p:nvPr/>
+      </p:nvGrpSpPr>
+      <p:grpSpPr>
+        <a:xfrm>
+          <a:off x="0" y="0"/>
+          <a:ext cx="0" cy="0"/>
+          <a:chOff x="0" y="0"/>
+          <a:chExt cx="0" cy="0"/>
+        </a:xfrm>
+      </p:grpSpPr>
+      <p:sp>
+        <p:nvSpPr>
+          <p:cNvPr id="311" name="PlaceHolder 1"/>
+          <p:cNvSpPr>
+            <a:spLocks noGrp="1"/>
+          </p:cNvSpPr>
+          <p:nvPr>
+            <p:ph type="subTitle"/>
+          </p:nvPr>
+        </p:nvSpPr>
+        <p:spPr>
+          <a:xfrm>
+            <a:off x="2194560" y="1313280"/>
+            <a:ext cx="39501360" cy="25481880"/>
+          </a:xfrm>
+          <a:prstGeom prst="rect">
+            <a:avLst/>
+          </a:prstGeom>
+        </p:spPr>
+        <p:txBody>
+          <a:bodyPr lIns="0" rIns="0" tIns="0" bIns="0" anchor="ctr"/>
+          <a:p>
+            <a:pPr algn="ctr"/>
+            <a:endParaRPr/>
+          </a:p>
+        </p:txBody>
+      </p:sp>
+    </p:spTree>
+  </p:cSld>
+</p:sldLayout>
+</file>
+
+<file path=ppt/slideLayouts/slideLayout103.xml><?xml version="1.0" encoding="utf-8"?>
+<p:sldLayout xmlns:a="http://schemas.openxmlformats.org/drawingml/2006/main" xmlns:p="http://schemas.openxmlformats.org/presentationml/2006/main" xmlns:r="http://schemas.openxmlformats.org/officeDocument/2006/relationships" type="twoObjAndObj" preserve="1">
+  <p:cSld name="Title, 2 Content and Content">
+    <p:spTree>
+      <p:nvGrpSpPr>
+        <p:cNvPr id="1" name=""/>
+        <p:cNvGrpSpPr/>
+        <p:nvPr/>
+      </p:nvGrpSpPr>
+      <p:grpSpPr>
+        <a:xfrm>
+          <a:off x="0" y="0"/>
+          <a:ext cx="0" cy="0"/>
+          <a:chOff x="0" y="0"/>
+          <a:chExt cx="0" cy="0"/>
+        </a:xfrm>
+      </p:grpSpPr>
+      <p:sp>
+        <p:nvSpPr>
+          <p:cNvPr id="312" name="PlaceHolder 1"/>
+          <p:cNvSpPr>
+            <a:spLocks noGrp="1"/>
+          </p:cNvSpPr>
+          <p:nvPr>
+            <p:ph type="title"/>
+          </p:nvPr>
+        </p:nvSpPr>
+        <p:spPr>
+          <a:xfrm>
+            <a:off x="2194560" y="1313280"/>
+            <a:ext cx="39501360" cy="5497200"/>
+          </a:xfrm>
+          <a:prstGeom prst="rect">
+            <a:avLst/>
+          </a:prstGeom>
+        </p:spPr>
+        <p:txBody>
+          <a:bodyPr lIns="0" rIns="0" tIns="0" bIns="0" anchor="ctr"/>
+          <a:p>
+            <a:pPr algn="ctr"/>
+            <a:endParaRPr/>
+          </a:p>
+        </p:txBody>
+      </p:sp>
+      <p:sp>
+        <p:nvSpPr>
+          <p:cNvPr id="313" name="PlaceHolder 2"/>
+          <p:cNvSpPr>
+            <a:spLocks noGrp="1"/>
+          </p:cNvSpPr>
+          <p:nvPr>
+            <p:ph type="body"/>
+          </p:nvPr>
+        </p:nvSpPr>
+        <p:spPr>
+          <a:xfrm>
+            <a:off x="2194560" y="7702560"/>
+            <a:ext cx="19276560" cy="9106560"/>
+          </a:xfrm>
+          <a:prstGeom prst="rect">
+            <a:avLst/>
+          </a:prstGeom>
+        </p:spPr>
+        <p:txBody>
+          <a:bodyPr lIns="0" rIns="0" tIns="0" bIns="0"/>
+          <a:p>
+            <a:endParaRPr/>
+          </a:p>
+        </p:txBody>
+      </p:sp>
+      <p:sp>
+        <p:nvSpPr>
+          <p:cNvPr id="314" name="PlaceHolder 3"/>
+          <p:cNvSpPr>
+            <a:spLocks noGrp="1"/>
+          </p:cNvSpPr>
+          <p:nvPr>
+            <p:ph type="body"/>
+          </p:nvPr>
+        </p:nvSpPr>
+        <p:spPr>
+          <a:xfrm>
+            <a:off x="2194560" y="17674560"/>
+            <a:ext cx="19276560" cy="9106560"/>
+          </a:xfrm>
+          <a:prstGeom prst="rect">
+            <a:avLst/>
+          </a:prstGeom>
+        </p:spPr>
+        <p:txBody>
+          <a:bodyPr lIns="0" rIns="0" tIns="0" bIns="0"/>
+          <a:p>
+            <a:endParaRPr/>
+          </a:p>
+        </p:txBody>
+      </p:sp>
+      <p:sp>
+        <p:nvSpPr>
+          <p:cNvPr id="315" name="PlaceHolder 4"/>
+          <p:cNvSpPr>
+            <a:spLocks noGrp="1"/>
+          </p:cNvSpPr>
+          <p:nvPr>
+            <p:ph type="body"/>
+          </p:nvPr>
+        </p:nvSpPr>
+        <p:spPr>
+          <a:xfrm>
+            <a:off x="22435200" y="7702560"/>
+            <a:ext cx="19276560" cy="19091880"/>
+          </a:xfrm>
+          <a:prstGeom prst="rect">
+            <a:avLst/>
+          </a:prstGeom>
+        </p:spPr>
+        <p:txBody>
+          <a:bodyPr lIns="0" rIns="0" tIns="0" bIns="0"/>
+          <a:p>
+            <a:endParaRPr/>
+          </a:p>
+        </p:txBody>
+      </p:sp>
+    </p:spTree>
+  </p:cSld>
+</p:sldLayout>
+</file>
+
+<file path=ppt/slideLayouts/slideLayout104.xml><?xml version="1.0" encoding="utf-8"?>
+<p:sldLayout xmlns:a="http://schemas.openxmlformats.org/drawingml/2006/main" xmlns:p="http://schemas.openxmlformats.org/presentationml/2006/main" xmlns:r="http://schemas.openxmlformats.org/officeDocument/2006/relationships" type="objAndTwoObj" preserve="1">
+  <p:cSld name="Title Content and 2 Content">
+    <p:spTree>
+      <p:nvGrpSpPr>
+        <p:cNvPr id="1" name=""/>
+        <p:cNvGrpSpPr/>
+        <p:nvPr/>
+      </p:nvGrpSpPr>
+      <p:grpSpPr>
+        <a:xfrm>
+          <a:off x="0" y="0"/>
+          <a:ext cx="0" cy="0"/>
+          <a:chOff x="0" y="0"/>
+          <a:chExt cx="0" cy="0"/>
+        </a:xfrm>
+      </p:grpSpPr>
+      <p:sp>
+        <p:nvSpPr>
+          <p:cNvPr id="316" name="PlaceHolder 1"/>
+          <p:cNvSpPr>
+            <a:spLocks noGrp="1"/>
+          </p:cNvSpPr>
+          <p:nvPr>
+            <p:ph type="title"/>
+          </p:nvPr>
+        </p:nvSpPr>
+        <p:spPr>
+          <a:xfrm>
+            <a:off x="2194560" y="1313280"/>
+            <a:ext cx="39501360" cy="5497200"/>
+          </a:xfrm>
+          <a:prstGeom prst="rect">
+            <a:avLst/>
+          </a:prstGeom>
+        </p:spPr>
+        <p:txBody>
+          <a:bodyPr lIns="0" rIns="0" tIns="0" bIns="0" anchor="ctr"/>
+          <a:p>
+            <a:pPr algn="ctr"/>
+            <a:endParaRPr/>
+          </a:p>
+        </p:txBody>
+      </p:sp>
+      <p:sp>
+        <p:nvSpPr>
+          <p:cNvPr id="317" name="PlaceHolder 2"/>
+          <p:cNvSpPr>
+            <a:spLocks noGrp="1"/>
+          </p:cNvSpPr>
+          <p:nvPr>
+            <p:ph type="body"/>
+          </p:nvPr>
+        </p:nvSpPr>
+        <p:spPr>
+          <a:xfrm>
+            <a:off x="2194560" y="7702560"/>
+            <a:ext cx="19276560" cy="19091880"/>
+          </a:xfrm>
+          <a:prstGeom prst="rect">
+            <a:avLst/>
+          </a:prstGeom>
+        </p:spPr>
+        <p:txBody>
+          <a:bodyPr lIns="0" rIns="0" tIns="0" bIns="0"/>
+          <a:p>
+            <a:endParaRPr/>
+          </a:p>
+        </p:txBody>
+      </p:sp>
+      <p:sp>
+        <p:nvSpPr>
+          <p:cNvPr id="318" name="PlaceHolder 3"/>
+          <p:cNvSpPr>
+            <a:spLocks noGrp="1"/>
+          </p:cNvSpPr>
+          <p:nvPr>
+            <p:ph type="body"/>
+          </p:nvPr>
+        </p:nvSpPr>
+        <p:spPr>
+          <a:xfrm>
+            <a:off x="22435200" y="7702560"/>
+            <a:ext cx="19276560" cy="9106560"/>
+          </a:xfrm>
+          <a:prstGeom prst="rect">
+            <a:avLst/>
+          </a:prstGeom>
+        </p:spPr>
+        <p:txBody>
+          <a:bodyPr lIns="0" rIns="0" tIns="0" bIns="0"/>
+          <a:p>
+            <a:endParaRPr/>
+          </a:p>
+        </p:txBody>
+      </p:sp>
+      <p:sp>
+        <p:nvSpPr>
+          <p:cNvPr id="319" name="PlaceHolder 4"/>
+          <p:cNvSpPr>
+            <a:spLocks noGrp="1"/>
+          </p:cNvSpPr>
+          <p:nvPr>
+            <p:ph type="body"/>
+          </p:nvPr>
+        </p:nvSpPr>
+        <p:spPr>
+          <a:xfrm>
+            <a:off x="22435200" y="17674560"/>
+            <a:ext cx="19276560" cy="9106560"/>
+          </a:xfrm>
+          <a:prstGeom prst="rect">
+            <a:avLst/>
+          </a:prstGeom>
+        </p:spPr>
+        <p:txBody>
+          <a:bodyPr lIns="0" rIns="0" tIns="0" bIns="0"/>
+          <a:p>
+            <a:endParaRPr/>
+          </a:p>
+        </p:txBody>
+      </p:sp>
+    </p:spTree>
+  </p:cSld>
+</p:sldLayout>
+</file>
+
+<file path=ppt/slideLayouts/slideLayout105.xml><?xml version="1.0" encoding="utf-8"?>
+<p:sldLayout xmlns:a="http://schemas.openxmlformats.org/drawingml/2006/main" xmlns:p="http://schemas.openxmlformats.org/presentationml/2006/main" xmlns:r="http://schemas.openxmlformats.org/officeDocument/2006/relationships" type="twoObjOverTx" preserve="1">
+  <p:cSld name="Title, 2 Content over Content">
+    <p:spTree>
+      <p:nvGrpSpPr>
+        <p:cNvPr id="1" name=""/>
+        <p:cNvGrpSpPr/>
+        <p:nvPr/>
+      </p:nvGrpSpPr>
+      <p:grpSpPr>
+        <a:xfrm>
+          <a:off x="0" y="0"/>
+          <a:ext cx="0" cy="0"/>
+          <a:chOff x="0" y="0"/>
+          <a:chExt cx="0" cy="0"/>
+        </a:xfrm>
+      </p:grpSpPr>
+      <p:sp>
+        <p:nvSpPr>
+          <p:cNvPr id="320" name="PlaceHolder 1"/>
+          <p:cNvSpPr>
+            <a:spLocks noGrp="1"/>
+          </p:cNvSpPr>
+          <p:nvPr>
+            <p:ph type="title"/>
+          </p:nvPr>
+        </p:nvSpPr>
+        <p:spPr>
+          <a:xfrm>
+            <a:off x="2194560" y="1313280"/>
+            <a:ext cx="39501360" cy="5497200"/>
+          </a:xfrm>
+          <a:prstGeom prst="rect">
+            <a:avLst/>
+          </a:prstGeom>
+        </p:spPr>
+        <p:txBody>
+          <a:bodyPr lIns="0" rIns="0" tIns="0" bIns="0" anchor="ctr"/>
+          <a:p>
+            <a:pPr algn="ctr"/>
+            <a:endParaRPr/>
+          </a:p>
+        </p:txBody>
+      </p:sp>
+      <p:sp>
+        <p:nvSpPr>
+          <p:cNvPr id="321" name="PlaceHolder 2"/>
+          <p:cNvSpPr>
+            <a:spLocks noGrp="1"/>
+          </p:cNvSpPr>
+          <p:nvPr>
+            <p:ph type="body"/>
+          </p:nvPr>
+        </p:nvSpPr>
+        <p:spPr>
+          <a:xfrm>
+            <a:off x="2194560" y="7702560"/>
+            <a:ext cx="19276560" cy="9106560"/>
+          </a:xfrm>
+          <a:prstGeom prst="rect">
+            <a:avLst/>
+          </a:prstGeom>
+        </p:spPr>
+        <p:txBody>
+          <a:bodyPr lIns="0" rIns="0" tIns="0" bIns="0"/>
+          <a:p>
+            <a:endParaRPr/>
+          </a:p>
+        </p:txBody>
+      </p:sp>
+      <p:sp>
+        <p:nvSpPr>
+          <p:cNvPr id="322" name="PlaceHolder 3"/>
+          <p:cNvSpPr>
+            <a:spLocks noGrp="1"/>
+          </p:cNvSpPr>
+          <p:nvPr>
+            <p:ph type="body"/>
+          </p:nvPr>
+        </p:nvSpPr>
+        <p:spPr>
+          <a:xfrm>
+            <a:off x="22435200" y="7702560"/>
+            <a:ext cx="19276560" cy="9106560"/>
+          </a:xfrm>
+          <a:prstGeom prst="rect">
+            <a:avLst/>
+          </a:prstGeom>
+        </p:spPr>
+        <p:txBody>
+          <a:bodyPr lIns="0" rIns="0" tIns="0" bIns="0"/>
+          <a:p>
+            <a:endParaRPr/>
+          </a:p>
+        </p:txBody>
+      </p:sp>
+      <p:sp>
+        <p:nvSpPr>
+          <p:cNvPr id="323" name="PlaceHolder 4"/>
+          <p:cNvSpPr>
+            <a:spLocks noGrp="1"/>
+          </p:cNvSpPr>
+          <p:nvPr>
+            <p:ph type="body"/>
+          </p:nvPr>
+        </p:nvSpPr>
+        <p:spPr>
+          <a:xfrm>
+            <a:off x="2194560" y="17674560"/>
+            <a:ext cx="39501360" cy="9106560"/>
+          </a:xfrm>
+          <a:prstGeom prst="rect">
+            <a:avLst/>
+          </a:prstGeom>
+        </p:spPr>
+        <p:txBody>
+          <a:bodyPr lIns="0" rIns="0" tIns="0" bIns="0"/>
+          <a:p>
+            <a:endParaRPr/>
+          </a:p>
+        </p:txBody>
+      </p:sp>
+    </p:spTree>
+  </p:cSld>
+</p:sldLayout>
+</file>
+
+<file path=ppt/slideLayouts/slideLayout106.xml><?xml version="1.0" encoding="utf-8"?>
+<p:sldLayout xmlns:a="http://schemas.openxmlformats.org/drawingml/2006/main" xmlns:p="http://schemas.openxmlformats.org/presentationml/2006/main" xmlns:r="http://schemas.openxmlformats.org/officeDocument/2006/relationships" type="objOverTx" preserve="1">
+  <p:cSld name="Title, Content over Content">
+    <p:spTree>
+      <p:nvGrpSpPr>
+        <p:cNvPr id="1" name=""/>
+        <p:cNvGrpSpPr/>
+        <p:nvPr/>
+      </p:nvGrpSpPr>
+      <p:grpSpPr>
+        <a:xfrm>
+          <a:off x="0" y="0"/>
+          <a:ext cx="0" cy="0"/>
+          <a:chOff x="0" y="0"/>
+          <a:chExt cx="0" cy="0"/>
+        </a:xfrm>
+      </p:grpSpPr>
+      <p:sp>
+        <p:nvSpPr>
+          <p:cNvPr id="324" name="PlaceHolder 1"/>
+          <p:cNvSpPr>
+            <a:spLocks noGrp="1"/>
+          </p:cNvSpPr>
+          <p:nvPr>
+            <p:ph type="title"/>
+          </p:nvPr>
+        </p:nvSpPr>
+        <p:spPr>
+          <a:xfrm>
+            <a:off x="2194560" y="1313280"/>
+            <a:ext cx="39501360" cy="5497200"/>
+          </a:xfrm>
+          <a:prstGeom prst="rect">
+            <a:avLst/>
+          </a:prstGeom>
+        </p:spPr>
+        <p:txBody>
+          <a:bodyPr lIns="0" rIns="0" tIns="0" bIns="0" anchor="ctr"/>
+          <a:p>
+            <a:pPr algn="ctr"/>
+            <a:endParaRPr/>
+          </a:p>
+        </p:txBody>
+      </p:sp>
+      <p:sp>
+        <p:nvSpPr>
+          <p:cNvPr id="325" name="PlaceHolder 2"/>
+          <p:cNvSpPr>
+            <a:spLocks noGrp="1"/>
+          </p:cNvSpPr>
+          <p:nvPr>
+            <p:ph type="body"/>
+          </p:nvPr>
+        </p:nvSpPr>
+        <p:spPr>
+          <a:xfrm>
+            <a:off x="2194560" y="7702560"/>
+            <a:ext cx="39501360" cy="9106560"/>
+          </a:xfrm>
+          <a:prstGeom prst="rect">
+            <a:avLst/>
+          </a:prstGeom>
+        </p:spPr>
+        <p:txBody>
+          <a:bodyPr lIns="0" rIns="0" tIns="0" bIns="0"/>
+          <a:p>
+            <a:endParaRPr/>
+          </a:p>
+        </p:txBody>
+      </p:sp>
+      <p:sp>
+        <p:nvSpPr>
+          <p:cNvPr id="326" name="PlaceHolder 3"/>
+          <p:cNvSpPr>
+            <a:spLocks noGrp="1"/>
+          </p:cNvSpPr>
+          <p:nvPr>
+            <p:ph type="body"/>
+          </p:nvPr>
+        </p:nvSpPr>
+        <p:spPr>
+          <a:xfrm>
+            <a:off x="2194560" y="17674560"/>
+            <a:ext cx="39501360" cy="9106560"/>
+          </a:xfrm>
+          <a:prstGeom prst="rect">
+            <a:avLst/>
+          </a:prstGeom>
+        </p:spPr>
+        <p:txBody>
+          <a:bodyPr lIns="0" rIns="0" tIns="0" bIns="0"/>
+          <a:p>
+            <a:endParaRPr/>
+          </a:p>
+        </p:txBody>
+      </p:sp>
+    </p:spTree>
+  </p:cSld>
+</p:sldLayout>
+</file>
+
+<file path=ppt/slideLayouts/slideLayout107.xml><?xml version="1.0" encoding="utf-8"?>
+<p:sldLayout xmlns:a="http://schemas.openxmlformats.org/drawingml/2006/main" xmlns:p="http://schemas.openxmlformats.org/presentationml/2006/main" xmlns:r="http://schemas.openxmlformats.org/officeDocument/2006/relationships" type="fourObj" preserve="1">
+  <p:cSld name="Title, 4 Content">
+    <p:spTree>
+      <p:nvGrpSpPr>
+        <p:cNvPr id="1" name=""/>
+        <p:cNvGrpSpPr/>
+        <p:nvPr/>
+      </p:nvGrpSpPr>
+      <p:grpSpPr>
+        <a:xfrm>
+          <a:off x="0" y="0"/>
+          <a:ext cx="0" cy="0"/>
+          <a:chOff x="0" y="0"/>
+          <a:chExt cx="0" cy="0"/>
+        </a:xfrm>
+      </p:grpSpPr>
+      <p:sp>
+        <p:nvSpPr>
+          <p:cNvPr id="327" name="PlaceHolder 1"/>
+          <p:cNvSpPr>
+            <a:spLocks noGrp="1"/>
+          </p:cNvSpPr>
+          <p:nvPr>
+            <p:ph type="title"/>
+          </p:nvPr>
+        </p:nvSpPr>
+        <p:spPr>
+          <a:xfrm>
+            <a:off x="2194560" y="1313280"/>
+            <a:ext cx="39501360" cy="5497200"/>
+          </a:xfrm>
+          <a:prstGeom prst="rect">
+            <a:avLst/>
+          </a:prstGeom>
+        </p:spPr>
+        <p:txBody>
+          <a:bodyPr lIns="0" rIns="0" tIns="0" bIns="0" anchor="ctr"/>
+          <a:p>
+            <a:pPr algn="ctr"/>
+            <a:endParaRPr/>
+          </a:p>
+        </p:txBody>
+      </p:sp>
+      <p:sp>
+        <p:nvSpPr>
+          <p:cNvPr id="328" name="PlaceHolder 2"/>
+          <p:cNvSpPr>
+            <a:spLocks noGrp="1"/>
+          </p:cNvSpPr>
+          <p:nvPr>
+            <p:ph type="body"/>
+          </p:nvPr>
+        </p:nvSpPr>
+        <p:spPr>
+          <a:xfrm>
+            <a:off x="2194560" y="7702560"/>
+            <a:ext cx="19276560" cy="9106560"/>
+          </a:xfrm>
+          <a:prstGeom prst="rect">
+            <a:avLst/>
+          </a:prstGeom>
+        </p:spPr>
+        <p:txBody>
+          <a:bodyPr lIns="0" rIns="0" tIns="0" bIns="0"/>
+          <a:p>
+            <a:endParaRPr/>
+          </a:p>
+        </p:txBody>
+      </p:sp>
+      <p:sp>
+        <p:nvSpPr>
+          <p:cNvPr id="329" name="PlaceHolder 3"/>
+          <p:cNvSpPr>
+            <a:spLocks noGrp="1"/>
+          </p:cNvSpPr>
+          <p:nvPr>
+            <p:ph type="body"/>
+          </p:nvPr>
+        </p:nvSpPr>
+        <p:spPr>
+          <a:xfrm>
+            <a:off x="22435200" y="7702560"/>
+            <a:ext cx="19276560" cy="9106560"/>
+          </a:xfrm>
+          <a:prstGeom prst="rect">
+            <a:avLst/>
+          </a:prstGeom>
+        </p:spPr>
+        <p:txBody>
+          <a:bodyPr lIns="0" rIns="0" tIns="0" bIns="0"/>
+          <a:p>
+            <a:endParaRPr/>
+          </a:p>
+        </p:txBody>
+      </p:sp>
+      <p:sp>
+        <p:nvSpPr>
+          <p:cNvPr id="330" name="PlaceHolder 4"/>
+          <p:cNvSpPr>
+            <a:spLocks noGrp="1"/>
+          </p:cNvSpPr>
+          <p:nvPr>
+            <p:ph type="body"/>
+          </p:nvPr>
+        </p:nvSpPr>
+        <p:spPr>
+          <a:xfrm>
+            <a:off x="22435200" y="17674560"/>
+            <a:ext cx="19276560" cy="9106560"/>
+          </a:xfrm>
+          <a:prstGeom prst="rect">
+            <a:avLst/>
+          </a:prstGeom>
+        </p:spPr>
+        <p:txBody>
+          <a:bodyPr lIns="0" rIns="0" tIns="0" bIns="0"/>
+          <a:p>
+            <a:endParaRPr/>
+          </a:p>
+        </p:txBody>
+      </p:sp>
+      <p:sp>
+        <p:nvSpPr>
+          <p:cNvPr id="331" name="PlaceHolder 5"/>
+          <p:cNvSpPr>
+            <a:spLocks noGrp="1"/>
+          </p:cNvSpPr>
+          <p:nvPr>
+            <p:ph type="body"/>
+          </p:nvPr>
+        </p:nvSpPr>
+        <p:spPr>
+          <a:xfrm>
+            <a:off x="2194560" y="17674560"/>
+            <a:ext cx="19276560" cy="9106560"/>
+          </a:xfrm>
+          <a:prstGeom prst="rect">
+            <a:avLst/>
+          </a:prstGeom>
+        </p:spPr>
+        <p:txBody>
+          <a:bodyPr lIns="0" rIns="0" tIns="0" bIns="0"/>
+          <a:p>
+            <a:endParaRPr/>
+          </a:p>
+        </p:txBody>
+      </p:sp>
+    </p:spTree>
+  </p:cSld>
+</p:sldLayout>
+</file>
+
+<file path=ppt/slideLayouts/slideLayout108.xml><?xml version="1.0" encoding="utf-8"?>
+<p:sldLayout xmlns:a="http://schemas.openxmlformats.org/drawingml/2006/main" xmlns:p="http://schemas.openxmlformats.org/presentationml/2006/main" xmlns:r="http://schemas.openxmlformats.org/officeDocument/2006/relationships" type="blank" preserve="1">
+  <p:cSld name="Title, 6 Content">
+    <p:spTree>
+      <p:nvGrpSpPr>
+        <p:cNvPr id="1" name=""/>
+        <p:cNvGrpSpPr/>
+        <p:nvPr/>
+      </p:nvGrpSpPr>
+      <p:grpSpPr>
+        <a:xfrm>
+          <a:off x="0" y="0"/>
+          <a:ext cx="0" cy="0"/>
+          <a:chOff x="0" y="0"/>
+          <a:chExt cx="0" cy="0"/>
+        </a:xfrm>
+      </p:grpSpPr>
+      <p:sp>
+        <p:nvSpPr>
+          <p:cNvPr id="332" name="PlaceHolder 1"/>
+          <p:cNvSpPr>
+            <a:spLocks noGrp="1"/>
+          </p:cNvSpPr>
+          <p:nvPr>
+            <p:ph type="title"/>
+          </p:nvPr>
+        </p:nvSpPr>
+        <p:spPr>
+          <a:xfrm>
+            <a:off x="2194560" y="1313280"/>
+            <a:ext cx="39501360" cy="5497200"/>
+          </a:xfrm>
+          <a:prstGeom prst="rect">
+            <a:avLst/>
+          </a:prstGeom>
+        </p:spPr>
+        <p:txBody>
+          <a:bodyPr lIns="0" rIns="0" tIns="0" bIns="0" anchor="ctr"/>
+          <a:p>
+            <a:pPr algn="ctr"/>
+            <a:endParaRPr/>
+          </a:p>
+        </p:txBody>
+      </p:sp>
+      <p:sp>
+        <p:nvSpPr>
+          <p:cNvPr id="333" name="PlaceHolder 2"/>
+          <p:cNvSpPr>
+            <a:spLocks noGrp="1"/>
+          </p:cNvSpPr>
+          <p:nvPr>
+            <p:ph type="body"/>
+          </p:nvPr>
+        </p:nvSpPr>
+        <p:spPr>
+          <a:xfrm>
+            <a:off x="2194560" y="7702560"/>
+            <a:ext cx="39501360" cy="19091880"/>
+          </a:xfrm>
+          <a:prstGeom prst="rect">
+            <a:avLst/>
+          </a:prstGeom>
+        </p:spPr>
+        <p:txBody>
+          <a:bodyPr lIns="0" rIns="0" tIns="0" bIns="0"/>
+          <a:p>
+            <a:endParaRPr/>
+          </a:p>
+        </p:txBody>
+      </p:sp>
+      <p:sp>
+        <p:nvSpPr>
+          <p:cNvPr id="334" name="PlaceHolder 3"/>
+          <p:cNvSpPr>
+            <a:spLocks noGrp="1"/>
+          </p:cNvSpPr>
+          <p:nvPr>
+            <p:ph type="body"/>
+          </p:nvPr>
+        </p:nvSpPr>
+        <p:spPr>
+          <a:xfrm>
+            <a:off x="2194560" y="7702560"/>
+            <a:ext cx="39501360" cy="19091880"/>
+          </a:xfrm>
+          <a:prstGeom prst="rect">
+            <a:avLst/>
+          </a:prstGeom>
+        </p:spPr>
+        <p:txBody>
+          <a:bodyPr lIns="0" rIns="0" tIns="0" bIns="0"/>
+          <a:p>
+            <a:endParaRPr/>
+          </a:p>
+        </p:txBody>
+      </p:sp>
+      <p:pic>
+        <p:nvPicPr>
+          <p:cNvPr id="335" name="" descr=""/>
+          <p:cNvPicPr/>
+          <p:nvPr/>
+        </p:nvPicPr>
+        <p:blipFill>
+          <a:blip r:embed="rId2"/>
+          <a:stretch>
+            <a:fillRect/>
+          </a:stretch>
+        </p:blipFill>
+        <p:spPr>
+          <a:xfrm>
+            <a:off x="9981000" y="7702200"/>
+            <a:ext cx="23928120" cy="19091880"/>
+          </a:xfrm>
+          <a:prstGeom prst="rect">
+            <a:avLst/>
+          </a:prstGeom>
+          <a:ln>
+            <a:noFill/>
+          </a:ln>
+        </p:spPr>
+      </p:pic>
+      <p:pic>
+        <p:nvPicPr>
+          <p:cNvPr id="336" name="" descr=""/>
+          <p:cNvPicPr/>
+          <p:nvPr/>
+        </p:nvPicPr>
+        <p:blipFill>
+          <a:blip r:embed="rId3"/>
+          <a:stretch>
+            <a:fillRect/>
+          </a:stretch>
+        </p:blipFill>
+        <p:spPr>
+          <a:xfrm>
+            <a:off x="9981000" y="7702200"/>
+            <a:ext cx="23928120" cy="19091880"/>
+          </a:xfrm>
+          <a:prstGeom prst="rect">
+            <a:avLst/>
+          </a:prstGeom>
+          <a:ln>
+            <a:noFill/>
+          </a:ln>
+        </p:spPr>
+      </p:pic>
+    </p:spTree>
+  </p:cSld>
+</p:sldLayout>
+</file>
+
+<file path=ppt/slideLayouts/slideLayout109.xml><?xml version="1.0" encoding="utf-8"?>
+<p:sldLayout xmlns:a="http://schemas.openxmlformats.org/drawingml/2006/main" xmlns:p="http://schemas.openxmlformats.org/presentationml/2006/main" xmlns:r="http://schemas.openxmlformats.org/officeDocument/2006/relationships" type="blank" preserve="1">
+  <p:cSld name="Blank Slide">
+    <p:spTree>
+      <p:nvGrpSpPr>
+        <p:cNvPr id="1" name=""/>
+        <p:cNvGrpSpPr/>
+        <p:nvPr/>
+      </p:nvGrpSpPr>
+      <p:grpSpPr>
+        <a:xfrm>
+          <a:off x="0" y="0"/>
+          <a:ext cx="0" cy="0"/>
+          <a:chOff x="0" y="0"/>
+          <a:chExt cx="0" cy="0"/>
+        </a:xfrm>
+      </p:grpSpPr>
     </p:spTree>
   </p:cSld>
 </p:sldLayout>
@@ -458,7 +1467,7 @@
         <p:spPr>
           <a:xfrm>
             <a:off x="2194560" y="1313280"/>
-            <a:ext cx="39501720" cy="5497200"/>
+            <a:ext cx="39501360" cy="5497200"/>
           </a:xfrm>
           <a:prstGeom prst="rect">
             <a:avLst/>
@@ -485,7 +1494,7 @@
         <p:spPr>
           <a:xfrm>
             <a:off x="2194560" y="7702560"/>
-            <a:ext cx="19276560" cy="9106920"/>
+            <a:ext cx="19276560" cy="9106560"/>
           </a:xfrm>
           <a:prstGeom prst="rect">
             <a:avLst/>
@@ -511,7 +1520,7 @@
         <p:spPr>
           <a:xfrm>
             <a:off x="22435200" y="7702560"/>
-            <a:ext cx="19276560" cy="9106920"/>
+            <a:ext cx="19276560" cy="9106560"/>
           </a:xfrm>
           <a:prstGeom prst="rect">
             <a:avLst/>
@@ -536,8 +1545,8 @@
         </p:nvSpPr>
         <p:spPr>
           <a:xfrm>
-            <a:off x="22435200" y="17674920"/>
-            <a:ext cx="19276560" cy="9106920"/>
+            <a:off x="22435200" y="17674560"/>
+            <a:ext cx="19276560" cy="9106560"/>
           </a:xfrm>
           <a:prstGeom prst="rect">
             <a:avLst/>
@@ -562,8 +1571,993 @@
         </p:nvSpPr>
         <p:spPr>
           <a:xfrm>
-            <a:off x="2194560" y="17674920"/>
-            <a:ext cx="19276560" cy="9106920"/>
+            <a:off x="2194560" y="17674560"/>
+            <a:ext cx="19276560" cy="9106560"/>
+          </a:xfrm>
+          <a:prstGeom prst="rect">
+            <a:avLst/>
+          </a:prstGeom>
+        </p:spPr>
+        <p:txBody>
+          <a:bodyPr lIns="0" rIns="0" tIns="0" bIns="0"/>
+          <a:p>
+            <a:endParaRPr/>
+          </a:p>
+        </p:txBody>
+      </p:sp>
+    </p:spTree>
+  </p:cSld>
+</p:sldLayout>
+</file>
+
+<file path=ppt/slideLayouts/slideLayout110.xml><?xml version="1.0" encoding="utf-8"?>
+<p:sldLayout xmlns:a="http://schemas.openxmlformats.org/drawingml/2006/main" xmlns:p="http://schemas.openxmlformats.org/presentationml/2006/main" xmlns:r="http://schemas.openxmlformats.org/officeDocument/2006/relationships" type="tx" preserve="1">
+  <p:cSld name="Title Slide">
+    <p:spTree>
+      <p:nvGrpSpPr>
+        <p:cNvPr id="1" name=""/>
+        <p:cNvGrpSpPr/>
+        <p:nvPr/>
+      </p:nvGrpSpPr>
+      <p:grpSpPr>
+        <a:xfrm>
+          <a:off x="0" y="0"/>
+          <a:ext cx="0" cy="0"/>
+          <a:chOff x="0" y="0"/>
+          <a:chExt cx="0" cy="0"/>
+        </a:xfrm>
+      </p:grpSpPr>
+      <p:sp>
+        <p:nvSpPr>
+          <p:cNvPr id="344" name="PlaceHolder 1"/>
+          <p:cNvSpPr>
+            <a:spLocks noGrp="1"/>
+          </p:cNvSpPr>
+          <p:nvPr>
+            <p:ph type="title"/>
+          </p:nvPr>
+        </p:nvSpPr>
+        <p:spPr>
+          <a:xfrm>
+            <a:off x="2194560" y="1313280"/>
+            <a:ext cx="39501360" cy="5497200"/>
+          </a:xfrm>
+          <a:prstGeom prst="rect">
+            <a:avLst/>
+          </a:prstGeom>
+        </p:spPr>
+        <p:txBody>
+          <a:bodyPr lIns="0" rIns="0" tIns="0" bIns="0" anchor="ctr"/>
+          <a:p>
+            <a:pPr algn="ctr"/>
+            <a:endParaRPr/>
+          </a:p>
+        </p:txBody>
+      </p:sp>
+      <p:sp>
+        <p:nvSpPr>
+          <p:cNvPr id="345" name="PlaceHolder 2"/>
+          <p:cNvSpPr>
+            <a:spLocks noGrp="1"/>
+          </p:cNvSpPr>
+          <p:nvPr>
+            <p:ph type="subTitle"/>
+          </p:nvPr>
+        </p:nvSpPr>
+        <p:spPr>
+          <a:xfrm>
+            <a:off x="2194560" y="7702560"/>
+            <a:ext cx="39501360" cy="19092240"/>
+          </a:xfrm>
+          <a:prstGeom prst="rect">
+            <a:avLst/>
+          </a:prstGeom>
+        </p:spPr>
+        <p:txBody>
+          <a:bodyPr lIns="0" rIns="0" tIns="0" bIns="0" anchor="ctr"/>
+          <a:p>
+            <a:pPr algn="ctr"/>
+            <a:endParaRPr/>
+          </a:p>
+        </p:txBody>
+      </p:sp>
+    </p:spTree>
+  </p:cSld>
+</p:sldLayout>
+</file>
+
+<file path=ppt/slideLayouts/slideLayout111.xml><?xml version="1.0" encoding="utf-8"?>
+<p:sldLayout xmlns:a="http://schemas.openxmlformats.org/drawingml/2006/main" xmlns:p="http://schemas.openxmlformats.org/presentationml/2006/main" xmlns:r="http://schemas.openxmlformats.org/officeDocument/2006/relationships" type="obj" preserve="1">
+  <p:cSld name="Title, Content">
+    <p:spTree>
+      <p:nvGrpSpPr>
+        <p:cNvPr id="1" name=""/>
+        <p:cNvGrpSpPr/>
+        <p:nvPr/>
+      </p:nvGrpSpPr>
+      <p:grpSpPr>
+        <a:xfrm>
+          <a:off x="0" y="0"/>
+          <a:ext cx="0" cy="0"/>
+          <a:chOff x="0" y="0"/>
+          <a:chExt cx="0" cy="0"/>
+        </a:xfrm>
+      </p:grpSpPr>
+      <p:sp>
+        <p:nvSpPr>
+          <p:cNvPr id="346" name="PlaceHolder 1"/>
+          <p:cNvSpPr>
+            <a:spLocks noGrp="1"/>
+          </p:cNvSpPr>
+          <p:nvPr>
+            <p:ph type="title"/>
+          </p:nvPr>
+        </p:nvSpPr>
+        <p:spPr>
+          <a:xfrm>
+            <a:off x="2194560" y="1313280"/>
+            <a:ext cx="39501360" cy="5497200"/>
+          </a:xfrm>
+          <a:prstGeom prst="rect">
+            <a:avLst/>
+          </a:prstGeom>
+        </p:spPr>
+        <p:txBody>
+          <a:bodyPr lIns="0" rIns="0" tIns="0" bIns="0" anchor="ctr"/>
+          <a:p>
+            <a:pPr algn="ctr"/>
+            <a:endParaRPr/>
+          </a:p>
+        </p:txBody>
+      </p:sp>
+      <p:sp>
+        <p:nvSpPr>
+          <p:cNvPr id="347" name="PlaceHolder 2"/>
+          <p:cNvSpPr>
+            <a:spLocks noGrp="1"/>
+          </p:cNvSpPr>
+          <p:nvPr>
+            <p:ph type="body"/>
+          </p:nvPr>
+        </p:nvSpPr>
+        <p:spPr>
+          <a:xfrm>
+            <a:off x="2194560" y="7702560"/>
+            <a:ext cx="39501360" cy="19091880"/>
+          </a:xfrm>
+          <a:prstGeom prst="rect">
+            <a:avLst/>
+          </a:prstGeom>
+        </p:spPr>
+        <p:txBody>
+          <a:bodyPr lIns="0" rIns="0" tIns="0" bIns="0"/>
+          <a:p>
+            <a:endParaRPr/>
+          </a:p>
+        </p:txBody>
+      </p:sp>
+    </p:spTree>
+  </p:cSld>
+</p:sldLayout>
+</file>
+
+<file path=ppt/slideLayouts/slideLayout112.xml><?xml version="1.0" encoding="utf-8"?>
+<p:sldLayout xmlns:a="http://schemas.openxmlformats.org/drawingml/2006/main" xmlns:p="http://schemas.openxmlformats.org/presentationml/2006/main" xmlns:r="http://schemas.openxmlformats.org/officeDocument/2006/relationships" type="twoObj" preserve="1">
+  <p:cSld name="Title, 2 Content">
+    <p:spTree>
+      <p:nvGrpSpPr>
+        <p:cNvPr id="1" name=""/>
+        <p:cNvGrpSpPr/>
+        <p:nvPr/>
+      </p:nvGrpSpPr>
+      <p:grpSpPr>
+        <a:xfrm>
+          <a:off x="0" y="0"/>
+          <a:ext cx="0" cy="0"/>
+          <a:chOff x="0" y="0"/>
+          <a:chExt cx="0" cy="0"/>
+        </a:xfrm>
+      </p:grpSpPr>
+      <p:sp>
+        <p:nvSpPr>
+          <p:cNvPr id="348" name="PlaceHolder 1"/>
+          <p:cNvSpPr>
+            <a:spLocks noGrp="1"/>
+          </p:cNvSpPr>
+          <p:nvPr>
+            <p:ph type="title"/>
+          </p:nvPr>
+        </p:nvSpPr>
+        <p:spPr>
+          <a:xfrm>
+            <a:off x="2194560" y="1313280"/>
+            <a:ext cx="39501360" cy="5497200"/>
+          </a:xfrm>
+          <a:prstGeom prst="rect">
+            <a:avLst/>
+          </a:prstGeom>
+        </p:spPr>
+        <p:txBody>
+          <a:bodyPr lIns="0" rIns="0" tIns="0" bIns="0" anchor="ctr"/>
+          <a:p>
+            <a:pPr algn="ctr"/>
+            <a:endParaRPr/>
+          </a:p>
+        </p:txBody>
+      </p:sp>
+      <p:sp>
+        <p:nvSpPr>
+          <p:cNvPr id="349" name="PlaceHolder 2"/>
+          <p:cNvSpPr>
+            <a:spLocks noGrp="1"/>
+          </p:cNvSpPr>
+          <p:nvPr>
+            <p:ph type="body"/>
+          </p:nvPr>
+        </p:nvSpPr>
+        <p:spPr>
+          <a:xfrm>
+            <a:off x="2194560" y="7702560"/>
+            <a:ext cx="19276560" cy="19091880"/>
+          </a:xfrm>
+          <a:prstGeom prst="rect">
+            <a:avLst/>
+          </a:prstGeom>
+        </p:spPr>
+        <p:txBody>
+          <a:bodyPr lIns="0" rIns="0" tIns="0" bIns="0"/>
+          <a:p>
+            <a:endParaRPr/>
+          </a:p>
+        </p:txBody>
+      </p:sp>
+      <p:sp>
+        <p:nvSpPr>
+          <p:cNvPr id="350" name="PlaceHolder 3"/>
+          <p:cNvSpPr>
+            <a:spLocks noGrp="1"/>
+          </p:cNvSpPr>
+          <p:nvPr>
+            <p:ph type="body"/>
+          </p:nvPr>
+        </p:nvSpPr>
+        <p:spPr>
+          <a:xfrm>
+            <a:off x="22435200" y="7702560"/>
+            <a:ext cx="19276560" cy="19091880"/>
+          </a:xfrm>
+          <a:prstGeom prst="rect">
+            <a:avLst/>
+          </a:prstGeom>
+        </p:spPr>
+        <p:txBody>
+          <a:bodyPr lIns="0" rIns="0" tIns="0" bIns="0"/>
+          <a:p>
+            <a:endParaRPr/>
+          </a:p>
+        </p:txBody>
+      </p:sp>
+    </p:spTree>
+  </p:cSld>
+</p:sldLayout>
+</file>
+
+<file path=ppt/slideLayouts/slideLayout113.xml><?xml version="1.0" encoding="utf-8"?>
+<p:sldLayout xmlns:a="http://schemas.openxmlformats.org/drawingml/2006/main" xmlns:p="http://schemas.openxmlformats.org/presentationml/2006/main" xmlns:r="http://schemas.openxmlformats.org/officeDocument/2006/relationships" type="titleOnly" preserve="1">
+  <p:cSld name="Title Only">
+    <p:spTree>
+      <p:nvGrpSpPr>
+        <p:cNvPr id="1" name=""/>
+        <p:cNvGrpSpPr/>
+        <p:nvPr/>
+      </p:nvGrpSpPr>
+      <p:grpSpPr>
+        <a:xfrm>
+          <a:off x="0" y="0"/>
+          <a:ext cx="0" cy="0"/>
+          <a:chOff x="0" y="0"/>
+          <a:chExt cx="0" cy="0"/>
+        </a:xfrm>
+      </p:grpSpPr>
+      <p:sp>
+        <p:nvSpPr>
+          <p:cNvPr id="351" name="PlaceHolder 1"/>
+          <p:cNvSpPr>
+            <a:spLocks noGrp="1"/>
+          </p:cNvSpPr>
+          <p:nvPr>
+            <p:ph type="title"/>
+          </p:nvPr>
+        </p:nvSpPr>
+        <p:spPr>
+          <a:xfrm>
+            <a:off x="2194560" y="1313280"/>
+            <a:ext cx="39501360" cy="5497200"/>
+          </a:xfrm>
+          <a:prstGeom prst="rect">
+            <a:avLst/>
+          </a:prstGeom>
+        </p:spPr>
+        <p:txBody>
+          <a:bodyPr lIns="0" rIns="0" tIns="0" bIns="0" anchor="ctr"/>
+          <a:p>
+            <a:pPr algn="ctr"/>
+            <a:endParaRPr/>
+          </a:p>
+        </p:txBody>
+      </p:sp>
+    </p:spTree>
+  </p:cSld>
+</p:sldLayout>
+</file>
+
+<file path=ppt/slideLayouts/slideLayout114.xml><?xml version="1.0" encoding="utf-8"?>
+<p:sldLayout xmlns:a="http://schemas.openxmlformats.org/drawingml/2006/main" xmlns:p="http://schemas.openxmlformats.org/presentationml/2006/main" xmlns:r="http://schemas.openxmlformats.org/officeDocument/2006/relationships" type="objOnly" preserve="1">
+  <p:cSld name="Centered Text">
+    <p:spTree>
+      <p:nvGrpSpPr>
+        <p:cNvPr id="1" name=""/>
+        <p:cNvGrpSpPr/>
+        <p:nvPr/>
+      </p:nvGrpSpPr>
+      <p:grpSpPr>
+        <a:xfrm>
+          <a:off x="0" y="0"/>
+          <a:ext cx="0" cy="0"/>
+          <a:chOff x="0" y="0"/>
+          <a:chExt cx="0" cy="0"/>
+        </a:xfrm>
+      </p:grpSpPr>
+      <p:sp>
+        <p:nvSpPr>
+          <p:cNvPr id="352" name="PlaceHolder 1"/>
+          <p:cNvSpPr>
+            <a:spLocks noGrp="1"/>
+          </p:cNvSpPr>
+          <p:nvPr>
+            <p:ph type="subTitle"/>
+          </p:nvPr>
+        </p:nvSpPr>
+        <p:spPr>
+          <a:xfrm>
+            <a:off x="2194560" y="1313280"/>
+            <a:ext cx="39501360" cy="25481880"/>
+          </a:xfrm>
+          <a:prstGeom prst="rect">
+            <a:avLst/>
+          </a:prstGeom>
+        </p:spPr>
+        <p:txBody>
+          <a:bodyPr lIns="0" rIns="0" tIns="0" bIns="0" anchor="ctr"/>
+          <a:p>
+            <a:pPr algn="ctr"/>
+            <a:endParaRPr/>
+          </a:p>
+        </p:txBody>
+      </p:sp>
+    </p:spTree>
+  </p:cSld>
+</p:sldLayout>
+</file>
+
+<file path=ppt/slideLayouts/slideLayout115.xml><?xml version="1.0" encoding="utf-8"?>
+<p:sldLayout xmlns:a="http://schemas.openxmlformats.org/drawingml/2006/main" xmlns:p="http://schemas.openxmlformats.org/presentationml/2006/main" xmlns:r="http://schemas.openxmlformats.org/officeDocument/2006/relationships" type="twoObjAndObj" preserve="1">
+  <p:cSld name="Title, 2 Content and Content">
+    <p:spTree>
+      <p:nvGrpSpPr>
+        <p:cNvPr id="1" name=""/>
+        <p:cNvGrpSpPr/>
+        <p:nvPr/>
+      </p:nvGrpSpPr>
+      <p:grpSpPr>
+        <a:xfrm>
+          <a:off x="0" y="0"/>
+          <a:ext cx="0" cy="0"/>
+          <a:chOff x="0" y="0"/>
+          <a:chExt cx="0" cy="0"/>
+        </a:xfrm>
+      </p:grpSpPr>
+      <p:sp>
+        <p:nvSpPr>
+          <p:cNvPr id="353" name="PlaceHolder 1"/>
+          <p:cNvSpPr>
+            <a:spLocks noGrp="1"/>
+          </p:cNvSpPr>
+          <p:nvPr>
+            <p:ph type="title"/>
+          </p:nvPr>
+        </p:nvSpPr>
+        <p:spPr>
+          <a:xfrm>
+            <a:off x="2194560" y="1313280"/>
+            <a:ext cx="39501360" cy="5497200"/>
+          </a:xfrm>
+          <a:prstGeom prst="rect">
+            <a:avLst/>
+          </a:prstGeom>
+        </p:spPr>
+        <p:txBody>
+          <a:bodyPr lIns="0" rIns="0" tIns="0" bIns="0" anchor="ctr"/>
+          <a:p>
+            <a:pPr algn="ctr"/>
+            <a:endParaRPr/>
+          </a:p>
+        </p:txBody>
+      </p:sp>
+      <p:sp>
+        <p:nvSpPr>
+          <p:cNvPr id="354" name="PlaceHolder 2"/>
+          <p:cNvSpPr>
+            <a:spLocks noGrp="1"/>
+          </p:cNvSpPr>
+          <p:nvPr>
+            <p:ph type="body"/>
+          </p:nvPr>
+        </p:nvSpPr>
+        <p:spPr>
+          <a:xfrm>
+            <a:off x="2194560" y="7702560"/>
+            <a:ext cx="19276560" cy="9106560"/>
+          </a:xfrm>
+          <a:prstGeom prst="rect">
+            <a:avLst/>
+          </a:prstGeom>
+        </p:spPr>
+        <p:txBody>
+          <a:bodyPr lIns="0" rIns="0" tIns="0" bIns="0"/>
+          <a:p>
+            <a:endParaRPr/>
+          </a:p>
+        </p:txBody>
+      </p:sp>
+      <p:sp>
+        <p:nvSpPr>
+          <p:cNvPr id="355" name="PlaceHolder 3"/>
+          <p:cNvSpPr>
+            <a:spLocks noGrp="1"/>
+          </p:cNvSpPr>
+          <p:nvPr>
+            <p:ph type="body"/>
+          </p:nvPr>
+        </p:nvSpPr>
+        <p:spPr>
+          <a:xfrm>
+            <a:off x="2194560" y="17674560"/>
+            <a:ext cx="19276560" cy="9106560"/>
+          </a:xfrm>
+          <a:prstGeom prst="rect">
+            <a:avLst/>
+          </a:prstGeom>
+        </p:spPr>
+        <p:txBody>
+          <a:bodyPr lIns="0" rIns="0" tIns="0" bIns="0"/>
+          <a:p>
+            <a:endParaRPr/>
+          </a:p>
+        </p:txBody>
+      </p:sp>
+      <p:sp>
+        <p:nvSpPr>
+          <p:cNvPr id="356" name="PlaceHolder 4"/>
+          <p:cNvSpPr>
+            <a:spLocks noGrp="1"/>
+          </p:cNvSpPr>
+          <p:nvPr>
+            <p:ph type="body"/>
+          </p:nvPr>
+        </p:nvSpPr>
+        <p:spPr>
+          <a:xfrm>
+            <a:off x="22435200" y="7702560"/>
+            <a:ext cx="19276560" cy="19091880"/>
+          </a:xfrm>
+          <a:prstGeom prst="rect">
+            <a:avLst/>
+          </a:prstGeom>
+        </p:spPr>
+        <p:txBody>
+          <a:bodyPr lIns="0" rIns="0" tIns="0" bIns="0"/>
+          <a:p>
+            <a:endParaRPr/>
+          </a:p>
+        </p:txBody>
+      </p:sp>
+    </p:spTree>
+  </p:cSld>
+</p:sldLayout>
+</file>
+
+<file path=ppt/slideLayouts/slideLayout116.xml><?xml version="1.0" encoding="utf-8"?>
+<p:sldLayout xmlns:a="http://schemas.openxmlformats.org/drawingml/2006/main" xmlns:p="http://schemas.openxmlformats.org/presentationml/2006/main" xmlns:r="http://schemas.openxmlformats.org/officeDocument/2006/relationships" type="objAndTwoObj" preserve="1">
+  <p:cSld name="Title Content and 2 Content">
+    <p:spTree>
+      <p:nvGrpSpPr>
+        <p:cNvPr id="1" name=""/>
+        <p:cNvGrpSpPr/>
+        <p:nvPr/>
+      </p:nvGrpSpPr>
+      <p:grpSpPr>
+        <a:xfrm>
+          <a:off x="0" y="0"/>
+          <a:ext cx="0" cy="0"/>
+          <a:chOff x="0" y="0"/>
+          <a:chExt cx="0" cy="0"/>
+        </a:xfrm>
+      </p:grpSpPr>
+      <p:sp>
+        <p:nvSpPr>
+          <p:cNvPr id="357" name="PlaceHolder 1"/>
+          <p:cNvSpPr>
+            <a:spLocks noGrp="1"/>
+          </p:cNvSpPr>
+          <p:nvPr>
+            <p:ph type="title"/>
+          </p:nvPr>
+        </p:nvSpPr>
+        <p:spPr>
+          <a:xfrm>
+            <a:off x="2194560" y="1313280"/>
+            <a:ext cx="39501360" cy="5497200"/>
+          </a:xfrm>
+          <a:prstGeom prst="rect">
+            <a:avLst/>
+          </a:prstGeom>
+        </p:spPr>
+        <p:txBody>
+          <a:bodyPr lIns="0" rIns="0" tIns="0" bIns="0" anchor="ctr"/>
+          <a:p>
+            <a:pPr algn="ctr"/>
+            <a:endParaRPr/>
+          </a:p>
+        </p:txBody>
+      </p:sp>
+      <p:sp>
+        <p:nvSpPr>
+          <p:cNvPr id="358" name="PlaceHolder 2"/>
+          <p:cNvSpPr>
+            <a:spLocks noGrp="1"/>
+          </p:cNvSpPr>
+          <p:nvPr>
+            <p:ph type="body"/>
+          </p:nvPr>
+        </p:nvSpPr>
+        <p:spPr>
+          <a:xfrm>
+            <a:off x="2194560" y="7702560"/>
+            <a:ext cx="19276560" cy="19091880"/>
+          </a:xfrm>
+          <a:prstGeom prst="rect">
+            <a:avLst/>
+          </a:prstGeom>
+        </p:spPr>
+        <p:txBody>
+          <a:bodyPr lIns="0" rIns="0" tIns="0" bIns="0"/>
+          <a:p>
+            <a:endParaRPr/>
+          </a:p>
+        </p:txBody>
+      </p:sp>
+      <p:sp>
+        <p:nvSpPr>
+          <p:cNvPr id="359" name="PlaceHolder 3"/>
+          <p:cNvSpPr>
+            <a:spLocks noGrp="1"/>
+          </p:cNvSpPr>
+          <p:nvPr>
+            <p:ph type="body"/>
+          </p:nvPr>
+        </p:nvSpPr>
+        <p:spPr>
+          <a:xfrm>
+            <a:off x="22435200" y="7702560"/>
+            <a:ext cx="19276560" cy="9106560"/>
+          </a:xfrm>
+          <a:prstGeom prst="rect">
+            <a:avLst/>
+          </a:prstGeom>
+        </p:spPr>
+        <p:txBody>
+          <a:bodyPr lIns="0" rIns="0" tIns="0" bIns="0"/>
+          <a:p>
+            <a:endParaRPr/>
+          </a:p>
+        </p:txBody>
+      </p:sp>
+      <p:sp>
+        <p:nvSpPr>
+          <p:cNvPr id="360" name="PlaceHolder 4"/>
+          <p:cNvSpPr>
+            <a:spLocks noGrp="1"/>
+          </p:cNvSpPr>
+          <p:nvPr>
+            <p:ph type="body"/>
+          </p:nvPr>
+        </p:nvSpPr>
+        <p:spPr>
+          <a:xfrm>
+            <a:off x="22435200" y="17674560"/>
+            <a:ext cx="19276560" cy="9106560"/>
+          </a:xfrm>
+          <a:prstGeom prst="rect">
+            <a:avLst/>
+          </a:prstGeom>
+        </p:spPr>
+        <p:txBody>
+          <a:bodyPr lIns="0" rIns="0" tIns="0" bIns="0"/>
+          <a:p>
+            <a:endParaRPr/>
+          </a:p>
+        </p:txBody>
+      </p:sp>
+    </p:spTree>
+  </p:cSld>
+</p:sldLayout>
+</file>
+
+<file path=ppt/slideLayouts/slideLayout117.xml><?xml version="1.0" encoding="utf-8"?>
+<p:sldLayout xmlns:a="http://schemas.openxmlformats.org/drawingml/2006/main" xmlns:p="http://schemas.openxmlformats.org/presentationml/2006/main" xmlns:r="http://schemas.openxmlformats.org/officeDocument/2006/relationships" type="twoObjOverTx" preserve="1">
+  <p:cSld name="Title, 2 Content over Content">
+    <p:spTree>
+      <p:nvGrpSpPr>
+        <p:cNvPr id="1" name=""/>
+        <p:cNvGrpSpPr/>
+        <p:nvPr/>
+      </p:nvGrpSpPr>
+      <p:grpSpPr>
+        <a:xfrm>
+          <a:off x="0" y="0"/>
+          <a:ext cx="0" cy="0"/>
+          <a:chOff x="0" y="0"/>
+          <a:chExt cx="0" cy="0"/>
+        </a:xfrm>
+      </p:grpSpPr>
+      <p:sp>
+        <p:nvSpPr>
+          <p:cNvPr id="361" name="PlaceHolder 1"/>
+          <p:cNvSpPr>
+            <a:spLocks noGrp="1"/>
+          </p:cNvSpPr>
+          <p:nvPr>
+            <p:ph type="title"/>
+          </p:nvPr>
+        </p:nvSpPr>
+        <p:spPr>
+          <a:xfrm>
+            <a:off x="2194560" y="1313280"/>
+            <a:ext cx="39501360" cy="5497200"/>
+          </a:xfrm>
+          <a:prstGeom prst="rect">
+            <a:avLst/>
+          </a:prstGeom>
+        </p:spPr>
+        <p:txBody>
+          <a:bodyPr lIns="0" rIns="0" tIns="0" bIns="0" anchor="ctr"/>
+          <a:p>
+            <a:pPr algn="ctr"/>
+            <a:endParaRPr/>
+          </a:p>
+        </p:txBody>
+      </p:sp>
+      <p:sp>
+        <p:nvSpPr>
+          <p:cNvPr id="362" name="PlaceHolder 2"/>
+          <p:cNvSpPr>
+            <a:spLocks noGrp="1"/>
+          </p:cNvSpPr>
+          <p:nvPr>
+            <p:ph type="body"/>
+          </p:nvPr>
+        </p:nvSpPr>
+        <p:spPr>
+          <a:xfrm>
+            <a:off x="2194560" y="7702560"/>
+            <a:ext cx="19276560" cy="9106560"/>
+          </a:xfrm>
+          <a:prstGeom prst="rect">
+            <a:avLst/>
+          </a:prstGeom>
+        </p:spPr>
+        <p:txBody>
+          <a:bodyPr lIns="0" rIns="0" tIns="0" bIns="0"/>
+          <a:p>
+            <a:endParaRPr/>
+          </a:p>
+        </p:txBody>
+      </p:sp>
+      <p:sp>
+        <p:nvSpPr>
+          <p:cNvPr id="363" name="PlaceHolder 3"/>
+          <p:cNvSpPr>
+            <a:spLocks noGrp="1"/>
+          </p:cNvSpPr>
+          <p:nvPr>
+            <p:ph type="body"/>
+          </p:nvPr>
+        </p:nvSpPr>
+        <p:spPr>
+          <a:xfrm>
+            <a:off x="22435200" y="7702560"/>
+            <a:ext cx="19276560" cy="9106560"/>
+          </a:xfrm>
+          <a:prstGeom prst="rect">
+            <a:avLst/>
+          </a:prstGeom>
+        </p:spPr>
+        <p:txBody>
+          <a:bodyPr lIns="0" rIns="0" tIns="0" bIns="0"/>
+          <a:p>
+            <a:endParaRPr/>
+          </a:p>
+        </p:txBody>
+      </p:sp>
+      <p:sp>
+        <p:nvSpPr>
+          <p:cNvPr id="364" name="PlaceHolder 4"/>
+          <p:cNvSpPr>
+            <a:spLocks noGrp="1"/>
+          </p:cNvSpPr>
+          <p:nvPr>
+            <p:ph type="body"/>
+          </p:nvPr>
+        </p:nvSpPr>
+        <p:spPr>
+          <a:xfrm>
+            <a:off x="2194560" y="17674560"/>
+            <a:ext cx="39501360" cy="9106560"/>
+          </a:xfrm>
+          <a:prstGeom prst="rect">
+            <a:avLst/>
+          </a:prstGeom>
+        </p:spPr>
+        <p:txBody>
+          <a:bodyPr lIns="0" rIns="0" tIns="0" bIns="0"/>
+          <a:p>
+            <a:endParaRPr/>
+          </a:p>
+        </p:txBody>
+      </p:sp>
+    </p:spTree>
+  </p:cSld>
+</p:sldLayout>
+</file>
+
+<file path=ppt/slideLayouts/slideLayout118.xml><?xml version="1.0" encoding="utf-8"?>
+<p:sldLayout xmlns:a="http://schemas.openxmlformats.org/drawingml/2006/main" xmlns:p="http://schemas.openxmlformats.org/presentationml/2006/main" xmlns:r="http://schemas.openxmlformats.org/officeDocument/2006/relationships" type="objOverTx" preserve="1">
+  <p:cSld name="Title, Content over Content">
+    <p:spTree>
+      <p:nvGrpSpPr>
+        <p:cNvPr id="1" name=""/>
+        <p:cNvGrpSpPr/>
+        <p:nvPr/>
+      </p:nvGrpSpPr>
+      <p:grpSpPr>
+        <a:xfrm>
+          <a:off x="0" y="0"/>
+          <a:ext cx="0" cy="0"/>
+          <a:chOff x="0" y="0"/>
+          <a:chExt cx="0" cy="0"/>
+        </a:xfrm>
+      </p:grpSpPr>
+      <p:sp>
+        <p:nvSpPr>
+          <p:cNvPr id="365" name="PlaceHolder 1"/>
+          <p:cNvSpPr>
+            <a:spLocks noGrp="1"/>
+          </p:cNvSpPr>
+          <p:nvPr>
+            <p:ph type="title"/>
+          </p:nvPr>
+        </p:nvSpPr>
+        <p:spPr>
+          <a:xfrm>
+            <a:off x="2194560" y="1313280"/>
+            <a:ext cx="39501360" cy="5497200"/>
+          </a:xfrm>
+          <a:prstGeom prst="rect">
+            <a:avLst/>
+          </a:prstGeom>
+        </p:spPr>
+        <p:txBody>
+          <a:bodyPr lIns="0" rIns="0" tIns="0" bIns="0" anchor="ctr"/>
+          <a:p>
+            <a:pPr algn="ctr"/>
+            <a:endParaRPr/>
+          </a:p>
+        </p:txBody>
+      </p:sp>
+      <p:sp>
+        <p:nvSpPr>
+          <p:cNvPr id="366" name="PlaceHolder 2"/>
+          <p:cNvSpPr>
+            <a:spLocks noGrp="1"/>
+          </p:cNvSpPr>
+          <p:nvPr>
+            <p:ph type="body"/>
+          </p:nvPr>
+        </p:nvSpPr>
+        <p:spPr>
+          <a:xfrm>
+            <a:off x="2194560" y="7702560"/>
+            <a:ext cx="39501360" cy="9106560"/>
+          </a:xfrm>
+          <a:prstGeom prst="rect">
+            <a:avLst/>
+          </a:prstGeom>
+        </p:spPr>
+        <p:txBody>
+          <a:bodyPr lIns="0" rIns="0" tIns="0" bIns="0"/>
+          <a:p>
+            <a:endParaRPr/>
+          </a:p>
+        </p:txBody>
+      </p:sp>
+      <p:sp>
+        <p:nvSpPr>
+          <p:cNvPr id="367" name="PlaceHolder 3"/>
+          <p:cNvSpPr>
+            <a:spLocks noGrp="1"/>
+          </p:cNvSpPr>
+          <p:nvPr>
+            <p:ph type="body"/>
+          </p:nvPr>
+        </p:nvSpPr>
+        <p:spPr>
+          <a:xfrm>
+            <a:off x="2194560" y="17674560"/>
+            <a:ext cx="39501360" cy="9106560"/>
+          </a:xfrm>
+          <a:prstGeom prst="rect">
+            <a:avLst/>
+          </a:prstGeom>
+        </p:spPr>
+        <p:txBody>
+          <a:bodyPr lIns="0" rIns="0" tIns="0" bIns="0"/>
+          <a:p>
+            <a:endParaRPr/>
+          </a:p>
+        </p:txBody>
+      </p:sp>
+    </p:spTree>
+  </p:cSld>
+</p:sldLayout>
+</file>
+
+<file path=ppt/slideLayouts/slideLayout119.xml><?xml version="1.0" encoding="utf-8"?>
+<p:sldLayout xmlns:a="http://schemas.openxmlformats.org/drawingml/2006/main" xmlns:p="http://schemas.openxmlformats.org/presentationml/2006/main" xmlns:r="http://schemas.openxmlformats.org/officeDocument/2006/relationships" type="fourObj" preserve="1">
+  <p:cSld name="Title, 4 Content">
+    <p:spTree>
+      <p:nvGrpSpPr>
+        <p:cNvPr id="1" name=""/>
+        <p:cNvGrpSpPr/>
+        <p:nvPr/>
+      </p:nvGrpSpPr>
+      <p:grpSpPr>
+        <a:xfrm>
+          <a:off x="0" y="0"/>
+          <a:ext cx="0" cy="0"/>
+          <a:chOff x="0" y="0"/>
+          <a:chExt cx="0" cy="0"/>
+        </a:xfrm>
+      </p:grpSpPr>
+      <p:sp>
+        <p:nvSpPr>
+          <p:cNvPr id="368" name="PlaceHolder 1"/>
+          <p:cNvSpPr>
+            <a:spLocks noGrp="1"/>
+          </p:cNvSpPr>
+          <p:nvPr>
+            <p:ph type="title"/>
+          </p:nvPr>
+        </p:nvSpPr>
+        <p:spPr>
+          <a:xfrm>
+            <a:off x="2194560" y="1313280"/>
+            <a:ext cx="39501360" cy="5497200"/>
+          </a:xfrm>
+          <a:prstGeom prst="rect">
+            <a:avLst/>
+          </a:prstGeom>
+        </p:spPr>
+        <p:txBody>
+          <a:bodyPr lIns="0" rIns="0" tIns="0" bIns="0" anchor="ctr"/>
+          <a:p>
+            <a:pPr algn="ctr"/>
+            <a:endParaRPr/>
+          </a:p>
+        </p:txBody>
+      </p:sp>
+      <p:sp>
+        <p:nvSpPr>
+          <p:cNvPr id="369" name="PlaceHolder 2"/>
+          <p:cNvSpPr>
+            <a:spLocks noGrp="1"/>
+          </p:cNvSpPr>
+          <p:nvPr>
+            <p:ph type="body"/>
+          </p:nvPr>
+        </p:nvSpPr>
+        <p:spPr>
+          <a:xfrm>
+            <a:off x="2194560" y="7702560"/>
+            <a:ext cx="19276560" cy="9106560"/>
+          </a:xfrm>
+          <a:prstGeom prst="rect">
+            <a:avLst/>
+          </a:prstGeom>
+        </p:spPr>
+        <p:txBody>
+          <a:bodyPr lIns="0" rIns="0" tIns="0" bIns="0"/>
+          <a:p>
+            <a:endParaRPr/>
+          </a:p>
+        </p:txBody>
+      </p:sp>
+      <p:sp>
+        <p:nvSpPr>
+          <p:cNvPr id="370" name="PlaceHolder 3"/>
+          <p:cNvSpPr>
+            <a:spLocks noGrp="1"/>
+          </p:cNvSpPr>
+          <p:nvPr>
+            <p:ph type="body"/>
+          </p:nvPr>
+        </p:nvSpPr>
+        <p:spPr>
+          <a:xfrm>
+            <a:off x="22435200" y="7702560"/>
+            <a:ext cx="19276560" cy="9106560"/>
+          </a:xfrm>
+          <a:prstGeom prst="rect">
+            <a:avLst/>
+          </a:prstGeom>
+        </p:spPr>
+        <p:txBody>
+          <a:bodyPr lIns="0" rIns="0" tIns="0" bIns="0"/>
+          <a:p>
+            <a:endParaRPr/>
+          </a:p>
+        </p:txBody>
+      </p:sp>
+      <p:sp>
+        <p:nvSpPr>
+          <p:cNvPr id="371" name="PlaceHolder 4"/>
+          <p:cNvSpPr>
+            <a:spLocks noGrp="1"/>
+          </p:cNvSpPr>
+          <p:nvPr>
+            <p:ph type="body"/>
+          </p:nvPr>
+        </p:nvSpPr>
+        <p:spPr>
+          <a:xfrm>
+            <a:off x="22435200" y="17674560"/>
+            <a:ext cx="19276560" cy="9106560"/>
+          </a:xfrm>
+          <a:prstGeom prst="rect">
+            <a:avLst/>
+          </a:prstGeom>
+        </p:spPr>
+        <p:txBody>
+          <a:bodyPr lIns="0" rIns="0" tIns="0" bIns="0"/>
+          <a:p>
+            <a:endParaRPr/>
+          </a:p>
+        </p:txBody>
+      </p:sp>
+      <p:sp>
+        <p:nvSpPr>
+          <p:cNvPr id="372" name="PlaceHolder 5"/>
+          <p:cNvSpPr>
+            <a:spLocks noGrp="1"/>
+          </p:cNvSpPr>
+          <p:nvPr>
+            <p:ph type="body"/>
+          </p:nvPr>
+        </p:nvSpPr>
+        <p:spPr>
+          <a:xfrm>
+            <a:off x="2194560" y="17674560"/>
+            <a:ext cx="19276560" cy="9106560"/>
           </a:xfrm>
           <a:prstGeom prst="rect">
             <a:avLst/>
@@ -611,7 +2605,7 @@
         <p:spPr>
           <a:xfrm>
             <a:off x="2194560" y="1313280"/>
-            <a:ext cx="39501720" cy="5497200"/>
+            <a:ext cx="39501360" cy="5497200"/>
           </a:xfrm>
           <a:prstGeom prst="rect">
             <a:avLst/>
@@ -638,7 +2632,7 @@
         <p:spPr>
           <a:xfrm>
             <a:off x="2194560" y="7702560"/>
-            <a:ext cx="39501720" cy="19092240"/>
+            <a:ext cx="39501360" cy="19091880"/>
           </a:xfrm>
           <a:prstGeom prst="rect">
             <a:avLst/>
@@ -664,7 +2658,7 @@
         <p:spPr>
           <a:xfrm>
             <a:off x="2194560" y="7702560"/>
-            <a:ext cx="39501720" cy="19092240"/>
+            <a:ext cx="39501360" cy="19091880"/>
           </a:xfrm>
           <a:prstGeom prst="rect">
             <a:avLst/>
@@ -691,8 +2685,8 @@
         </p:blipFill>
         <p:spPr>
           <a:xfrm>
-            <a:off x="9980640" y="7702560"/>
-            <a:ext cx="23928840" cy="19092240"/>
+            <a:off x="9981000" y="7702200"/>
+            <a:ext cx="23928120" cy="19091880"/>
           </a:xfrm>
           <a:prstGeom prst="rect">
             <a:avLst/>
@@ -716,8 +2710,159 @@
         </p:blipFill>
         <p:spPr>
           <a:xfrm>
-            <a:off x="9980640" y="7702560"/>
-            <a:ext cx="23928840" cy="19092240"/>
+            <a:off x="9981000" y="7702200"/>
+            <a:ext cx="23928120" cy="19091880"/>
+          </a:xfrm>
+          <a:prstGeom prst="rect">
+            <a:avLst/>
+          </a:prstGeom>
+          <a:ln>
+            <a:noFill/>
+          </a:ln>
+        </p:spPr>
+      </p:pic>
+    </p:spTree>
+  </p:cSld>
+</p:sldLayout>
+</file>
+
+<file path=ppt/slideLayouts/slideLayout120.xml><?xml version="1.0" encoding="utf-8"?>
+<p:sldLayout xmlns:a="http://schemas.openxmlformats.org/drawingml/2006/main" xmlns:p="http://schemas.openxmlformats.org/presentationml/2006/main" xmlns:r="http://schemas.openxmlformats.org/officeDocument/2006/relationships" type="blank" preserve="1">
+  <p:cSld name="Title, 6 Content">
+    <p:spTree>
+      <p:nvGrpSpPr>
+        <p:cNvPr id="1" name=""/>
+        <p:cNvGrpSpPr/>
+        <p:nvPr/>
+      </p:nvGrpSpPr>
+      <p:grpSpPr>
+        <a:xfrm>
+          <a:off x="0" y="0"/>
+          <a:ext cx="0" cy="0"/>
+          <a:chOff x="0" y="0"/>
+          <a:chExt cx="0" cy="0"/>
+        </a:xfrm>
+      </p:grpSpPr>
+      <p:sp>
+        <p:nvSpPr>
+          <p:cNvPr id="373" name="PlaceHolder 1"/>
+          <p:cNvSpPr>
+            <a:spLocks noGrp="1"/>
+          </p:cNvSpPr>
+          <p:nvPr>
+            <p:ph type="title"/>
+          </p:nvPr>
+        </p:nvSpPr>
+        <p:spPr>
+          <a:xfrm>
+            <a:off x="2194560" y="1313280"/>
+            <a:ext cx="39501360" cy="5497200"/>
+          </a:xfrm>
+          <a:prstGeom prst="rect">
+            <a:avLst/>
+          </a:prstGeom>
+        </p:spPr>
+        <p:txBody>
+          <a:bodyPr lIns="0" rIns="0" tIns="0" bIns="0" anchor="ctr"/>
+          <a:p>
+            <a:pPr algn="ctr"/>
+            <a:endParaRPr/>
+          </a:p>
+        </p:txBody>
+      </p:sp>
+      <p:sp>
+        <p:nvSpPr>
+          <p:cNvPr id="374" name="PlaceHolder 2"/>
+          <p:cNvSpPr>
+            <a:spLocks noGrp="1"/>
+          </p:cNvSpPr>
+          <p:nvPr>
+            <p:ph type="body"/>
+          </p:nvPr>
+        </p:nvSpPr>
+        <p:spPr>
+          <a:xfrm>
+            <a:off x="2194560" y="7702560"/>
+            <a:ext cx="39501360" cy="19091880"/>
+          </a:xfrm>
+          <a:prstGeom prst="rect">
+            <a:avLst/>
+          </a:prstGeom>
+        </p:spPr>
+        <p:txBody>
+          <a:bodyPr lIns="0" rIns="0" tIns="0" bIns="0"/>
+          <a:p>
+            <a:endParaRPr/>
+          </a:p>
+        </p:txBody>
+      </p:sp>
+      <p:sp>
+        <p:nvSpPr>
+          <p:cNvPr id="375" name="PlaceHolder 3"/>
+          <p:cNvSpPr>
+            <a:spLocks noGrp="1"/>
+          </p:cNvSpPr>
+          <p:nvPr>
+            <p:ph type="body"/>
+          </p:nvPr>
+        </p:nvSpPr>
+        <p:spPr>
+          <a:xfrm>
+            <a:off x="2194560" y="7702560"/>
+            <a:ext cx="39501360" cy="19091880"/>
+          </a:xfrm>
+          <a:prstGeom prst="rect">
+            <a:avLst/>
+          </a:prstGeom>
+        </p:spPr>
+        <p:txBody>
+          <a:bodyPr lIns="0" rIns="0" tIns="0" bIns="0"/>
+          <a:p>
+            <a:endParaRPr/>
+          </a:p>
+        </p:txBody>
+      </p:sp>
+      <p:pic>
+        <p:nvPicPr>
+          <p:cNvPr id="376" name="" descr=""/>
+          <p:cNvPicPr/>
+          <p:nvPr/>
+        </p:nvPicPr>
+        <p:blipFill>
+          <a:blip r:embed="rId2"/>
+          <a:stretch>
+            <a:fillRect/>
+          </a:stretch>
+        </p:blipFill>
+        <p:spPr>
+          <a:xfrm>
+            <a:off x="9981000" y="7702200"/>
+            <a:ext cx="23928120" cy="19091880"/>
+          </a:xfrm>
+          <a:prstGeom prst="rect">
+            <a:avLst/>
+          </a:prstGeom>
+          <a:ln>
+            <a:noFill/>
+          </a:ln>
+        </p:spPr>
+      </p:pic>
+      <p:pic>
+        <p:nvPicPr>
+          <p:cNvPr id="377" name="" descr=""/>
+          <p:cNvPicPr/>
+          <p:nvPr/>
+        </p:nvPicPr>
+        <p:blipFill>
+          <a:blip r:embed="rId3"/>
+          <a:stretch>
+            <a:fillRect/>
+          </a:stretch>
+        </p:blipFill>
+        <p:spPr>
+          <a:xfrm>
+            <a:off x="9981000" y="7702200"/>
+            <a:ext cx="23928120" cy="19091880"/>
           </a:xfrm>
           <a:prstGeom prst="rect">
             <a:avLst/>
@@ -784,7 +2929,7 @@
         <p:spPr>
           <a:xfrm>
             <a:off x="2194560" y="1313280"/>
-            <a:ext cx="39501720" cy="5497200"/>
+            <a:ext cx="39501360" cy="5497200"/>
           </a:xfrm>
           <a:prstGeom prst="rect">
             <a:avLst/>
@@ -811,7 +2956,7 @@
         <p:spPr>
           <a:xfrm>
             <a:off x="2194560" y="7702560"/>
-            <a:ext cx="39501720" cy="19092600"/>
+            <a:ext cx="39501360" cy="19092240"/>
           </a:xfrm>
           <a:prstGeom prst="rect">
             <a:avLst/>
@@ -860,7 +3005,7 @@
         <p:spPr>
           <a:xfrm>
             <a:off x="2194560" y="1313280"/>
-            <a:ext cx="39501720" cy="5497200"/>
+            <a:ext cx="39501360" cy="5497200"/>
           </a:xfrm>
           <a:prstGeom prst="rect">
             <a:avLst/>
@@ -887,7 +3032,7 @@
         <p:spPr>
           <a:xfrm>
             <a:off x="2194560" y="7702560"/>
-            <a:ext cx="39501720" cy="19092240"/>
+            <a:ext cx="39501360" cy="19091880"/>
           </a:xfrm>
           <a:prstGeom prst="rect">
             <a:avLst/>
@@ -935,7 +3080,7 @@
         <p:spPr>
           <a:xfrm>
             <a:off x="2194560" y="1313280"/>
-            <a:ext cx="39501720" cy="5497200"/>
+            <a:ext cx="39501360" cy="5497200"/>
           </a:xfrm>
           <a:prstGeom prst="rect">
             <a:avLst/>
@@ -962,7 +3107,7 @@
         <p:spPr>
           <a:xfrm>
             <a:off x="2194560" y="7702560"/>
-            <a:ext cx="19276560" cy="19092240"/>
+            <a:ext cx="19276560" cy="19091880"/>
           </a:xfrm>
           <a:prstGeom prst="rect">
             <a:avLst/>
@@ -988,7 +3133,7 @@
         <p:spPr>
           <a:xfrm>
             <a:off x="22435200" y="7702560"/>
-            <a:ext cx="19276560" cy="19092240"/>
+            <a:ext cx="19276560" cy="19091880"/>
           </a:xfrm>
           <a:prstGeom prst="rect">
             <a:avLst/>
@@ -1036,7 +3181,7 @@
         <p:spPr>
           <a:xfrm>
             <a:off x="2194560" y="1313280"/>
-            <a:ext cx="39501720" cy="5497200"/>
+            <a:ext cx="39501360" cy="5497200"/>
           </a:xfrm>
           <a:prstGeom prst="rect">
             <a:avLst/>
@@ -1085,7 +3230,7 @@
         <p:spPr>
           <a:xfrm>
             <a:off x="2194560" y="1313280"/>
-            <a:ext cx="39501720" cy="25481880"/>
+            <a:ext cx="39501360" cy="25481880"/>
           </a:xfrm>
           <a:prstGeom prst="rect">
             <a:avLst/>
@@ -1134,7 +3279,7 @@
         <p:spPr>
           <a:xfrm>
             <a:off x="2194560" y="1313280"/>
-            <a:ext cx="39501720" cy="5497200"/>
+            <a:ext cx="39501360" cy="5497200"/>
           </a:xfrm>
           <a:prstGeom prst="rect">
             <a:avLst/>
@@ -1161,7 +3306,7 @@
         <p:spPr>
           <a:xfrm>
             <a:off x="2194560" y="7702560"/>
-            <a:ext cx="19276560" cy="9106920"/>
+            <a:ext cx="19276560" cy="9106560"/>
           </a:xfrm>
           <a:prstGeom prst="rect">
             <a:avLst/>
@@ -1186,8 +3331,8 @@
         </p:nvSpPr>
         <p:spPr>
           <a:xfrm>
-            <a:off x="2194560" y="17674920"/>
-            <a:ext cx="19276560" cy="9106920"/>
+            <a:off x="2194560" y="17674560"/>
+            <a:ext cx="19276560" cy="9106560"/>
           </a:xfrm>
           <a:prstGeom prst="rect">
             <a:avLst/>
@@ -1213,7 +3358,7 @@
         <p:spPr>
           <a:xfrm>
             <a:off x="22435200" y="7702560"/>
-            <a:ext cx="19276560" cy="19092240"/>
+            <a:ext cx="19276560" cy="19091880"/>
           </a:xfrm>
           <a:prstGeom prst="rect">
             <a:avLst/>
@@ -1261,7 +3406,7 @@
         <p:spPr>
           <a:xfrm>
             <a:off x="2194560" y="1313280"/>
-            <a:ext cx="39501720" cy="5497200"/>
+            <a:ext cx="39501360" cy="5497200"/>
           </a:xfrm>
           <a:prstGeom prst="rect">
             <a:avLst/>
@@ -1288,7 +3433,7 @@
         <p:spPr>
           <a:xfrm>
             <a:off x="2194560" y="7702560"/>
-            <a:ext cx="39501720" cy="19092600"/>
+            <a:ext cx="39501360" cy="19092240"/>
           </a:xfrm>
           <a:prstGeom prst="rect">
             <a:avLst/>
@@ -1337,7 +3482,7 @@
         <p:spPr>
           <a:xfrm>
             <a:off x="2194560" y="1313280"/>
-            <a:ext cx="39501720" cy="5497200"/>
+            <a:ext cx="39501360" cy="5497200"/>
           </a:xfrm>
           <a:prstGeom prst="rect">
             <a:avLst/>
@@ -1364,7 +3509,7 @@
         <p:spPr>
           <a:xfrm>
             <a:off x="2194560" y="7702560"/>
-            <a:ext cx="19276560" cy="19092240"/>
+            <a:ext cx="19276560" cy="19091880"/>
           </a:xfrm>
           <a:prstGeom prst="rect">
             <a:avLst/>
@@ -1390,7 +3535,7 @@
         <p:spPr>
           <a:xfrm>
             <a:off x="22435200" y="7702560"/>
-            <a:ext cx="19276560" cy="9106920"/>
+            <a:ext cx="19276560" cy="9106560"/>
           </a:xfrm>
           <a:prstGeom prst="rect">
             <a:avLst/>
@@ -1415,8 +3560,8 @@
         </p:nvSpPr>
         <p:spPr>
           <a:xfrm>
-            <a:off x="22435200" y="17674920"/>
-            <a:ext cx="19276560" cy="9106920"/>
+            <a:off x="22435200" y="17674560"/>
+            <a:ext cx="19276560" cy="9106560"/>
           </a:xfrm>
           <a:prstGeom prst="rect">
             <a:avLst/>
@@ -1464,7 +3609,7 @@
         <p:spPr>
           <a:xfrm>
             <a:off x="2194560" y="1313280"/>
-            <a:ext cx="39501720" cy="5497200"/>
+            <a:ext cx="39501360" cy="5497200"/>
           </a:xfrm>
           <a:prstGeom prst="rect">
             <a:avLst/>
@@ -1491,7 +3636,7 @@
         <p:spPr>
           <a:xfrm>
             <a:off x="2194560" y="7702560"/>
-            <a:ext cx="19276560" cy="9106920"/>
+            <a:ext cx="19276560" cy="9106560"/>
           </a:xfrm>
           <a:prstGeom prst="rect">
             <a:avLst/>
@@ -1517,7 +3662,7 @@
         <p:spPr>
           <a:xfrm>
             <a:off x="22435200" y="7702560"/>
-            <a:ext cx="19276560" cy="9106920"/>
+            <a:ext cx="19276560" cy="9106560"/>
           </a:xfrm>
           <a:prstGeom prst="rect">
             <a:avLst/>
@@ -1542,8 +3687,8 @@
         </p:nvSpPr>
         <p:spPr>
           <a:xfrm>
-            <a:off x="2194560" y="17674920"/>
-            <a:ext cx="39501720" cy="9106920"/>
+            <a:off x="2194560" y="17674560"/>
+            <a:ext cx="39501360" cy="9106560"/>
           </a:xfrm>
           <a:prstGeom prst="rect">
             <a:avLst/>
@@ -1591,7 +3736,7 @@
         <p:spPr>
           <a:xfrm>
             <a:off x="2194560" y="1313280"/>
-            <a:ext cx="39501720" cy="5497200"/>
+            <a:ext cx="39501360" cy="5497200"/>
           </a:xfrm>
           <a:prstGeom prst="rect">
             <a:avLst/>
@@ -1618,7 +3763,7 @@
         <p:spPr>
           <a:xfrm>
             <a:off x="2194560" y="7702560"/>
-            <a:ext cx="39501720" cy="9106920"/>
+            <a:ext cx="39501360" cy="9106560"/>
           </a:xfrm>
           <a:prstGeom prst="rect">
             <a:avLst/>
@@ -1643,8 +3788,8 @@
         </p:nvSpPr>
         <p:spPr>
           <a:xfrm>
-            <a:off x="2194560" y="17674920"/>
-            <a:ext cx="39501720" cy="9106920"/>
+            <a:off x="2194560" y="17674560"/>
+            <a:ext cx="39501360" cy="9106560"/>
           </a:xfrm>
           <a:prstGeom prst="rect">
             <a:avLst/>
@@ -1692,7 +3837,7 @@
         <p:spPr>
           <a:xfrm>
             <a:off x="2194560" y="1313280"/>
-            <a:ext cx="39501720" cy="5497200"/>
+            <a:ext cx="39501360" cy="5497200"/>
           </a:xfrm>
           <a:prstGeom prst="rect">
             <a:avLst/>
@@ -1719,7 +3864,7 @@
         <p:spPr>
           <a:xfrm>
             <a:off x="2194560" y="7702560"/>
-            <a:ext cx="19276560" cy="9106920"/>
+            <a:ext cx="19276560" cy="9106560"/>
           </a:xfrm>
           <a:prstGeom prst="rect">
             <a:avLst/>
@@ -1745,7 +3890,7 @@
         <p:spPr>
           <a:xfrm>
             <a:off x="22435200" y="7702560"/>
-            <a:ext cx="19276560" cy="9106920"/>
+            <a:ext cx="19276560" cy="9106560"/>
           </a:xfrm>
           <a:prstGeom prst="rect">
             <a:avLst/>
@@ -1770,8 +3915,8 @@
         </p:nvSpPr>
         <p:spPr>
           <a:xfrm>
-            <a:off x="22435200" y="17674920"/>
-            <a:ext cx="19276560" cy="9106920"/>
+            <a:off x="22435200" y="17674560"/>
+            <a:ext cx="19276560" cy="9106560"/>
           </a:xfrm>
           <a:prstGeom prst="rect">
             <a:avLst/>
@@ -1796,8 +3941,8 @@
         </p:nvSpPr>
         <p:spPr>
           <a:xfrm>
-            <a:off x="2194560" y="17674920"/>
-            <a:ext cx="19276560" cy="9106920"/>
+            <a:off x="2194560" y="17674560"/>
+            <a:ext cx="19276560" cy="9106560"/>
           </a:xfrm>
           <a:prstGeom prst="rect">
             <a:avLst/>
@@ -1845,7 +3990,7 @@
         <p:spPr>
           <a:xfrm>
             <a:off x="2194560" y="1313280"/>
-            <a:ext cx="39501720" cy="5497200"/>
+            <a:ext cx="39501360" cy="5497200"/>
           </a:xfrm>
           <a:prstGeom prst="rect">
             <a:avLst/>
@@ -1872,7 +4017,7 @@
         <p:spPr>
           <a:xfrm>
             <a:off x="2194560" y="7702560"/>
-            <a:ext cx="39501720" cy="19092240"/>
+            <a:ext cx="39501360" cy="19091880"/>
           </a:xfrm>
           <a:prstGeom prst="rect">
             <a:avLst/>
@@ -1898,7 +4043,7 @@
         <p:spPr>
           <a:xfrm>
             <a:off x="2194560" y="7702560"/>
-            <a:ext cx="39501720" cy="19092240"/>
+            <a:ext cx="39501360" cy="19091880"/>
           </a:xfrm>
           <a:prstGeom prst="rect">
             <a:avLst/>
@@ -1925,8 +4070,8 @@
         </p:blipFill>
         <p:spPr>
           <a:xfrm>
-            <a:off x="9980640" y="7702560"/>
-            <a:ext cx="23928840" cy="19092240"/>
+            <a:off x="9981000" y="7702200"/>
+            <a:ext cx="23928120" cy="19091880"/>
           </a:xfrm>
           <a:prstGeom prst="rect">
             <a:avLst/>
@@ -1950,8 +4095,8 @@
         </p:blipFill>
         <p:spPr>
           <a:xfrm>
-            <a:off x="9980640" y="7702560"/>
-            <a:ext cx="23928840" cy="19092240"/>
+            <a:off x="9981000" y="7702200"/>
+            <a:ext cx="23928120" cy="19091880"/>
           </a:xfrm>
           <a:prstGeom prst="rect">
             <a:avLst/>
@@ -2018,7 +4163,7 @@
         <p:spPr>
           <a:xfrm>
             <a:off x="2194560" y="1313280"/>
-            <a:ext cx="39501720" cy="5497200"/>
+            <a:ext cx="39501360" cy="5497200"/>
           </a:xfrm>
           <a:prstGeom prst="rect">
             <a:avLst/>
@@ -2045,7 +4190,7 @@
         <p:spPr>
           <a:xfrm>
             <a:off x="2194560" y="7702560"/>
-            <a:ext cx="39501720" cy="19092600"/>
+            <a:ext cx="39501360" cy="19092240"/>
           </a:xfrm>
           <a:prstGeom prst="rect">
             <a:avLst/>
@@ -2094,7 +4239,7 @@
         <p:spPr>
           <a:xfrm>
             <a:off x="2194560" y="1313280"/>
-            <a:ext cx="39501720" cy="5497200"/>
+            <a:ext cx="39501360" cy="5497200"/>
           </a:xfrm>
           <a:prstGeom prst="rect">
             <a:avLst/>
@@ -2121,7 +4266,7 @@
         <p:spPr>
           <a:xfrm>
             <a:off x="2194560" y="7702560"/>
-            <a:ext cx="39501720" cy="19092240"/>
+            <a:ext cx="39501360" cy="19091880"/>
           </a:xfrm>
           <a:prstGeom prst="rect">
             <a:avLst/>
@@ -2169,7 +4314,7 @@
         <p:spPr>
           <a:xfrm>
             <a:off x="2194560" y="1313280"/>
-            <a:ext cx="39501720" cy="5497200"/>
+            <a:ext cx="39501360" cy="5497200"/>
           </a:xfrm>
           <a:prstGeom prst="rect">
             <a:avLst/>
@@ -2196,7 +4341,7 @@
         <p:spPr>
           <a:xfrm>
             <a:off x="2194560" y="7702560"/>
-            <a:ext cx="19276560" cy="19092240"/>
+            <a:ext cx="19276560" cy="19091880"/>
           </a:xfrm>
           <a:prstGeom prst="rect">
             <a:avLst/>
@@ -2222,7 +4367,7 @@
         <p:spPr>
           <a:xfrm>
             <a:off x="22435200" y="7702560"/>
-            <a:ext cx="19276560" cy="19092240"/>
+            <a:ext cx="19276560" cy="19091880"/>
           </a:xfrm>
           <a:prstGeom prst="rect">
             <a:avLst/>
@@ -2270,7 +4415,7 @@
         <p:spPr>
           <a:xfrm>
             <a:off x="2194560" y="1313280"/>
-            <a:ext cx="39501720" cy="5497200"/>
+            <a:ext cx="39501360" cy="5497200"/>
           </a:xfrm>
           <a:prstGeom prst="rect">
             <a:avLst/>
@@ -2319,7 +4464,7 @@
         <p:spPr>
           <a:xfrm>
             <a:off x="2194560" y="1313280"/>
-            <a:ext cx="39501720" cy="5497200"/>
+            <a:ext cx="39501360" cy="5497200"/>
           </a:xfrm>
           <a:prstGeom prst="rect">
             <a:avLst/>
@@ -2346,7 +4491,7 @@
         <p:spPr>
           <a:xfrm>
             <a:off x="2194560" y="7702560"/>
-            <a:ext cx="39501720" cy="19092240"/>
+            <a:ext cx="39501360" cy="19091880"/>
           </a:xfrm>
           <a:prstGeom prst="rect">
             <a:avLst/>
@@ -2394,7 +4539,7 @@
         <p:spPr>
           <a:xfrm>
             <a:off x="2194560" y="1313280"/>
-            <a:ext cx="39501720" cy="25481880"/>
+            <a:ext cx="39501360" cy="25481880"/>
           </a:xfrm>
           <a:prstGeom prst="rect">
             <a:avLst/>
@@ -2443,7 +4588,7 @@
         <p:spPr>
           <a:xfrm>
             <a:off x="2194560" y="1313280"/>
-            <a:ext cx="39501720" cy="5497200"/>
+            <a:ext cx="39501360" cy="5497200"/>
           </a:xfrm>
           <a:prstGeom prst="rect">
             <a:avLst/>
@@ -2470,7 +4615,7 @@
         <p:spPr>
           <a:xfrm>
             <a:off x="2194560" y="7702560"/>
-            <a:ext cx="19276560" cy="9106920"/>
+            <a:ext cx="19276560" cy="9106560"/>
           </a:xfrm>
           <a:prstGeom prst="rect">
             <a:avLst/>
@@ -2495,8 +4640,8 @@
         </p:nvSpPr>
         <p:spPr>
           <a:xfrm>
-            <a:off x="2194560" y="17674920"/>
-            <a:ext cx="19276560" cy="9106920"/>
+            <a:off x="2194560" y="17674560"/>
+            <a:ext cx="19276560" cy="9106560"/>
           </a:xfrm>
           <a:prstGeom prst="rect">
             <a:avLst/>
@@ -2522,7 +4667,7 @@
         <p:spPr>
           <a:xfrm>
             <a:off x="22435200" y="7702560"/>
-            <a:ext cx="19276560" cy="19092240"/>
+            <a:ext cx="19276560" cy="19091880"/>
           </a:xfrm>
           <a:prstGeom prst="rect">
             <a:avLst/>
@@ -2570,7 +4715,7 @@
         <p:spPr>
           <a:xfrm>
             <a:off x="2194560" y="1313280"/>
-            <a:ext cx="39501720" cy="5497200"/>
+            <a:ext cx="39501360" cy="5497200"/>
           </a:xfrm>
           <a:prstGeom prst="rect">
             <a:avLst/>
@@ -2597,7 +4742,7 @@
         <p:spPr>
           <a:xfrm>
             <a:off x="2194560" y="7702560"/>
-            <a:ext cx="19276560" cy="19092240"/>
+            <a:ext cx="19276560" cy="19091880"/>
           </a:xfrm>
           <a:prstGeom prst="rect">
             <a:avLst/>
@@ -2623,7 +4768,7 @@
         <p:spPr>
           <a:xfrm>
             <a:off x="22435200" y="7702560"/>
-            <a:ext cx="19276560" cy="9106920"/>
+            <a:ext cx="19276560" cy="9106560"/>
           </a:xfrm>
           <a:prstGeom prst="rect">
             <a:avLst/>
@@ -2648,8 +4793,8 @@
         </p:nvSpPr>
         <p:spPr>
           <a:xfrm>
-            <a:off x="22435200" y="17674920"/>
-            <a:ext cx="19276560" cy="9106920"/>
+            <a:off x="22435200" y="17674560"/>
+            <a:ext cx="19276560" cy="9106560"/>
           </a:xfrm>
           <a:prstGeom prst="rect">
             <a:avLst/>
@@ -2697,7 +4842,7 @@
         <p:spPr>
           <a:xfrm>
             <a:off x="2194560" y="1313280"/>
-            <a:ext cx="39501720" cy="5497200"/>
+            <a:ext cx="39501360" cy="5497200"/>
           </a:xfrm>
           <a:prstGeom prst="rect">
             <a:avLst/>
@@ -2724,7 +4869,7 @@
         <p:spPr>
           <a:xfrm>
             <a:off x="2194560" y="7702560"/>
-            <a:ext cx="19276560" cy="9106920"/>
+            <a:ext cx="19276560" cy="9106560"/>
           </a:xfrm>
           <a:prstGeom prst="rect">
             <a:avLst/>
@@ -2750,7 +4895,7 @@
         <p:spPr>
           <a:xfrm>
             <a:off x="22435200" y="7702560"/>
-            <a:ext cx="19276560" cy="9106920"/>
+            <a:ext cx="19276560" cy="9106560"/>
           </a:xfrm>
           <a:prstGeom prst="rect">
             <a:avLst/>
@@ -2775,8 +4920,8 @@
         </p:nvSpPr>
         <p:spPr>
           <a:xfrm>
-            <a:off x="2194560" y="17674920"/>
-            <a:ext cx="39501720" cy="9106920"/>
+            <a:off x="2194560" y="17674560"/>
+            <a:ext cx="39501360" cy="9106560"/>
           </a:xfrm>
           <a:prstGeom prst="rect">
             <a:avLst/>
@@ -2824,7 +4969,7 @@
         <p:spPr>
           <a:xfrm>
             <a:off x="2194560" y="1313280"/>
-            <a:ext cx="39501720" cy="5497200"/>
+            <a:ext cx="39501360" cy="5497200"/>
           </a:xfrm>
           <a:prstGeom prst="rect">
             <a:avLst/>
@@ -2851,7 +4996,7 @@
         <p:spPr>
           <a:xfrm>
             <a:off x="2194560" y="7702560"/>
-            <a:ext cx="39501720" cy="9106920"/>
+            <a:ext cx="39501360" cy="9106560"/>
           </a:xfrm>
           <a:prstGeom prst="rect">
             <a:avLst/>
@@ -2876,8 +5021,8 @@
         </p:nvSpPr>
         <p:spPr>
           <a:xfrm>
-            <a:off x="2194560" y="17674920"/>
-            <a:ext cx="39501720" cy="9106920"/>
+            <a:off x="2194560" y="17674560"/>
+            <a:ext cx="39501360" cy="9106560"/>
           </a:xfrm>
           <a:prstGeom prst="rect">
             <a:avLst/>
@@ -2925,7 +5070,7 @@
         <p:spPr>
           <a:xfrm>
             <a:off x="2194560" y="1313280"/>
-            <a:ext cx="39501720" cy="5497200"/>
+            <a:ext cx="39501360" cy="5497200"/>
           </a:xfrm>
           <a:prstGeom prst="rect">
             <a:avLst/>
@@ -2952,7 +5097,7 @@
         <p:spPr>
           <a:xfrm>
             <a:off x="2194560" y="7702560"/>
-            <a:ext cx="19276560" cy="9106920"/>
+            <a:ext cx="19276560" cy="9106560"/>
           </a:xfrm>
           <a:prstGeom prst="rect">
             <a:avLst/>
@@ -2978,7 +5123,7 @@
         <p:spPr>
           <a:xfrm>
             <a:off x="22435200" y="7702560"/>
-            <a:ext cx="19276560" cy="9106920"/>
+            <a:ext cx="19276560" cy="9106560"/>
           </a:xfrm>
           <a:prstGeom prst="rect">
             <a:avLst/>
@@ -3003,8 +5148,8 @@
         </p:nvSpPr>
         <p:spPr>
           <a:xfrm>
-            <a:off x="22435200" y="17674920"/>
-            <a:ext cx="19276560" cy="9106920"/>
+            <a:off x="22435200" y="17674560"/>
+            <a:ext cx="19276560" cy="9106560"/>
           </a:xfrm>
           <a:prstGeom prst="rect">
             <a:avLst/>
@@ -3029,8 +5174,8 @@
         </p:nvSpPr>
         <p:spPr>
           <a:xfrm>
-            <a:off x="2194560" y="17674920"/>
-            <a:ext cx="19276560" cy="9106920"/>
+            <a:off x="2194560" y="17674560"/>
+            <a:ext cx="19276560" cy="9106560"/>
           </a:xfrm>
           <a:prstGeom prst="rect">
             <a:avLst/>
@@ -3078,7 +5223,7 @@
         <p:spPr>
           <a:xfrm>
             <a:off x="2194560" y="1313280"/>
-            <a:ext cx="39501720" cy="5497200"/>
+            <a:ext cx="39501360" cy="5497200"/>
           </a:xfrm>
           <a:prstGeom prst="rect">
             <a:avLst/>
@@ -3105,7 +5250,7 @@
         <p:spPr>
           <a:xfrm>
             <a:off x="2194560" y="7702560"/>
-            <a:ext cx="39501720" cy="19092240"/>
+            <a:ext cx="39501360" cy="19091880"/>
           </a:xfrm>
           <a:prstGeom prst="rect">
             <a:avLst/>
@@ -3131,7 +5276,7 @@
         <p:spPr>
           <a:xfrm>
             <a:off x="2194560" y="7702560"/>
-            <a:ext cx="39501720" cy="19092240"/>
+            <a:ext cx="39501360" cy="19091880"/>
           </a:xfrm>
           <a:prstGeom prst="rect">
             <a:avLst/>
@@ -3158,8 +5303,8 @@
         </p:blipFill>
         <p:spPr>
           <a:xfrm>
-            <a:off x="9980640" y="7702560"/>
-            <a:ext cx="23928840" cy="19092240"/>
+            <a:off x="9981000" y="7702200"/>
+            <a:ext cx="23928120" cy="19091880"/>
           </a:xfrm>
           <a:prstGeom prst="rect">
             <a:avLst/>
@@ -3183,8 +5328,8 @@
         </p:blipFill>
         <p:spPr>
           <a:xfrm>
-            <a:off x="9980640" y="7702560"/>
-            <a:ext cx="23928840" cy="19092240"/>
+            <a:off x="9981000" y="7702200"/>
+            <a:ext cx="23928120" cy="19091880"/>
           </a:xfrm>
           <a:prstGeom prst="rect">
             <a:avLst/>
@@ -3251,7 +5396,7 @@
         <p:spPr>
           <a:xfrm>
             <a:off x="2194560" y="1313280"/>
-            <a:ext cx="39501720" cy="5497200"/>
+            <a:ext cx="39501360" cy="5497200"/>
           </a:xfrm>
           <a:prstGeom prst="rect">
             <a:avLst/>
@@ -3278,7 +5423,7 @@
         <p:spPr>
           <a:xfrm>
             <a:off x="2194560" y="7702560"/>
-            <a:ext cx="39501720" cy="19092600"/>
+            <a:ext cx="39501360" cy="19092240"/>
           </a:xfrm>
           <a:prstGeom prst="rect">
             <a:avLst/>
@@ -3327,7 +5472,7 @@
         <p:spPr>
           <a:xfrm>
             <a:off x="2194560" y="1313280"/>
-            <a:ext cx="39501720" cy="5497200"/>
+            <a:ext cx="39501360" cy="5497200"/>
           </a:xfrm>
           <a:prstGeom prst="rect">
             <a:avLst/>
@@ -3354,7 +5499,7 @@
         <p:spPr>
           <a:xfrm>
             <a:off x="2194560" y="7702560"/>
-            <a:ext cx="39501720" cy="19092240"/>
+            <a:ext cx="39501360" cy="19091880"/>
           </a:xfrm>
           <a:prstGeom prst="rect">
             <a:avLst/>
@@ -3402,7 +5547,7 @@
         <p:spPr>
           <a:xfrm>
             <a:off x="2194560" y="1313280"/>
-            <a:ext cx="39501720" cy="5497200"/>
+            <a:ext cx="39501360" cy="5497200"/>
           </a:xfrm>
           <a:prstGeom prst="rect">
             <a:avLst/>
@@ -3429,7 +5574,7 @@
         <p:spPr>
           <a:xfrm>
             <a:off x="2194560" y="7702560"/>
-            <a:ext cx="19276560" cy="19092240"/>
+            <a:ext cx="19276560" cy="19091880"/>
           </a:xfrm>
           <a:prstGeom prst="rect">
             <a:avLst/>
@@ -3455,7 +5600,7 @@
         <p:spPr>
           <a:xfrm>
             <a:off x="22435200" y="7702560"/>
-            <a:ext cx="19276560" cy="19092240"/>
+            <a:ext cx="19276560" cy="19091880"/>
           </a:xfrm>
           <a:prstGeom prst="rect">
             <a:avLst/>
@@ -3503,7 +5648,7 @@
         <p:spPr>
           <a:xfrm>
             <a:off x="2194560" y="1313280"/>
-            <a:ext cx="39501720" cy="5497200"/>
+            <a:ext cx="39501360" cy="5497200"/>
           </a:xfrm>
           <a:prstGeom prst="rect">
             <a:avLst/>
@@ -3530,7 +5675,7 @@
         <p:spPr>
           <a:xfrm>
             <a:off x="2194560" y="7702560"/>
-            <a:ext cx="19276560" cy="19092240"/>
+            <a:ext cx="19276560" cy="19091880"/>
           </a:xfrm>
           <a:prstGeom prst="rect">
             <a:avLst/>
@@ -3556,7 +5701,7 @@
         <p:spPr>
           <a:xfrm>
             <a:off x="22435200" y="7702560"/>
-            <a:ext cx="19276560" cy="19092240"/>
+            <a:ext cx="19276560" cy="19091880"/>
           </a:xfrm>
           <a:prstGeom prst="rect">
             <a:avLst/>
@@ -3604,7 +5749,7 @@
         <p:spPr>
           <a:xfrm>
             <a:off x="2194560" y="1313280"/>
-            <a:ext cx="39501720" cy="5497200"/>
+            <a:ext cx="39501360" cy="5497200"/>
           </a:xfrm>
           <a:prstGeom prst="rect">
             <a:avLst/>
@@ -3653,7 +5798,7 @@
         <p:spPr>
           <a:xfrm>
             <a:off x="2194560" y="1313280"/>
-            <a:ext cx="39501720" cy="25481880"/>
+            <a:ext cx="39501360" cy="25481880"/>
           </a:xfrm>
           <a:prstGeom prst="rect">
             <a:avLst/>
@@ -3702,7 +5847,7 @@
         <p:spPr>
           <a:xfrm>
             <a:off x="2194560" y="1313280"/>
-            <a:ext cx="39501720" cy="5497200"/>
+            <a:ext cx="39501360" cy="5497200"/>
           </a:xfrm>
           <a:prstGeom prst="rect">
             <a:avLst/>
@@ -3729,7 +5874,7 @@
         <p:spPr>
           <a:xfrm>
             <a:off x="2194560" y="7702560"/>
-            <a:ext cx="19276560" cy="9106920"/>
+            <a:ext cx="19276560" cy="9106560"/>
           </a:xfrm>
           <a:prstGeom prst="rect">
             <a:avLst/>
@@ -3754,8 +5899,8 @@
         </p:nvSpPr>
         <p:spPr>
           <a:xfrm>
-            <a:off x="2194560" y="17674920"/>
-            <a:ext cx="19276560" cy="9106920"/>
+            <a:off x="2194560" y="17674560"/>
+            <a:ext cx="19276560" cy="9106560"/>
           </a:xfrm>
           <a:prstGeom prst="rect">
             <a:avLst/>
@@ -3781,7 +5926,7 @@
         <p:spPr>
           <a:xfrm>
             <a:off x="22435200" y="7702560"/>
-            <a:ext cx="19276560" cy="19092240"/>
+            <a:ext cx="19276560" cy="19091880"/>
           </a:xfrm>
           <a:prstGeom prst="rect">
             <a:avLst/>
@@ -3829,7 +5974,7 @@
         <p:spPr>
           <a:xfrm>
             <a:off x="2194560" y="1313280"/>
-            <a:ext cx="39501720" cy="5497200"/>
+            <a:ext cx="39501360" cy="5497200"/>
           </a:xfrm>
           <a:prstGeom prst="rect">
             <a:avLst/>
@@ -3856,7 +6001,7 @@
         <p:spPr>
           <a:xfrm>
             <a:off x="2194560" y="7702560"/>
-            <a:ext cx="19276560" cy="19092240"/>
+            <a:ext cx="19276560" cy="19091880"/>
           </a:xfrm>
           <a:prstGeom prst="rect">
             <a:avLst/>
@@ -3882,7 +6027,7 @@
         <p:spPr>
           <a:xfrm>
             <a:off x="22435200" y="7702560"/>
-            <a:ext cx="19276560" cy="9106920"/>
+            <a:ext cx="19276560" cy="9106560"/>
           </a:xfrm>
           <a:prstGeom prst="rect">
             <a:avLst/>
@@ -3907,8 +6052,8 @@
         </p:nvSpPr>
         <p:spPr>
           <a:xfrm>
-            <a:off x="22435200" y="17674920"/>
-            <a:ext cx="19276560" cy="9106920"/>
+            <a:off x="22435200" y="17674560"/>
+            <a:ext cx="19276560" cy="9106560"/>
           </a:xfrm>
           <a:prstGeom prst="rect">
             <a:avLst/>
@@ -3956,7 +6101,7 @@
         <p:spPr>
           <a:xfrm>
             <a:off x="2194560" y="1313280"/>
-            <a:ext cx="39501720" cy="5497200"/>
+            <a:ext cx="39501360" cy="5497200"/>
           </a:xfrm>
           <a:prstGeom prst="rect">
             <a:avLst/>
@@ -3983,7 +6128,7 @@
         <p:spPr>
           <a:xfrm>
             <a:off x="2194560" y="7702560"/>
-            <a:ext cx="19276560" cy="9106920"/>
+            <a:ext cx="19276560" cy="9106560"/>
           </a:xfrm>
           <a:prstGeom prst="rect">
             <a:avLst/>
@@ -4009,7 +6154,7 @@
         <p:spPr>
           <a:xfrm>
             <a:off x="22435200" y="7702560"/>
-            <a:ext cx="19276560" cy="9106920"/>
+            <a:ext cx="19276560" cy="9106560"/>
           </a:xfrm>
           <a:prstGeom prst="rect">
             <a:avLst/>
@@ -4034,8 +6179,8 @@
         </p:nvSpPr>
         <p:spPr>
           <a:xfrm>
-            <a:off x="2194560" y="17674920"/>
-            <a:ext cx="39501720" cy="9106920"/>
+            <a:off x="2194560" y="17674560"/>
+            <a:ext cx="39501360" cy="9106560"/>
           </a:xfrm>
           <a:prstGeom prst="rect">
             <a:avLst/>
@@ -4083,7 +6228,7 @@
         <p:spPr>
           <a:xfrm>
             <a:off x="2194560" y="1313280"/>
-            <a:ext cx="39501720" cy="5497200"/>
+            <a:ext cx="39501360" cy="5497200"/>
           </a:xfrm>
           <a:prstGeom prst="rect">
             <a:avLst/>
@@ -4110,7 +6255,7 @@
         <p:spPr>
           <a:xfrm>
             <a:off x="2194560" y="7702560"/>
-            <a:ext cx="39501720" cy="9106920"/>
+            <a:ext cx="39501360" cy="9106560"/>
           </a:xfrm>
           <a:prstGeom prst="rect">
             <a:avLst/>
@@ -4135,8 +6280,8 @@
         </p:nvSpPr>
         <p:spPr>
           <a:xfrm>
-            <a:off x="2194560" y="17674920"/>
-            <a:ext cx="39501720" cy="9106920"/>
+            <a:off x="2194560" y="17674560"/>
+            <a:ext cx="39501360" cy="9106560"/>
           </a:xfrm>
           <a:prstGeom prst="rect">
             <a:avLst/>
@@ -4184,7 +6329,7 @@
         <p:spPr>
           <a:xfrm>
             <a:off x="2194560" y="1313280"/>
-            <a:ext cx="39501720" cy="5497200"/>
+            <a:ext cx="39501360" cy="5497200"/>
           </a:xfrm>
           <a:prstGeom prst="rect">
             <a:avLst/>
@@ -4211,7 +6356,7 @@
         <p:spPr>
           <a:xfrm>
             <a:off x="2194560" y="7702560"/>
-            <a:ext cx="19276560" cy="9106920"/>
+            <a:ext cx="19276560" cy="9106560"/>
           </a:xfrm>
           <a:prstGeom prst="rect">
             <a:avLst/>
@@ -4237,7 +6382,7 @@
         <p:spPr>
           <a:xfrm>
             <a:off x="22435200" y="7702560"/>
-            <a:ext cx="19276560" cy="9106920"/>
+            <a:ext cx="19276560" cy="9106560"/>
           </a:xfrm>
           <a:prstGeom prst="rect">
             <a:avLst/>
@@ -4262,8 +6407,8 @@
         </p:nvSpPr>
         <p:spPr>
           <a:xfrm>
-            <a:off x="22435200" y="17674920"/>
-            <a:ext cx="19276560" cy="9106920"/>
+            <a:off x="22435200" y="17674560"/>
+            <a:ext cx="19276560" cy="9106560"/>
           </a:xfrm>
           <a:prstGeom prst="rect">
             <a:avLst/>
@@ -4288,8 +6433,8 @@
         </p:nvSpPr>
         <p:spPr>
           <a:xfrm>
-            <a:off x="2194560" y="17674920"/>
-            <a:ext cx="19276560" cy="9106920"/>
+            <a:off x="2194560" y="17674560"/>
+            <a:ext cx="19276560" cy="9106560"/>
           </a:xfrm>
           <a:prstGeom prst="rect">
             <a:avLst/>
@@ -4337,7 +6482,7 @@
         <p:spPr>
           <a:xfrm>
             <a:off x="2194560" y="1313280"/>
-            <a:ext cx="39501720" cy="5497200"/>
+            <a:ext cx="39501360" cy="5497200"/>
           </a:xfrm>
           <a:prstGeom prst="rect">
             <a:avLst/>
@@ -4364,7 +6509,7 @@
         <p:spPr>
           <a:xfrm>
             <a:off x="2194560" y="7702560"/>
-            <a:ext cx="39501720" cy="19092240"/>
+            <a:ext cx="39501360" cy="19091880"/>
           </a:xfrm>
           <a:prstGeom prst="rect">
             <a:avLst/>
@@ -4390,7 +6535,7 @@
         <p:spPr>
           <a:xfrm>
             <a:off x="2194560" y="7702560"/>
-            <a:ext cx="39501720" cy="19092240"/>
+            <a:ext cx="39501360" cy="19091880"/>
           </a:xfrm>
           <a:prstGeom prst="rect">
             <a:avLst/>
@@ -4417,8 +6562,8 @@
         </p:blipFill>
         <p:spPr>
           <a:xfrm>
-            <a:off x="9980640" y="7702560"/>
-            <a:ext cx="23928840" cy="19092240"/>
+            <a:off x="9981000" y="7702200"/>
+            <a:ext cx="23928120" cy="19091880"/>
           </a:xfrm>
           <a:prstGeom prst="rect">
             <a:avLst/>
@@ -4442,8 +6587,8 @@
         </p:blipFill>
         <p:spPr>
           <a:xfrm>
-            <a:off x="9980640" y="7702560"/>
-            <a:ext cx="23928840" cy="19092240"/>
+            <a:off x="9981000" y="7702200"/>
+            <a:ext cx="23928120" cy="19091880"/>
           </a:xfrm>
           <a:prstGeom prst="rect">
             <a:avLst/>
@@ -4510,7 +6655,7 @@
         <p:spPr>
           <a:xfrm>
             <a:off x="2194560" y="1313280"/>
-            <a:ext cx="39501720" cy="5497200"/>
+            <a:ext cx="39501360" cy="5497200"/>
           </a:xfrm>
           <a:prstGeom prst="rect">
             <a:avLst/>
@@ -4559,7 +6704,7 @@
         <p:spPr>
           <a:xfrm>
             <a:off x="2194560" y="1313280"/>
-            <a:ext cx="39501720" cy="5497200"/>
+            <a:ext cx="39501360" cy="5497200"/>
           </a:xfrm>
           <a:prstGeom prst="rect">
             <a:avLst/>
@@ -4586,7 +6731,7 @@
         <p:spPr>
           <a:xfrm>
             <a:off x="2194560" y="7702560"/>
-            <a:ext cx="39501720" cy="19092600"/>
+            <a:ext cx="39501360" cy="19092240"/>
           </a:xfrm>
           <a:prstGeom prst="rect">
             <a:avLst/>
@@ -4635,7 +6780,7 @@
         <p:spPr>
           <a:xfrm>
             <a:off x="2194560" y="1313280"/>
-            <a:ext cx="39501720" cy="5497200"/>
+            <a:ext cx="39501360" cy="5497200"/>
           </a:xfrm>
           <a:prstGeom prst="rect">
             <a:avLst/>
@@ -4662,7 +6807,7 @@
         <p:spPr>
           <a:xfrm>
             <a:off x="2194560" y="7702560"/>
-            <a:ext cx="39501720" cy="19092240"/>
+            <a:ext cx="39501360" cy="19091880"/>
           </a:xfrm>
           <a:prstGeom prst="rect">
             <a:avLst/>
@@ -4710,7 +6855,7 @@
         <p:spPr>
           <a:xfrm>
             <a:off x="2194560" y="1313280"/>
-            <a:ext cx="39501720" cy="5497200"/>
+            <a:ext cx="39501360" cy="5497200"/>
           </a:xfrm>
           <a:prstGeom prst="rect">
             <a:avLst/>
@@ -4737,7 +6882,7 @@
         <p:spPr>
           <a:xfrm>
             <a:off x="2194560" y="7702560"/>
-            <a:ext cx="19276560" cy="19092240"/>
+            <a:ext cx="19276560" cy="19091880"/>
           </a:xfrm>
           <a:prstGeom prst="rect">
             <a:avLst/>
@@ -4763,7 +6908,7 @@
         <p:spPr>
           <a:xfrm>
             <a:off x="22435200" y="7702560"/>
-            <a:ext cx="19276560" cy="19092240"/>
+            <a:ext cx="19276560" cy="19091880"/>
           </a:xfrm>
           <a:prstGeom prst="rect">
             <a:avLst/>
@@ -4811,7 +6956,7 @@
         <p:spPr>
           <a:xfrm>
             <a:off x="2194560" y="1313280"/>
-            <a:ext cx="39501720" cy="5497200"/>
+            <a:ext cx="39501360" cy="5497200"/>
           </a:xfrm>
           <a:prstGeom prst="rect">
             <a:avLst/>
@@ -4860,7 +7005,7 @@
         <p:spPr>
           <a:xfrm>
             <a:off x="2194560" y="1313280"/>
-            <a:ext cx="39501720" cy="25481880"/>
+            <a:ext cx="39501360" cy="25481880"/>
           </a:xfrm>
           <a:prstGeom prst="rect">
             <a:avLst/>
@@ -4909,7 +7054,7 @@
         <p:spPr>
           <a:xfrm>
             <a:off x="2194560" y="1313280"/>
-            <a:ext cx="39501720" cy="5497200"/>
+            <a:ext cx="39501360" cy="5497200"/>
           </a:xfrm>
           <a:prstGeom prst="rect">
             <a:avLst/>
@@ -4936,7 +7081,7 @@
         <p:spPr>
           <a:xfrm>
             <a:off x="2194560" y="7702560"/>
-            <a:ext cx="19276560" cy="9106920"/>
+            <a:ext cx="19276560" cy="9106560"/>
           </a:xfrm>
           <a:prstGeom prst="rect">
             <a:avLst/>
@@ -4961,8 +7106,8 @@
         </p:nvSpPr>
         <p:spPr>
           <a:xfrm>
-            <a:off x="2194560" y="17674920"/>
-            <a:ext cx="19276560" cy="9106920"/>
+            <a:off x="2194560" y="17674560"/>
+            <a:ext cx="19276560" cy="9106560"/>
           </a:xfrm>
           <a:prstGeom prst="rect">
             <a:avLst/>
@@ -4988,7 +7133,7 @@
         <p:spPr>
           <a:xfrm>
             <a:off x="22435200" y="7702560"/>
-            <a:ext cx="19276560" cy="19092240"/>
+            <a:ext cx="19276560" cy="19091880"/>
           </a:xfrm>
           <a:prstGeom prst="rect">
             <a:avLst/>
@@ -5036,7 +7181,7 @@
         <p:spPr>
           <a:xfrm>
             <a:off x="2194560" y="1313280"/>
-            <a:ext cx="39501720" cy="5497200"/>
+            <a:ext cx="39501360" cy="5497200"/>
           </a:xfrm>
           <a:prstGeom prst="rect">
             <a:avLst/>
@@ -5063,7 +7208,7 @@
         <p:spPr>
           <a:xfrm>
             <a:off x="2194560" y="7702560"/>
-            <a:ext cx="19276560" cy="19092240"/>
+            <a:ext cx="19276560" cy="19091880"/>
           </a:xfrm>
           <a:prstGeom prst="rect">
             <a:avLst/>
@@ -5089,7 +7234,7 @@
         <p:spPr>
           <a:xfrm>
             <a:off x="22435200" y="7702560"/>
-            <a:ext cx="19276560" cy="9106920"/>
+            <a:ext cx="19276560" cy="9106560"/>
           </a:xfrm>
           <a:prstGeom prst="rect">
             <a:avLst/>
@@ -5114,8 +7259,8 @@
         </p:nvSpPr>
         <p:spPr>
           <a:xfrm>
-            <a:off x="22435200" y="17674920"/>
-            <a:ext cx="19276560" cy="9106920"/>
+            <a:off x="22435200" y="17674560"/>
+            <a:ext cx="19276560" cy="9106560"/>
           </a:xfrm>
           <a:prstGeom prst="rect">
             <a:avLst/>
@@ -5163,7 +7308,7 @@
         <p:spPr>
           <a:xfrm>
             <a:off x="2194560" y="1313280"/>
-            <a:ext cx="39501720" cy="5497200"/>
+            <a:ext cx="39501360" cy="5497200"/>
           </a:xfrm>
           <a:prstGeom prst="rect">
             <a:avLst/>
@@ -5190,7 +7335,7 @@
         <p:spPr>
           <a:xfrm>
             <a:off x="2194560" y="7702560"/>
-            <a:ext cx="19276560" cy="9106920"/>
+            <a:ext cx="19276560" cy="9106560"/>
           </a:xfrm>
           <a:prstGeom prst="rect">
             <a:avLst/>
@@ -5216,7 +7361,7 @@
         <p:spPr>
           <a:xfrm>
             <a:off x="22435200" y="7702560"/>
-            <a:ext cx="19276560" cy="9106920"/>
+            <a:ext cx="19276560" cy="9106560"/>
           </a:xfrm>
           <a:prstGeom prst="rect">
             <a:avLst/>
@@ -5241,8 +7386,8 @@
         </p:nvSpPr>
         <p:spPr>
           <a:xfrm>
-            <a:off x="2194560" y="17674920"/>
-            <a:ext cx="39501720" cy="9106920"/>
+            <a:off x="2194560" y="17674560"/>
+            <a:ext cx="39501360" cy="9106560"/>
           </a:xfrm>
           <a:prstGeom prst="rect">
             <a:avLst/>
@@ -5290,7 +7435,7 @@
         <p:spPr>
           <a:xfrm>
             <a:off x="2194560" y="1313280"/>
-            <a:ext cx="39501720" cy="5497200"/>
+            <a:ext cx="39501360" cy="5497200"/>
           </a:xfrm>
           <a:prstGeom prst="rect">
             <a:avLst/>
@@ -5317,7 +7462,7 @@
         <p:spPr>
           <a:xfrm>
             <a:off x="2194560" y="7702560"/>
-            <a:ext cx="39501720" cy="9106920"/>
+            <a:ext cx="39501360" cy="9106560"/>
           </a:xfrm>
           <a:prstGeom prst="rect">
             <a:avLst/>
@@ -5342,8 +7487,8 @@
         </p:nvSpPr>
         <p:spPr>
           <a:xfrm>
-            <a:off x="2194560" y="17674920"/>
-            <a:ext cx="39501720" cy="9106920"/>
+            <a:off x="2194560" y="17674560"/>
+            <a:ext cx="39501360" cy="9106560"/>
           </a:xfrm>
           <a:prstGeom prst="rect">
             <a:avLst/>
@@ -5391,7 +7536,7 @@
         <p:spPr>
           <a:xfrm>
             <a:off x="2194560" y="1313280"/>
-            <a:ext cx="39501720" cy="5497200"/>
+            <a:ext cx="39501360" cy="5497200"/>
           </a:xfrm>
           <a:prstGeom prst="rect">
             <a:avLst/>
@@ -5418,7 +7563,7 @@
         <p:spPr>
           <a:xfrm>
             <a:off x="2194560" y="7702560"/>
-            <a:ext cx="19276560" cy="9106920"/>
+            <a:ext cx="19276560" cy="9106560"/>
           </a:xfrm>
           <a:prstGeom prst="rect">
             <a:avLst/>
@@ -5444,7 +7589,7 @@
         <p:spPr>
           <a:xfrm>
             <a:off x="22435200" y="7702560"/>
-            <a:ext cx="19276560" cy="9106920"/>
+            <a:ext cx="19276560" cy="9106560"/>
           </a:xfrm>
           <a:prstGeom prst="rect">
             <a:avLst/>
@@ -5469,8 +7614,8 @@
         </p:nvSpPr>
         <p:spPr>
           <a:xfrm>
-            <a:off x="22435200" y="17674920"/>
-            <a:ext cx="19276560" cy="9106920"/>
+            <a:off x="22435200" y="17674560"/>
+            <a:ext cx="19276560" cy="9106560"/>
           </a:xfrm>
           <a:prstGeom prst="rect">
             <a:avLst/>
@@ -5495,8 +7640,8 @@
         </p:nvSpPr>
         <p:spPr>
           <a:xfrm>
-            <a:off x="2194560" y="17674920"/>
-            <a:ext cx="19276560" cy="9106920"/>
+            <a:off x="2194560" y="17674560"/>
+            <a:ext cx="19276560" cy="9106560"/>
           </a:xfrm>
           <a:prstGeom prst="rect">
             <a:avLst/>
@@ -5544,7 +7689,7 @@
         <p:spPr>
           <a:xfrm>
             <a:off x="2194560" y="1313280"/>
-            <a:ext cx="39501720" cy="25481880"/>
+            <a:ext cx="39501360" cy="25481880"/>
           </a:xfrm>
           <a:prstGeom prst="rect">
             <a:avLst/>
@@ -5593,7 +7738,7 @@
         <p:spPr>
           <a:xfrm>
             <a:off x="2194560" y="1313280"/>
-            <a:ext cx="39501720" cy="5497200"/>
+            <a:ext cx="39501360" cy="5497200"/>
           </a:xfrm>
           <a:prstGeom prst="rect">
             <a:avLst/>
@@ -5620,7 +7765,7 @@
         <p:spPr>
           <a:xfrm>
             <a:off x="2194560" y="7702560"/>
-            <a:ext cx="39501720" cy="19092240"/>
+            <a:ext cx="39501360" cy="19091880"/>
           </a:xfrm>
           <a:prstGeom prst="rect">
             <a:avLst/>
@@ -5646,7 +7791,7 @@
         <p:spPr>
           <a:xfrm>
             <a:off x="2194560" y="7702560"/>
-            <a:ext cx="39501720" cy="19092240"/>
+            <a:ext cx="39501360" cy="19091880"/>
           </a:xfrm>
           <a:prstGeom prst="rect">
             <a:avLst/>
@@ -5673,8 +7818,8 @@
         </p:blipFill>
         <p:spPr>
           <a:xfrm>
-            <a:off x="9980640" y="7702560"/>
-            <a:ext cx="23928840" cy="19092240"/>
+            <a:off x="9981000" y="7702200"/>
+            <a:ext cx="23928120" cy="19091880"/>
           </a:xfrm>
           <a:prstGeom prst="rect">
             <a:avLst/>
@@ -5698,8 +7843,8 @@
         </p:blipFill>
         <p:spPr>
           <a:xfrm>
-            <a:off x="9980640" y="7702560"/>
-            <a:ext cx="23928840" cy="19092240"/>
+            <a:off x="9981000" y="7702200"/>
+            <a:ext cx="23928120" cy="19091880"/>
           </a:xfrm>
           <a:prstGeom prst="rect">
             <a:avLst/>
@@ -5766,7 +7911,7 @@
         <p:spPr>
           <a:xfrm>
             <a:off x="2194560" y="1313280"/>
-            <a:ext cx="39501720" cy="5497200"/>
+            <a:ext cx="39501360" cy="5497200"/>
           </a:xfrm>
           <a:prstGeom prst="rect">
             <a:avLst/>
@@ -5793,7 +7938,7 @@
         <p:spPr>
           <a:xfrm>
             <a:off x="2194560" y="7702560"/>
-            <a:ext cx="39501720" cy="19092600"/>
+            <a:ext cx="39501360" cy="19092240"/>
           </a:xfrm>
           <a:prstGeom prst="rect">
             <a:avLst/>
@@ -5842,7 +7987,7 @@
         <p:spPr>
           <a:xfrm>
             <a:off x="2194560" y="1313280"/>
-            <a:ext cx="39501720" cy="5497200"/>
+            <a:ext cx="39501360" cy="5497200"/>
           </a:xfrm>
           <a:prstGeom prst="rect">
             <a:avLst/>
@@ -5869,7 +8014,7 @@
         <p:spPr>
           <a:xfrm>
             <a:off x="2194560" y="7702560"/>
-            <a:ext cx="39501720" cy="19092240"/>
+            <a:ext cx="39501360" cy="19091880"/>
           </a:xfrm>
           <a:prstGeom prst="rect">
             <a:avLst/>
@@ -5917,7 +8062,7 @@
         <p:spPr>
           <a:xfrm>
             <a:off x="2194560" y="1313280"/>
-            <a:ext cx="39501720" cy="5497200"/>
+            <a:ext cx="39501360" cy="5497200"/>
           </a:xfrm>
           <a:prstGeom prst="rect">
             <a:avLst/>
@@ -5944,7 +8089,7 @@
         <p:spPr>
           <a:xfrm>
             <a:off x="2194560" y="7702560"/>
-            <a:ext cx="19276560" cy="19092240"/>
+            <a:ext cx="19276560" cy="19091880"/>
           </a:xfrm>
           <a:prstGeom prst="rect">
             <a:avLst/>
@@ -5970,7 +8115,7 @@
         <p:spPr>
           <a:xfrm>
             <a:off x="22435200" y="7702560"/>
-            <a:ext cx="19276560" cy="19092240"/>
+            <a:ext cx="19276560" cy="19091880"/>
           </a:xfrm>
           <a:prstGeom prst="rect">
             <a:avLst/>
@@ -6018,7 +8163,7 @@
         <p:spPr>
           <a:xfrm>
             <a:off x="2194560" y="1313280"/>
-            <a:ext cx="39501720" cy="5497200"/>
+            <a:ext cx="39501360" cy="5497200"/>
           </a:xfrm>
           <a:prstGeom prst="rect">
             <a:avLst/>
@@ -6067,7 +8212,7 @@
         <p:spPr>
           <a:xfrm>
             <a:off x="2194560" y="1313280"/>
-            <a:ext cx="39501720" cy="25481880"/>
+            <a:ext cx="39501360" cy="25481880"/>
           </a:xfrm>
           <a:prstGeom prst="rect">
             <a:avLst/>
@@ -6116,7 +8261,7 @@
         <p:spPr>
           <a:xfrm>
             <a:off x="2194560" y="1313280"/>
-            <a:ext cx="39501720" cy="5497200"/>
+            <a:ext cx="39501360" cy="5497200"/>
           </a:xfrm>
           <a:prstGeom prst="rect">
             <a:avLst/>
@@ -6143,7 +8288,7 @@
         <p:spPr>
           <a:xfrm>
             <a:off x="2194560" y="7702560"/>
-            <a:ext cx="19276560" cy="9106920"/>
+            <a:ext cx="19276560" cy="9106560"/>
           </a:xfrm>
           <a:prstGeom prst="rect">
             <a:avLst/>
@@ -6168,8 +8313,8 @@
         </p:nvSpPr>
         <p:spPr>
           <a:xfrm>
-            <a:off x="2194560" y="17674920"/>
-            <a:ext cx="19276560" cy="9106920"/>
+            <a:off x="2194560" y="17674560"/>
+            <a:ext cx="19276560" cy="9106560"/>
           </a:xfrm>
           <a:prstGeom prst="rect">
             <a:avLst/>
@@ -6195,7 +8340,7 @@
         <p:spPr>
           <a:xfrm>
             <a:off x="22435200" y="7702560"/>
-            <a:ext cx="19276560" cy="19092240"/>
+            <a:ext cx="19276560" cy="19091880"/>
           </a:xfrm>
           <a:prstGeom prst="rect">
             <a:avLst/>
@@ -6243,7 +8388,7 @@
         <p:spPr>
           <a:xfrm>
             <a:off x="2194560" y="1313280"/>
-            <a:ext cx="39501720" cy="5497200"/>
+            <a:ext cx="39501360" cy="5497200"/>
           </a:xfrm>
           <a:prstGeom prst="rect">
             <a:avLst/>
@@ -6270,7 +8415,7 @@
         <p:spPr>
           <a:xfrm>
             <a:off x="2194560" y="7702560"/>
-            <a:ext cx="19276560" cy="19092240"/>
+            <a:ext cx="19276560" cy="19091880"/>
           </a:xfrm>
           <a:prstGeom prst="rect">
             <a:avLst/>
@@ -6296,7 +8441,7 @@
         <p:spPr>
           <a:xfrm>
             <a:off x="22435200" y="7702560"/>
-            <a:ext cx="19276560" cy="9106920"/>
+            <a:ext cx="19276560" cy="9106560"/>
           </a:xfrm>
           <a:prstGeom prst="rect">
             <a:avLst/>
@@ -6321,8 +8466,8 @@
         </p:nvSpPr>
         <p:spPr>
           <a:xfrm>
-            <a:off x="22435200" y="17674920"/>
-            <a:ext cx="19276560" cy="9106920"/>
+            <a:off x="22435200" y="17674560"/>
+            <a:ext cx="19276560" cy="9106560"/>
           </a:xfrm>
           <a:prstGeom prst="rect">
             <a:avLst/>
@@ -6370,7 +8515,7 @@
         <p:spPr>
           <a:xfrm>
             <a:off x="2194560" y="1313280"/>
-            <a:ext cx="39501720" cy="5497200"/>
+            <a:ext cx="39501360" cy="5497200"/>
           </a:xfrm>
           <a:prstGeom prst="rect">
             <a:avLst/>
@@ -6397,7 +8542,7 @@
         <p:spPr>
           <a:xfrm>
             <a:off x="2194560" y="7702560"/>
-            <a:ext cx="19276560" cy="9106920"/>
+            <a:ext cx="19276560" cy="9106560"/>
           </a:xfrm>
           <a:prstGeom prst="rect">
             <a:avLst/>
@@ -6423,7 +8568,7 @@
         <p:spPr>
           <a:xfrm>
             <a:off x="22435200" y="7702560"/>
-            <a:ext cx="19276560" cy="9106920"/>
+            <a:ext cx="19276560" cy="9106560"/>
           </a:xfrm>
           <a:prstGeom prst="rect">
             <a:avLst/>
@@ -6448,8 +8593,8 @@
         </p:nvSpPr>
         <p:spPr>
           <a:xfrm>
-            <a:off x="2194560" y="17674920"/>
-            <a:ext cx="39501720" cy="9106920"/>
+            <a:off x="2194560" y="17674560"/>
+            <a:ext cx="39501360" cy="9106560"/>
           </a:xfrm>
           <a:prstGeom prst="rect">
             <a:avLst/>
@@ -6497,7 +8642,7 @@
         <p:spPr>
           <a:xfrm>
             <a:off x="2194560" y="1313280"/>
-            <a:ext cx="39501720" cy="5497200"/>
+            <a:ext cx="39501360" cy="5497200"/>
           </a:xfrm>
           <a:prstGeom prst="rect">
             <a:avLst/>
@@ -6524,7 +8669,7 @@
         <p:spPr>
           <a:xfrm>
             <a:off x="2194560" y="7702560"/>
-            <a:ext cx="19276560" cy="9106920"/>
+            <a:ext cx="19276560" cy="9106560"/>
           </a:xfrm>
           <a:prstGeom prst="rect">
             <a:avLst/>
@@ -6549,8 +8694,8 @@
         </p:nvSpPr>
         <p:spPr>
           <a:xfrm>
-            <a:off x="2194560" y="17674920"/>
-            <a:ext cx="19276560" cy="9106920"/>
+            <a:off x="2194560" y="17674560"/>
+            <a:ext cx="19276560" cy="9106560"/>
           </a:xfrm>
           <a:prstGeom prst="rect">
             <a:avLst/>
@@ -6576,7 +8721,7 @@
         <p:spPr>
           <a:xfrm>
             <a:off x="22435200" y="7702560"/>
-            <a:ext cx="19276560" cy="19092240"/>
+            <a:ext cx="19276560" cy="19091880"/>
           </a:xfrm>
           <a:prstGeom prst="rect">
             <a:avLst/>
@@ -6624,7 +8769,7 @@
         <p:spPr>
           <a:xfrm>
             <a:off x="2194560" y="1313280"/>
-            <a:ext cx="39501720" cy="5497200"/>
+            <a:ext cx="39501360" cy="5497200"/>
           </a:xfrm>
           <a:prstGeom prst="rect">
             <a:avLst/>
@@ -6651,7 +8796,7 @@
         <p:spPr>
           <a:xfrm>
             <a:off x="2194560" y="7702560"/>
-            <a:ext cx="39501720" cy="9106920"/>
+            <a:ext cx="39501360" cy="9106560"/>
           </a:xfrm>
           <a:prstGeom prst="rect">
             <a:avLst/>
@@ -6676,8 +8821,8 @@
         </p:nvSpPr>
         <p:spPr>
           <a:xfrm>
-            <a:off x="2194560" y="17674920"/>
-            <a:ext cx="39501720" cy="9106920"/>
+            <a:off x="2194560" y="17674560"/>
+            <a:ext cx="39501360" cy="9106560"/>
           </a:xfrm>
           <a:prstGeom prst="rect">
             <a:avLst/>
@@ -6725,7 +8870,7 @@
         <p:spPr>
           <a:xfrm>
             <a:off x="2194560" y="1313280"/>
-            <a:ext cx="39501720" cy="5497200"/>
+            <a:ext cx="39501360" cy="5497200"/>
           </a:xfrm>
           <a:prstGeom prst="rect">
             <a:avLst/>
@@ -6752,7 +8897,7 @@
         <p:spPr>
           <a:xfrm>
             <a:off x="2194560" y="7702560"/>
-            <a:ext cx="19276560" cy="9106920"/>
+            <a:ext cx="19276560" cy="9106560"/>
           </a:xfrm>
           <a:prstGeom prst="rect">
             <a:avLst/>
@@ -6778,7 +8923,7 @@
         <p:spPr>
           <a:xfrm>
             <a:off x="22435200" y="7702560"/>
-            <a:ext cx="19276560" cy="9106920"/>
+            <a:ext cx="19276560" cy="9106560"/>
           </a:xfrm>
           <a:prstGeom prst="rect">
             <a:avLst/>
@@ -6803,8 +8948,8 @@
         </p:nvSpPr>
         <p:spPr>
           <a:xfrm>
-            <a:off x="22435200" y="17674920"/>
-            <a:ext cx="19276560" cy="9106920"/>
+            <a:off x="22435200" y="17674560"/>
+            <a:ext cx="19276560" cy="9106560"/>
           </a:xfrm>
           <a:prstGeom prst="rect">
             <a:avLst/>
@@ -6829,8 +8974,8 @@
         </p:nvSpPr>
         <p:spPr>
           <a:xfrm>
-            <a:off x="2194560" y="17674920"/>
-            <a:ext cx="19276560" cy="9106920"/>
+            <a:off x="2194560" y="17674560"/>
+            <a:ext cx="19276560" cy="9106560"/>
           </a:xfrm>
           <a:prstGeom prst="rect">
             <a:avLst/>
@@ -6878,7 +9023,7 @@
         <p:spPr>
           <a:xfrm>
             <a:off x="2194560" y="1313280"/>
-            <a:ext cx="39501720" cy="5497200"/>
+            <a:ext cx="39501360" cy="5497200"/>
           </a:xfrm>
           <a:prstGeom prst="rect">
             <a:avLst/>
@@ -6905,7 +9050,7 @@
         <p:spPr>
           <a:xfrm>
             <a:off x="2194560" y="7702560"/>
-            <a:ext cx="39501720" cy="19092240"/>
+            <a:ext cx="39501360" cy="19091880"/>
           </a:xfrm>
           <a:prstGeom prst="rect">
             <a:avLst/>
@@ -6931,7 +9076,7 @@
         <p:spPr>
           <a:xfrm>
             <a:off x="2194560" y="7702560"/>
-            <a:ext cx="39501720" cy="19092240"/>
+            <a:ext cx="39501360" cy="19091880"/>
           </a:xfrm>
           <a:prstGeom prst="rect">
             <a:avLst/>
@@ -6958,8 +9103,8 @@
         </p:blipFill>
         <p:spPr>
           <a:xfrm>
-            <a:off x="9980640" y="7702560"/>
-            <a:ext cx="23928840" cy="19092240"/>
+            <a:off x="9981000" y="7702200"/>
+            <a:ext cx="23928120" cy="19091880"/>
           </a:xfrm>
           <a:prstGeom prst="rect">
             <a:avLst/>
@@ -6983,8 +9128,8 @@
         </p:blipFill>
         <p:spPr>
           <a:xfrm>
-            <a:off x="9980640" y="7702560"/>
-            <a:ext cx="23928840" cy="19092240"/>
+            <a:off x="9981000" y="7702200"/>
+            <a:ext cx="23928120" cy="19091880"/>
           </a:xfrm>
           <a:prstGeom prst="rect">
             <a:avLst/>
@@ -7051,7 +9196,7 @@
         <p:spPr>
           <a:xfrm>
             <a:off x="2194560" y="1313280"/>
-            <a:ext cx="39501720" cy="5497200"/>
+            <a:ext cx="39501360" cy="5497200"/>
           </a:xfrm>
           <a:prstGeom prst="rect">
             <a:avLst/>
@@ -7078,7 +9223,7 @@
         <p:spPr>
           <a:xfrm>
             <a:off x="2194560" y="7702560"/>
-            <a:ext cx="39501720" cy="19092600"/>
+            <a:ext cx="39501360" cy="19092240"/>
           </a:xfrm>
           <a:prstGeom prst="rect">
             <a:avLst/>
@@ -7127,7 +9272,7 @@
         <p:spPr>
           <a:xfrm>
             <a:off x="2194560" y="1313280"/>
-            <a:ext cx="39501720" cy="5497200"/>
+            <a:ext cx="39501360" cy="5497200"/>
           </a:xfrm>
           <a:prstGeom prst="rect">
             <a:avLst/>
@@ -7154,7 +9299,7 @@
         <p:spPr>
           <a:xfrm>
             <a:off x="2194560" y="7702560"/>
-            <a:ext cx="39501720" cy="19092240"/>
+            <a:ext cx="39501360" cy="19091880"/>
           </a:xfrm>
           <a:prstGeom prst="rect">
             <a:avLst/>
@@ -7202,7 +9347,7 @@
         <p:spPr>
           <a:xfrm>
             <a:off x="2194560" y="1313280"/>
-            <a:ext cx="39501720" cy="5497200"/>
+            <a:ext cx="39501360" cy="5497200"/>
           </a:xfrm>
           <a:prstGeom prst="rect">
             <a:avLst/>
@@ -7229,7 +9374,7 @@
         <p:spPr>
           <a:xfrm>
             <a:off x="2194560" y="7702560"/>
-            <a:ext cx="19276560" cy="19092240"/>
+            <a:ext cx="19276560" cy="19091880"/>
           </a:xfrm>
           <a:prstGeom prst="rect">
             <a:avLst/>
@@ -7255,7 +9400,7 @@
         <p:spPr>
           <a:xfrm>
             <a:off x="22435200" y="7702560"/>
-            <a:ext cx="19276560" cy="19092240"/>
+            <a:ext cx="19276560" cy="19091880"/>
           </a:xfrm>
           <a:prstGeom prst="rect">
             <a:avLst/>
@@ -7303,7 +9448,7 @@
         <p:spPr>
           <a:xfrm>
             <a:off x="2194560" y="1313280"/>
-            <a:ext cx="39501720" cy="5497200"/>
+            <a:ext cx="39501360" cy="5497200"/>
           </a:xfrm>
           <a:prstGeom prst="rect">
             <a:avLst/>
@@ -7352,7 +9497,7 @@
         <p:spPr>
           <a:xfrm>
             <a:off x="2194560" y="1313280"/>
-            <a:ext cx="39501720" cy="25481880"/>
+            <a:ext cx="39501360" cy="25481880"/>
           </a:xfrm>
           <a:prstGeom prst="rect">
             <a:avLst/>
@@ -7401,7 +9546,7 @@
         <p:spPr>
           <a:xfrm>
             <a:off x="2194560" y="1313280"/>
-            <a:ext cx="39501720" cy="5497200"/>
+            <a:ext cx="39501360" cy="5497200"/>
           </a:xfrm>
           <a:prstGeom prst="rect">
             <a:avLst/>
@@ -7428,7 +9573,7 @@
         <p:spPr>
           <a:xfrm>
             <a:off x="2194560" y="7702560"/>
-            <a:ext cx="19276560" cy="9106920"/>
+            <a:ext cx="19276560" cy="9106560"/>
           </a:xfrm>
           <a:prstGeom prst="rect">
             <a:avLst/>
@@ -7453,8 +9598,8 @@
         </p:nvSpPr>
         <p:spPr>
           <a:xfrm>
-            <a:off x="2194560" y="17674920"/>
-            <a:ext cx="19276560" cy="9106920"/>
+            <a:off x="2194560" y="17674560"/>
+            <a:ext cx="19276560" cy="9106560"/>
           </a:xfrm>
           <a:prstGeom prst="rect">
             <a:avLst/>
@@ -7480,7 +9625,7 @@
         <p:spPr>
           <a:xfrm>
             <a:off x="22435200" y="7702560"/>
-            <a:ext cx="19276560" cy="19092240"/>
+            <a:ext cx="19276560" cy="19091880"/>
           </a:xfrm>
           <a:prstGeom prst="rect">
             <a:avLst/>
@@ -7528,7 +9673,7 @@
         <p:spPr>
           <a:xfrm>
             <a:off x="2194560" y="1313280"/>
-            <a:ext cx="39501720" cy="5497200"/>
+            <a:ext cx="39501360" cy="5497200"/>
           </a:xfrm>
           <a:prstGeom prst="rect">
             <a:avLst/>
@@ -7555,7 +9700,7 @@
         <p:spPr>
           <a:xfrm>
             <a:off x="2194560" y="7702560"/>
-            <a:ext cx="19276560" cy="19092240"/>
+            <a:ext cx="19276560" cy="19091880"/>
           </a:xfrm>
           <a:prstGeom prst="rect">
             <a:avLst/>
@@ -7581,7 +9726,7 @@
         <p:spPr>
           <a:xfrm>
             <a:off x="22435200" y="7702560"/>
-            <a:ext cx="19276560" cy="9106920"/>
+            <a:ext cx="19276560" cy="9106560"/>
           </a:xfrm>
           <a:prstGeom prst="rect">
             <a:avLst/>
@@ -7606,8 +9751,8 @@
         </p:nvSpPr>
         <p:spPr>
           <a:xfrm>
-            <a:off x="22435200" y="17674920"/>
-            <a:ext cx="19276560" cy="9106920"/>
+            <a:off x="22435200" y="17674560"/>
+            <a:ext cx="19276560" cy="9106560"/>
           </a:xfrm>
           <a:prstGeom prst="rect">
             <a:avLst/>
@@ -7655,7 +9800,7 @@
         <p:spPr>
           <a:xfrm>
             <a:off x="2194560" y="1313280"/>
-            <a:ext cx="39501720" cy="5497200"/>
+            <a:ext cx="39501360" cy="5497200"/>
           </a:xfrm>
           <a:prstGeom prst="rect">
             <a:avLst/>
@@ -7682,7 +9827,7 @@
         <p:spPr>
           <a:xfrm>
             <a:off x="2194560" y="7702560"/>
-            <a:ext cx="19276560" cy="19092240"/>
+            <a:ext cx="19276560" cy="19091880"/>
           </a:xfrm>
           <a:prstGeom prst="rect">
             <a:avLst/>
@@ -7708,7 +9853,7 @@
         <p:spPr>
           <a:xfrm>
             <a:off x="22435200" y="7702560"/>
-            <a:ext cx="19276560" cy="9106920"/>
+            <a:ext cx="19276560" cy="9106560"/>
           </a:xfrm>
           <a:prstGeom prst="rect">
             <a:avLst/>
@@ -7733,8 +9878,8 @@
         </p:nvSpPr>
         <p:spPr>
           <a:xfrm>
-            <a:off x="22435200" y="17674920"/>
-            <a:ext cx="19276560" cy="9106920"/>
+            <a:off x="22435200" y="17674560"/>
+            <a:ext cx="19276560" cy="9106560"/>
           </a:xfrm>
           <a:prstGeom prst="rect">
             <a:avLst/>
@@ -7782,7 +9927,7 @@
         <p:spPr>
           <a:xfrm>
             <a:off x="2194560" y="1313280"/>
-            <a:ext cx="39501720" cy="5497200"/>
+            <a:ext cx="39501360" cy="5497200"/>
           </a:xfrm>
           <a:prstGeom prst="rect">
             <a:avLst/>
@@ -7809,7 +9954,7 @@
         <p:spPr>
           <a:xfrm>
             <a:off x="2194560" y="7702560"/>
-            <a:ext cx="19276560" cy="9106920"/>
+            <a:ext cx="19276560" cy="9106560"/>
           </a:xfrm>
           <a:prstGeom prst="rect">
             <a:avLst/>
@@ -7835,7 +9980,7 @@
         <p:spPr>
           <a:xfrm>
             <a:off x="22435200" y="7702560"/>
-            <a:ext cx="19276560" cy="9106920"/>
+            <a:ext cx="19276560" cy="9106560"/>
           </a:xfrm>
           <a:prstGeom prst="rect">
             <a:avLst/>
@@ -7860,8 +10005,8 @@
         </p:nvSpPr>
         <p:spPr>
           <a:xfrm>
-            <a:off x="2194560" y="17674920"/>
-            <a:ext cx="39501720" cy="9106920"/>
+            <a:off x="2194560" y="17674560"/>
+            <a:ext cx="39501360" cy="9106560"/>
           </a:xfrm>
           <a:prstGeom prst="rect">
             <a:avLst/>
@@ -7909,7 +10054,7 @@
         <p:spPr>
           <a:xfrm>
             <a:off x="2194560" y="1313280"/>
-            <a:ext cx="39501720" cy="5497200"/>
+            <a:ext cx="39501360" cy="5497200"/>
           </a:xfrm>
           <a:prstGeom prst="rect">
             <a:avLst/>
@@ -7936,7 +10081,7 @@
         <p:spPr>
           <a:xfrm>
             <a:off x="2194560" y="7702560"/>
-            <a:ext cx="39501720" cy="9106920"/>
+            <a:ext cx="39501360" cy="9106560"/>
           </a:xfrm>
           <a:prstGeom prst="rect">
             <a:avLst/>
@@ -7961,8 +10106,8 @@
         </p:nvSpPr>
         <p:spPr>
           <a:xfrm>
-            <a:off x="2194560" y="17674920"/>
-            <a:ext cx="39501720" cy="9106920"/>
+            <a:off x="2194560" y="17674560"/>
+            <a:ext cx="39501360" cy="9106560"/>
           </a:xfrm>
           <a:prstGeom prst="rect">
             <a:avLst/>
@@ -8010,7 +10155,7 @@
         <p:spPr>
           <a:xfrm>
             <a:off x="2194560" y="1313280"/>
-            <a:ext cx="39501720" cy="5497200"/>
+            <a:ext cx="39501360" cy="5497200"/>
           </a:xfrm>
           <a:prstGeom prst="rect">
             <a:avLst/>
@@ -8037,7 +10182,7 @@
         <p:spPr>
           <a:xfrm>
             <a:off x="2194560" y="7702560"/>
-            <a:ext cx="19276560" cy="9106920"/>
+            <a:ext cx="19276560" cy="9106560"/>
           </a:xfrm>
           <a:prstGeom prst="rect">
             <a:avLst/>
@@ -8063,7 +10208,7 @@
         <p:spPr>
           <a:xfrm>
             <a:off x="22435200" y="7702560"/>
-            <a:ext cx="19276560" cy="9106920"/>
+            <a:ext cx="19276560" cy="9106560"/>
           </a:xfrm>
           <a:prstGeom prst="rect">
             <a:avLst/>
@@ -8088,8 +10233,8 @@
         </p:nvSpPr>
         <p:spPr>
           <a:xfrm>
-            <a:off x="22435200" y="17674920"/>
-            <a:ext cx="19276560" cy="9106920"/>
+            <a:off x="22435200" y="17674560"/>
+            <a:ext cx="19276560" cy="9106560"/>
           </a:xfrm>
           <a:prstGeom prst="rect">
             <a:avLst/>
@@ -8114,8 +10259,8 @@
         </p:nvSpPr>
         <p:spPr>
           <a:xfrm>
-            <a:off x="2194560" y="17674920"/>
-            <a:ext cx="19276560" cy="9106920"/>
+            <a:off x="2194560" y="17674560"/>
+            <a:ext cx="19276560" cy="9106560"/>
           </a:xfrm>
           <a:prstGeom prst="rect">
             <a:avLst/>
@@ -8163,7 +10308,7 @@
         <p:spPr>
           <a:xfrm>
             <a:off x="2194560" y="1313280"/>
-            <a:ext cx="39501720" cy="5497200"/>
+            <a:ext cx="39501360" cy="5497200"/>
           </a:xfrm>
           <a:prstGeom prst="rect">
             <a:avLst/>
@@ -8190,7 +10335,7 @@
         <p:spPr>
           <a:xfrm>
             <a:off x="2194560" y="7702560"/>
-            <a:ext cx="39501720" cy="19092240"/>
+            <a:ext cx="39501360" cy="19091880"/>
           </a:xfrm>
           <a:prstGeom prst="rect">
             <a:avLst/>
@@ -8216,7 +10361,7 @@
         <p:spPr>
           <a:xfrm>
             <a:off x="2194560" y="7702560"/>
-            <a:ext cx="39501720" cy="19092240"/>
+            <a:ext cx="39501360" cy="19091880"/>
           </a:xfrm>
           <a:prstGeom prst="rect">
             <a:avLst/>
@@ -8243,8 +10388,8 @@
         </p:blipFill>
         <p:spPr>
           <a:xfrm>
-            <a:off x="9980640" y="7702560"/>
-            <a:ext cx="23928840" cy="19092240"/>
+            <a:off x="9981000" y="7702200"/>
+            <a:ext cx="23928120" cy="19091880"/>
           </a:xfrm>
           <a:prstGeom prst="rect">
             <a:avLst/>
@@ -8268,8 +10413,8 @@
         </p:blipFill>
         <p:spPr>
           <a:xfrm>
-            <a:off x="9980640" y="7702560"/>
-            <a:ext cx="23928840" cy="19092240"/>
+            <a:off x="9981000" y="7702200"/>
+            <a:ext cx="23928120" cy="19091880"/>
           </a:xfrm>
           <a:prstGeom prst="rect">
             <a:avLst/>
@@ -8336,7 +10481,7 @@
         <p:spPr>
           <a:xfrm>
             <a:off x="2194560" y="1313280"/>
-            <a:ext cx="39501720" cy="5497200"/>
+            <a:ext cx="39501360" cy="5497200"/>
           </a:xfrm>
           <a:prstGeom prst="rect">
             <a:avLst/>
@@ -8363,7 +10508,7 @@
         <p:spPr>
           <a:xfrm>
             <a:off x="2194560" y="7702560"/>
-            <a:ext cx="39501720" cy="19092600"/>
+            <a:ext cx="39501360" cy="19092240"/>
           </a:xfrm>
           <a:prstGeom prst="rect">
             <a:avLst/>
@@ -8412,7 +10557,7 @@
         <p:spPr>
           <a:xfrm>
             <a:off x="2194560" y="1313280"/>
-            <a:ext cx="39501720" cy="5497200"/>
+            <a:ext cx="39501360" cy="5497200"/>
           </a:xfrm>
           <a:prstGeom prst="rect">
             <a:avLst/>
@@ -8439,7 +10584,7 @@
         <p:spPr>
           <a:xfrm>
             <a:off x="2194560" y="7702560"/>
-            <a:ext cx="39501720" cy="19092240"/>
+            <a:ext cx="39501360" cy="19091880"/>
           </a:xfrm>
           <a:prstGeom prst="rect">
             <a:avLst/>
@@ -8487,7 +10632,7 @@
         <p:spPr>
           <a:xfrm>
             <a:off x="2194560" y="1313280"/>
-            <a:ext cx="39501720" cy="5497200"/>
+            <a:ext cx="39501360" cy="5497200"/>
           </a:xfrm>
           <a:prstGeom prst="rect">
             <a:avLst/>
@@ -8514,7 +10659,7 @@
         <p:spPr>
           <a:xfrm>
             <a:off x="2194560" y="7702560"/>
-            <a:ext cx="19276560" cy="19092240"/>
+            <a:ext cx="19276560" cy="19091880"/>
           </a:xfrm>
           <a:prstGeom prst="rect">
             <a:avLst/>
@@ -8540,7 +10685,7 @@
         <p:spPr>
           <a:xfrm>
             <a:off x="22435200" y="7702560"/>
-            <a:ext cx="19276560" cy="19092240"/>
+            <a:ext cx="19276560" cy="19091880"/>
           </a:xfrm>
           <a:prstGeom prst="rect">
             <a:avLst/>
@@ -8588,7 +10733,7 @@
         <p:spPr>
           <a:xfrm>
             <a:off x="2194560" y="1313280"/>
-            <a:ext cx="39501720" cy="5497200"/>
+            <a:ext cx="39501360" cy="5497200"/>
           </a:xfrm>
           <a:prstGeom prst="rect">
             <a:avLst/>
@@ -8637,7 +10782,7 @@
         <p:spPr>
           <a:xfrm>
             <a:off x="2194560" y="1313280"/>
-            <a:ext cx="39501720" cy="5497200"/>
+            <a:ext cx="39501360" cy="5497200"/>
           </a:xfrm>
           <a:prstGeom prst="rect">
             <a:avLst/>
@@ -8664,7 +10809,7 @@
         <p:spPr>
           <a:xfrm>
             <a:off x="2194560" y="7702560"/>
-            <a:ext cx="19276560" cy="9106920"/>
+            <a:ext cx="19276560" cy="9106560"/>
           </a:xfrm>
           <a:prstGeom prst="rect">
             <a:avLst/>
@@ -8690,7 +10835,7 @@
         <p:spPr>
           <a:xfrm>
             <a:off x="22435200" y="7702560"/>
-            <a:ext cx="19276560" cy="9106920"/>
+            <a:ext cx="19276560" cy="9106560"/>
           </a:xfrm>
           <a:prstGeom prst="rect">
             <a:avLst/>
@@ -8715,8 +10860,8 @@
         </p:nvSpPr>
         <p:spPr>
           <a:xfrm>
-            <a:off x="2194560" y="17674920"/>
-            <a:ext cx="39501720" cy="9106920"/>
+            <a:off x="2194560" y="17674560"/>
+            <a:ext cx="39501360" cy="9106560"/>
           </a:xfrm>
           <a:prstGeom prst="rect">
             <a:avLst/>
@@ -8764,7 +10909,7 @@
         <p:spPr>
           <a:xfrm>
             <a:off x="2194560" y="1313280"/>
-            <a:ext cx="39501720" cy="25481880"/>
+            <a:ext cx="39501360" cy="25481880"/>
           </a:xfrm>
           <a:prstGeom prst="rect">
             <a:avLst/>
@@ -8813,7 +10958,7 @@
         <p:spPr>
           <a:xfrm>
             <a:off x="2194560" y="1313280"/>
-            <a:ext cx="39501720" cy="5497200"/>
+            <a:ext cx="39501360" cy="5497200"/>
           </a:xfrm>
           <a:prstGeom prst="rect">
             <a:avLst/>
@@ -8840,7 +10985,7 @@
         <p:spPr>
           <a:xfrm>
             <a:off x="2194560" y="7702560"/>
-            <a:ext cx="19276560" cy="9106920"/>
+            <a:ext cx="19276560" cy="9106560"/>
           </a:xfrm>
           <a:prstGeom prst="rect">
             <a:avLst/>
@@ -8865,8 +11010,8 @@
         </p:nvSpPr>
         <p:spPr>
           <a:xfrm>
-            <a:off x="2194560" y="17674920"/>
-            <a:ext cx="19276560" cy="9106920"/>
+            <a:off x="2194560" y="17674560"/>
+            <a:ext cx="19276560" cy="9106560"/>
           </a:xfrm>
           <a:prstGeom prst="rect">
             <a:avLst/>
@@ -8892,7 +11037,7 @@
         <p:spPr>
           <a:xfrm>
             <a:off x="22435200" y="7702560"/>
-            <a:ext cx="19276560" cy="19092240"/>
+            <a:ext cx="19276560" cy="19091880"/>
           </a:xfrm>
           <a:prstGeom prst="rect">
             <a:avLst/>
@@ -8940,7 +11085,7 @@
         <p:spPr>
           <a:xfrm>
             <a:off x="2194560" y="1313280"/>
-            <a:ext cx="39501720" cy="5497200"/>
+            <a:ext cx="39501360" cy="5497200"/>
           </a:xfrm>
           <a:prstGeom prst="rect">
             <a:avLst/>
@@ -8967,7 +11112,7 @@
         <p:spPr>
           <a:xfrm>
             <a:off x="2194560" y="7702560"/>
-            <a:ext cx="19276560" cy="19092240"/>
+            <a:ext cx="19276560" cy="19091880"/>
           </a:xfrm>
           <a:prstGeom prst="rect">
             <a:avLst/>
@@ -8993,7 +11138,7 @@
         <p:spPr>
           <a:xfrm>
             <a:off x="22435200" y="7702560"/>
-            <a:ext cx="19276560" cy="9106920"/>
+            <a:ext cx="19276560" cy="9106560"/>
           </a:xfrm>
           <a:prstGeom prst="rect">
             <a:avLst/>
@@ -9018,8 +11163,8 @@
         </p:nvSpPr>
         <p:spPr>
           <a:xfrm>
-            <a:off x="22435200" y="17674920"/>
-            <a:ext cx="19276560" cy="9106920"/>
+            <a:off x="22435200" y="17674560"/>
+            <a:ext cx="19276560" cy="9106560"/>
           </a:xfrm>
           <a:prstGeom prst="rect">
             <a:avLst/>
@@ -9067,7 +11212,7 @@
         <p:spPr>
           <a:xfrm>
             <a:off x="2194560" y="1313280"/>
-            <a:ext cx="39501720" cy="5497200"/>
+            <a:ext cx="39501360" cy="5497200"/>
           </a:xfrm>
           <a:prstGeom prst="rect">
             <a:avLst/>
@@ -9094,7 +11239,7 @@
         <p:spPr>
           <a:xfrm>
             <a:off x="2194560" y="7702560"/>
-            <a:ext cx="19276560" cy="9106920"/>
+            <a:ext cx="19276560" cy="9106560"/>
           </a:xfrm>
           <a:prstGeom prst="rect">
             <a:avLst/>
@@ -9120,7 +11265,7 @@
         <p:spPr>
           <a:xfrm>
             <a:off x="22435200" y="7702560"/>
-            <a:ext cx="19276560" cy="9106920"/>
+            <a:ext cx="19276560" cy="9106560"/>
           </a:xfrm>
           <a:prstGeom prst="rect">
             <a:avLst/>
@@ -9145,8 +11290,8 @@
         </p:nvSpPr>
         <p:spPr>
           <a:xfrm>
-            <a:off x="2194560" y="17674920"/>
-            <a:ext cx="39501720" cy="9106920"/>
+            <a:off x="2194560" y="17674560"/>
+            <a:ext cx="39501360" cy="9106560"/>
           </a:xfrm>
           <a:prstGeom prst="rect">
             <a:avLst/>
@@ -9194,7 +11339,7 @@
         <p:spPr>
           <a:xfrm>
             <a:off x="2194560" y="1313280"/>
-            <a:ext cx="39501720" cy="5497200"/>
+            <a:ext cx="39501360" cy="5497200"/>
           </a:xfrm>
           <a:prstGeom prst="rect">
             <a:avLst/>
@@ -9221,7 +11366,7 @@
         <p:spPr>
           <a:xfrm>
             <a:off x="2194560" y="7702560"/>
-            <a:ext cx="39501720" cy="9106920"/>
+            <a:ext cx="39501360" cy="9106560"/>
           </a:xfrm>
           <a:prstGeom prst="rect">
             <a:avLst/>
@@ -9246,8 +11391,8 @@
         </p:nvSpPr>
         <p:spPr>
           <a:xfrm>
-            <a:off x="2194560" y="17674920"/>
-            <a:ext cx="39501720" cy="9106920"/>
+            <a:off x="2194560" y="17674560"/>
+            <a:ext cx="39501360" cy="9106560"/>
           </a:xfrm>
           <a:prstGeom prst="rect">
             <a:avLst/>
@@ -9295,7 +11440,7 @@
         <p:spPr>
           <a:xfrm>
             <a:off x="2194560" y="1313280"/>
-            <a:ext cx="39501720" cy="5497200"/>
+            <a:ext cx="39501360" cy="5497200"/>
           </a:xfrm>
           <a:prstGeom prst="rect">
             <a:avLst/>
@@ -9322,7 +11467,7 @@
         <p:spPr>
           <a:xfrm>
             <a:off x="2194560" y="7702560"/>
-            <a:ext cx="19276560" cy="9106920"/>
+            <a:ext cx="19276560" cy="9106560"/>
           </a:xfrm>
           <a:prstGeom prst="rect">
             <a:avLst/>
@@ -9348,7 +11493,7 @@
         <p:spPr>
           <a:xfrm>
             <a:off x="22435200" y="7702560"/>
-            <a:ext cx="19276560" cy="9106920"/>
+            <a:ext cx="19276560" cy="9106560"/>
           </a:xfrm>
           <a:prstGeom prst="rect">
             <a:avLst/>
@@ -9373,8 +11518,8 @@
         </p:nvSpPr>
         <p:spPr>
           <a:xfrm>
-            <a:off x="22435200" y="17674920"/>
-            <a:ext cx="19276560" cy="9106920"/>
+            <a:off x="22435200" y="17674560"/>
+            <a:ext cx="19276560" cy="9106560"/>
           </a:xfrm>
           <a:prstGeom prst="rect">
             <a:avLst/>
@@ -9399,8 +11544,8 @@
         </p:nvSpPr>
         <p:spPr>
           <a:xfrm>
-            <a:off x="2194560" y="17674920"/>
-            <a:ext cx="19276560" cy="9106920"/>
+            <a:off x="2194560" y="17674560"/>
+            <a:ext cx="19276560" cy="9106560"/>
           </a:xfrm>
           <a:prstGeom prst="rect">
             <a:avLst/>
@@ -9448,7 +11593,7 @@
         <p:spPr>
           <a:xfrm>
             <a:off x="2194560" y="1313280"/>
-            <a:ext cx="39501720" cy="5497200"/>
+            <a:ext cx="39501360" cy="5497200"/>
           </a:xfrm>
           <a:prstGeom prst="rect">
             <a:avLst/>
@@ -9475,7 +11620,7 @@
         <p:spPr>
           <a:xfrm>
             <a:off x="2194560" y="7702560"/>
-            <a:ext cx="39501720" cy="19092240"/>
+            <a:ext cx="39501360" cy="19091880"/>
           </a:xfrm>
           <a:prstGeom prst="rect">
             <a:avLst/>
@@ -9501,7 +11646,7 @@
         <p:spPr>
           <a:xfrm>
             <a:off x="2194560" y="7702560"/>
-            <a:ext cx="39501720" cy="19092240"/>
+            <a:ext cx="39501360" cy="19091880"/>
           </a:xfrm>
           <a:prstGeom prst="rect">
             <a:avLst/>
@@ -9528,8 +11673,8 @@
         </p:blipFill>
         <p:spPr>
           <a:xfrm>
-            <a:off x="9980640" y="7702560"/>
-            <a:ext cx="23928840" cy="19092240"/>
+            <a:off x="9981000" y="7702200"/>
+            <a:ext cx="23928120" cy="19091880"/>
           </a:xfrm>
           <a:prstGeom prst="rect">
             <a:avLst/>
@@ -9553,8 +11698,8 @@
         </p:blipFill>
         <p:spPr>
           <a:xfrm>
-            <a:off x="9980640" y="7702560"/>
-            <a:ext cx="23928840" cy="19092240"/>
+            <a:off x="9981000" y="7702200"/>
+            <a:ext cx="23928120" cy="19091880"/>
           </a:xfrm>
           <a:prstGeom prst="rect">
             <a:avLst/>
@@ -9564,6 +11709,179 @@
           </a:ln>
         </p:spPr>
       </p:pic>
+    </p:spTree>
+  </p:cSld>
+</p:sldLayout>
+</file>
+
+<file path=ppt/slideLayouts/slideLayout97.xml><?xml version="1.0" encoding="utf-8"?>
+<p:sldLayout xmlns:a="http://schemas.openxmlformats.org/drawingml/2006/main" xmlns:p="http://schemas.openxmlformats.org/presentationml/2006/main" xmlns:r="http://schemas.openxmlformats.org/officeDocument/2006/relationships" type="blank" preserve="1">
+  <p:cSld name="Blank Slide">
+    <p:spTree>
+      <p:nvGrpSpPr>
+        <p:cNvPr id="1" name=""/>
+        <p:cNvGrpSpPr/>
+        <p:nvPr/>
+      </p:nvGrpSpPr>
+      <p:grpSpPr>
+        <a:xfrm>
+          <a:off x="0" y="0"/>
+          <a:ext cx="0" cy="0"/>
+          <a:chOff x="0" y="0"/>
+          <a:chExt cx="0" cy="0"/>
+        </a:xfrm>
+      </p:grpSpPr>
+    </p:spTree>
+  </p:cSld>
+</p:sldLayout>
+</file>
+
+<file path=ppt/slideLayouts/slideLayout98.xml><?xml version="1.0" encoding="utf-8"?>
+<p:sldLayout xmlns:a="http://schemas.openxmlformats.org/drawingml/2006/main" xmlns:p="http://schemas.openxmlformats.org/presentationml/2006/main" xmlns:r="http://schemas.openxmlformats.org/officeDocument/2006/relationships" type="tx" preserve="1">
+  <p:cSld name="Title Slide">
+    <p:spTree>
+      <p:nvGrpSpPr>
+        <p:cNvPr id="1" name=""/>
+        <p:cNvGrpSpPr/>
+        <p:nvPr/>
+      </p:nvGrpSpPr>
+      <p:grpSpPr>
+        <a:xfrm>
+          <a:off x="0" y="0"/>
+          <a:ext cx="0" cy="0"/>
+          <a:chOff x="0" y="0"/>
+          <a:chExt cx="0" cy="0"/>
+        </a:xfrm>
+      </p:grpSpPr>
+      <p:sp>
+        <p:nvSpPr>
+          <p:cNvPr id="303" name="PlaceHolder 1"/>
+          <p:cNvSpPr>
+            <a:spLocks noGrp="1"/>
+          </p:cNvSpPr>
+          <p:nvPr>
+            <p:ph type="title"/>
+          </p:nvPr>
+        </p:nvSpPr>
+        <p:spPr>
+          <a:xfrm>
+            <a:off x="2194560" y="1313280"/>
+            <a:ext cx="39501360" cy="5497200"/>
+          </a:xfrm>
+          <a:prstGeom prst="rect">
+            <a:avLst/>
+          </a:prstGeom>
+        </p:spPr>
+        <p:txBody>
+          <a:bodyPr lIns="0" rIns="0" tIns="0" bIns="0" anchor="ctr"/>
+          <a:p>
+            <a:pPr algn="ctr"/>
+            <a:endParaRPr/>
+          </a:p>
+        </p:txBody>
+      </p:sp>
+      <p:sp>
+        <p:nvSpPr>
+          <p:cNvPr id="304" name="PlaceHolder 2"/>
+          <p:cNvSpPr>
+            <a:spLocks noGrp="1"/>
+          </p:cNvSpPr>
+          <p:nvPr>
+            <p:ph type="subTitle"/>
+          </p:nvPr>
+        </p:nvSpPr>
+        <p:spPr>
+          <a:xfrm>
+            <a:off x="2194560" y="7702560"/>
+            <a:ext cx="39501360" cy="19092240"/>
+          </a:xfrm>
+          <a:prstGeom prst="rect">
+            <a:avLst/>
+          </a:prstGeom>
+        </p:spPr>
+        <p:txBody>
+          <a:bodyPr lIns="0" rIns="0" tIns="0" bIns="0" anchor="ctr"/>
+          <a:p>
+            <a:pPr algn="ctr"/>
+            <a:endParaRPr/>
+          </a:p>
+        </p:txBody>
+      </p:sp>
+    </p:spTree>
+  </p:cSld>
+</p:sldLayout>
+</file>
+
+<file path=ppt/slideLayouts/slideLayout99.xml><?xml version="1.0" encoding="utf-8"?>
+<p:sldLayout xmlns:a="http://schemas.openxmlformats.org/drawingml/2006/main" xmlns:p="http://schemas.openxmlformats.org/presentationml/2006/main" xmlns:r="http://schemas.openxmlformats.org/officeDocument/2006/relationships" type="obj" preserve="1">
+  <p:cSld name="Title, Content">
+    <p:spTree>
+      <p:nvGrpSpPr>
+        <p:cNvPr id="1" name=""/>
+        <p:cNvGrpSpPr/>
+        <p:nvPr/>
+      </p:nvGrpSpPr>
+      <p:grpSpPr>
+        <a:xfrm>
+          <a:off x="0" y="0"/>
+          <a:ext cx="0" cy="0"/>
+          <a:chOff x="0" y="0"/>
+          <a:chExt cx="0" cy="0"/>
+        </a:xfrm>
+      </p:grpSpPr>
+      <p:sp>
+        <p:nvSpPr>
+          <p:cNvPr id="305" name="PlaceHolder 1"/>
+          <p:cNvSpPr>
+            <a:spLocks noGrp="1"/>
+          </p:cNvSpPr>
+          <p:nvPr>
+            <p:ph type="title"/>
+          </p:nvPr>
+        </p:nvSpPr>
+        <p:spPr>
+          <a:xfrm>
+            <a:off x="2194560" y="1313280"/>
+            <a:ext cx="39501360" cy="5497200"/>
+          </a:xfrm>
+          <a:prstGeom prst="rect">
+            <a:avLst/>
+          </a:prstGeom>
+        </p:spPr>
+        <p:txBody>
+          <a:bodyPr lIns="0" rIns="0" tIns="0" bIns="0" anchor="ctr"/>
+          <a:p>
+            <a:pPr algn="ctr"/>
+            <a:endParaRPr/>
+          </a:p>
+        </p:txBody>
+      </p:sp>
+      <p:sp>
+        <p:nvSpPr>
+          <p:cNvPr id="306" name="PlaceHolder 2"/>
+          <p:cNvSpPr>
+            <a:spLocks noGrp="1"/>
+          </p:cNvSpPr>
+          <p:nvPr>
+            <p:ph type="body"/>
+          </p:nvPr>
+        </p:nvSpPr>
+        <p:spPr>
+          <a:xfrm>
+            <a:off x="2194560" y="7702560"/>
+            <a:ext cx="39501360" cy="19091880"/>
+          </a:xfrm>
+          <a:prstGeom prst="rect">
+            <a:avLst/>
+          </a:prstGeom>
+        </p:spPr>
+        <p:txBody>
+          <a:bodyPr lIns="0" rIns="0" tIns="0" bIns="0"/>
+          <a:p>
+            <a:endParaRPr/>
+          </a:p>
+        </p:txBody>
+      </p:sp>
     </p:spTree>
   </p:cSld>
 </p:sldLayout>
@@ -9763,6 +12081,424 @@
     <p:sldLayoutId id="2147483658" r:id="rId11"/>
     <p:sldLayoutId id="2147483659" r:id="rId12"/>
     <p:sldLayoutId id="2147483660" r:id="rId13"/>
+  </p:sldLayoutIdLst>
+</p:sldMaster>
+</file>
+
+<file path=ppt/slideMasters/slideMaster10.xml><?xml version="1.0" encoding="utf-8"?>
+<p:sldMaster xmlns:a="http://schemas.openxmlformats.org/drawingml/2006/main" xmlns:p="http://schemas.openxmlformats.org/presentationml/2006/main" xmlns:r="http://schemas.openxmlformats.org/officeDocument/2006/relationships">
+  <p:cSld>
+    <p:bg>
+      <p:bgPr>
+        <a:solidFill>
+          <a:srgbClr val="558ed5"/>
+        </a:solidFill>
+      </p:bgPr>
+    </p:bg>
+    <p:spTree>
+      <p:nvGrpSpPr>
+        <p:cNvPr id="1" name=""/>
+        <p:cNvGrpSpPr/>
+        <p:nvPr/>
+      </p:nvGrpSpPr>
+      <p:grpSpPr>
+        <a:xfrm>
+          <a:off x="0" y="0"/>
+          <a:ext cx="0" cy="0"/>
+          <a:chOff x="0" y="0"/>
+          <a:chExt cx="0" cy="0"/>
+        </a:xfrm>
+      </p:grpSpPr>
+      <p:pic>
+        <p:nvPicPr>
+          <p:cNvPr id="337" name="" descr=""/>
+          <p:cNvPicPr/>
+          <p:nvPr/>
+        </p:nvPicPr>
+        <p:blipFill>
+          <a:blip r:embed="rId2"/>
+          <a:stretch>
+            <a:fillRect/>
+          </a:stretch>
+        </p:blipFill>
+        <p:spPr>
+          <a:xfrm>
+            <a:off x="9980640" y="7702560"/>
+            <a:ext cx="23927760" cy="19091160"/>
+          </a:xfrm>
+          <a:prstGeom prst="rect">
+            <a:avLst/>
+          </a:prstGeom>
+          <a:ln>
+            <a:noFill/>
+          </a:ln>
+        </p:spPr>
+      </p:pic>
+      <p:pic>
+        <p:nvPicPr>
+          <p:cNvPr id="338" name="" descr=""/>
+          <p:cNvPicPr/>
+          <p:nvPr/>
+        </p:nvPicPr>
+        <p:blipFill>
+          <a:blip r:embed="rId3"/>
+          <a:stretch>
+            <a:fillRect/>
+          </a:stretch>
+        </p:blipFill>
+        <p:spPr>
+          <a:xfrm>
+            <a:off x="9980640" y="7702560"/>
+            <a:ext cx="23927760" cy="19091160"/>
+          </a:xfrm>
+          <a:prstGeom prst="rect">
+            <a:avLst/>
+          </a:prstGeom>
+          <a:ln>
+            <a:noFill/>
+          </a:ln>
+        </p:spPr>
+      </p:pic>
+      <p:sp>
+        <p:nvSpPr>
+          <p:cNvPr id="339" name="PlaceHolder 1"/>
+          <p:cNvSpPr>
+            <a:spLocks noGrp="1"/>
+          </p:cNvSpPr>
+          <p:nvPr>
+            <p:ph type="title"/>
+          </p:nvPr>
+        </p:nvSpPr>
+        <p:spPr>
+          <a:xfrm>
+            <a:off x="2194560" y="1313280"/>
+            <a:ext cx="39501360" cy="5496840"/>
+          </a:xfrm>
+          <a:prstGeom prst="rect">
+            <a:avLst/>
+          </a:prstGeom>
+        </p:spPr>
+        <p:txBody>
+          <a:bodyPr lIns="0" rIns="0" tIns="0" bIns="0" anchor="ctr"/>
+          <a:p>
+            <a:r>
+              <a:rPr lang="en-US">
+                <a:latin typeface="Arial"/>
+              </a:rPr>
+              <a:t>Click to edit the title text format</a:t>
+            </a:r>
+            <a:endParaRPr/>
+          </a:p>
+        </p:txBody>
+      </p:sp>
+      <p:sp>
+        <p:nvSpPr>
+          <p:cNvPr id="340" name="PlaceHolder 2"/>
+          <p:cNvSpPr>
+            <a:spLocks noGrp="1"/>
+          </p:cNvSpPr>
+          <p:nvPr>
+            <p:ph type="body"/>
+          </p:nvPr>
+        </p:nvSpPr>
+        <p:spPr>
+          <a:xfrm>
+            <a:off x="2194560" y="7702560"/>
+            <a:ext cx="39501360" cy="19091880"/>
+          </a:xfrm>
+          <a:prstGeom prst="rect">
+            <a:avLst/>
+          </a:prstGeom>
+        </p:spPr>
+        <p:txBody>
+          <a:bodyPr lIns="0" rIns="0" tIns="0" bIns="0"/>
+          <a:p>
+            <a:pPr>
+              <a:buSzPct val="45000"/>
+              <a:buFont typeface="StarSymbol"/>
+              <a:buChar char=""/>
+            </a:pPr>
+            <a:r>
+              <a:rPr lang="en-US">
+                <a:latin typeface="Arial"/>
+              </a:rPr>
+              <a:t>Click to edit the outline text format</a:t>
+            </a:r>
+            <a:endParaRPr/>
+          </a:p>
+          <a:p>
+            <a:pPr lvl="1">
+              <a:buSzPct val="75000"/>
+              <a:buFont typeface="StarSymbol"/>
+              <a:buChar char=""/>
+            </a:pPr>
+            <a:r>
+              <a:rPr lang="en-US">
+                <a:latin typeface="Arial"/>
+              </a:rPr>
+              <a:t>Second Outline Level</a:t>
+            </a:r>
+            <a:endParaRPr/>
+          </a:p>
+          <a:p>
+            <a:pPr lvl="2">
+              <a:buSzPct val="45000"/>
+              <a:buFont typeface="StarSymbol"/>
+              <a:buChar char=""/>
+            </a:pPr>
+            <a:r>
+              <a:rPr lang="en-US">
+                <a:latin typeface="Arial"/>
+              </a:rPr>
+              <a:t>Third Outline Level</a:t>
+            </a:r>
+            <a:endParaRPr/>
+          </a:p>
+          <a:p>
+            <a:pPr lvl="3">
+              <a:buSzPct val="75000"/>
+              <a:buFont typeface="StarSymbol"/>
+              <a:buChar char=""/>
+            </a:pPr>
+            <a:r>
+              <a:rPr lang="en-US">
+                <a:latin typeface="Arial"/>
+              </a:rPr>
+              <a:t>Fourth Outline Level</a:t>
+            </a:r>
+            <a:endParaRPr/>
+          </a:p>
+          <a:p>
+            <a:pPr lvl="4">
+              <a:buSzPct val="45000"/>
+              <a:buFont typeface="StarSymbol"/>
+              <a:buChar char=""/>
+            </a:pPr>
+            <a:r>
+              <a:rPr lang="en-US">
+                <a:latin typeface="Arial"/>
+              </a:rPr>
+              <a:t>Fifth Outline Level</a:t>
+            </a:r>
+            <a:endParaRPr/>
+          </a:p>
+          <a:p>
+            <a:pPr lvl="5">
+              <a:buSzPct val="45000"/>
+              <a:buFont typeface="StarSymbol"/>
+              <a:buChar char=""/>
+            </a:pPr>
+            <a:r>
+              <a:rPr lang="en-US">
+                <a:latin typeface="Arial"/>
+              </a:rPr>
+              <a:t>Sixth Outline Level</a:t>
+            </a:r>
+            <a:endParaRPr/>
+          </a:p>
+          <a:p>
+            <a:pPr lvl="6">
+              <a:buSzPct val="45000"/>
+              <a:buFont typeface="StarSymbol"/>
+              <a:buChar char=""/>
+            </a:pPr>
+            <a:r>
+              <a:rPr lang="en-US">
+                <a:latin typeface="Arial"/>
+              </a:rPr>
+              <a:t>Seventh Outline Level</a:t>
+            </a:r>
+            <a:endParaRPr/>
+          </a:p>
+        </p:txBody>
+      </p:sp>
+      <p:sp>
+        <p:nvSpPr>
+          <p:cNvPr id="341" name="PlaceHolder 3"/>
+          <p:cNvSpPr>
+            <a:spLocks noGrp="1"/>
+          </p:cNvSpPr>
+          <p:nvPr>
+            <p:ph type="body"/>
+          </p:nvPr>
+        </p:nvSpPr>
+        <p:spPr>
+          <a:xfrm>
+            <a:off x="2194560" y="7702560"/>
+            <a:ext cx="39501360" cy="19091880"/>
+          </a:xfrm>
+          <a:prstGeom prst="rect">
+            <a:avLst/>
+          </a:prstGeom>
+        </p:spPr>
+        <p:txBody>
+          <a:bodyPr lIns="0" rIns="0" tIns="0" bIns="0"/>
+          <a:p>
+            <a:pPr>
+              <a:buSzPct val="45000"/>
+              <a:buFont typeface="StarSymbol"/>
+              <a:buChar char=""/>
+            </a:pPr>
+            <a:r>
+              <a:rPr lang="en-US">
+                <a:latin typeface="Arial"/>
+              </a:rPr>
+              <a:t>Click to edit the outline text format</a:t>
+            </a:r>
+            <a:endParaRPr/>
+          </a:p>
+          <a:p>
+            <a:pPr lvl="1">
+              <a:buSzPct val="75000"/>
+              <a:buFont typeface="StarSymbol"/>
+              <a:buChar char=""/>
+            </a:pPr>
+            <a:r>
+              <a:rPr lang="en-US">
+                <a:latin typeface="Arial"/>
+              </a:rPr>
+              <a:t>Second Outline Level</a:t>
+            </a:r>
+            <a:endParaRPr/>
+          </a:p>
+          <a:p>
+            <a:pPr lvl="2">
+              <a:buSzPct val="45000"/>
+              <a:buFont typeface="StarSymbol"/>
+              <a:buChar char=""/>
+            </a:pPr>
+            <a:r>
+              <a:rPr lang="en-US">
+                <a:latin typeface="Arial"/>
+              </a:rPr>
+              <a:t>Third Outline Level</a:t>
+            </a:r>
+            <a:endParaRPr/>
+          </a:p>
+          <a:p>
+            <a:pPr lvl="3">
+              <a:buSzPct val="75000"/>
+              <a:buFont typeface="StarSymbol"/>
+              <a:buChar char=""/>
+            </a:pPr>
+            <a:r>
+              <a:rPr lang="en-US">
+                <a:latin typeface="Arial"/>
+              </a:rPr>
+              <a:t>Fourth Outline Level</a:t>
+            </a:r>
+            <a:endParaRPr/>
+          </a:p>
+          <a:p>
+            <a:pPr lvl="4">
+              <a:buSzPct val="45000"/>
+              <a:buFont typeface="StarSymbol"/>
+              <a:buChar char=""/>
+            </a:pPr>
+            <a:r>
+              <a:rPr lang="en-US">
+                <a:latin typeface="Arial"/>
+              </a:rPr>
+              <a:t>Fifth Outline Level</a:t>
+            </a:r>
+            <a:endParaRPr/>
+          </a:p>
+          <a:p>
+            <a:pPr lvl="5">
+              <a:buSzPct val="45000"/>
+              <a:buFont typeface="StarSymbol"/>
+              <a:buChar char=""/>
+            </a:pPr>
+            <a:r>
+              <a:rPr lang="en-US">
+                <a:latin typeface="Arial"/>
+              </a:rPr>
+              <a:t>Sixth Outline Level</a:t>
+            </a:r>
+            <a:endParaRPr/>
+          </a:p>
+          <a:p>
+            <a:pPr lvl="6">
+              <a:buSzPct val="45000"/>
+              <a:buFont typeface="StarSymbol"/>
+              <a:buChar char=""/>
+            </a:pPr>
+            <a:r>
+              <a:rPr lang="en-US">
+                <a:latin typeface="Arial"/>
+              </a:rPr>
+              <a:t>Seventh Outline Level</a:t>
+            </a:r>
+            <a:endParaRPr/>
+          </a:p>
+        </p:txBody>
+      </p:sp>
+      <p:pic>
+        <p:nvPicPr>
+          <p:cNvPr id="342" name="" descr=""/>
+          <p:cNvPicPr/>
+          <p:nvPr/>
+        </p:nvPicPr>
+        <p:blipFill>
+          <a:blip r:embed="rId4"/>
+          <a:stretch>
+            <a:fillRect/>
+          </a:stretch>
+        </p:blipFill>
+        <p:spPr>
+          <a:xfrm>
+            <a:off x="9980640" y="7702560"/>
+            <a:ext cx="23928480" cy="19091880"/>
+          </a:xfrm>
+          <a:prstGeom prst="rect">
+            <a:avLst/>
+          </a:prstGeom>
+          <a:ln>
+            <a:noFill/>
+          </a:ln>
+        </p:spPr>
+      </p:pic>
+      <p:pic>
+        <p:nvPicPr>
+          <p:cNvPr id="343" name="" descr=""/>
+          <p:cNvPicPr/>
+          <p:nvPr/>
+        </p:nvPicPr>
+        <p:blipFill>
+          <a:blip r:embed="rId5"/>
+          <a:stretch>
+            <a:fillRect/>
+          </a:stretch>
+        </p:blipFill>
+        <p:spPr>
+          <a:xfrm>
+            <a:off x="9980640" y="7702560"/>
+            <a:ext cx="23928480" cy="19091880"/>
+          </a:xfrm>
+          <a:prstGeom prst="rect">
+            <a:avLst/>
+          </a:prstGeom>
+          <a:ln>
+            <a:noFill/>
+          </a:ln>
+        </p:spPr>
+      </p:pic>
+    </p:spTree>
+  </p:cSld>
+  <p:clrMap bg1="lt1" bg2="lt2" tx1="dk1" tx2="dk2" accent1="accent1" accent2="accent2" accent3="accent3" accent4="accent4" accent5="accent5" accent6="accent6" hlink="hlink" folHlink="folHlink"/>
+  <p:sldLayoutIdLst>
+    <p:sldLayoutId id="2147483766" r:id="rId6"/>
+    <p:sldLayoutId id="2147483767" r:id="rId7"/>
+    <p:sldLayoutId id="2147483768" r:id="rId8"/>
+    <p:sldLayoutId id="2147483769" r:id="rId9"/>
+    <p:sldLayoutId id="2147483770" r:id="rId10"/>
+    <p:sldLayoutId id="2147483771" r:id="rId11"/>
+    <p:sldLayoutId id="2147483772" r:id="rId12"/>
+    <p:sldLayoutId id="2147483773" r:id="rId13"/>
+    <p:sldLayoutId id="2147483774" r:id="rId14"/>
+    <p:sldLayoutId id="2147483775" r:id="rId15"/>
+    <p:sldLayoutId id="2147483776" r:id="rId16"/>
+    <p:sldLayoutId id="2147483777" r:id="rId17"/>
   </p:sldLayoutIdLst>
 </p:sldMaster>
 </file>
@@ -10398,7 +13134,7 @@
         <p:spPr>
           <a:xfrm>
             <a:off x="2194560" y="1313280"/>
-            <a:ext cx="39501000" cy="5496840"/>
+            <a:ext cx="39501360" cy="5496840"/>
           </a:xfrm>
           <a:prstGeom prst="rect">
             <a:avLst/>
@@ -10430,7 +13166,7 @@
         <p:spPr>
           <a:xfrm>
             <a:off x="2194560" y="7702560"/>
-            <a:ext cx="19276200" cy="9106200"/>
+            <a:ext cx="19276200" cy="9106560"/>
           </a:xfrm>
           <a:prstGeom prst="rect">
             <a:avLst/>
@@ -10551,7 +13287,7 @@
         <p:spPr>
           <a:xfrm>
             <a:off x="22435200" y="7702560"/>
-            <a:ext cx="19276200" cy="9106200"/>
+            <a:ext cx="19276200" cy="9106560"/>
           </a:xfrm>
           <a:prstGeom prst="rect">
             <a:avLst/>
@@ -10671,8 +13407,8 @@
         </p:nvSpPr>
         <p:spPr>
           <a:xfrm>
-            <a:off x="2194560" y="17674560"/>
-            <a:ext cx="39501000" cy="9106200"/>
+            <a:off x="2194560" y="17674920"/>
+            <a:ext cx="39501360" cy="9106560"/>
           </a:xfrm>
           <a:prstGeom prst="rect">
             <a:avLst/>
@@ -10837,7 +13573,7 @@
         <p:spPr>
           <a:xfrm>
             <a:off x="2194560" y="1313280"/>
-            <a:ext cx="39501000" cy="5496840"/>
+            <a:ext cx="39501360" cy="5496840"/>
           </a:xfrm>
           <a:prstGeom prst="rect">
             <a:avLst/>
@@ -10869,7 +13605,7 @@
         <p:spPr>
           <a:xfrm>
             <a:off x="2194560" y="7702560"/>
-            <a:ext cx="39501000" cy="9106200"/>
+            <a:ext cx="39501360" cy="9106560"/>
           </a:xfrm>
           <a:prstGeom prst="rect">
             <a:avLst/>
@@ -10989,8 +13725,8 @@
         </p:nvSpPr>
         <p:spPr>
           <a:xfrm>
-            <a:off x="2194560" y="17674560"/>
-            <a:ext cx="39501000" cy="9106200"/>
+            <a:off x="2194560" y="17674920"/>
+            <a:ext cx="39501360" cy="9106560"/>
           </a:xfrm>
           <a:prstGeom prst="rect">
             <a:avLst/>
@@ -11155,7 +13891,7 @@
         <p:spPr>
           <a:xfrm>
             <a:off x="2194560" y="1313280"/>
-            <a:ext cx="39501000" cy="5496840"/>
+            <a:ext cx="39501360" cy="5496840"/>
           </a:xfrm>
           <a:prstGeom prst="rect">
             <a:avLst/>
@@ -11187,7 +13923,7 @@
         <p:spPr>
           <a:xfrm>
             <a:off x="2194560" y="7702560"/>
-            <a:ext cx="19276200" cy="9106200"/>
+            <a:ext cx="19276200" cy="9106560"/>
           </a:xfrm>
           <a:prstGeom prst="rect">
             <a:avLst/>
@@ -11308,7 +14044,7 @@
         <p:spPr>
           <a:xfrm>
             <a:off x="22435200" y="7702560"/>
-            <a:ext cx="19276200" cy="9106200"/>
+            <a:ext cx="19276200" cy="9106560"/>
           </a:xfrm>
           <a:prstGeom prst="rect">
             <a:avLst/>
@@ -11428,8 +14164,8 @@
         </p:nvSpPr>
         <p:spPr>
           <a:xfrm>
-            <a:off x="22435200" y="17674560"/>
-            <a:ext cx="19276200" cy="9106200"/>
+            <a:off x="22435200" y="17674920"/>
+            <a:ext cx="19276200" cy="9106560"/>
           </a:xfrm>
           <a:prstGeom prst="rect">
             <a:avLst/>
@@ -11549,8 +14285,8 @@
         </p:nvSpPr>
         <p:spPr>
           <a:xfrm>
-            <a:off x="2194560" y="17674560"/>
-            <a:ext cx="19276200" cy="9106200"/>
+            <a:off x="2194560" y="17674920"/>
+            <a:ext cx="19276200" cy="9106560"/>
           </a:xfrm>
           <a:prstGeom prst="rect">
             <a:avLst/>
@@ -11717,7 +14453,7 @@
         <p:spPr>
           <a:xfrm>
             <a:off x="9980640" y="7702560"/>
-            <a:ext cx="23928120" cy="19091520"/>
+            <a:ext cx="23927760" cy="19091160"/>
           </a:xfrm>
           <a:prstGeom prst="rect">
             <a:avLst/>
@@ -11742,7 +14478,7 @@
         <p:spPr>
           <a:xfrm>
             <a:off x="9980640" y="7702560"/>
-            <a:ext cx="23928120" cy="19091520"/>
+            <a:ext cx="23927760" cy="19091160"/>
           </a:xfrm>
           <a:prstGeom prst="rect">
             <a:avLst/>
@@ -11922,6 +14658,616 @@
     <p:sldLayoutId id="2147483749" r:id="rId13"/>
     <p:sldLayoutId id="2147483750" r:id="rId14"/>
     <p:sldLayoutId id="2147483751" r:id="rId15"/>
+  </p:sldLayoutIdLst>
+</p:sldMaster>
+</file>
+
+<file path=ppt/slideMasters/slideMaster9.xml><?xml version="1.0" encoding="utf-8"?>
+<p:sldMaster xmlns:a="http://schemas.openxmlformats.org/drawingml/2006/main" xmlns:p="http://schemas.openxmlformats.org/presentationml/2006/main" xmlns:r="http://schemas.openxmlformats.org/officeDocument/2006/relationships">
+  <p:cSld>
+    <p:bg>
+      <p:bgPr>
+        <a:solidFill>
+          <a:srgbClr val="558ed5"/>
+        </a:solidFill>
+      </p:bgPr>
+    </p:bg>
+    <p:spTree>
+      <p:nvGrpSpPr>
+        <p:cNvPr id="1" name=""/>
+        <p:cNvGrpSpPr/>
+        <p:nvPr/>
+      </p:nvGrpSpPr>
+      <p:grpSpPr>
+        <a:xfrm>
+          <a:off x="0" y="0"/>
+          <a:ext cx="0" cy="0"/>
+          <a:chOff x="0" y="0"/>
+          <a:chExt cx="0" cy="0"/>
+        </a:xfrm>
+      </p:grpSpPr>
+      <p:pic>
+        <p:nvPicPr>
+          <p:cNvPr id="296" name="" descr=""/>
+          <p:cNvPicPr/>
+          <p:nvPr/>
+        </p:nvPicPr>
+        <p:blipFill>
+          <a:blip r:embed="rId2"/>
+          <a:stretch>
+            <a:fillRect/>
+          </a:stretch>
+        </p:blipFill>
+        <p:spPr>
+          <a:xfrm>
+            <a:off x="9980640" y="7702560"/>
+            <a:ext cx="23927760" cy="19091160"/>
+          </a:xfrm>
+          <a:prstGeom prst="rect">
+            <a:avLst/>
+          </a:prstGeom>
+          <a:ln>
+            <a:noFill/>
+          </a:ln>
+        </p:spPr>
+      </p:pic>
+      <p:pic>
+        <p:nvPicPr>
+          <p:cNvPr id="297" name="" descr=""/>
+          <p:cNvPicPr/>
+          <p:nvPr/>
+        </p:nvPicPr>
+        <p:blipFill>
+          <a:blip r:embed="rId3"/>
+          <a:stretch>
+            <a:fillRect/>
+          </a:stretch>
+        </p:blipFill>
+        <p:spPr>
+          <a:xfrm>
+            <a:off x="9980640" y="7702560"/>
+            <a:ext cx="23927760" cy="19091160"/>
+          </a:xfrm>
+          <a:prstGeom prst="rect">
+            <a:avLst/>
+          </a:prstGeom>
+          <a:ln>
+            <a:noFill/>
+          </a:ln>
+        </p:spPr>
+      </p:pic>
+      <p:sp>
+        <p:nvSpPr>
+          <p:cNvPr id="298" name="PlaceHolder 1"/>
+          <p:cNvSpPr>
+            <a:spLocks noGrp="1"/>
+          </p:cNvSpPr>
+          <p:nvPr>
+            <p:ph type="title"/>
+          </p:nvPr>
+        </p:nvSpPr>
+        <p:spPr>
+          <a:xfrm>
+            <a:off x="2194560" y="1313280"/>
+            <a:ext cx="39501360" cy="5496840"/>
+          </a:xfrm>
+          <a:prstGeom prst="rect">
+            <a:avLst/>
+          </a:prstGeom>
+        </p:spPr>
+        <p:txBody>
+          <a:bodyPr lIns="0" rIns="0" tIns="0" bIns="0" anchor="ctr"/>
+          <a:p>
+            <a:r>
+              <a:rPr lang="en-US">
+                <a:latin typeface="Arial"/>
+              </a:rPr>
+              <a:t>Click to edit the title text format</a:t>
+            </a:r>
+            <a:endParaRPr/>
+          </a:p>
+        </p:txBody>
+      </p:sp>
+      <p:sp>
+        <p:nvSpPr>
+          <p:cNvPr id="299" name="PlaceHolder 2"/>
+          <p:cNvSpPr>
+            <a:spLocks noGrp="1"/>
+          </p:cNvSpPr>
+          <p:nvPr>
+            <p:ph type="body"/>
+          </p:nvPr>
+        </p:nvSpPr>
+        <p:spPr>
+          <a:xfrm>
+            <a:off x="2194560" y="7702560"/>
+            <a:ext cx="19276200" cy="9106560"/>
+          </a:xfrm>
+          <a:prstGeom prst="rect">
+            <a:avLst/>
+          </a:prstGeom>
+        </p:spPr>
+        <p:txBody>
+          <a:bodyPr lIns="0" rIns="0" tIns="0" bIns="0"/>
+          <a:p>
+            <a:pPr>
+              <a:buSzPct val="45000"/>
+              <a:buFont typeface="StarSymbol"/>
+              <a:buChar char=""/>
+            </a:pPr>
+            <a:r>
+              <a:rPr lang="en-US">
+                <a:latin typeface="Arial"/>
+              </a:rPr>
+              <a:t>Click to edit the outline text format</a:t>
+            </a:r>
+            <a:endParaRPr/>
+          </a:p>
+          <a:p>
+            <a:pPr lvl="1">
+              <a:buSzPct val="75000"/>
+              <a:buFont typeface="StarSymbol"/>
+              <a:buChar char=""/>
+            </a:pPr>
+            <a:r>
+              <a:rPr lang="en-US">
+                <a:latin typeface="Arial"/>
+              </a:rPr>
+              <a:t>Second Outline Level</a:t>
+            </a:r>
+            <a:endParaRPr/>
+          </a:p>
+          <a:p>
+            <a:pPr lvl="2">
+              <a:buSzPct val="45000"/>
+              <a:buFont typeface="StarSymbol"/>
+              <a:buChar char=""/>
+            </a:pPr>
+            <a:r>
+              <a:rPr lang="en-US">
+                <a:latin typeface="Arial"/>
+              </a:rPr>
+              <a:t>Third Outline Level</a:t>
+            </a:r>
+            <a:endParaRPr/>
+          </a:p>
+          <a:p>
+            <a:pPr lvl="3">
+              <a:buSzPct val="75000"/>
+              <a:buFont typeface="StarSymbol"/>
+              <a:buChar char=""/>
+            </a:pPr>
+            <a:r>
+              <a:rPr lang="en-US">
+                <a:latin typeface="Arial"/>
+              </a:rPr>
+              <a:t>Fourth Outline Level</a:t>
+            </a:r>
+            <a:endParaRPr/>
+          </a:p>
+          <a:p>
+            <a:pPr lvl="4">
+              <a:buSzPct val="45000"/>
+              <a:buFont typeface="StarSymbol"/>
+              <a:buChar char=""/>
+            </a:pPr>
+            <a:r>
+              <a:rPr lang="en-US">
+                <a:latin typeface="Arial"/>
+              </a:rPr>
+              <a:t>Fifth Outline Level</a:t>
+            </a:r>
+            <a:endParaRPr/>
+          </a:p>
+          <a:p>
+            <a:pPr lvl="5">
+              <a:buSzPct val="45000"/>
+              <a:buFont typeface="StarSymbol"/>
+              <a:buChar char=""/>
+            </a:pPr>
+            <a:r>
+              <a:rPr lang="en-US">
+                <a:latin typeface="Arial"/>
+              </a:rPr>
+              <a:t>Sixth Outline Level</a:t>
+            </a:r>
+            <a:endParaRPr/>
+          </a:p>
+          <a:p>
+            <a:pPr lvl="6">
+              <a:buSzPct val="45000"/>
+              <a:buFont typeface="StarSymbol"/>
+              <a:buChar char=""/>
+            </a:pPr>
+            <a:r>
+              <a:rPr lang="en-US">
+                <a:latin typeface="Arial"/>
+              </a:rPr>
+              <a:t>Seventh Outline Level</a:t>
+            </a:r>
+            <a:endParaRPr/>
+          </a:p>
+        </p:txBody>
+      </p:sp>
+      <p:sp>
+        <p:nvSpPr>
+          <p:cNvPr id="300" name="PlaceHolder 3"/>
+          <p:cNvSpPr>
+            <a:spLocks noGrp="1"/>
+          </p:cNvSpPr>
+          <p:nvPr>
+            <p:ph type="body"/>
+          </p:nvPr>
+        </p:nvSpPr>
+        <p:spPr>
+          <a:xfrm>
+            <a:off x="22435200" y="7702560"/>
+            <a:ext cx="19276200" cy="9106560"/>
+          </a:xfrm>
+          <a:prstGeom prst="rect">
+            <a:avLst/>
+          </a:prstGeom>
+        </p:spPr>
+        <p:txBody>
+          <a:bodyPr lIns="0" rIns="0" tIns="0" bIns="0"/>
+          <a:p>
+            <a:pPr>
+              <a:buSzPct val="45000"/>
+              <a:buFont typeface="StarSymbol"/>
+              <a:buChar char=""/>
+            </a:pPr>
+            <a:r>
+              <a:rPr lang="en-US">
+                <a:latin typeface="Arial"/>
+              </a:rPr>
+              <a:t>Click to edit the outline text format</a:t>
+            </a:r>
+            <a:endParaRPr/>
+          </a:p>
+          <a:p>
+            <a:pPr lvl="1">
+              <a:buSzPct val="75000"/>
+              <a:buFont typeface="StarSymbol"/>
+              <a:buChar char=""/>
+            </a:pPr>
+            <a:r>
+              <a:rPr lang="en-US">
+                <a:latin typeface="Arial"/>
+              </a:rPr>
+              <a:t>Second Outline Level</a:t>
+            </a:r>
+            <a:endParaRPr/>
+          </a:p>
+          <a:p>
+            <a:pPr lvl="2">
+              <a:buSzPct val="45000"/>
+              <a:buFont typeface="StarSymbol"/>
+              <a:buChar char=""/>
+            </a:pPr>
+            <a:r>
+              <a:rPr lang="en-US">
+                <a:latin typeface="Arial"/>
+              </a:rPr>
+              <a:t>Third Outline Level</a:t>
+            </a:r>
+            <a:endParaRPr/>
+          </a:p>
+          <a:p>
+            <a:pPr lvl="3">
+              <a:buSzPct val="75000"/>
+              <a:buFont typeface="StarSymbol"/>
+              <a:buChar char=""/>
+            </a:pPr>
+            <a:r>
+              <a:rPr lang="en-US">
+                <a:latin typeface="Arial"/>
+              </a:rPr>
+              <a:t>Fourth Outline Level</a:t>
+            </a:r>
+            <a:endParaRPr/>
+          </a:p>
+          <a:p>
+            <a:pPr lvl="4">
+              <a:buSzPct val="45000"/>
+              <a:buFont typeface="StarSymbol"/>
+              <a:buChar char=""/>
+            </a:pPr>
+            <a:r>
+              <a:rPr lang="en-US">
+                <a:latin typeface="Arial"/>
+              </a:rPr>
+              <a:t>Fifth Outline Level</a:t>
+            </a:r>
+            <a:endParaRPr/>
+          </a:p>
+          <a:p>
+            <a:pPr lvl="5">
+              <a:buSzPct val="45000"/>
+              <a:buFont typeface="StarSymbol"/>
+              <a:buChar char=""/>
+            </a:pPr>
+            <a:r>
+              <a:rPr lang="en-US">
+                <a:latin typeface="Arial"/>
+              </a:rPr>
+              <a:t>Sixth Outline Level</a:t>
+            </a:r>
+            <a:endParaRPr/>
+          </a:p>
+          <a:p>
+            <a:pPr lvl="6">
+              <a:buSzPct val="45000"/>
+              <a:buFont typeface="StarSymbol"/>
+              <a:buChar char=""/>
+            </a:pPr>
+            <a:r>
+              <a:rPr lang="en-US">
+                <a:latin typeface="Arial"/>
+              </a:rPr>
+              <a:t>Seventh Outline Level</a:t>
+            </a:r>
+            <a:endParaRPr/>
+          </a:p>
+        </p:txBody>
+      </p:sp>
+      <p:sp>
+        <p:nvSpPr>
+          <p:cNvPr id="301" name="PlaceHolder 4"/>
+          <p:cNvSpPr>
+            <a:spLocks noGrp="1"/>
+          </p:cNvSpPr>
+          <p:nvPr>
+            <p:ph type="body"/>
+          </p:nvPr>
+        </p:nvSpPr>
+        <p:spPr>
+          <a:xfrm>
+            <a:off x="22435200" y="17674920"/>
+            <a:ext cx="19276200" cy="9106560"/>
+          </a:xfrm>
+          <a:prstGeom prst="rect">
+            <a:avLst/>
+          </a:prstGeom>
+        </p:spPr>
+        <p:txBody>
+          <a:bodyPr lIns="0" rIns="0" tIns="0" bIns="0"/>
+          <a:p>
+            <a:pPr>
+              <a:buSzPct val="45000"/>
+              <a:buFont typeface="StarSymbol"/>
+              <a:buChar char=""/>
+            </a:pPr>
+            <a:r>
+              <a:rPr lang="en-US">
+                <a:latin typeface="Arial"/>
+              </a:rPr>
+              <a:t>Click to edit the outline text format</a:t>
+            </a:r>
+            <a:endParaRPr/>
+          </a:p>
+          <a:p>
+            <a:pPr lvl="1">
+              <a:buSzPct val="75000"/>
+              <a:buFont typeface="StarSymbol"/>
+              <a:buChar char=""/>
+            </a:pPr>
+            <a:r>
+              <a:rPr lang="en-US">
+                <a:latin typeface="Arial"/>
+              </a:rPr>
+              <a:t>Second Outline Level</a:t>
+            </a:r>
+            <a:endParaRPr/>
+          </a:p>
+          <a:p>
+            <a:pPr lvl="2">
+              <a:buSzPct val="45000"/>
+              <a:buFont typeface="StarSymbol"/>
+              <a:buChar char=""/>
+            </a:pPr>
+            <a:r>
+              <a:rPr lang="en-US">
+                <a:latin typeface="Arial"/>
+              </a:rPr>
+              <a:t>Third Outline Level</a:t>
+            </a:r>
+            <a:endParaRPr/>
+          </a:p>
+          <a:p>
+            <a:pPr lvl="3">
+              <a:buSzPct val="75000"/>
+              <a:buFont typeface="StarSymbol"/>
+              <a:buChar char=""/>
+            </a:pPr>
+            <a:r>
+              <a:rPr lang="en-US">
+                <a:latin typeface="Arial"/>
+              </a:rPr>
+              <a:t>Fourth Outline Level</a:t>
+            </a:r>
+            <a:endParaRPr/>
+          </a:p>
+          <a:p>
+            <a:pPr lvl="4">
+              <a:buSzPct val="45000"/>
+              <a:buFont typeface="StarSymbol"/>
+              <a:buChar char=""/>
+            </a:pPr>
+            <a:r>
+              <a:rPr lang="en-US">
+                <a:latin typeface="Arial"/>
+              </a:rPr>
+              <a:t>Fifth Outline Level</a:t>
+            </a:r>
+            <a:endParaRPr/>
+          </a:p>
+          <a:p>
+            <a:pPr lvl="5">
+              <a:buSzPct val="45000"/>
+              <a:buFont typeface="StarSymbol"/>
+              <a:buChar char=""/>
+            </a:pPr>
+            <a:r>
+              <a:rPr lang="en-US">
+                <a:latin typeface="Arial"/>
+              </a:rPr>
+              <a:t>Sixth Outline Level</a:t>
+            </a:r>
+            <a:endParaRPr/>
+          </a:p>
+          <a:p>
+            <a:pPr lvl="6">
+              <a:buSzPct val="45000"/>
+              <a:buFont typeface="StarSymbol"/>
+              <a:buChar char=""/>
+            </a:pPr>
+            <a:r>
+              <a:rPr lang="en-US">
+                <a:latin typeface="Arial"/>
+              </a:rPr>
+              <a:t>Seventh Outline Level</a:t>
+            </a:r>
+            <a:endParaRPr/>
+          </a:p>
+        </p:txBody>
+      </p:sp>
+      <p:sp>
+        <p:nvSpPr>
+          <p:cNvPr id="302" name="PlaceHolder 5"/>
+          <p:cNvSpPr>
+            <a:spLocks noGrp="1"/>
+          </p:cNvSpPr>
+          <p:nvPr>
+            <p:ph type="body"/>
+          </p:nvPr>
+        </p:nvSpPr>
+        <p:spPr>
+          <a:xfrm>
+            <a:off x="2194560" y="17674920"/>
+            <a:ext cx="19276200" cy="9106560"/>
+          </a:xfrm>
+          <a:prstGeom prst="rect">
+            <a:avLst/>
+          </a:prstGeom>
+        </p:spPr>
+        <p:txBody>
+          <a:bodyPr lIns="0" rIns="0" tIns="0" bIns="0"/>
+          <a:p>
+            <a:pPr>
+              <a:buSzPct val="45000"/>
+              <a:buFont typeface="StarSymbol"/>
+              <a:buChar char=""/>
+            </a:pPr>
+            <a:r>
+              <a:rPr lang="en-US">
+                <a:latin typeface="Arial"/>
+              </a:rPr>
+              <a:t>Click to edit the outline text format</a:t>
+            </a:r>
+            <a:endParaRPr/>
+          </a:p>
+          <a:p>
+            <a:pPr lvl="1">
+              <a:buSzPct val="75000"/>
+              <a:buFont typeface="StarSymbol"/>
+              <a:buChar char=""/>
+            </a:pPr>
+            <a:r>
+              <a:rPr lang="en-US">
+                <a:latin typeface="Arial"/>
+              </a:rPr>
+              <a:t>Second Outline Level</a:t>
+            </a:r>
+            <a:endParaRPr/>
+          </a:p>
+          <a:p>
+            <a:pPr lvl="2">
+              <a:buSzPct val="45000"/>
+              <a:buFont typeface="StarSymbol"/>
+              <a:buChar char=""/>
+            </a:pPr>
+            <a:r>
+              <a:rPr lang="en-US">
+                <a:latin typeface="Arial"/>
+              </a:rPr>
+              <a:t>Third Outline Level</a:t>
+            </a:r>
+            <a:endParaRPr/>
+          </a:p>
+          <a:p>
+            <a:pPr lvl="3">
+              <a:buSzPct val="75000"/>
+              <a:buFont typeface="StarSymbol"/>
+              <a:buChar char=""/>
+            </a:pPr>
+            <a:r>
+              <a:rPr lang="en-US">
+                <a:latin typeface="Arial"/>
+              </a:rPr>
+              <a:t>Fourth Outline Level</a:t>
+            </a:r>
+            <a:endParaRPr/>
+          </a:p>
+          <a:p>
+            <a:pPr lvl="4">
+              <a:buSzPct val="45000"/>
+              <a:buFont typeface="StarSymbol"/>
+              <a:buChar char=""/>
+            </a:pPr>
+            <a:r>
+              <a:rPr lang="en-US">
+                <a:latin typeface="Arial"/>
+              </a:rPr>
+              <a:t>Fifth Outline Level</a:t>
+            </a:r>
+            <a:endParaRPr/>
+          </a:p>
+          <a:p>
+            <a:pPr lvl="5">
+              <a:buSzPct val="45000"/>
+              <a:buFont typeface="StarSymbol"/>
+              <a:buChar char=""/>
+            </a:pPr>
+            <a:r>
+              <a:rPr lang="en-US">
+                <a:latin typeface="Arial"/>
+              </a:rPr>
+              <a:t>Sixth Outline Level</a:t>
+            </a:r>
+            <a:endParaRPr/>
+          </a:p>
+          <a:p>
+            <a:pPr lvl="6">
+              <a:buSzPct val="45000"/>
+              <a:buFont typeface="StarSymbol"/>
+              <a:buChar char=""/>
+            </a:pPr>
+            <a:r>
+              <a:rPr lang="en-US">
+                <a:latin typeface="Arial"/>
+              </a:rPr>
+              <a:t>Seventh Outline Level</a:t>
+            </a:r>
+            <a:endParaRPr/>
+          </a:p>
+        </p:txBody>
+      </p:sp>
+    </p:spTree>
+  </p:cSld>
+  <p:clrMap bg1="lt1" bg2="lt2" tx1="dk1" tx2="dk2" accent1="accent1" accent2="accent2" accent3="accent3" accent4="accent4" accent5="accent5" accent6="accent6" hlink="hlink" folHlink="folHlink"/>
+  <p:sldLayoutIdLst>
+    <p:sldLayoutId id="2147483753" r:id="rId4"/>
+    <p:sldLayoutId id="2147483754" r:id="rId5"/>
+    <p:sldLayoutId id="2147483755" r:id="rId6"/>
+    <p:sldLayoutId id="2147483756" r:id="rId7"/>
+    <p:sldLayoutId id="2147483757" r:id="rId8"/>
+    <p:sldLayoutId id="2147483758" r:id="rId9"/>
+    <p:sldLayoutId id="2147483759" r:id="rId10"/>
+    <p:sldLayoutId id="2147483760" r:id="rId11"/>
+    <p:sldLayoutId id="2147483761" r:id="rId12"/>
+    <p:sldLayoutId id="2147483762" r:id="rId13"/>
+    <p:sldLayoutId id="2147483763" r:id="rId14"/>
+    <p:sldLayoutId id="2147483764" r:id="rId15"/>
   </p:sldLayoutIdLst>
 </p:sldMaster>
 </file>
@@ -11945,14 +15291,14 @@
       </p:grpSpPr>
       <p:sp>
         <p:nvSpPr>
-          <p:cNvPr id="301" name="CustomShape 1"/>
+          <p:cNvPr id="383" name="CustomShape 1"/>
           <p:cNvSpPr/>
           <p:nvPr/>
         </p:nvSpPr>
         <p:spPr>
           <a:xfrm>
             <a:off x="32058720" y="20970360"/>
-            <a:ext cx="11831400" cy="11946960"/>
+            <a:ext cx="11831040" cy="11946600"/>
           </a:xfrm>
           <a:prstGeom prst="rect">
             <a:avLst/>
@@ -11967,14 +15313,14 @@
       </p:sp>
       <p:sp>
         <p:nvSpPr>
-          <p:cNvPr id="302" name="CustomShape 2"/>
+          <p:cNvPr id="384" name="CustomShape 2"/>
           <p:cNvSpPr/>
           <p:nvPr/>
         </p:nvSpPr>
         <p:spPr>
           <a:xfrm>
             <a:off x="32058720" y="5105520"/>
-            <a:ext cx="11831400" cy="16000920"/>
+            <a:ext cx="11831040" cy="16000560"/>
           </a:xfrm>
           <a:prstGeom prst="rect">
             <a:avLst/>
@@ -11989,14 +15335,14 @@
       </p:sp>
       <p:sp>
         <p:nvSpPr>
-          <p:cNvPr id="303" name="CustomShape 3"/>
+          <p:cNvPr id="385" name="CustomShape 3"/>
           <p:cNvSpPr/>
           <p:nvPr/>
         </p:nvSpPr>
         <p:spPr>
           <a:xfrm>
             <a:off x="12268080" y="5105520"/>
-            <a:ext cx="19585440" cy="27811800"/>
+            <a:ext cx="19585080" cy="27811440"/>
           </a:xfrm>
           <a:prstGeom prst="rect">
             <a:avLst/>
@@ -12009,14 +15355,14 @@
       </p:sp>
       <p:sp>
         <p:nvSpPr>
-          <p:cNvPr id="304" name="CustomShape 4"/>
+          <p:cNvPr id="386" name="CustomShape 4"/>
           <p:cNvSpPr/>
           <p:nvPr/>
         </p:nvSpPr>
         <p:spPr>
           <a:xfrm>
             <a:off x="0" y="5105520"/>
-            <a:ext cx="12077640" cy="27811800"/>
+            <a:ext cx="12077280" cy="27811440"/>
           </a:xfrm>
           <a:prstGeom prst="rect">
             <a:avLst/>
@@ -12031,14 +15377,14 @@
       </p:sp>
       <p:sp>
         <p:nvSpPr>
-          <p:cNvPr id="305" name="CustomShape 5"/>
+          <p:cNvPr id="387" name="CustomShape 5"/>
           <p:cNvSpPr/>
           <p:nvPr/>
         </p:nvSpPr>
         <p:spPr>
           <a:xfrm>
             <a:off x="0" y="0"/>
-            <a:ext cx="43878960" cy="3157920"/>
+            <a:ext cx="43878600" cy="3157560"/>
           </a:xfrm>
           <a:prstGeom prst="rect">
             <a:avLst/>
@@ -12072,14 +15418,14 @@
       </p:sp>
       <p:sp>
         <p:nvSpPr>
-          <p:cNvPr id="306" name="CustomShape 6"/>
+          <p:cNvPr id="388" name="CustomShape 6"/>
           <p:cNvSpPr/>
           <p:nvPr/>
         </p:nvSpPr>
         <p:spPr>
           <a:xfrm>
             <a:off x="0" y="5105520"/>
-            <a:ext cx="12077640" cy="1004760"/>
+            <a:ext cx="12077280" cy="1004400"/>
           </a:xfrm>
           <a:prstGeom prst="rect">
             <a:avLst/>
@@ -12115,14 +15461,14 @@
       </p:sp>
       <p:sp>
         <p:nvSpPr>
-          <p:cNvPr id="307" name="CustomShape 7"/>
+          <p:cNvPr id="389" name="CustomShape 7"/>
           <p:cNvSpPr/>
           <p:nvPr/>
         </p:nvSpPr>
         <p:spPr>
           <a:xfrm>
             <a:off x="32058720" y="21793320"/>
-            <a:ext cx="11831400" cy="1004760"/>
+            <a:ext cx="11831040" cy="1004400"/>
           </a:xfrm>
           <a:prstGeom prst="rect">
             <a:avLst/>
@@ -12158,14 +15504,14 @@
       </p:sp>
       <p:sp>
         <p:nvSpPr>
-          <p:cNvPr id="308" name="CustomShape 8"/>
+          <p:cNvPr id="390" name="CustomShape 8"/>
           <p:cNvSpPr/>
           <p:nvPr/>
         </p:nvSpPr>
         <p:spPr>
           <a:xfrm>
             <a:off x="11160" y="3124080"/>
-            <a:ext cx="43878960" cy="1792800"/>
+            <a:ext cx="43878600" cy="1792440"/>
           </a:xfrm>
           <a:prstGeom prst="rect">
             <a:avLst/>
@@ -12347,14 +15693,14 @@
       </p:sp>
       <p:sp>
         <p:nvSpPr>
-          <p:cNvPr id="309" name="CustomShape 9"/>
+          <p:cNvPr id="391" name="CustomShape 9"/>
           <p:cNvSpPr/>
           <p:nvPr/>
         </p:nvSpPr>
         <p:spPr>
           <a:xfrm>
             <a:off x="-43200" y="10013040"/>
-            <a:ext cx="12077640" cy="1004760"/>
+            <a:ext cx="12077280" cy="1004400"/>
           </a:xfrm>
           <a:prstGeom prst="rect">
             <a:avLst/>
@@ -12390,14 +15736,14 @@
       </p:sp>
       <p:sp>
         <p:nvSpPr>
-          <p:cNvPr id="310" name="CustomShape 10"/>
+          <p:cNvPr id="392" name="CustomShape 10"/>
           <p:cNvSpPr/>
           <p:nvPr/>
         </p:nvSpPr>
         <p:spPr>
           <a:xfrm>
             <a:off x="5092200" y="10103040"/>
-            <a:ext cx="183960" cy="312840"/>
+            <a:ext cx="183600" cy="312480"/>
           </a:xfrm>
           <a:prstGeom prst="rect">
             <a:avLst/>
@@ -12410,14 +15756,14 @@
       </p:sp>
       <p:sp>
         <p:nvSpPr>
-          <p:cNvPr id="311" name="CustomShape 11"/>
+          <p:cNvPr id="393" name="CustomShape 11"/>
           <p:cNvSpPr/>
           <p:nvPr/>
         </p:nvSpPr>
         <p:spPr>
           <a:xfrm>
             <a:off x="5290200" y="10023120"/>
-            <a:ext cx="181800" cy="312840"/>
+            <a:ext cx="181440" cy="312480"/>
           </a:xfrm>
           <a:prstGeom prst="rect">
             <a:avLst/>
@@ -12430,14 +15776,14 @@
       </p:sp>
       <p:sp>
         <p:nvSpPr>
-          <p:cNvPr id="312" name="CustomShape 12"/>
+          <p:cNvPr id="394" name="CustomShape 12"/>
           <p:cNvSpPr/>
           <p:nvPr/>
         </p:nvSpPr>
         <p:spPr>
           <a:xfrm>
             <a:off x="77040" y="13716000"/>
-            <a:ext cx="11143440" cy="2071800"/>
+            <a:ext cx="11143080" cy="2071440"/>
           </a:xfrm>
           <a:prstGeom prst="rect">
             <a:avLst/>
@@ -12450,14 +15796,14 @@
       </p:sp>
       <p:sp>
         <p:nvSpPr>
-          <p:cNvPr id="313" name="CustomShape 13"/>
+          <p:cNvPr id="395" name="CustomShape 13"/>
           <p:cNvSpPr/>
           <p:nvPr/>
         </p:nvSpPr>
         <p:spPr>
           <a:xfrm>
             <a:off x="0" y="23743800"/>
-            <a:ext cx="12078000" cy="1004760"/>
+            <a:ext cx="12077640" cy="1004400"/>
           </a:xfrm>
           <a:prstGeom prst="rect">
             <a:avLst/>
@@ -12493,14 +15839,14 @@
       </p:sp>
       <p:sp>
         <p:nvSpPr>
-          <p:cNvPr id="314" name="CustomShape 14"/>
+          <p:cNvPr id="396" name="CustomShape 14"/>
           <p:cNvSpPr/>
           <p:nvPr/>
         </p:nvSpPr>
         <p:spPr>
           <a:xfrm>
             <a:off x="12192120" y="6190560"/>
-            <a:ext cx="19650600" cy="14382360"/>
+            <a:ext cx="19650240" cy="14382000"/>
           </a:xfrm>
           <a:prstGeom prst="rect">
             <a:avLst/>
@@ -12513,14 +15859,14 @@
       </p:sp>
       <p:sp>
         <p:nvSpPr>
-          <p:cNvPr id="315" name="CustomShape 15"/>
+          <p:cNvPr id="397" name="CustomShape 15"/>
           <p:cNvSpPr/>
           <p:nvPr/>
         </p:nvSpPr>
         <p:spPr>
           <a:xfrm>
             <a:off x="12482280" y="27419400"/>
-            <a:ext cx="19658520" cy="1004760"/>
+            <a:ext cx="19658160" cy="1004400"/>
           </a:xfrm>
           <a:prstGeom prst="rect">
             <a:avLst/>
@@ -12564,14 +15910,14 @@
       </p:sp>
       <p:sp>
         <p:nvSpPr>
-          <p:cNvPr id="316" name="CustomShape 16"/>
+          <p:cNvPr id="398" name="CustomShape 16"/>
           <p:cNvSpPr/>
           <p:nvPr/>
         </p:nvSpPr>
         <p:spPr>
           <a:xfrm>
             <a:off x="32004000" y="6019920"/>
-            <a:ext cx="11880720" cy="2217960"/>
+            <a:ext cx="11880360" cy="2217600"/>
           </a:xfrm>
           <a:prstGeom prst="rect">
             <a:avLst/>
@@ -12608,14 +15954,14 @@
       </p:sp>
       <p:sp>
         <p:nvSpPr>
-          <p:cNvPr id="317" name="CustomShape 17"/>
+          <p:cNvPr id="399" name="CustomShape 17"/>
           <p:cNvSpPr/>
           <p:nvPr/>
         </p:nvSpPr>
         <p:spPr>
           <a:xfrm>
             <a:off x="32058720" y="8229600"/>
-            <a:ext cx="11831400" cy="1004760"/>
+            <a:ext cx="11831040" cy="1004400"/>
           </a:xfrm>
           <a:prstGeom prst="rect">
             <a:avLst/>
@@ -12651,14 +15997,14 @@
       </p:sp>
       <p:sp>
         <p:nvSpPr>
-          <p:cNvPr id="318" name="CustomShape 18"/>
+          <p:cNvPr id="400" name="CustomShape 18"/>
           <p:cNvSpPr/>
           <p:nvPr/>
         </p:nvSpPr>
         <p:spPr>
           <a:xfrm>
             <a:off x="0" y="17891640"/>
-            <a:ext cx="12077640" cy="1004760"/>
+            <a:ext cx="12077280" cy="1004400"/>
           </a:xfrm>
           <a:prstGeom prst="rect">
             <a:avLst/>
@@ -12694,14 +16040,14 @@
       </p:sp>
       <p:sp>
         <p:nvSpPr>
-          <p:cNvPr id="319" name="CustomShape 19"/>
+          <p:cNvPr id="401" name="CustomShape 19"/>
           <p:cNvSpPr/>
           <p:nvPr/>
         </p:nvSpPr>
         <p:spPr>
           <a:xfrm>
             <a:off x="32058720" y="5105520"/>
-            <a:ext cx="11831400" cy="1004760"/>
+            <a:ext cx="11831040" cy="1004400"/>
           </a:xfrm>
           <a:prstGeom prst="rect">
             <a:avLst/>
@@ -12737,7 +16083,7 @@
       </p:sp>
       <p:pic>
         <p:nvPicPr>
-          <p:cNvPr id="320" name="Picture 726" descr=""/>
+          <p:cNvPr id="402" name="Picture 726" descr=""/>
           <p:cNvPicPr/>
           <p:nvPr/>
         </p:nvPicPr>
@@ -12750,7 +16096,7 @@
         <p:spPr>
           <a:xfrm>
             <a:off x="36717120" y="3218040"/>
-            <a:ext cx="6410880" cy="1657800"/>
+            <a:ext cx="6410520" cy="1657440"/>
           </a:xfrm>
           <a:prstGeom prst="rect">
             <a:avLst/>
@@ -12762,14 +16108,14 @@
       </p:pic>
       <p:sp>
         <p:nvSpPr>
-          <p:cNvPr id="321" name="CustomShape 20"/>
+          <p:cNvPr id="403" name="CustomShape 20"/>
           <p:cNvSpPr/>
           <p:nvPr/>
         </p:nvSpPr>
         <p:spPr>
           <a:xfrm>
             <a:off x="548640" y="11163240"/>
-            <a:ext cx="11155320" cy="3101040"/>
+            <a:ext cx="11154960" cy="3100680"/>
           </a:xfrm>
           <a:prstGeom prst="rect">
             <a:avLst/>
@@ -12881,22 +16227,22 @@
                 <a:latin typeface="Century Gothic"/>
                 <a:ea typeface="Arial"/>
               </a:rPr>
-              <a:t>Frequent writes could shorten the lifetime of SSD to a thousandth of normal.</a:t>
-            </a:r>
-            <a:endParaRPr/>
-          </a:p>
-        </p:txBody>
-      </p:sp>
-      <p:sp>
-        <p:nvSpPr>
-          <p:cNvPr id="322" name="CustomShape 21"/>
+              <a:t>Frequent writes to SSD could shorten the lifetime of SSD to a thousandth of normal.</a:t>
+            </a:r>
+            <a:endParaRPr/>
+          </a:p>
+        </p:txBody>
+      </p:sp>
+      <p:sp>
+        <p:nvSpPr>
+          <p:cNvPr id="404" name="CustomShape 21"/>
           <p:cNvSpPr/>
           <p:nvPr/>
         </p:nvSpPr>
         <p:spPr>
           <a:xfrm>
             <a:off x="33026040" y="11860560"/>
-            <a:ext cx="9896760" cy="6490440"/>
+            <a:ext cx="9896400" cy="6490080"/>
           </a:xfrm>
           <a:prstGeom prst="rect">
             <a:avLst/>
@@ -12988,14 +16334,14 @@
       </p:sp>
       <p:sp>
         <p:nvSpPr>
-          <p:cNvPr id="323" name="CustomShape 22"/>
+          <p:cNvPr id="405" name="CustomShape 22"/>
           <p:cNvSpPr/>
           <p:nvPr/>
         </p:nvSpPr>
         <p:spPr>
           <a:xfrm>
             <a:off x="457200" y="6111000"/>
-            <a:ext cx="11246760" cy="3252240"/>
+            <a:ext cx="11246400" cy="3251880"/>
           </a:xfrm>
           <a:prstGeom prst="rect">
             <a:avLst/>
@@ -13079,14 +16425,14 @@
       </p:sp>
       <p:sp>
         <p:nvSpPr>
-          <p:cNvPr id="324" name="CustomShape 23"/>
+          <p:cNvPr id="406" name="CustomShape 23"/>
           <p:cNvSpPr/>
           <p:nvPr/>
         </p:nvSpPr>
         <p:spPr>
           <a:xfrm>
             <a:off x="518400" y="19058400"/>
-            <a:ext cx="11185560" cy="3252240"/>
+            <a:ext cx="11185200" cy="3251880"/>
           </a:xfrm>
           <a:prstGeom prst="rect">
             <a:avLst/>
@@ -13107,7 +16453,7 @@
               <a:buChar char=""/>
             </a:pPr>
             <a:r>
-              <a:rPr lang="en-US" sz="3200">
+              <a:rPr lang="en-US" sz="3200" u="sng">
                 <a:solidFill>
                   <a:srgbClr val="000000"/>
                 </a:solidFill>
@@ -13127,14 +16473,14 @@
               <a:buChar char=""/>
             </a:pPr>
             <a:r>
-              <a:rPr lang="en-US" sz="3200">
+              <a:rPr lang="en-US" sz="3200" u="sng">
                 <a:solidFill>
                   <a:srgbClr val="000000"/>
                 </a:solidFill>
                 <a:latin typeface="Century Gothic"/>
                 <a:ea typeface="Arial"/>
               </a:rPr>
-              <a:t>Alone, SSD provides extremely fast systems.</a:t>
+              <a:t>When used alone, SSD provides extremely “fast storage systems.”</a:t>
             </a:r>
             <a:endParaRPr/>
           </a:p>
@@ -13150,14 +16496,14 @@
       </p:sp>
       <p:sp>
         <p:nvSpPr>
-          <p:cNvPr id="325" name="CustomShape 24"/>
+          <p:cNvPr id="407" name="CustomShape 24"/>
           <p:cNvSpPr/>
           <p:nvPr/>
         </p:nvSpPr>
         <p:spPr>
           <a:xfrm>
             <a:off x="792720" y="25146000"/>
-            <a:ext cx="10911240" cy="3252240"/>
+            <a:ext cx="10910880" cy="3251880"/>
           </a:xfrm>
           <a:prstGeom prst="rect">
             <a:avLst/>
@@ -13178,14 +16524,14 @@
               <a:buChar char=""/>
             </a:pPr>
             <a:r>
-              <a:rPr lang="en-US" sz="3200">
+              <a:rPr lang="en-US" sz="3200" u="sng">
                 <a:solidFill>
                   <a:srgbClr val="000000"/>
                 </a:solidFill>
                 <a:latin typeface="Century Gothic"/>
                 <a:ea typeface="Arial"/>
               </a:rPr>
-              <a:t>Disk and SSD are both used.</a:t>
+              <a:t>Disk manages sequential reads and SSD manages random reads.</a:t>
             </a:r>
             <a:endParaRPr/>
           </a:p>
@@ -13198,48 +16544,17 @@
               <a:buChar char=""/>
             </a:pPr>
             <a:r>
-              <a:rPr lang="en-US" sz="3200">
+              <a:rPr lang="en-US" sz="3200" u="sng">
                 <a:solidFill>
                   <a:srgbClr val="000000"/>
                 </a:solidFill>
                 <a:latin typeface="Century Gothic"/>
                 <a:ea typeface="Arial"/>
               </a:rPr>
-              <a:t>SSD provides performance, while disk allows a longer lifetime for SSD, thus combining the advantages of both.</a:t>
-            </a:r>
-            <a:endParaRPr/>
-          </a:p>
-          <a:p>
-            <a:pPr>
-              <a:lnSpc>
-                <a:spcPct val="100000"/>
-              </a:lnSpc>
-            </a:pPr>
-            <a:endParaRPr/>
-          </a:p>
-        </p:txBody>
-      </p:sp>
-      <p:sp>
-        <p:nvSpPr>
-          <p:cNvPr id="326" name="CustomShape 25"/>
-          <p:cNvSpPr/>
-          <p:nvPr/>
-        </p:nvSpPr>
-        <p:spPr>
-          <a:xfrm>
-            <a:off x="32552640" y="23225760"/>
-            <a:ext cx="5790240" cy="3252240"/>
-          </a:xfrm>
-          <a:prstGeom prst="rect">
-            <a:avLst/>
-          </a:prstGeom>
-          <a:noFill/>
-          <a:ln w="19080">
-            <a:noFill/>
-          </a:ln>
-        </p:spPr>
-        <p:txBody>
-          <a:bodyPr lIns="90000" rIns="90000" tIns="45000" bIns="45000"/>
+              <a:t>SSD provides enhanced performance, while disk allows a longer lifetime for SSD, thus combining the advantages of both.</a:t>
+            </a:r>
+            <a:endParaRPr/>
+          </a:p>
           <a:p>
             <a:pPr>
               <a:lnSpc>
@@ -13249,134 +16564,14 @@
               <a:buChar char=""/>
             </a:pPr>
             <a:r>
-              <a:rPr lang="en-US" sz="3200">
+              <a:rPr lang="en-US" sz="3200" u="sng">
                 <a:solidFill>
                   <a:srgbClr val="000000"/>
                 </a:solidFill>
                 <a:latin typeface="Century Gothic"/>
                 <a:ea typeface="Arial"/>
               </a:rPr>
-              <a:t>Subtree of C</a:t>
-            </a:r>
-            <a:r>
-              <a:rPr lang="en-US" sz="3200" baseline="-25000">
-                <a:solidFill>
-                  <a:srgbClr val="000000"/>
-                </a:solidFill>
-                <a:latin typeface="Century Gothic"/>
-                <a:ea typeface="Arial"/>
-              </a:rPr>
-              <a:t>0</a:t>
-            </a:r>
-            <a:r>
-              <a:rPr lang="en-US" sz="3200">
-                <a:solidFill>
-                  <a:srgbClr val="000000"/>
-                </a:solidFill>
-                <a:latin typeface="Century Gothic"/>
-                <a:ea typeface="Arial"/>
-              </a:rPr>
-              <a:t> in DRAM</a:t>
-            </a:r>
-            <a:r>
-              <a:rPr lang="en-US" sz="3200" baseline="-25000">
-                <a:solidFill>
-                  <a:srgbClr val="000000"/>
-                </a:solidFill>
-                <a:latin typeface="Century Gothic"/>
-                <a:ea typeface="Arial"/>
-              </a:rPr>
-              <a:t> </a:t>
-            </a:r>
-            <a:r>
-              <a:rPr lang="en-US" sz="3200">
-                <a:solidFill>
-                  <a:srgbClr val="000000"/>
-                </a:solidFill>
-                <a:latin typeface="Century Gothic"/>
-                <a:ea typeface="Arial"/>
-              </a:rPr>
-              <a:t>is trimmed and merged to tree C</a:t>
-            </a:r>
-            <a:r>
-              <a:rPr lang="en-US" sz="3200" baseline="-25000">
-                <a:solidFill>
-                  <a:srgbClr val="000000"/>
-                </a:solidFill>
-                <a:latin typeface="Century Gothic"/>
-                <a:ea typeface="Arial"/>
-              </a:rPr>
-              <a:t>1</a:t>
-            </a:r>
-            <a:r>
-              <a:rPr lang="en-US" sz="3200">
-                <a:solidFill>
-                  <a:srgbClr val="000000"/>
-                </a:solidFill>
-                <a:latin typeface="Century Gothic"/>
-                <a:ea typeface="Arial"/>
-              </a:rPr>
-              <a:t> NVBM when Threshold</a:t>
-            </a:r>
-            <a:r>
-              <a:rPr lang="en-US" sz="3200" baseline="-25000">
-                <a:solidFill>
-                  <a:srgbClr val="000000"/>
-                </a:solidFill>
-                <a:latin typeface="Century Gothic"/>
-                <a:ea typeface="Arial"/>
-              </a:rPr>
-              <a:t>DRAM</a:t>
-            </a:r>
-            <a:r>
-              <a:rPr lang="en-US" sz="3200">
-                <a:solidFill>
-                  <a:srgbClr val="000000"/>
-                </a:solidFill>
-                <a:latin typeface="Century Gothic"/>
-                <a:ea typeface="Arial"/>
-              </a:rPr>
-              <a:t> is reached or simulation of time step </a:t>
-            </a:r>
-            <a:r>
-              <a:rPr i="1" lang="en-US" sz="3200">
-                <a:solidFill>
-                  <a:srgbClr val="000000"/>
-                </a:solidFill>
-                <a:latin typeface="Century Gothic"/>
-                <a:ea typeface="Arial"/>
-              </a:rPr>
-              <a:t>i </a:t>
-            </a:r>
-            <a:r>
-              <a:rPr lang="en-US" sz="3200">
-                <a:solidFill>
-                  <a:srgbClr val="000000"/>
-                </a:solidFill>
-                <a:latin typeface="Century Gothic"/>
-                <a:ea typeface="Arial"/>
-              </a:rPr>
-              <a:t>is</a:t>
-            </a:r>
-            <a:r>
-              <a:rPr i="1" lang="en-US" sz="3200">
-                <a:solidFill>
-                  <a:srgbClr val="000000"/>
-                </a:solidFill>
-                <a:latin typeface="Century Gothic"/>
-                <a:ea typeface="Arial"/>
-              </a:rPr>
-              <a:t> </a:t>
-            </a:r>
-            <a:r>
-              <a:rPr lang="en-US" sz="3200">
-                <a:solidFill>
-                  <a:srgbClr val="000000"/>
-                </a:solidFill>
-                <a:latin typeface="Century Gothic"/>
-                <a:ea typeface="Arial"/>
-              </a:rPr>
-              <a:t>completed.</a:t>
+              <a:t>The three steps of swapping out pages according to HybridSwap are “selecting a candidate sequence, evaluating its spatial locality, and determining swapping destinations.”</a:t>
             </a:r>
             <a:endParaRPr/>
           </a:p>
@@ -13392,36 +16587,14 @@
       </p:sp>
       <p:sp>
         <p:nvSpPr>
-          <p:cNvPr id="327" name="CustomShape 26"/>
+          <p:cNvPr id="408" name="CustomShape 25"/>
           <p:cNvSpPr/>
           <p:nvPr/>
         </p:nvSpPr>
         <p:spPr>
           <a:xfrm>
-            <a:off x="12265200" y="5106600"/>
-            <a:ext cx="19476720" cy="27811800"/>
-          </a:xfrm>
-          <a:prstGeom prst="rect">
-            <a:avLst/>
-          </a:prstGeom>
-          <a:solidFill>
-            <a:srgbClr val="ffffff"/>
-          </a:solidFill>
-          <a:ln>
-            <a:noFill/>
-          </a:ln>
-        </p:spPr>
-      </p:sp>
-      <p:sp>
-        <p:nvSpPr>
-          <p:cNvPr id="328" name="CustomShape 27"/>
-          <p:cNvSpPr/>
-          <p:nvPr/>
-        </p:nvSpPr>
-        <p:spPr>
-          <a:xfrm>
-            <a:off x="12893040" y="6583680"/>
-            <a:ext cx="18105120" cy="3252240"/>
+            <a:off x="32552640" y="23225760"/>
+            <a:ext cx="5789880" cy="3251880"/>
           </a:xfrm>
           <a:prstGeom prst="rect">
             <a:avLst/>
@@ -13449,10 +16622,55 @@
                 <a:latin typeface="Century Gothic"/>
                 <a:ea typeface="Arial"/>
               </a:rPr>
-              <a:t>Pages with the least temporal locality are the most likely to be swapped out.</a:t>
-            </a:r>
-            <a:endParaRPr/>
-          </a:p>
+              <a:t>ttttttt</a:t>
+            </a:r>
+            <a:endParaRPr/>
+          </a:p>
+        </p:txBody>
+      </p:sp>
+      <p:sp>
+        <p:nvSpPr>
+          <p:cNvPr id="409" name="CustomShape 26"/>
+          <p:cNvSpPr/>
+          <p:nvPr/>
+        </p:nvSpPr>
+        <p:spPr>
+          <a:xfrm>
+            <a:off x="12265200" y="5106600"/>
+            <a:ext cx="19476360" cy="27811440"/>
+          </a:xfrm>
+          <a:prstGeom prst="rect">
+            <a:avLst/>
+          </a:prstGeom>
+          <a:solidFill>
+            <a:srgbClr val="ffffff"/>
+          </a:solidFill>
+          <a:ln>
+            <a:noFill/>
+          </a:ln>
+        </p:spPr>
+      </p:sp>
+      <p:sp>
+        <p:nvSpPr>
+          <p:cNvPr id="410" name="CustomShape 27"/>
+          <p:cNvSpPr/>
+          <p:nvPr/>
+        </p:nvSpPr>
+        <p:spPr>
+          <a:xfrm>
+            <a:off x="12893040" y="6583680"/>
+            <a:ext cx="18104760" cy="3251880"/>
+          </a:xfrm>
+          <a:prstGeom prst="rect">
+            <a:avLst/>
+          </a:prstGeom>
+          <a:noFill/>
+          <a:ln w="19080">
+            <a:noFill/>
+          </a:ln>
+        </p:spPr>
+        <p:txBody>
+          <a:bodyPr lIns="90000" rIns="90000" tIns="45000" bIns="45000"/>
           <a:p>
             <a:pPr>
               <a:lnSpc>
@@ -13462,14 +16680,14 @@
               <a:buChar char=""/>
             </a:pPr>
             <a:r>
-              <a:rPr lang="en-US" sz="3200">
+              <a:rPr lang="en-US" sz="3200" u="sng">
                 <a:solidFill>
                   <a:srgbClr val="000000"/>
                 </a:solidFill>
                 <a:latin typeface="Century Gothic"/>
                 <a:ea typeface="Arial"/>
               </a:rPr>
-              <a:t>Spatial locality must also be acknowledged to make certain that swap-in latency and page-fault latency are not increased. </a:t>
+              <a:t>Pages with the least temporal locality are the most likely to be swapped out.</a:t>
             </a:r>
             <a:endParaRPr/>
           </a:p>
@@ -13482,14 +16700,14 @@
               <a:buChar char=""/>
             </a:pPr>
             <a:r>
-              <a:rPr lang="en-US" sz="3200">
+              <a:rPr lang="en-US" sz="3200" u="sng">
                 <a:solidFill>
                   <a:srgbClr val="000000"/>
                 </a:solidFill>
                 <a:latin typeface="Century Gothic"/>
                 <a:ea typeface="Arial"/>
               </a:rPr>
-              <a:t>Hard disk and SSD divide swapped page sequences between them. Disk swap manage sequences with strong spatial locality and weak temporal locality, while SSD swap manages page sequences with weak spatial locality.</a:t>
+              <a:t>Spatial locality must also be acknowledged to make certain that swap-in latency and page-fault latency are not increased. </a:t>
             </a:r>
             <a:endParaRPr/>
           </a:p>
@@ -13502,169 +16720,17 @@
               <a:buChar char=""/>
             </a:pPr>
             <a:r>
-              <a:rPr lang="en-US" sz="3200">
+              <a:rPr lang="en-US" sz="3200" u="sng">
                 <a:solidFill>
                   <a:srgbClr val="000000"/>
                 </a:solidFill>
                 <a:latin typeface="Century Gothic"/>
                 <a:ea typeface="Arial"/>
               </a:rPr>
-              <a:t>A variant of the LRU replacement algorithm is used, similar to 2Q.</a:t>
-            </a:r>
-            <a:endParaRPr/>
-          </a:p>
-        </p:txBody>
-      </p:sp>
-      <p:sp>
-        <p:nvSpPr>
-          <p:cNvPr id="329" name="CustomShape 28"/>
-          <p:cNvSpPr/>
-          <p:nvPr/>
-        </p:nvSpPr>
-        <p:spPr>
-          <a:xfrm>
-            <a:off x="12265200" y="5105520"/>
-            <a:ext cx="19585440" cy="1004760"/>
-          </a:xfrm>
-          <a:prstGeom prst="rect">
-            <a:avLst/>
-          </a:prstGeom>
-          <a:solidFill>
-            <a:srgbClr val="c6d9f1"/>
-          </a:solidFill>
-          <a:ln>
-            <a:noFill/>
-          </a:ln>
-        </p:spPr>
-        <p:txBody>
-          <a:bodyPr lIns="90000" rIns="90000" tIns="45000" bIns="45000" anchor="ctr"/>
-          <a:p>
-            <a:pPr algn="ctr">
-              <a:lnSpc>
-                <a:spcPct val="100000"/>
-              </a:lnSpc>
-            </a:pPr>
-            <a:r>
-              <a:rPr b="1" lang="en-US" sz="4000">
-                <a:solidFill>
-                  <a:srgbClr val="000000"/>
-                </a:solidFill>
-                <a:latin typeface="Century Gothic"/>
-                <a:ea typeface="Arial"/>
-              </a:rPr>
-              <a:t>Integration of Temporal Locality and Spatial Locality</a:t>
-            </a:r>
-            <a:endParaRPr/>
-          </a:p>
-        </p:txBody>
-      </p:sp>
-      <p:sp>
-        <p:nvSpPr>
-          <p:cNvPr id="330" name="CustomShape 29"/>
-          <p:cNvSpPr/>
-          <p:nvPr/>
-        </p:nvSpPr>
-        <p:spPr>
-          <a:xfrm>
-            <a:off x="12268440" y="20954880"/>
-            <a:ext cx="19585440" cy="1004760"/>
-          </a:xfrm>
-          <a:prstGeom prst="rect">
-            <a:avLst/>
-          </a:prstGeom>
-          <a:solidFill>
-            <a:srgbClr val="c6d9f1"/>
-          </a:solidFill>
-          <a:ln>
-            <a:noFill/>
-          </a:ln>
-        </p:spPr>
-        <p:txBody>
-          <a:bodyPr lIns="90000" rIns="90000" tIns="45000" bIns="45000" anchor="ctr"/>
-          <a:p>
-            <a:pPr algn="ctr">
-              <a:lnSpc>
-                <a:spcPct val="100000"/>
-              </a:lnSpc>
-            </a:pPr>
-            <a:r>
-              <a:rPr b="1" lang="en-US" sz="4000">
-                <a:solidFill>
-                  <a:srgbClr val="000000"/>
-                </a:solidFill>
-                <a:latin typeface="Century Gothic"/>
-                <a:ea typeface="Arial"/>
-              </a:rPr>
-              <a:t>Evaluation of Spatial Locality of Page Sequences</a:t>
-            </a:r>
-            <a:endParaRPr/>
-          </a:p>
-        </p:txBody>
-      </p:sp>
-      <p:sp>
-        <p:nvSpPr>
-          <p:cNvPr id="331" name="CustomShape 30"/>
-          <p:cNvSpPr/>
-          <p:nvPr/>
-        </p:nvSpPr>
-        <p:spPr>
-          <a:xfrm>
-            <a:off x="12264840" y="28483560"/>
-            <a:ext cx="19588680" cy="1004760"/>
-          </a:xfrm>
-          <a:prstGeom prst="rect">
-            <a:avLst/>
-          </a:prstGeom>
-          <a:solidFill>
-            <a:srgbClr val="c6d9f1"/>
-          </a:solidFill>
-          <a:ln>
-            <a:noFill/>
-          </a:ln>
-        </p:spPr>
-        <p:txBody>
-          <a:bodyPr lIns="90000" rIns="90000" tIns="45000" bIns="45000" anchor="ctr"/>
-          <a:p>
-            <a:pPr algn="ctr">
-              <a:lnSpc>
-                <a:spcPct val="100000"/>
-              </a:lnSpc>
-            </a:pPr>
-            <a:r>
-              <a:rPr b="1" lang="en-US" sz="4000">
-                <a:solidFill>
-                  <a:srgbClr val="000000"/>
-                </a:solidFill>
-                <a:latin typeface="Century Gothic"/>
-                <a:ea typeface="Arial"/>
-              </a:rPr>
-              <a:t>Scheduling Page Swapping</a:t>
-            </a:r>
-            <a:endParaRPr/>
-          </a:p>
-        </p:txBody>
-      </p:sp>
-      <p:sp>
-        <p:nvSpPr>
-          <p:cNvPr id="332" name="CustomShape 31"/>
-          <p:cNvSpPr/>
-          <p:nvPr/>
-        </p:nvSpPr>
-        <p:spPr>
-          <a:xfrm>
-            <a:off x="12863520" y="22168080"/>
-            <a:ext cx="5790240" cy="3252240"/>
-          </a:xfrm>
-          <a:prstGeom prst="rect">
-            <a:avLst/>
-          </a:prstGeom>
-          <a:noFill/>
-          <a:ln w="19080">
-            <a:noFill/>
-          </a:ln>
-        </p:spPr>
-        <p:txBody>
-          <a:bodyPr lIns="90000" rIns="90000" tIns="45000" bIns="45000"/>
+              <a:t>Hard disk and SSD divide swapped page sequences between them. Disk swap manage sequences with strong spatial locality and weak temporal locality, while SSD swap manages page sequences with weak spatial locality.</a:t>
+            </a:r>
+            <a:endParaRPr/>
+          </a:p>
           <a:p>
             <a:pPr>
               <a:lnSpc>
@@ -13674,6 +16740,16 @@
               <a:buChar char=""/>
             </a:pPr>
             <a:r>
+              <a:rPr lang="en-US" sz="3200" u="sng">
+                <a:solidFill>
+                  <a:srgbClr val="000000"/>
+                </a:solidFill>
+                <a:latin typeface="Century Gothic"/>
+                <a:ea typeface="Arial"/>
+              </a:rPr>
+              <a:t>A variant of the LRU replacement algorithm is used, similar to 2Q</a:t>
+            </a:r>
+            <a:r>
               <a:rPr lang="en-US" sz="3200">
                 <a:solidFill>
                   <a:srgbClr val="000000"/>
@@ -13681,18 +16757,170 @@
                 <a:latin typeface="Century Gothic"/>
                 <a:ea typeface="Arial"/>
               </a:rPr>
-              <a:t>Subtree of C</a:t>
-            </a:r>
-            <a:r>
-              <a:rPr lang="en-US" sz="3200" baseline="-25000">
+              <a:t>.</a:t>
+            </a:r>
+            <a:endParaRPr/>
+          </a:p>
+        </p:txBody>
+      </p:sp>
+      <p:sp>
+        <p:nvSpPr>
+          <p:cNvPr id="411" name="CustomShape 28"/>
+          <p:cNvSpPr/>
+          <p:nvPr/>
+        </p:nvSpPr>
+        <p:spPr>
+          <a:xfrm>
+            <a:off x="12265200" y="5105520"/>
+            <a:ext cx="19585080" cy="1004400"/>
+          </a:xfrm>
+          <a:prstGeom prst="rect">
+            <a:avLst/>
+          </a:prstGeom>
+          <a:solidFill>
+            <a:srgbClr val="c6d9f1"/>
+          </a:solidFill>
+          <a:ln>
+            <a:noFill/>
+          </a:ln>
+        </p:spPr>
+        <p:txBody>
+          <a:bodyPr lIns="90000" rIns="90000" tIns="45000" bIns="45000" anchor="ctr"/>
+          <a:p>
+            <a:pPr algn="ctr">
+              <a:lnSpc>
+                <a:spcPct val="100000"/>
+              </a:lnSpc>
+            </a:pPr>
+            <a:r>
+              <a:rPr b="1" lang="en-US" sz="4000">
                 <a:solidFill>
                   <a:srgbClr val="000000"/>
                 </a:solidFill>
                 <a:latin typeface="Century Gothic"/>
                 <a:ea typeface="Arial"/>
               </a:rPr>
-              <a:t>0</a:t>
-            </a:r>
+              <a:t>Integration of Temporal Locality and Spatial Locality</a:t>
+            </a:r>
+            <a:endParaRPr/>
+          </a:p>
+        </p:txBody>
+      </p:sp>
+      <p:sp>
+        <p:nvSpPr>
+          <p:cNvPr id="412" name="CustomShape 29"/>
+          <p:cNvSpPr/>
+          <p:nvPr/>
+        </p:nvSpPr>
+        <p:spPr>
+          <a:xfrm>
+            <a:off x="12268440" y="20954880"/>
+            <a:ext cx="19585080" cy="1004400"/>
+          </a:xfrm>
+          <a:prstGeom prst="rect">
+            <a:avLst/>
+          </a:prstGeom>
+          <a:solidFill>
+            <a:srgbClr val="c6d9f1"/>
+          </a:solidFill>
+          <a:ln>
+            <a:noFill/>
+          </a:ln>
+        </p:spPr>
+        <p:txBody>
+          <a:bodyPr lIns="90000" rIns="90000" tIns="45000" bIns="45000" anchor="ctr"/>
+          <a:p>
+            <a:pPr algn="ctr">
+              <a:lnSpc>
+                <a:spcPct val="100000"/>
+              </a:lnSpc>
+            </a:pPr>
+            <a:r>
+              <a:rPr b="1" lang="en-US" sz="4000">
+                <a:solidFill>
+                  <a:srgbClr val="000000"/>
+                </a:solidFill>
+                <a:latin typeface="Century Gothic"/>
+                <a:ea typeface="Arial"/>
+              </a:rPr>
+              <a:t>Evaluation of Spatial Locality of Page Sequences</a:t>
+            </a:r>
+            <a:endParaRPr/>
+          </a:p>
+        </p:txBody>
+      </p:sp>
+      <p:sp>
+        <p:nvSpPr>
+          <p:cNvPr id="413" name="CustomShape 30"/>
+          <p:cNvSpPr/>
+          <p:nvPr/>
+        </p:nvSpPr>
+        <p:spPr>
+          <a:xfrm>
+            <a:off x="12264840" y="28483560"/>
+            <a:ext cx="19588320" cy="1004400"/>
+          </a:xfrm>
+          <a:prstGeom prst="rect">
+            <a:avLst/>
+          </a:prstGeom>
+          <a:solidFill>
+            <a:srgbClr val="c6d9f1"/>
+          </a:solidFill>
+          <a:ln>
+            <a:noFill/>
+          </a:ln>
+        </p:spPr>
+        <p:txBody>
+          <a:bodyPr lIns="90000" rIns="90000" tIns="45000" bIns="45000" anchor="ctr"/>
+          <a:p>
+            <a:pPr algn="ctr">
+              <a:lnSpc>
+                <a:spcPct val="100000"/>
+              </a:lnSpc>
+            </a:pPr>
+            <a:r>
+              <a:rPr b="1" lang="en-US" sz="4000">
+                <a:solidFill>
+                  <a:srgbClr val="000000"/>
+                </a:solidFill>
+                <a:latin typeface="Century Gothic"/>
+                <a:ea typeface="Arial"/>
+              </a:rPr>
+              <a:t>Scheduling Page Swapping</a:t>
+            </a:r>
+            <a:endParaRPr/>
+          </a:p>
+        </p:txBody>
+      </p:sp>
+      <p:sp>
+        <p:nvSpPr>
+          <p:cNvPr id="414" name="CustomShape 31"/>
+          <p:cNvSpPr/>
+          <p:nvPr/>
+        </p:nvSpPr>
+        <p:spPr>
+          <a:xfrm>
+            <a:off x="12863520" y="22168080"/>
+            <a:ext cx="18500400" cy="3251880"/>
+          </a:xfrm>
+          <a:prstGeom prst="rect">
+            <a:avLst/>
+          </a:prstGeom>
+          <a:noFill/>
+          <a:ln w="19080">
+            <a:noFill/>
+          </a:ln>
+        </p:spPr>
+        <p:txBody>
+          <a:bodyPr lIns="90000" rIns="90000" tIns="45000" bIns="45000"/>
+          <a:p>
+            <a:pPr>
+              <a:lnSpc>
+                <a:spcPct val="100000"/>
+              </a:lnSpc>
+              <a:buFont typeface="Wingdings" charset="2"/>
+              <a:buChar char=""/>
+            </a:pPr>
             <a:r>
               <a:rPr lang="en-US" sz="3200">
                 <a:solidFill>
@@ -13701,18 +16929,18 @@
                 <a:latin typeface="Century Gothic"/>
                 <a:ea typeface="Arial"/>
               </a:rPr>
-              <a:t> in DRAM</a:t>
-            </a:r>
-            <a:r>
-              <a:rPr lang="en-US" sz="3200" baseline="-25000">
-                <a:solidFill>
-                  <a:srgbClr val="000000"/>
-                </a:solidFill>
-                <a:latin typeface="Century Gothic"/>
-                <a:ea typeface="Arial"/>
-              </a:rPr>
-              <a:t> </a:t>
-            </a:r>
+              <a:t>In order to reduce overhead and minimize time to detect page accesses, HybridSwap only records page accesses when there is a page fault.</a:t>
+            </a:r>
+            <a:endParaRPr/>
+          </a:p>
+          <a:p>
+            <a:pPr>
+              <a:lnSpc>
+                <a:spcPct val="100000"/>
+              </a:lnSpc>
+              <a:buFont typeface="Wingdings" charset="2"/>
+              <a:buChar char=""/>
+            </a:pPr>
             <a:r>
               <a:rPr lang="en-US" sz="3200">
                 <a:solidFill>
@@ -13721,18 +16949,61 @@
                 <a:latin typeface="Century Gothic"/>
                 <a:ea typeface="Arial"/>
               </a:rPr>
-              <a:t>is trimmed and merged to tree C</a:t>
-            </a:r>
-            <a:r>
-              <a:rPr lang="en-US" sz="3200" baseline="-25000">
+              <a:t>The lifetime of a page at swap-out is considered to be the most recent time between page accesses (swap-in and current time).</a:t>
+            </a:r>
+            <a:endParaRPr/>
+          </a:p>
+          <a:p>
+            <a:pPr>
+              <a:lnSpc>
+                <a:spcPct val="100000"/>
+              </a:lnSpc>
+              <a:buFont typeface="Wingdings" charset="2"/>
+              <a:buChar char=""/>
+            </a:pPr>
+            <a:r>
+              <a:rPr lang="en-US" sz="3200" u="sng">
                 <a:solidFill>
                   <a:srgbClr val="000000"/>
                 </a:solidFill>
                 <a:latin typeface="Century Gothic"/>
                 <a:ea typeface="Arial"/>
               </a:rPr>
-              <a:t>1</a:t>
-            </a:r>
+              <a:t>A sequence of pages is swapped to disk only “If the difference between any two pages' access times is” less “than the system's current average lifetime, or if some anonymous pages in the sequence ... have access times.”</a:t>
+            </a:r>
+            <a:endParaRPr/>
+          </a:p>
+        </p:txBody>
+      </p:sp>
+      <p:sp>
+        <p:nvSpPr>
+          <p:cNvPr id="415" name="CustomShape 32"/>
+          <p:cNvSpPr/>
+          <p:nvPr/>
+        </p:nvSpPr>
+        <p:spPr>
+          <a:xfrm>
+            <a:off x="12618720" y="29666160"/>
+            <a:ext cx="18500400" cy="3251880"/>
+          </a:xfrm>
+          <a:prstGeom prst="rect">
+            <a:avLst/>
+          </a:prstGeom>
+          <a:noFill/>
+          <a:ln w="19080">
+            <a:noFill/>
+          </a:ln>
+        </p:spPr>
+        <p:txBody>
+          <a:bodyPr lIns="90000" rIns="90000" tIns="45000" bIns="45000"/>
+          <a:p>
+            <a:pPr>
+              <a:lnSpc>
+                <a:spcPct val="100000"/>
+              </a:lnSpc>
+              <a:buFont typeface="Wingdings" charset="2"/>
+              <a:buChar char=""/>
+            </a:pPr>
             <a:r>
               <a:rPr lang="en-US" sz="3200">
                 <a:solidFill>
@@ -13741,76 +17012,8 @@
                 <a:latin typeface="Century Gothic"/>
                 <a:ea typeface="Arial"/>
               </a:rPr>
-              <a:t> NVBM when Threshold</a:t>
-            </a:r>
-            <a:r>
-              <a:rPr lang="en-US" sz="3200" baseline="-25000">
-                <a:solidFill>
-                  <a:srgbClr val="000000"/>
-                </a:solidFill>
-                <a:latin typeface="Century Gothic"/>
-                <a:ea typeface="Arial"/>
-              </a:rPr>
-              <a:t>DRAM</a:t>
-            </a:r>
-            <a:r>
-              <a:rPr lang="en-US" sz="3200">
-                <a:solidFill>
-                  <a:srgbClr val="000000"/>
-                </a:solidFill>
-                <a:latin typeface="Century Gothic"/>
-                <a:ea typeface="Arial"/>
-              </a:rPr>
-              <a:t> is reached or simulation of time step </a:t>
-            </a:r>
-            <a:r>
-              <a:rPr i="1" lang="en-US" sz="3200">
-                <a:solidFill>
-                  <a:srgbClr val="000000"/>
-                </a:solidFill>
-                <a:latin typeface="Century Gothic"/>
-                <a:ea typeface="Arial"/>
-              </a:rPr>
-              <a:t>i </a:t>
-            </a:r>
-            <a:r>
-              <a:rPr lang="en-US" sz="3200">
-                <a:solidFill>
-                  <a:srgbClr val="000000"/>
-                </a:solidFill>
-                <a:latin typeface="Century Gothic"/>
-                <a:ea typeface="Arial"/>
-              </a:rPr>
-              <a:t>is</a:t>
-            </a:r>
-            <a:r>
-              <a:rPr i="1" lang="en-US" sz="3200">
-                <a:solidFill>
-                  <a:srgbClr val="000000"/>
-                </a:solidFill>
-                <a:latin typeface="Century Gothic"/>
-                <a:ea typeface="Arial"/>
-              </a:rPr>
-              <a:t> </a:t>
-            </a:r>
-            <a:r>
-              <a:rPr lang="en-US" sz="3200">
-                <a:solidFill>
-                  <a:srgbClr val="000000"/>
-                </a:solidFill>
-                <a:latin typeface="Century Gothic"/>
-                <a:ea typeface="Arial"/>
-              </a:rPr>
-              <a:t>completed.</a:t>
-            </a:r>
-            <a:endParaRPr/>
-          </a:p>
-          <a:p>
-            <a:pPr>
-              <a:lnSpc>
-                <a:spcPct val="100000"/>
-              </a:lnSpc>
-            </a:pPr>
+              <a:t>ttttttt</a:t>
+            </a:r>
             <a:endParaRPr/>
           </a:p>
         </p:txBody>
@@ -13866,74 +17069,67 @@
       </p:grpSpPr>
       <p:sp>
         <p:nvSpPr>
-          <p:cNvPr id="364" name="TextShape 1"/>
-          <p:cNvSpPr txBox="1"/>
+          <p:cNvPr id="447" name="CustomShape 1"/>
+          <p:cNvSpPr/>
           <p:nvPr/>
         </p:nvSpPr>
         <p:spPr>
           <a:xfrm>
             <a:off x="2194560" y="1313280"/>
-            <a:ext cx="39501720" cy="5497200"/>
-          </a:xfrm>
-          <a:prstGeom prst="rect">
-            <a:avLst/>
-          </a:prstGeom>
-        </p:spPr>
-        <p:txBody>
-          <a:bodyPr lIns="0" rIns="0" tIns="0" bIns="0" anchor="ctr"/>
-          <a:p>
-            <a:pPr algn="ctr"/>
-            <a:endParaRPr/>
-          </a:p>
-        </p:txBody>
-      </p:sp>
-      <p:sp>
-        <p:nvSpPr>
-          <p:cNvPr id="365" name="TextShape 2"/>
-          <p:cNvSpPr txBox="1"/>
+            <a:ext cx="39501360" cy="5496840"/>
+          </a:xfrm>
+          <a:prstGeom prst="rect">
+            <a:avLst/>
+          </a:prstGeom>
+          <a:noFill/>
+          <a:ln>
+            <a:noFill/>
+          </a:ln>
+        </p:spPr>
+      </p:sp>
+      <p:sp>
+        <p:nvSpPr>
+          <p:cNvPr id="448" name="CustomShape 2"/>
+          <p:cNvSpPr/>
           <p:nvPr/>
         </p:nvSpPr>
         <p:spPr>
           <a:xfrm>
             <a:off x="2194560" y="7702560"/>
-            <a:ext cx="39501720" cy="19092240"/>
-          </a:xfrm>
-          <a:prstGeom prst="rect">
-            <a:avLst/>
-          </a:prstGeom>
-        </p:spPr>
-        <p:txBody>
-          <a:bodyPr lIns="0" rIns="0" tIns="0" bIns="0"/>
-          <a:p>
-            <a:endParaRPr/>
-          </a:p>
-        </p:txBody>
-      </p:sp>
-      <p:sp>
-        <p:nvSpPr>
-          <p:cNvPr id="366" name="TextShape 3"/>
-          <p:cNvSpPr txBox="1"/>
+            <a:ext cx="39501360" cy="19091880"/>
+          </a:xfrm>
+          <a:prstGeom prst="rect">
+            <a:avLst/>
+          </a:prstGeom>
+          <a:noFill/>
+          <a:ln>
+            <a:noFill/>
+          </a:ln>
+        </p:spPr>
+      </p:sp>
+      <p:sp>
+        <p:nvSpPr>
+          <p:cNvPr id="449" name="CustomShape 3"/>
+          <p:cNvSpPr/>
           <p:nvPr/>
         </p:nvSpPr>
         <p:spPr>
           <a:xfrm>
             <a:off x="2194560" y="7702560"/>
-            <a:ext cx="39501720" cy="19092240"/>
-          </a:xfrm>
-          <a:prstGeom prst="rect">
-            <a:avLst/>
-          </a:prstGeom>
-        </p:spPr>
-        <p:txBody>
-          <a:bodyPr lIns="0" rIns="0" tIns="0" bIns="0"/>
-          <a:p>
-            <a:endParaRPr/>
-          </a:p>
-        </p:txBody>
+            <a:ext cx="39501360" cy="19091880"/>
+          </a:xfrm>
+          <a:prstGeom prst="rect">
+            <a:avLst/>
+          </a:prstGeom>
+          <a:noFill/>
+          <a:ln>
+            <a:noFill/>
+          </a:ln>
+        </p:spPr>
       </p:sp>
       <p:pic>
         <p:nvPicPr>
-          <p:cNvPr id="367" name="" descr=""/>
+          <p:cNvPr id="450" name="" descr=""/>
           <p:cNvPicPr/>
           <p:nvPr/>
         </p:nvPicPr>
@@ -13946,7 +17142,7 @@
         <p:spPr>
           <a:xfrm>
             <a:off x="9980640" y="7702560"/>
-            <a:ext cx="23928840" cy="19092240"/>
+            <a:ext cx="23928480" cy="19091880"/>
           </a:xfrm>
           <a:prstGeom prst="rect">
             <a:avLst/>
@@ -13958,7 +17154,7 @@
       </p:pic>
       <p:pic>
         <p:nvPicPr>
-          <p:cNvPr id="368" name="" descr=""/>
+          <p:cNvPr id="451" name="" descr=""/>
           <p:cNvPicPr/>
           <p:nvPr/>
         </p:nvPicPr>
@@ -13971,7 +17167,7 @@
         <p:spPr>
           <a:xfrm>
             <a:off x="9980640" y="7702560"/>
-            <a:ext cx="23928840" cy="19092240"/>
+            <a:ext cx="23928480" cy="19091880"/>
           </a:xfrm>
           <a:prstGeom prst="rect">
             <a:avLst/>
@@ -14005,14 +17201,14 @@
       </p:grpSpPr>
       <p:sp>
         <p:nvSpPr>
-          <p:cNvPr id="333" name="CustomShape 1"/>
+          <p:cNvPr id="416" name="CustomShape 1"/>
           <p:cNvSpPr/>
           <p:nvPr/>
         </p:nvSpPr>
         <p:spPr>
           <a:xfrm>
             <a:off x="2194560" y="1313280"/>
-            <a:ext cx="39501000" cy="25481160"/>
+            <a:ext cx="39500640" cy="25480800"/>
           </a:xfrm>
           <a:prstGeom prst="rect">
             <a:avLst/>
@@ -14047,14 +17243,14 @@
       </p:grpSpPr>
       <p:sp>
         <p:nvSpPr>
-          <p:cNvPr id="334" name="CustomShape 1"/>
+          <p:cNvPr id="417" name="CustomShape 1"/>
           <p:cNvSpPr/>
           <p:nvPr/>
         </p:nvSpPr>
         <p:spPr>
           <a:xfrm>
             <a:off x="2194560" y="1313280"/>
-            <a:ext cx="39501000" cy="5496480"/>
+            <a:ext cx="39500640" cy="5496120"/>
           </a:xfrm>
           <a:prstGeom prst="rect">
             <a:avLst/>
@@ -14067,14 +17263,14 @@
       </p:sp>
       <p:sp>
         <p:nvSpPr>
-          <p:cNvPr id="335" name="CustomShape 2"/>
+          <p:cNvPr id="418" name="CustomShape 2"/>
           <p:cNvSpPr/>
           <p:nvPr/>
         </p:nvSpPr>
         <p:spPr>
           <a:xfrm>
             <a:off x="2194560" y="7702560"/>
-            <a:ext cx="19275840" cy="9106200"/>
+            <a:ext cx="19275480" cy="9105840"/>
           </a:xfrm>
           <a:prstGeom prst="rect">
             <a:avLst/>
@@ -14087,14 +17283,14 @@
       </p:sp>
       <p:sp>
         <p:nvSpPr>
-          <p:cNvPr id="336" name="CustomShape 3"/>
+          <p:cNvPr id="419" name="CustomShape 3"/>
           <p:cNvSpPr/>
           <p:nvPr/>
         </p:nvSpPr>
         <p:spPr>
           <a:xfrm>
             <a:off x="2194560" y="17674920"/>
-            <a:ext cx="19275840" cy="9106200"/>
+            <a:ext cx="19275480" cy="9105840"/>
           </a:xfrm>
           <a:prstGeom prst="rect">
             <a:avLst/>
@@ -14107,14 +17303,14 @@
       </p:sp>
       <p:sp>
         <p:nvSpPr>
-          <p:cNvPr id="337" name="CustomShape 4"/>
+          <p:cNvPr id="420" name="CustomShape 4"/>
           <p:cNvSpPr/>
           <p:nvPr/>
         </p:nvSpPr>
         <p:spPr>
           <a:xfrm>
             <a:off x="22435200" y="7702560"/>
-            <a:ext cx="19275840" cy="19091520"/>
+            <a:ext cx="19275480" cy="19091160"/>
           </a:xfrm>
           <a:prstGeom prst="rect">
             <a:avLst/>
@@ -14149,14 +17345,14 @@
       </p:grpSpPr>
       <p:sp>
         <p:nvSpPr>
-          <p:cNvPr id="338" name="CustomShape 1"/>
+          <p:cNvPr id="421" name="CustomShape 1"/>
           <p:cNvSpPr/>
           <p:nvPr/>
         </p:nvSpPr>
         <p:spPr>
           <a:xfrm>
             <a:off x="2194560" y="1313280"/>
-            <a:ext cx="39501000" cy="5496480"/>
+            <a:ext cx="39500640" cy="5496120"/>
           </a:xfrm>
           <a:prstGeom prst="rect">
             <a:avLst/>
@@ -14169,14 +17365,14 @@
       </p:sp>
       <p:sp>
         <p:nvSpPr>
-          <p:cNvPr id="339" name="CustomShape 2"/>
+          <p:cNvPr id="422" name="CustomShape 2"/>
           <p:cNvSpPr/>
           <p:nvPr/>
         </p:nvSpPr>
         <p:spPr>
           <a:xfrm>
             <a:off x="2194560" y="7702560"/>
-            <a:ext cx="19275840" cy="19091520"/>
+            <a:ext cx="19275480" cy="19091160"/>
           </a:xfrm>
           <a:prstGeom prst="rect">
             <a:avLst/>
@@ -14189,14 +17385,14 @@
       </p:sp>
       <p:sp>
         <p:nvSpPr>
-          <p:cNvPr id="340" name="CustomShape 3"/>
+          <p:cNvPr id="423" name="CustomShape 3"/>
           <p:cNvSpPr/>
           <p:nvPr/>
         </p:nvSpPr>
         <p:spPr>
           <a:xfrm>
             <a:off x="22435200" y="7702560"/>
-            <a:ext cx="19275840" cy="9106200"/>
+            <a:ext cx="19275480" cy="9105840"/>
           </a:xfrm>
           <a:prstGeom prst="rect">
             <a:avLst/>
@@ -14209,14 +17405,14 @@
       </p:sp>
       <p:sp>
         <p:nvSpPr>
-          <p:cNvPr id="341" name="CustomShape 4"/>
+          <p:cNvPr id="424" name="CustomShape 4"/>
           <p:cNvSpPr/>
           <p:nvPr/>
         </p:nvSpPr>
         <p:spPr>
           <a:xfrm>
             <a:off x="22435200" y="17674920"/>
-            <a:ext cx="19275840" cy="9106200"/>
+            <a:ext cx="19275480" cy="9105840"/>
           </a:xfrm>
           <a:prstGeom prst="rect">
             <a:avLst/>
@@ -14251,14 +17447,14 @@
       </p:grpSpPr>
       <p:sp>
         <p:nvSpPr>
-          <p:cNvPr id="342" name="CustomShape 1"/>
+          <p:cNvPr id="425" name="CustomShape 1"/>
           <p:cNvSpPr/>
           <p:nvPr/>
         </p:nvSpPr>
         <p:spPr>
           <a:xfrm>
             <a:off x="2194560" y="1313280"/>
-            <a:ext cx="39501000" cy="5496480"/>
+            <a:ext cx="39500640" cy="5496120"/>
           </a:xfrm>
           <a:prstGeom prst="rect">
             <a:avLst/>
@@ -14271,14 +17467,14 @@
       </p:sp>
       <p:sp>
         <p:nvSpPr>
-          <p:cNvPr id="343" name="CustomShape 2"/>
+          <p:cNvPr id="426" name="CustomShape 2"/>
           <p:cNvSpPr/>
           <p:nvPr/>
         </p:nvSpPr>
         <p:spPr>
           <a:xfrm>
             <a:off x="2194560" y="7702560"/>
-            <a:ext cx="19275840" cy="9106200"/>
+            <a:ext cx="19275480" cy="9105840"/>
           </a:xfrm>
           <a:prstGeom prst="rect">
             <a:avLst/>
@@ -14291,14 +17487,14 @@
       </p:sp>
       <p:sp>
         <p:nvSpPr>
-          <p:cNvPr id="344" name="CustomShape 3"/>
+          <p:cNvPr id="427" name="CustomShape 3"/>
           <p:cNvSpPr/>
           <p:nvPr/>
         </p:nvSpPr>
         <p:spPr>
           <a:xfrm>
             <a:off x="22435200" y="7702560"/>
-            <a:ext cx="19275840" cy="9106200"/>
+            <a:ext cx="19275480" cy="9105840"/>
           </a:xfrm>
           <a:prstGeom prst="rect">
             <a:avLst/>
@@ -14311,14 +17507,14 @@
       </p:sp>
       <p:sp>
         <p:nvSpPr>
-          <p:cNvPr id="345" name="CustomShape 4"/>
+          <p:cNvPr id="428" name="CustomShape 4"/>
           <p:cNvSpPr/>
           <p:nvPr/>
         </p:nvSpPr>
         <p:spPr>
           <a:xfrm>
             <a:off x="2194560" y="17674920"/>
-            <a:ext cx="39501000" cy="9106200"/>
+            <a:ext cx="39500640" cy="9105840"/>
           </a:xfrm>
           <a:prstGeom prst="rect">
             <a:avLst/>
@@ -14353,14 +17549,14 @@
       </p:grpSpPr>
       <p:sp>
         <p:nvSpPr>
-          <p:cNvPr id="346" name="CustomShape 1"/>
+          <p:cNvPr id="429" name="CustomShape 1"/>
           <p:cNvSpPr/>
           <p:nvPr/>
         </p:nvSpPr>
         <p:spPr>
           <a:xfrm>
             <a:off x="2194560" y="1313280"/>
-            <a:ext cx="39501000" cy="5496480"/>
+            <a:ext cx="39500640" cy="5496120"/>
           </a:xfrm>
           <a:prstGeom prst="rect">
             <a:avLst/>
@@ -14373,14 +17569,14 @@
       </p:sp>
       <p:sp>
         <p:nvSpPr>
-          <p:cNvPr id="347" name="CustomShape 2"/>
+          <p:cNvPr id="430" name="CustomShape 2"/>
           <p:cNvSpPr/>
           <p:nvPr/>
         </p:nvSpPr>
         <p:spPr>
           <a:xfrm>
             <a:off x="2194560" y="7702560"/>
-            <a:ext cx="39501000" cy="9106200"/>
+            <a:ext cx="39500640" cy="9105840"/>
           </a:xfrm>
           <a:prstGeom prst="rect">
             <a:avLst/>
@@ -14393,14 +17589,14 @@
       </p:sp>
       <p:sp>
         <p:nvSpPr>
-          <p:cNvPr id="348" name="CustomShape 3"/>
+          <p:cNvPr id="431" name="CustomShape 3"/>
           <p:cNvSpPr/>
           <p:nvPr/>
         </p:nvSpPr>
         <p:spPr>
           <a:xfrm>
             <a:off x="2194560" y="17674920"/>
-            <a:ext cx="39501000" cy="9106200"/>
+            <a:ext cx="39500640" cy="9105840"/>
           </a:xfrm>
           <a:prstGeom prst="rect">
             <a:avLst/>
@@ -14435,14 +17631,14 @@
       </p:grpSpPr>
       <p:sp>
         <p:nvSpPr>
-          <p:cNvPr id="349" name="CustomShape 1"/>
+          <p:cNvPr id="432" name="CustomShape 1"/>
           <p:cNvSpPr/>
           <p:nvPr/>
         </p:nvSpPr>
         <p:spPr>
           <a:xfrm>
             <a:off x="2194560" y="1313280"/>
-            <a:ext cx="39501000" cy="5496480"/>
+            <a:ext cx="39500640" cy="5496120"/>
           </a:xfrm>
           <a:prstGeom prst="rect">
             <a:avLst/>
@@ -14455,14 +17651,14 @@
       </p:sp>
       <p:sp>
         <p:nvSpPr>
-          <p:cNvPr id="350" name="CustomShape 2"/>
+          <p:cNvPr id="433" name="CustomShape 2"/>
           <p:cNvSpPr/>
           <p:nvPr/>
         </p:nvSpPr>
         <p:spPr>
           <a:xfrm>
             <a:off x="2194560" y="7702560"/>
-            <a:ext cx="19275840" cy="9106200"/>
+            <a:ext cx="19275480" cy="9105840"/>
           </a:xfrm>
           <a:prstGeom prst="rect">
             <a:avLst/>
@@ -14475,14 +17671,14 @@
       </p:sp>
       <p:sp>
         <p:nvSpPr>
-          <p:cNvPr id="351" name="CustomShape 3"/>
+          <p:cNvPr id="434" name="CustomShape 3"/>
           <p:cNvSpPr/>
           <p:nvPr/>
         </p:nvSpPr>
         <p:spPr>
           <a:xfrm>
             <a:off x="22435200" y="7702560"/>
-            <a:ext cx="19275840" cy="9106200"/>
+            <a:ext cx="19275480" cy="9105840"/>
           </a:xfrm>
           <a:prstGeom prst="rect">
             <a:avLst/>
@@ -14495,14 +17691,14 @@
       </p:sp>
       <p:sp>
         <p:nvSpPr>
-          <p:cNvPr id="352" name="CustomShape 4"/>
+          <p:cNvPr id="435" name="CustomShape 4"/>
           <p:cNvSpPr/>
           <p:nvPr/>
         </p:nvSpPr>
         <p:spPr>
           <a:xfrm>
             <a:off x="22435200" y="17674920"/>
-            <a:ext cx="19275840" cy="9106200"/>
+            <a:ext cx="19275480" cy="9105840"/>
           </a:xfrm>
           <a:prstGeom prst="rect">
             <a:avLst/>
@@ -14515,14 +17711,14 @@
       </p:sp>
       <p:sp>
         <p:nvSpPr>
-          <p:cNvPr id="353" name="CustomShape 5"/>
+          <p:cNvPr id="436" name="CustomShape 5"/>
           <p:cNvSpPr/>
           <p:nvPr/>
         </p:nvSpPr>
         <p:spPr>
           <a:xfrm>
             <a:off x="2194560" y="17674920"/>
-            <a:ext cx="19275840" cy="9106200"/>
+            <a:ext cx="19275480" cy="9105840"/>
           </a:xfrm>
           <a:prstGeom prst="rect">
             <a:avLst/>
@@ -14557,14 +17753,14 @@
       </p:grpSpPr>
       <p:sp>
         <p:nvSpPr>
-          <p:cNvPr id="354" name="CustomShape 1"/>
+          <p:cNvPr id="437" name="CustomShape 1"/>
           <p:cNvSpPr/>
           <p:nvPr/>
         </p:nvSpPr>
         <p:spPr>
           <a:xfrm>
             <a:off x="2194560" y="1313280"/>
-            <a:ext cx="39501000" cy="5496480"/>
+            <a:ext cx="39500640" cy="5496120"/>
           </a:xfrm>
           <a:prstGeom prst="rect">
             <a:avLst/>
@@ -14577,14 +17773,14 @@
       </p:sp>
       <p:sp>
         <p:nvSpPr>
-          <p:cNvPr id="355" name="CustomShape 2"/>
+          <p:cNvPr id="438" name="CustomShape 2"/>
           <p:cNvSpPr/>
           <p:nvPr/>
         </p:nvSpPr>
         <p:spPr>
           <a:xfrm>
             <a:off x="2194560" y="7702560"/>
-            <a:ext cx="39501000" cy="19091520"/>
+            <a:ext cx="39500640" cy="19091160"/>
           </a:xfrm>
           <a:prstGeom prst="rect">
             <a:avLst/>
@@ -14597,14 +17793,14 @@
       </p:sp>
       <p:sp>
         <p:nvSpPr>
-          <p:cNvPr id="356" name="CustomShape 3"/>
+          <p:cNvPr id="439" name="CustomShape 3"/>
           <p:cNvSpPr/>
           <p:nvPr/>
         </p:nvSpPr>
         <p:spPr>
           <a:xfrm>
             <a:off x="2194560" y="7702560"/>
-            <a:ext cx="39501000" cy="19091520"/>
+            <a:ext cx="39500640" cy="19091160"/>
           </a:xfrm>
           <a:prstGeom prst="rect">
             <a:avLst/>
@@ -14617,7 +17813,7 @@
       </p:sp>
       <p:pic>
         <p:nvPicPr>
-          <p:cNvPr id="357" name="" descr=""/>
+          <p:cNvPr id="440" name="" descr=""/>
           <p:cNvPicPr/>
           <p:nvPr/>
         </p:nvPicPr>
@@ -14630,7 +17826,7 @@
         <p:spPr>
           <a:xfrm>
             <a:off x="9980640" y="7702560"/>
-            <a:ext cx="23928120" cy="19091520"/>
+            <a:ext cx="23927760" cy="19091160"/>
           </a:xfrm>
           <a:prstGeom prst="rect">
             <a:avLst/>
@@ -14642,7 +17838,7 @@
       </p:pic>
       <p:pic>
         <p:nvPicPr>
-          <p:cNvPr id="358" name="" descr=""/>
+          <p:cNvPr id="441" name="" descr=""/>
           <p:cNvPicPr/>
           <p:nvPr/>
         </p:nvPicPr>
@@ -14655,7 +17851,7 @@
         <p:spPr>
           <a:xfrm>
             <a:off x="9980640" y="7702560"/>
-            <a:ext cx="23928120" cy="19091520"/>
+            <a:ext cx="23927760" cy="19091160"/>
           </a:xfrm>
           <a:prstGeom prst="rect">
             <a:avLst/>
@@ -14689,114 +17885,103 @@
       </p:grpSpPr>
       <p:sp>
         <p:nvSpPr>
-          <p:cNvPr id="359" name="TextShape 1"/>
-          <p:cNvSpPr txBox="1"/>
+          <p:cNvPr id="442" name="CustomShape 1"/>
+          <p:cNvSpPr/>
           <p:nvPr/>
         </p:nvSpPr>
         <p:spPr>
           <a:xfrm>
             <a:off x="2194560" y="1313280"/>
-            <a:ext cx="39501720" cy="5497200"/>
-          </a:xfrm>
-          <a:prstGeom prst="rect">
-            <a:avLst/>
-          </a:prstGeom>
-        </p:spPr>
-        <p:txBody>
-          <a:bodyPr lIns="0" rIns="0" tIns="0" bIns="0" anchor="ctr"/>
-          <a:p>
-            <a:pPr algn="ctr"/>
-            <a:endParaRPr/>
-          </a:p>
-        </p:txBody>
-      </p:sp>
-      <p:sp>
-        <p:nvSpPr>
-          <p:cNvPr id="360" name="TextShape 2"/>
-          <p:cNvSpPr txBox="1"/>
+            <a:ext cx="39501360" cy="5496840"/>
+          </a:xfrm>
+          <a:prstGeom prst="rect">
+            <a:avLst/>
+          </a:prstGeom>
+          <a:noFill/>
+          <a:ln>
+            <a:noFill/>
+          </a:ln>
+        </p:spPr>
+      </p:sp>
+      <p:sp>
+        <p:nvSpPr>
+          <p:cNvPr id="443" name="CustomShape 2"/>
+          <p:cNvSpPr/>
           <p:nvPr/>
         </p:nvSpPr>
         <p:spPr>
           <a:xfrm>
             <a:off x="2194560" y="7702560"/>
-            <a:ext cx="19276560" cy="9106920"/>
-          </a:xfrm>
-          <a:prstGeom prst="rect">
-            <a:avLst/>
-          </a:prstGeom>
-        </p:spPr>
-        <p:txBody>
-          <a:bodyPr lIns="0" rIns="0" tIns="0" bIns="0"/>
-          <a:p>
-            <a:endParaRPr/>
-          </a:p>
-        </p:txBody>
-      </p:sp>
-      <p:sp>
-        <p:nvSpPr>
-          <p:cNvPr id="361" name="TextShape 3"/>
-          <p:cNvSpPr txBox="1"/>
+            <a:ext cx="19276200" cy="9106560"/>
+          </a:xfrm>
+          <a:prstGeom prst="rect">
+            <a:avLst/>
+          </a:prstGeom>
+          <a:noFill/>
+          <a:ln>
+            <a:noFill/>
+          </a:ln>
+        </p:spPr>
+      </p:sp>
+      <p:sp>
+        <p:nvSpPr>
+          <p:cNvPr id="444" name="CustomShape 3"/>
+          <p:cNvSpPr/>
           <p:nvPr/>
         </p:nvSpPr>
         <p:spPr>
           <a:xfrm>
             <a:off x="22435200" y="7702560"/>
-            <a:ext cx="19276560" cy="9106920"/>
-          </a:xfrm>
-          <a:prstGeom prst="rect">
-            <a:avLst/>
-          </a:prstGeom>
-        </p:spPr>
-        <p:txBody>
-          <a:bodyPr lIns="0" rIns="0" tIns="0" bIns="0"/>
-          <a:p>
-            <a:endParaRPr/>
-          </a:p>
-        </p:txBody>
-      </p:sp>
-      <p:sp>
-        <p:nvSpPr>
-          <p:cNvPr id="362" name="TextShape 4"/>
-          <p:cNvSpPr txBox="1"/>
+            <a:ext cx="19276200" cy="9106560"/>
+          </a:xfrm>
+          <a:prstGeom prst="rect">
+            <a:avLst/>
+          </a:prstGeom>
+          <a:noFill/>
+          <a:ln>
+            <a:noFill/>
+          </a:ln>
+        </p:spPr>
+      </p:sp>
+      <p:sp>
+        <p:nvSpPr>
+          <p:cNvPr id="445" name="CustomShape 4"/>
+          <p:cNvSpPr/>
           <p:nvPr/>
         </p:nvSpPr>
         <p:spPr>
           <a:xfrm>
             <a:off x="22435200" y="17674920"/>
-            <a:ext cx="19276560" cy="9106920"/>
-          </a:xfrm>
-          <a:prstGeom prst="rect">
-            <a:avLst/>
-          </a:prstGeom>
-        </p:spPr>
-        <p:txBody>
-          <a:bodyPr lIns="0" rIns="0" tIns="0" bIns="0"/>
-          <a:p>
-            <a:endParaRPr/>
-          </a:p>
-        </p:txBody>
-      </p:sp>
-      <p:sp>
-        <p:nvSpPr>
-          <p:cNvPr id="363" name="TextShape 5"/>
-          <p:cNvSpPr txBox="1"/>
+            <a:ext cx="19276200" cy="9106560"/>
+          </a:xfrm>
+          <a:prstGeom prst="rect">
+            <a:avLst/>
+          </a:prstGeom>
+          <a:noFill/>
+          <a:ln>
+            <a:noFill/>
+          </a:ln>
+        </p:spPr>
+      </p:sp>
+      <p:sp>
+        <p:nvSpPr>
+          <p:cNvPr id="446" name="CustomShape 5"/>
+          <p:cNvSpPr/>
           <p:nvPr/>
         </p:nvSpPr>
         <p:spPr>
           <a:xfrm>
             <a:off x="2194560" y="17674920"/>
-            <a:ext cx="19276560" cy="9106920"/>
-          </a:xfrm>
-          <a:prstGeom prst="rect">
-            <a:avLst/>
-          </a:prstGeom>
-        </p:spPr>
-        <p:txBody>
-          <a:bodyPr lIns="0" rIns="0" tIns="0" bIns="0"/>
-          <a:p>
-            <a:endParaRPr/>
-          </a:p>
-        </p:txBody>
+            <a:ext cx="19276200" cy="9106560"/>
+          </a:xfrm>
+          <a:prstGeom prst="rect">
+            <a:avLst/>
+          </a:prstGeom>
+          <a:noFill/>
+          <a:ln>
+            <a:noFill/>
+          </a:ln>
+        </p:spPr>
       </p:sp>
     </p:spTree>
   </p:cSld>
@@ -14804,6 +17989,452 @@
 </file>
 
 <file path=ppt/theme/theme1.xml><?xml version="1.0" encoding="utf-8"?>
+<a:theme xmlns:a="http://schemas.openxmlformats.org/drawingml/2006/main" name="Office Theme">
+  <a:themeElements>
+    <a:clrScheme name="Office">
+      <a:dk1>
+        <a:sysClr val="windowText" lastClr="000000"/>
+      </a:dk1>
+      <a:lt1>
+        <a:sysClr val="window" lastClr="FFFFFF"/>
+      </a:lt1>
+      <a:dk2>
+        <a:srgbClr val="1F497D"/>
+      </a:dk2>
+      <a:lt2>
+        <a:srgbClr val="EEECE1"/>
+      </a:lt2>
+      <a:accent1>
+        <a:srgbClr val="4F81BD"/>
+      </a:accent1>
+      <a:accent2>
+        <a:srgbClr val="C0504D"/>
+      </a:accent2>
+      <a:accent3>
+        <a:srgbClr val="9BBB59"/>
+      </a:accent3>
+      <a:accent4>
+        <a:srgbClr val="8064A2"/>
+      </a:accent4>
+      <a:accent5>
+        <a:srgbClr val="4BACC6"/>
+      </a:accent5>
+      <a:accent6>
+        <a:srgbClr val="F79646"/>
+      </a:accent6>
+      <a:hlink>
+        <a:srgbClr val="0000FF"/>
+      </a:hlink>
+      <a:folHlink>
+        <a:srgbClr val="800080"/>
+      </a:folHlink>
+    </a:clrScheme>
+    <a:fontScheme name="Office">
+      <a:majorFont>
+        <a:latin typeface="Arial"/>
+        <a:ea typeface="DejaVu Sans"/>
+        <a:cs typeface="DejaVu Sans"/>
+      </a:majorFont>
+      <a:minorFont>
+        <a:latin typeface="Arial"/>
+        <a:ea typeface="DejaVu Sans"/>
+        <a:cs typeface="DejaVu Sans"/>
+      </a:minorFont>
+    </a:fontScheme>
+    <a:fmtScheme name="Office">
+      <a:fillStyleLst>
+        <a:solidFill>
+          <a:schemeClr val="phClr"/>
+        </a:solidFill>
+        <a:gradFill rotWithShape="1">
+          <a:gsLst>
+            <a:gs pos="0">
+              <a:schemeClr val="phClr">
+                <a:tint val="50000"/>
+                <a:satMod val="300000"/>
+              </a:schemeClr>
+            </a:gs>
+            <a:gs pos="35000">
+              <a:schemeClr val="phClr">
+                <a:tint val="37000"/>
+                <a:satMod val="300000"/>
+              </a:schemeClr>
+            </a:gs>
+            <a:gs pos="100000">
+              <a:schemeClr val="phClr">
+                <a:tint val="15000"/>
+                <a:satMod val="350000"/>
+              </a:schemeClr>
+            </a:gs>
+          </a:gsLst>
+          <a:lin ang="16200000" scaled="1"/>
+        </a:gradFill>
+        <a:gradFill rotWithShape="1">
+          <a:gsLst>
+            <a:gs pos="0">
+              <a:schemeClr val="phClr">
+                <a:shade val="51000"/>
+                <a:satMod val="130000"/>
+              </a:schemeClr>
+            </a:gs>
+            <a:gs pos="80000">
+              <a:schemeClr val="phClr">
+                <a:shade val="93000"/>
+                <a:satMod val="130000"/>
+              </a:schemeClr>
+            </a:gs>
+            <a:gs pos="100000">
+              <a:schemeClr val="phClr">
+                <a:shade val="94000"/>
+                <a:satMod val="135000"/>
+              </a:schemeClr>
+            </a:gs>
+          </a:gsLst>
+          <a:lin ang="16200000" scaled="0"/>
+        </a:gradFill>
+      </a:fillStyleLst>
+      <a:lnStyleLst>
+        <a:ln w="9525" cap="flat" cmpd="sng" algn="ctr">
+          <a:solidFill>
+            <a:schemeClr val="phClr">
+              <a:shade val="95000"/>
+              <a:satMod val="105000"/>
+            </a:schemeClr>
+          </a:solidFill>
+          <a:prstDash val="solid"/>
+        </a:ln>
+        <a:ln w="25400" cap="flat" cmpd="sng" algn="ctr">
+          <a:solidFill>
+            <a:schemeClr val="phClr"/>
+          </a:solidFill>
+          <a:prstDash val="solid"/>
+        </a:ln>
+        <a:ln w="38100" cap="flat" cmpd="sng" algn="ctr">
+          <a:solidFill>
+            <a:schemeClr val="phClr"/>
+          </a:solidFill>
+          <a:prstDash val="solid"/>
+        </a:ln>
+      </a:lnStyleLst>
+      <a:effectStyleLst>
+        <a:effectStyle>
+          <a:effectLst>
+            <a:outerShdw blurRad="40000" dist="20000" dir="5400000" rotWithShape="0">
+              <a:srgbClr val="000000">
+                <a:alpha val="38000"/>
+              </a:srgbClr>
+            </a:outerShdw>
+          </a:effectLst>
+        </a:effectStyle>
+        <a:effectStyle>
+          <a:effectLst>
+            <a:outerShdw blurRad="40000" dist="23000" dir="5400000" rotWithShape="0">
+              <a:srgbClr val="000000">
+                <a:alpha val="35000"/>
+              </a:srgbClr>
+            </a:outerShdw>
+          </a:effectLst>
+        </a:effectStyle>
+        <a:effectStyle>
+          <a:effectLst>
+            <a:outerShdw blurRad="40000" dist="23000" dir="5400000" rotWithShape="0">
+              <a:srgbClr val="000000">
+                <a:alpha val="35000"/>
+              </a:srgbClr>
+            </a:outerShdw>
+          </a:effectLst>
+          <a:scene3d>
+            <a:camera prst="orthographicFront">
+              <a:rot lat="0" lon="0" rev="0"/>
+            </a:camera>
+            <a:lightRig rig="threePt" dir="t">
+              <a:rot lat="0" lon="0" rev="1200000"/>
+            </a:lightRig>
+          </a:scene3d>
+          <a:sp3d>
+            <a:bevelT w="63500" h="25400"/>
+          </a:sp3d>
+        </a:effectStyle>
+      </a:effectStyleLst>
+      <a:bgFillStyleLst>
+        <a:solidFill>
+          <a:schemeClr val="phClr"/>
+        </a:solidFill>
+        <a:gradFill rotWithShape="1">
+          <a:gsLst>
+            <a:gs pos="0">
+              <a:schemeClr val="phClr">
+                <a:tint val="40000"/>
+                <a:satMod val="350000"/>
+              </a:schemeClr>
+            </a:gs>
+            <a:gs pos="40000">
+              <a:schemeClr val="phClr">
+                <a:tint val="45000"/>
+                <a:shade val="99000"/>
+                <a:satMod val="350000"/>
+              </a:schemeClr>
+            </a:gs>
+            <a:gs pos="100000">
+              <a:schemeClr val="phClr">
+                <a:shade val="20000"/>
+                <a:satMod val="255000"/>
+              </a:schemeClr>
+            </a:gs>
+          </a:gsLst>
+          <a:path path="circle">
+            <a:fillToRect l="50000" t="-80000" r="50000" b="180000"/>
+          </a:path>
+        </a:gradFill>
+        <a:gradFill rotWithShape="1">
+          <a:gsLst>
+            <a:gs pos="0">
+              <a:schemeClr val="phClr">
+                <a:tint val="80000"/>
+                <a:satMod val="300000"/>
+              </a:schemeClr>
+            </a:gs>
+            <a:gs pos="100000">
+              <a:schemeClr val="phClr">
+                <a:shade val="30000"/>
+                <a:satMod val="200000"/>
+              </a:schemeClr>
+            </a:gs>
+          </a:gsLst>
+          <a:path path="circle">
+            <a:fillToRect l="50000" t="50000" r="50000" b="50000"/>
+          </a:path>
+        </a:gradFill>
+      </a:bgFillStyleLst>
+    </a:fmtScheme>
+  </a:themeElements>
+</a:theme>
+</file>
+
+<file path=ppt/theme/theme10.xml><?xml version="1.0" encoding="utf-8"?>
+<a:theme xmlns:a="http://schemas.openxmlformats.org/drawingml/2006/main" name="Office Theme">
+  <a:themeElements>
+    <a:clrScheme name="Office">
+      <a:dk1>
+        <a:sysClr val="windowText" lastClr="000000"/>
+      </a:dk1>
+      <a:lt1>
+        <a:sysClr val="window" lastClr="FFFFFF"/>
+      </a:lt1>
+      <a:dk2>
+        <a:srgbClr val="1F497D"/>
+      </a:dk2>
+      <a:lt2>
+        <a:srgbClr val="EEECE1"/>
+      </a:lt2>
+      <a:accent1>
+        <a:srgbClr val="4F81BD"/>
+      </a:accent1>
+      <a:accent2>
+        <a:srgbClr val="C0504D"/>
+      </a:accent2>
+      <a:accent3>
+        <a:srgbClr val="9BBB59"/>
+      </a:accent3>
+      <a:accent4>
+        <a:srgbClr val="8064A2"/>
+      </a:accent4>
+      <a:accent5>
+        <a:srgbClr val="4BACC6"/>
+      </a:accent5>
+      <a:accent6>
+        <a:srgbClr val="F79646"/>
+      </a:accent6>
+      <a:hlink>
+        <a:srgbClr val="0000FF"/>
+      </a:hlink>
+      <a:folHlink>
+        <a:srgbClr val="800080"/>
+      </a:folHlink>
+    </a:clrScheme>
+    <a:fontScheme name="Office">
+      <a:majorFont>
+        <a:latin typeface="Arial"/>
+        <a:ea typeface="DejaVu Sans"/>
+        <a:cs typeface="DejaVu Sans"/>
+      </a:majorFont>
+      <a:minorFont>
+        <a:latin typeface="Arial"/>
+        <a:ea typeface="DejaVu Sans"/>
+        <a:cs typeface="DejaVu Sans"/>
+      </a:minorFont>
+    </a:fontScheme>
+    <a:fmtScheme name="Office">
+      <a:fillStyleLst>
+        <a:solidFill>
+          <a:schemeClr val="phClr"/>
+        </a:solidFill>
+        <a:gradFill rotWithShape="1">
+          <a:gsLst>
+            <a:gs pos="0">
+              <a:schemeClr val="phClr">
+                <a:tint val="50000"/>
+                <a:satMod val="300000"/>
+              </a:schemeClr>
+            </a:gs>
+            <a:gs pos="35000">
+              <a:schemeClr val="phClr">
+                <a:tint val="37000"/>
+                <a:satMod val="300000"/>
+              </a:schemeClr>
+            </a:gs>
+            <a:gs pos="100000">
+              <a:schemeClr val="phClr">
+                <a:tint val="15000"/>
+                <a:satMod val="350000"/>
+              </a:schemeClr>
+            </a:gs>
+          </a:gsLst>
+          <a:lin ang="16200000" scaled="1"/>
+        </a:gradFill>
+        <a:gradFill rotWithShape="1">
+          <a:gsLst>
+            <a:gs pos="0">
+              <a:schemeClr val="phClr">
+                <a:shade val="51000"/>
+                <a:satMod val="130000"/>
+              </a:schemeClr>
+            </a:gs>
+            <a:gs pos="80000">
+              <a:schemeClr val="phClr">
+                <a:shade val="93000"/>
+                <a:satMod val="130000"/>
+              </a:schemeClr>
+            </a:gs>
+            <a:gs pos="100000">
+              <a:schemeClr val="phClr">
+                <a:shade val="94000"/>
+                <a:satMod val="135000"/>
+              </a:schemeClr>
+            </a:gs>
+          </a:gsLst>
+          <a:lin ang="16200000" scaled="0"/>
+        </a:gradFill>
+      </a:fillStyleLst>
+      <a:lnStyleLst>
+        <a:ln w="9525" cap="flat" cmpd="sng" algn="ctr">
+          <a:solidFill>
+            <a:schemeClr val="phClr">
+              <a:shade val="95000"/>
+              <a:satMod val="105000"/>
+            </a:schemeClr>
+          </a:solidFill>
+          <a:prstDash val="solid"/>
+        </a:ln>
+        <a:ln w="25400" cap="flat" cmpd="sng" algn="ctr">
+          <a:solidFill>
+            <a:schemeClr val="phClr"/>
+          </a:solidFill>
+          <a:prstDash val="solid"/>
+        </a:ln>
+        <a:ln w="38100" cap="flat" cmpd="sng" algn="ctr">
+          <a:solidFill>
+            <a:schemeClr val="phClr"/>
+          </a:solidFill>
+          <a:prstDash val="solid"/>
+        </a:ln>
+      </a:lnStyleLst>
+      <a:effectStyleLst>
+        <a:effectStyle>
+          <a:effectLst>
+            <a:outerShdw blurRad="40000" dist="20000" dir="5400000" rotWithShape="0">
+              <a:srgbClr val="000000">
+                <a:alpha val="38000"/>
+              </a:srgbClr>
+            </a:outerShdw>
+          </a:effectLst>
+        </a:effectStyle>
+        <a:effectStyle>
+          <a:effectLst>
+            <a:outerShdw blurRad="40000" dist="23000" dir="5400000" rotWithShape="0">
+              <a:srgbClr val="000000">
+                <a:alpha val="35000"/>
+              </a:srgbClr>
+            </a:outerShdw>
+          </a:effectLst>
+        </a:effectStyle>
+        <a:effectStyle>
+          <a:effectLst>
+            <a:outerShdw blurRad="40000" dist="23000" dir="5400000" rotWithShape="0">
+              <a:srgbClr val="000000">
+                <a:alpha val="35000"/>
+              </a:srgbClr>
+            </a:outerShdw>
+          </a:effectLst>
+          <a:scene3d>
+            <a:camera prst="orthographicFront">
+              <a:rot lat="0" lon="0" rev="0"/>
+            </a:camera>
+            <a:lightRig rig="threePt" dir="t">
+              <a:rot lat="0" lon="0" rev="1200000"/>
+            </a:lightRig>
+          </a:scene3d>
+          <a:sp3d>
+            <a:bevelT w="63500" h="25400"/>
+          </a:sp3d>
+        </a:effectStyle>
+      </a:effectStyleLst>
+      <a:bgFillStyleLst>
+        <a:solidFill>
+          <a:schemeClr val="phClr"/>
+        </a:solidFill>
+        <a:gradFill rotWithShape="1">
+          <a:gsLst>
+            <a:gs pos="0">
+              <a:schemeClr val="phClr">
+                <a:tint val="40000"/>
+                <a:satMod val="350000"/>
+              </a:schemeClr>
+            </a:gs>
+            <a:gs pos="40000">
+              <a:schemeClr val="phClr">
+                <a:tint val="45000"/>
+                <a:shade val="99000"/>
+                <a:satMod val="350000"/>
+              </a:schemeClr>
+            </a:gs>
+            <a:gs pos="100000">
+              <a:schemeClr val="phClr">
+                <a:shade val="20000"/>
+                <a:satMod val="255000"/>
+              </a:schemeClr>
+            </a:gs>
+          </a:gsLst>
+          <a:path path="circle">
+            <a:fillToRect l="50000" t="-80000" r="50000" b="180000"/>
+          </a:path>
+        </a:gradFill>
+        <a:gradFill rotWithShape="1">
+          <a:gsLst>
+            <a:gs pos="0">
+              <a:schemeClr val="phClr">
+                <a:tint val="80000"/>
+                <a:satMod val="300000"/>
+              </a:schemeClr>
+            </a:gs>
+            <a:gs pos="100000">
+              <a:schemeClr val="phClr">
+                <a:shade val="30000"/>
+                <a:satMod val="200000"/>
+              </a:schemeClr>
+            </a:gs>
+          </a:gsLst>
+          <a:path path="circle">
+            <a:fillToRect l="50000" t="50000" r="50000" b="50000"/>
+          </a:path>
+        </a:gradFill>
+      </a:bgFillStyleLst>
+    </a:fmtScheme>
+  </a:themeElements>
+</a:theme>
+</file>
+
+<file path=ppt/theme/theme11.xml><?xml version="1.0" encoding="utf-8"?>
 <a:theme xmlns:a="http://schemas.openxmlformats.org/drawingml/2006/main" name="Office Theme">
   <a:themeElements>
     <a:clrScheme name="Office">

--- a/CF_Poster.pptx
+++ b/CF_Poster.pptx
@@ -52,7 +52,7 @@
       </p:grpSpPr>
       <p:sp>
         <p:nvSpPr>
-          <p:cNvPr id="378" name="PlaceHolder 1"/>
+          <p:cNvPr id="377" name="PlaceHolder 1"/>
           <p:cNvSpPr>
             <a:spLocks noGrp="1"/>
           </p:cNvSpPr>
@@ -84,7 +84,7 @@
       </p:sp>
       <p:sp>
         <p:nvSpPr>
-          <p:cNvPr id="379" name="PlaceHolder 2"/>
+          <p:cNvPr id="378" name="PlaceHolder 2"/>
           <p:cNvSpPr>
             <a:spLocks noGrp="1"/>
           </p:cNvSpPr>
@@ -116,7 +116,7 @@
       </p:sp>
       <p:sp>
         <p:nvSpPr>
-          <p:cNvPr id="380" name="PlaceHolder 3"/>
+          <p:cNvPr id="379" name="PlaceHolder 3"/>
           <p:cNvSpPr>
             <a:spLocks noGrp="1"/>
           </p:cNvSpPr>
@@ -149,7 +149,7 @@
       </p:sp>
       <p:sp>
         <p:nvSpPr>
-          <p:cNvPr id="381" name="PlaceHolder 4"/>
+          <p:cNvPr id="380" name="PlaceHolder 4"/>
           <p:cNvSpPr>
             <a:spLocks noGrp="1"/>
           </p:cNvSpPr>
@@ -181,7 +181,7 @@
       </p:sp>
       <p:sp>
         <p:nvSpPr>
-          <p:cNvPr id="382" name="PlaceHolder 5"/>
+          <p:cNvPr id="381" name="PlaceHolder 5"/>
           <p:cNvSpPr>
             <a:spLocks noGrp="1"/>
           </p:cNvSpPr>
@@ -202,7 +202,7 @@
           <a:bodyPr lIns="0" rIns="0" tIns="0" bIns="0" anchor="b"/>
           <a:p>
             <a:pPr algn="r"/>
-            <a:fld id="{1A405FB2-5DEA-4B3C-B6EE-702863F911ED}" type="slidenum">
+            <a:fld id="{7ACDAFBB-3AD2-4FF9-9ECA-0A29DDE58DB5}" type="slidenum">
               <a:rPr lang="en-US" sz="1400">
                 <a:latin typeface="Times New Roman"/>
               </a:rPr>
@@ -237,14 +237,14 @@
       </p:grpSpPr>
       <p:sp>
         <p:nvSpPr>
-          <p:cNvPr id="452" name="CustomShape 1"/>
+          <p:cNvPr id="451" name="CustomShape 1"/>
           <p:cNvSpPr/>
           <p:nvPr/>
         </p:nvSpPr>
         <p:spPr>
           <a:xfrm>
             <a:off x="4143600" y="9119520"/>
-            <a:ext cx="3168360" cy="478440"/>
+            <a:ext cx="3168000" cy="478080"/>
           </a:xfrm>
           <a:prstGeom prst="rect">
             <a:avLst/>
@@ -262,7 +262,7 @@
                 <a:spcPct val="100000"/>
               </a:lnSpc>
             </a:pPr>
-            <a:fld id="{ACF8D02E-A170-448C-AA09-09D12C17825F}" type="slidenum">
+            <a:fld id="{210A6A3F-9A05-4916-969B-56AAAC533D87}" type="slidenum">
               <a:rPr lang="en-US" sz="1200">
                 <a:solidFill>
                   <a:srgbClr val="000000"/>
@@ -278,7 +278,7 @@
       </p:sp>
       <p:sp>
         <p:nvSpPr>
-          <p:cNvPr id="453" name="PlaceHolder 2"/>
+          <p:cNvPr id="452" name="PlaceHolder 2"/>
           <p:cNvSpPr>
             <a:spLocks noGrp="1"/>
           </p:cNvSpPr>
@@ -289,7 +289,7 @@
         <p:spPr>
           <a:xfrm>
             <a:off x="731520" y="4561560"/>
-            <a:ext cx="5850720" cy="4318920"/>
+            <a:ext cx="5850360" cy="4318560"/>
           </a:xfrm>
           <a:prstGeom prst="rect">
             <a:avLst/>
@@ -359,7 +359,7 @@
         <p:spPr>
           <a:xfrm>
             <a:off x="2194560" y="1313280"/>
-            <a:ext cx="39501360" cy="5497200"/>
+            <a:ext cx="39501720" cy="5497200"/>
           </a:xfrm>
           <a:prstGeom prst="rect">
             <a:avLst/>
@@ -386,7 +386,7 @@
         <p:spPr>
           <a:xfrm>
             <a:off x="2194560" y="7702560"/>
-            <a:ext cx="39501360" cy="9106560"/>
+            <a:ext cx="39501720" cy="9106920"/>
           </a:xfrm>
           <a:prstGeom prst="rect">
             <a:avLst/>
@@ -411,8 +411,8 @@
         </p:nvSpPr>
         <p:spPr>
           <a:xfrm>
-            <a:off x="2194560" y="17674560"/>
-            <a:ext cx="39501360" cy="9106560"/>
+            <a:off x="2194560" y="17674920"/>
+            <a:ext cx="39501720" cy="9106920"/>
           </a:xfrm>
           <a:prstGeom prst="rect">
             <a:avLst/>
@@ -460,7 +460,7 @@
         <p:spPr>
           <a:xfrm>
             <a:off x="2194560" y="1313280"/>
-            <a:ext cx="39501360" cy="5497200"/>
+            <a:ext cx="39501720" cy="5497200"/>
           </a:xfrm>
           <a:prstGeom prst="rect">
             <a:avLst/>
@@ -487,7 +487,7 @@
         <p:spPr>
           <a:xfrm>
             <a:off x="2194560" y="7702560"/>
-            <a:ext cx="19276560" cy="19091880"/>
+            <a:ext cx="19276560" cy="19092240"/>
           </a:xfrm>
           <a:prstGeom prst="rect">
             <a:avLst/>
@@ -513,7 +513,7 @@
         <p:spPr>
           <a:xfrm>
             <a:off x="22435200" y="7702560"/>
-            <a:ext cx="19276560" cy="19091880"/>
+            <a:ext cx="19276560" cy="19092240"/>
           </a:xfrm>
           <a:prstGeom prst="rect">
             <a:avLst/>
@@ -561,7 +561,7 @@
         <p:spPr>
           <a:xfrm>
             <a:off x="2194560" y="1313280"/>
-            <a:ext cx="39501360" cy="5497200"/>
+            <a:ext cx="39501720" cy="5497200"/>
           </a:xfrm>
           <a:prstGeom prst="rect">
             <a:avLst/>
@@ -610,7 +610,7 @@
         <p:spPr>
           <a:xfrm>
             <a:off x="2194560" y="1313280"/>
-            <a:ext cx="39501360" cy="25481880"/>
+            <a:ext cx="39501720" cy="25481880"/>
           </a:xfrm>
           <a:prstGeom prst="rect">
             <a:avLst/>
@@ -659,7 +659,7 @@
         <p:spPr>
           <a:xfrm>
             <a:off x="2194560" y="1313280"/>
-            <a:ext cx="39501360" cy="5497200"/>
+            <a:ext cx="39501720" cy="5497200"/>
           </a:xfrm>
           <a:prstGeom prst="rect">
             <a:avLst/>
@@ -686,7 +686,7 @@
         <p:spPr>
           <a:xfrm>
             <a:off x="2194560" y="7702560"/>
-            <a:ext cx="19276560" cy="9106560"/>
+            <a:ext cx="19276560" cy="9106920"/>
           </a:xfrm>
           <a:prstGeom prst="rect">
             <a:avLst/>
@@ -711,8 +711,8 @@
         </p:nvSpPr>
         <p:spPr>
           <a:xfrm>
-            <a:off x="2194560" y="17674560"/>
-            <a:ext cx="19276560" cy="9106560"/>
+            <a:off x="2194560" y="17674920"/>
+            <a:ext cx="19276560" cy="9106920"/>
           </a:xfrm>
           <a:prstGeom prst="rect">
             <a:avLst/>
@@ -738,7 +738,7 @@
         <p:spPr>
           <a:xfrm>
             <a:off x="22435200" y="7702560"/>
-            <a:ext cx="19276560" cy="19091880"/>
+            <a:ext cx="19276560" cy="19092240"/>
           </a:xfrm>
           <a:prstGeom prst="rect">
             <a:avLst/>
@@ -786,7 +786,7 @@
         <p:spPr>
           <a:xfrm>
             <a:off x="2194560" y="1313280"/>
-            <a:ext cx="39501360" cy="5497200"/>
+            <a:ext cx="39501720" cy="5497200"/>
           </a:xfrm>
           <a:prstGeom prst="rect">
             <a:avLst/>
@@ -813,7 +813,7 @@
         <p:spPr>
           <a:xfrm>
             <a:off x="2194560" y="7702560"/>
-            <a:ext cx="19276560" cy="19091880"/>
+            <a:ext cx="19276560" cy="19092240"/>
           </a:xfrm>
           <a:prstGeom prst="rect">
             <a:avLst/>
@@ -839,7 +839,7 @@
         <p:spPr>
           <a:xfrm>
             <a:off x="22435200" y="7702560"/>
-            <a:ext cx="19276560" cy="9106560"/>
+            <a:ext cx="19276560" cy="9106920"/>
           </a:xfrm>
           <a:prstGeom prst="rect">
             <a:avLst/>
@@ -864,8 +864,8 @@
         </p:nvSpPr>
         <p:spPr>
           <a:xfrm>
-            <a:off x="22435200" y="17674560"/>
-            <a:ext cx="19276560" cy="9106560"/>
+            <a:off x="22435200" y="17674920"/>
+            <a:ext cx="19276560" cy="9106920"/>
           </a:xfrm>
           <a:prstGeom prst="rect">
             <a:avLst/>
@@ -913,7 +913,7 @@
         <p:spPr>
           <a:xfrm>
             <a:off x="2194560" y="1313280"/>
-            <a:ext cx="39501360" cy="5497200"/>
+            <a:ext cx="39501720" cy="5497200"/>
           </a:xfrm>
           <a:prstGeom prst="rect">
             <a:avLst/>
@@ -940,7 +940,7 @@
         <p:spPr>
           <a:xfrm>
             <a:off x="2194560" y="7702560"/>
-            <a:ext cx="19276560" cy="9106560"/>
+            <a:ext cx="19276560" cy="9106920"/>
           </a:xfrm>
           <a:prstGeom prst="rect">
             <a:avLst/>
@@ -966,7 +966,7 @@
         <p:spPr>
           <a:xfrm>
             <a:off x="22435200" y="7702560"/>
-            <a:ext cx="19276560" cy="9106560"/>
+            <a:ext cx="19276560" cy="9106920"/>
           </a:xfrm>
           <a:prstGeom prst="rect">
             <a:avLst/>
@@ -991,8 +991,8 @@
         </p:nvSpPr>
         <p:spPr>
           <a:xfrm>
-            <a:off x="2194560" y="17674560"/>
-            <a:ext cx="39501360" cy="9106560"/>
+            <a:off x="2194560" y="17674920"/>
+            <a:ext cx="39501720" cy="9106920"/>
           </a:xfrm>
           <a:prstGeom prst="rect">
             <a:avLst/>
@@ -1040,7 +1040,7 @@
         <p:spPr>
           <a:xfrm>
             <a:off x="2194560" y="1313280"/>
-            <a:ext cx="39501360" cy="5497200"/>
+            <a:ext cx="39501720" cy="5497200"/>
           </a:xfrm>
           <a:prstGeom prst="rect">
             <a:avLst/>
@@ -1067,7 +1067,7 @@
         <p:spPr>
           <a:xfrm>
             <a:off x="2194560" y="7702560"/>
-            <a:ext cx="39501360" cy="9106560"/>
+            <a:ext cx="39501720" cy="9106920"/>
           </a:xfrm>
           <a:prstGeom prst="rect">
             <a:avLst/>
@@ -1092,8 +1092,8 @@
         </p:nvSpPr>
         <p:spPr>
           <a:xfrm>
-            <a:off x="2194560" y="17674560"/>
-            <a:ext cx="39501360" cy="9106560"/>
+            <a:off x="2194560" y="17674920"/>
+            <a:ext cx="39501720" cy="9106920"/>
           </a:xfrm>
           <a:prstGeom prst="rect">
             <a:avLst/>
@@ -1141,7 +1141,7 @@
         <p:spPr>
           <a:xfrm>
             <a:off x="2194560" y="1313280"/>
-            <a:ext cx="39501360" cy="5497200"/>
+            <a:ext cx="39501720" cy="5497200"/>
           </a:xfrm>
           <a:prstGeom prst="rect">
             <a:avLst/>
@@ -1168,7 +1168,7 @@
         <p:spPr>
           <a:xfrm>
             <a:off x="2194560" y="7702560"/>
-            <a:ext cx="19276560" cy="9106560"/>
+            <a:ext cx="19276560" cy="9106920"/>
           </a:xfrm>
           <a:prstGeom prst="rect">
             <a:avLst/>
@@ -1194,7 +1194,7 @@
         <p:spPr>
           <a:xfrm>
             <a:off x="22435200" y="7702560"/>
-            <a:ext cx="19276560" cy="9106560"/>
+            <a:ext cx="19276560" cy="9106920"/>
           </a:xfrm>
           <a:prstGeom prst="rect">
             <a:avLst/>
@@ -1219,8 +1219,8 @@
         </p:nvSpPr>
         <p:spPr>
           <a:xfrm>
-            <a:off x="22435200" y="17674560"/>
-            <a:ext cx="19276560" cy="9106560"/>
+            <a:off x="22435200" y="17674920"/>
+            <a:ext cx="19276560" cy="9106920"/>
           </a:xfrm>
           <a:prstGeom prst="rect">
             <a:avLst/>
@@ -1245,8 +1245,8 @@
         </p:nvSpPr>
         <p:spPr>
           <a:xfrm>
-            <a:off x="2194560" y="17674560"/>
-            <a:ext cx="19276560" cy="9106560"/>
+            <a:off x="2194560" y="17674920"/>
+            <a:ext cx="19276560" cy="9106920"/>
           </a:xfrm>
           <a:prstGeom prst="rect">
             <a:avLst/>
@@ -1294,7 +1294,7 @@
         <p:spPr>
           <a:xfrm>
             <a:off x="2194560" y="1313280"/>
-            <a:ext cx="39501360" cy="5497200"/>
+            <a:ext cx="39501720" cy="5497200"/>
           </a:xfrm>
           <a:prstGeom prst="rect">
             <a:avLst/>
@@ -1321,7 +1321,7 @@
         <p:spPr>
           <a:xfrm>
             <a:off x="2194560" y="7702560"/>
-            <a:ext cx="39501360" cy="19091880"/>
+            <a:ext cx="39501720" cy="19092240"/>
           </a:xfrm>
           <a:prstGeom prst="rect">
             <a:avLst/>
@@ -1347,7 +1347,7 @@
         <p:spPr>
           <a:xfrm>
             <a:off x="2194560" y="7702560"/>
-            <a:ext cx="39501360" cy="19091880"/>
+            <a:ext cx="39501720" cy="19092240"/>
           </a:xfrm>
           <a:prstGeom prst="rect">
             <a:avLst/>
@@ -1374,8 +1374,8 @@
         </p:blipFill>
         <p:spPr>
           <a:xfrm>
-            <a:off x="9981000" y="7702200"/>
-            <a:ext cx="23928120" cy="19091880"/>
+            <a:off x="9980640" y="7702560"/>
+            <a:ext cx="23928840" cy="19092240"/>
           </a:xfrm>
           <a:prstGeom prst="rect">
             <a:avLst/>
@@ -1399,8 +1399,8 @@
         </p:blipFill>
         <p:spPr>
           <a:xfrm>
-            <a:off x="9981000" y="7702200"/>
-            <a:ext cx="23928120" cy="19091880"/>
+            <a:off x="9980640" y="7702560"/>
+            <a:ext cx="23928840" cy="19092240"/>
           </a:xfrm>
           <a:prstGeom prst="rect">
             <a:avLst/>
@@ -1467,7 +1467,7 @@
         <p:spPr>
           <a:xfrm>
             <a:off x="2194560" y="1313280"/>
-            <a:ext cx="39501360" cy="5497200"/>
+            <a:ext cx="39501720" cy="5497200"/>
           </a:xfrm>
           <a:prstGeom prst="rect">
             <a:avLst/>
@@ -1494,7 +1494,7 @@
         <p:spPr>
           <a:xfrm>
             <a:off x="2194560" y="7702560"/>
-            <a:ext cx="19276560" cy="9106560"/>
+            <a:ext cx="19276560" cy="9106920"/>
           </a:xfrm>
           <a:prstGeom prst="rect">
             <a:avLst/>
@@ -1520,7 +1520,7 @@
         <p:spPr>
           <a:xfrm>
             <a:off x="22435200" y="7702560"/>
-            <a:ext cx="19276560" cy="9106560"/>
+            <a:ext cx="19276560" cy="9106920"/>
           </a:xfrm>
           <a:prstGeom prst="rect">
             <a:avLst/>
@@ -1545,8 +1545,8 @@
         </p:nvSpPr>
         <p:spPr>
           <a:xfrm>
-            <a:off x="22435200" y="17674560"/>
-            <a:ext cx="19276560" cy="9106560"/>
+            <a:off x="22435200" y="17674920"/>
+            <a:ext cx="19276560" cy="9106920"/>
           </a:xfrm>
           <a:prstGeom prst="rect">
             <a:avLst/>
@@ -1571,8 +1571,8 @@
         </p:nvSpPr>
         <p:spPr>
           <a:xfrm>
-            <a:off x="2194560" y="17674560"/>
-            <a:ext cx="19276560" cy="9106560"/>
+            <a:off x="2194560" y="17674920"/>
+            <a:ext cx="19276560" cy="9106920"/>
           </a:xfrm>
           <a:prstGeom prst="rect">
             <a:avLst/>
@@ -1609,7 +1609,7 @@
       </p:grpSpPr>
       <p:sp>
         <p:nvSpPr>
-          <p:cNvPr id="344" name="PlaceHolder 1"/>
+          <p:cNvPr id="343" name="PlaceHolder 1"/>
           <p:cNvSpPr>
             <a:spLocks noGrp="1"/>
           </p:cNvSpPr>
@@ -1620,7 +1620,7 @@
         <p:spPr>
           <a:xfrm>
             <a:off x="2194560" y="1313280"/>
-            <a:ext cx="39501360" cy="5497200"/>
+            <a:ext cx="39501720" cy="5497200"/>
           </a:xfrm>
           <a:prstGeom prst="rect">
             <a:avLst/>
@@ -1636,7 +1636,7 @@
       </p:sp>
       <p:sp>
         <p:nvSpPr>
-          <p:cNvPr id="345" name="PlaceHolder 2"/>
+          <p:cNvPr id="344" name="PlaceHolder 2"/>
           <p:cNvSpPr>
             <a:spLocks noGrp="1"/>
           </p:cNvSpPr>
@@ -1647,7 +1647,7 @@
         <p:spPr>
           <a:xfrm>
             <a:off x="2194560" y="7702560"/>
-            <a:ext cx="39501360" cy="19092240"/>
+            <a:ext cx="39501720" cy="19092600"/>
           </a:xfrm>
           <a:prstGeom prst="rect">
             <a:avLst/>
@@ -1685,7 +1685,7 @@
       </p:grpSpPr>
       <p:sp>
         <p:nvSpPr>
-          <p:cNvPr id="346" name="PlaceHolder 1"/>
+          <p:cNvPr id="345" name="PlaceHolder 1"/>
           <p:cNvSpPr>
             <a:spLocks noGrp="1"/>
           </p:cNvSpPr>
@@ -1696,7 +1696,7 @@
         <p:spPr>
           <a:xfrm>
             <a:off x="2194560" y="1313280"/>
-            <a:ext cx="39501360" cy="5497200"/>
+            <a:ext cx="39501720" cy="5497200"/>
           </a:xfrm>
           <a:prstGeom prst="rect">
             <a:avLst/>
@@ -1712,7 +1712,7 @@
       </p:sp>
       <p:sp>
         <p:nvSpPr>
-          <p:cNvPr id="347" name="PlaceHolder 2"/>
+          <p:cNvPr id="346" name="PlaceHolder 2"/>
           <p:cNvSpPr>
             <a:spLocks noGrp="1"/>
           </p:cNvSpPr>
@@ -1723,7 +1723,7 @@
         <p:spPr>
           <a:xfrm>
             <a:off x="2194560" y="7702560"/>
-            <a:ext cx="39501360" cy="19091880"/>
+            <a:ext cx="39501720" cy="19092240"/>
           </a:xfrm>
           <a:prstGeom prst="rect">
             <a:avLst/>
@@ -1760,7 +1760,7 @@
       </p:grpSpPr>
       <p:sp>
         <p:nvSpPr>
-          <p:cNvPr id="348" name="PlaceHolder 1"/>
+          <p:cNvPr id="347" name="PlaceHolder 1"/>
           <p:cNvSpPr>
             <a:spLocks noGrp="1"/>
           </p:cNvSpPr>
@@ -1771,7 +1771,7 @@
         <p:spPr>
           <a:xfrm>
             <a:off x="2194560" y="1313280"/>
-            <a:ext cx="39501360" cy="5497200"/>
+            <a:ext cx="39501720" cy="5497200"/>
           </a:xfrm>
           <a:prstGeom prst="rect">
             <a:avLst/>
@@ -1787,7 +1787,7 @@
       </p:sp>
       <p:sp>
         <p:nvSpPr>
-          <p:cNvPr id="349" name="PlaceHolder 2"/>
+          <p:cNvPr id="348" name="PlaceHolder 2"/>
           <p:cNvSpPr>
             <a:spLocks noGrp="1"/>
           </p:cNvSpPr>
@@ -1798,22 +1798,22 @@
         <p:spPr>
           <a:xfrm>
             <a:off x="2194560" y="7702560"/>
-            <a:ext cx="19276560" cy="19091880"/>
-          </a:xfrm>
-          <a:prstGeom prst="rect">
-            <a:avLst/>
-          </a:prstGeom>
-        </p:spPr>
-        <p:txBody>
-          <a:bodyPr lIns="0" rIns="0" tIns="0" bIns="0"/>
-          <a:p>
-            <a:endParaRPr/>
-          </a:p>
-        </p:txBody>
-      </p:sp>
-      <p:sp>
-        <p:nvSpPr>
-          <p:cNvPr id="350" name="PlaceHolder 3"/>
+            <a:ext cx="19276560" cy="19092240"/>
+          </a:xfrm>
+          <a:prstGeom prst="rect">
+            <a:avLst/>
+          </a:prstGeom>
+        </p:spPr>
+        <p:txBody>
+          <a:bodyPr lIns="0" rIns="0" tIns="0" bIns="0"/>
+          <a:p>
+            <a:endParaRPr/>
+          </a:p>
+        </p:txBody>
+      </p:sp>
+      <p:sp>
+        <p:nvSpPr>
+          <p:cNvPr id="349" name="PlaceHolder 3"/>
           <p:cNvSpPr>
             <a:spLocks noGrp="1"/>
           </p:cNvSpPr>
@@ -1824,7 +1824,7 @@
         <p:spPr>
           <a:xfrm>
             <a:off x="22435200" y="7702560"/>
-            <a:ext cx="19276560" cy="19091880"/>
+            <a:ext cx="19276560" cy="19092240"/>
           </a:xfrm>
           <a:prstGeom prst="rect">
             <a:avLst/>
@@ -1861,7 +1861,7 @@
       </p:grpSpPr>
       <p:sp>
         <p:nvSpPr>
-          <p:cNvPr id="351" name="PlaceHolder 1"/>
+          <p:cNvPr id="350" name="PlaceHolder 1"/>
           <p:cNvSpPr>
             <a:spLocks noGrp="1"/>
           </p:cNvSpPr>
@@ -1872,7 +1872,7 @@
         <p:spPr>
           <a:xfrm>
             <a:off x="2194560" y="1313280"/>
-            <a:ext cx="39501360" cy="5497200"/>
+            <a:ext cx="39501720" cy="5497200"/>
           </a:xfrm>
           <a:prstGeom prst="rect">
             <a:avLst/>
@@ -1910,7 +1910,7 @@
       </p:grpSpPr>
       <p:sp>
         <p:nvSpPr>
-          <p:cNvPr id="352" name="PlaceHolder 1"/>
+          <p:cNvPr id="351" name="PlaceHolder 1"/>
           <p:cNvSpPr>
             <a:spLocks noGrp="1"/>
           </p:cNvSpPr>
@@ -1921,7 +1921,7 @@
         <p:spPr>
           <a:xfrm>
             <a:off x="2194560" y="1313280"/>
-            <a:ext cx="39501360" cy="25481880"/>
+            <a:ext cx="39501720" cy="25481880"/>
           </a:xfrm>
           <a:prstGeom prst="rect">
             <a:avLst/>
@@ -1959,7 +1959,7 @@
       </p:grpSpPr>
       <p:sp>
         <p:nvSpPr>
-          <p:cNvPr id="353" name="PlaceHolder 1"/>
+          <p:cNvPr id="352" name="PlaceHolder 1"/>
           <p:cNvSpPr>
             <a:spLocks noGrp="1"/>
           </p:cNvSpPr>
@@ -1970,7 +1970,7 @@
         <p:spPr>
           <a:xfrm>
             <a:off x="2194560" y="1313280"/>
-            <a:ext cx="39501360" cy="5497200"/>
+            <a:ext cx="39501720" cy="5497200"/>
           </a:xfrm>
           <a:prstGeom prst="rect">
             <a:avLst/>
@@ -1986,7 +1986,7 @@
       </p:sp>
       <p:sp>
         <p:nvSpPr>
-          <p:cNvPr id="354" name="PlaceHolder 2"/>
+          <p:cNvPr id="353" name="PlaceHolder 2"/>
           <p:cNvSpPr>
             <a:spLocks noGrp="1"/>
           </p:cNvSpPr>
@@ -1997,48 +1997,48 @@
         <p:spPr>
           <a:xfrm>
             <a:off x="2194560" y="7702560"/>
-            <a:ext cx="19276560" cy="9106560"/>
-          </a:xfrm>
-          <a:prstGeom prst="rect">
-            <a:avLst/>
-          </a:prstGeom>
-        </p:spPr>
-        <p:txBody>
-          <a:bodyPr lIns="0" rIns="0" tIns="0" bIns="0"/>
-          <a:p>
-            <a:endParaRPr/>
-          </a:p>
-        </p:txBody>
-      </p:sp>
-      <p:sp>
-        <p:nvSpPr>
-          <p:cNvPr id="355" name="PlaceHolder 3"/>
-          <p:cNvSpPr>
-            <a:spLocks noGrp="1"/>
-          </p:cNvSpPr>
-          <p:nvPr>
-            <p:ph type="body"/>
-          </p:nvPr>
-        </p:nvSpPr>
-        <p:spPr>
-          <a:xfrm>
-            <a:off x="2194560" y="17674560"/>
-            <a:ext cx="19276560" cy="9106560"/>
-          </a:xfrm>
-          <a:prstGeom prst="rect">
-            <a:avLst/>
-          </a:prstGeom>
-        </p:spPr>
-        <p:txBody>
-          <a:bodyPr lIns="0" rIns="0" tIns="0" bIns="0"/>
-          <a:p>
-            <a:endParaRPr/>
-          </a:p>
-        </p:txBody>
-      </p:sp>
-      <p:sp>
-        <p:nvSpPr>
-          <p:cNvPr id="356" name="PlaceHolder 4"/>
+            <a:ext cx="19276560" cy="9106920"/>
+          </a:xfrm>
+          <a:prstGeom prst="rect">
+            <a:avLst/>
+          </a:prstGeom>
+        </p:spPr>
+        <p:txBody>
+          <a:bodyPr lIns="0" rIns="0" tIns="0" bIns="0"/>
+          <a:p>
+            <a:endParaRPr/>
+          </a:p>
+        </p:txBody>
+      </p:sp>
+      <p:sp>
+        <p:nvSpPr>
+          <p:cNvPr id="354" name="PlaceHolder 3"/>
+          <p:cNvSpPr>
+            <a:spLocks noGrp="1"/>
+          </p:cNvSpPr>
+          <p:nvPr>
+            <p:ph type="body"/>
+          </p:nvPr>
+        </p:nvSpPr>
+        <p:spPr>
+          <a:xfrm>
+            <a:off x="2194560" y="17674920"/>
+            <a:ext cx="19276560" cy="9106920"/>
+          </a:xfrm>
+          <a:prstGeom prst="rect">
+            <a:avLst/>
+          </a:prstGeom>
+        </p:spPr>
+        <p:txBody>
+          <a:bodyPr lIns="0" rIns="0" tIns="0" bIns="0"/>
+          <a:p>
+            <a:endParaRPr/>
+          </a:p>
+        </p:txBody>
+      </p:sp>
+      <p:sp>
+        <p:nvSpPr>
+          <p:cNvPr id="355" name="PlaceHolder 4"/>
           <p:cNvSpPr>
             <a:spLocks noGrp="1"/>
           </p:cNvSpPr>
@@ -2049,7 +2049,7 @@
         <p:spPr>
           <a:xfrm>
             <a:off x="22435200" y="7702560"/>
-            <a:ext cx="19276560" cy="19091880"/>
+            <a:ext cx="19276560" cy="19092240"/>
           </a:xfrm>
           <a:prstGeom prst="rect">
             <a:avLst/>
@@ -2086,7 +2086,7 @@
       </p:grpSpPr>
       <p:sp>
         <p:nvSpPr>
-          <p:cNvPr id="357" name="PlaceHolder 1"/>
+          <p:cNvPr id="356" name="PlaceHolder 1"/>
           <p:cNvSpPr>
             <a:spLocks noGrp="1"/>
           </p:cNvSpPr>
@@ -2097,7 +2097,7 @@
         <p:spPr>
           <a:xfrm>
             <a:off x="2194560" y="1313280"/>
-            <a:ext cx="39501360" cy="5497200"/>
+            <a:ext cx="39501720" cy="5497200"/>
           </a:xfrm>
           <a:prstGeom prst="rect">
             <a:avLst/>
@@ -2113,7 +2113,7 @@
       </p:sp>
       <p:sp>
         <p:nvSpPr>
-          <p:cNvPr id="358" name="PlaceHolder 2"/>
+          <p:cNvPr id="357" name="PlaceHolder 2"/>
           <p:cNvSpPr>
             <a:spLocks noGrp="1"/>
           </p:cNvSpPr>
@@ -2124,22 +2124,22 @@
         <p:spPr>
           <a:xfrm>
             <a:off x="2194560" y="7702560"/>
-            <a:ext cx="19276560" cy="19091880"/>
-          </a:xfrm>
-          <a:prstGeom prst="rect">
-            <a:avLst/>
-          </a:prstGeom>
-        </p:spPr>
-        <p:txBody>
-          <a:bodyPr lIns="0" rIns="0" tIns="0" bIns="0"/>
-          <a:p>
-            <a:endParaRPr/>
-          </a:p>
-        </p:txBody>
-      </p:sp>
-      <p:sp>
-        <p:nvSpPr>
-          <p:cNvPr id="359" name="PlaceHolder 3"/>
+            <a:ext cx="19276560" cy="19092240"/>
+          </a:xfrm>
+          <a:prstGeom prst="rect">
+            <a:avLst/>
+          </a:prstGeom>
+        </p:spPr>
+        <p:txBody>
+          <a:bodyPr lIns="0" rIns="0" tIns="0" bIns="0"/>
+          <a:p>
+            <a:endParaRPr/>
+          </a:p>
+        </p:txBody>
+      </p:sp>
+      <p:sp>
+        <p:nvSpPr>
+          <p:cNvPr id="358" name="PlaceHolder 3"/>
           <p:cNvSpPr>
             <a:spLocks noGrp="1"/>
           </p:cNvSpPr>
@@ -2150,33 +2150,33 @@
         <p:spPr>
           <a:xfrm>
             <a:off x="22435200" y="7702560"/>
-            <a:ext cx="19276560" cy="9106560"/>
-          </a:xfrm>
-          <a:prstGeom prst="rect">
-            <a:avLst/>
-          </a:prstGeom>
-        </p:spPr>
-        <p:txBody>
-          <a:bodyPr lIns="0" rIns="0" tIns="0" bIns="0"/>
-          <a:p>
-            <a:endParaRPr/>
-          </a:p>
-        </p:txBody>
-      </p:sp>
-      <p:sp>
-        <p:nvSpPr>
-          <p:cNvPr id="360" name="PlaceHolder 4"/>
-          <p:cNvSpPr>
-            <a:spLocks noGrp="1"/>
-          </p:cNvSpPr>
-          <p:nvPr>
-            <p:ph type="body"/>
-          </p:nvPr>
-        </p:nvSpPr>
-        <p:spPr>
-          <a:xfrm>
-            <a:off x="22435200" y="17674560"/>
-            <a:ext cx="19276560" cy="9106560"/>
+            <a:ext cx="19276560" cy="9106920"/>
+          </a:xfrm>
+          <a:prstGeom prst="rect">
+            <a:avLst/>
+          </a:prstGeom>
+        </p:spPr>
+        <p:txBody>
+          <a:bodyPr lIns="0" rIns="0" tIns="0" bIns="0"/>
+          <a:p>
+            <a:endParaRPr/>
+          </a:p>
+        </p:txBody>
+      </p:sp>
+      <p:sp>
+        <p:nvSpPr>
+          <p:cNvPr id="359" name="PlaceHolder 4"/>
+          <p:cNvSpPr>
+            <a:spLocks noGrp="1"/>
+          </p:cNvSpPr>
+          <p:nvPr>
+            <p:ph type="body"/>
+          </p:nvPr>
+        </p:nvSpPr>
+        <p:spPr>
+          <a:xfrm>
+            <a:off x="22435200" y="17674920"/>
+            <a:ext cx="19276560" cy="9106920"/>
           </a:xfrm>
           <a:prstGeom prst="rect">
             <a:avLst/>
@@ -2213,7 +2213,7 @@
       </p:grpSpPr>
       <p:sp>
         <p:nvSpPr>
-          <p:cNvPr id="361" name="PlaceHolder 1"/>
+          <p:cNvPr id="360" name="PlaceHolder 1"/>
           <p:cNvSpPr>
             <a:spLocks noGrp="1"/>
           </p:cNvSpPr>
@@ -2224,7 +2224,7 @@
         <p:spPr>
           <a:xfrm>
             <a:off x="2194560" y="1313280"/>
-            <a:ext cx="39501360" cy="5497200"/>
+            <a:ext cx="39501720" cy="5497200"/>
           </a:xfrm>
           <a:prstGeom prst="rect">
             <a:avLst/>
@@ -2240,7 +2240,7 @@
       </p:sp>
       <p:sp>
         <p:nvSpPr>
-          <p:cNvPr id="362" name="PlaceHolder 2"/>
+          <p:cNvPr id="361" name="PlaceHolder 2"/>
           <p:cNvSpPr>
             <a:spLocks noGrp="1"/>
           </p:cNvSpPr>
@@ -2251,22 +2251,22 @@
         <p:spPr>
           <a:xfrm>
             <a:off x="2194560" y="7702560"/>
-            <a:ext cx="19276560" cy="9106560"/>
-          </a:xfrm>
-          <a:prstGeom prst="rect">
-            <a:avLst/>
-          </a:prstGeom>
-        </p:spPr>
-        <p:txBody>
-          <a:bodyPr lIns="0" rIns="0" tIns="0" bIns="0"/>
-          <a:p>
-            <a:endParaRPr/>
-          </a:p>
-        </p:txBody>
-      </p:sp>
-      <p:sp>
-        <p:nvSpPr>
-          <p:cNvPr id="363" name="PlaceHolder 3"/>
+            <a:ext cx="19276560" cy="9106920"/>
+          </a:xfrm>
+          <a:prstGeom prst="rect">
+            <a:avLst/>
+          </a:prstGeom>
+        </p:spPr>
+        <p:txBody>
+          <a:bodyPr lIns="0" rIns="0" tIns="0" bIns="0"/>
+          <a:p>
+            <a:endParaRPr/>
+          </a:p>
+        </p:txBody>
+      </p:sp>
+      <p:sp>
+        <p:nvSpPr>
+          <p:cNvPr id="362" name="PlaceHolder 3"/>
           <p:cNvSpPr>
             <a:spLocks noGrp="1"/>
           </p:cNvSpPr>
@@ -2277,33 +2277,33 @@
         <p:spPr>
           <a:xfrm>
             <a:off x="22435200" y="7702560"/>
-            <a:ext cx="19276560" cy="9106560"/>
-          </a:xfrm>
-          <a:prstGeom prst="rect">
-            <a:avLst/>
-          </a:prstGeom>
-        </p:spPr>
-        <p:txBody>
-          <a:bodyPr lIns="0" rIns="0" tIns="0" bIns="0"/>
-          <a:p>
-            <a:endParaRPr/>
-          </a:p>
-        </p:txBody>
-      </p:sp>
-      <p:sp>
-        <p:nvSpPr>
-          <p:cNvPr id="364" name="PlaceHolder 4"/>
-          <p:cNvSpPr>
-            <a:spLocks noGrp="1"/>
-          </p:cNvSpPr>
-          <p:nvPr>
-            <p:ph type="body"/>
-          </p:nvPr>
-        </p:nvSpPr>
-        <p:spPr>
-          <a:xfrm>
-            <a:off x="2194560" y="17674560"/>
-            <a:ext cx="39501360" cy="9106560"/>
+            <a:ext cx="19276560" cy="9106920"/>
+          </a:xfrm>
+          <a:prstGeom prst="rect">
+            <a:avLst/>
+          </a:prstGeom>
+        </p:spPr>
+        <p:txBody>
+          <a:bodyPr lIns="0" rIns="0" tIns="0" bIns="0"/>
+          <a:p>
+            <a:endParaRPr/>
+          </a:p>
+        </p:txBody>
+      </p:sp>
+      <p:sp>
+        <p:nvSpPr>
+          <p:cNvPr id="363" name="PlaceHolder 4"/>
+          <p:cNvSpPr>
+            <a:spLocks noGrp="1"/>
+          </p:cNvSpPr>
+          <p:nvPr>
+            <p:ph type="body"/>
+          </p:nvPr>
+        </p:nvSpPr>
+        <p:spPr>
+          <a:xfrm>
+            <a:off x="2194560" y="17674920"/>
+            <a:ext cx="39501720" cy="9106920"/>
           </a:xfrm>
           <a:prstGeom prst="rect">
             <a:avLst/>
@@ -2340,7 +2340,7 @@
       </p:grpSpPr>
       <p:sp>
         <p:nvSpPr>
-          <p:cNvPr id="365" name="PlaceHolder 1"/>
+          <p:cNvPr id="364" name="PlaceHolder 1"/>
           <p:cNvSpPr>
             <a:spLocks noGrp="1"/>
           </p:cNvSpPr>
@@ -2351,7 +2351,7 @@
         <p:spPr>
           <a:xfrm>
             <a:off x="2194560" y="1313280"/>
-            <a:ext cx="39501360" cy="5497200"/>
+            <a:ext cx="39501720" cy="5497200"/>
           </a:xfrm>
           <a:prstGeom prst="rect">
             <a:avLst/>
@@ -2367,7 +2367,7 @@
       </p:sp>
       <p:sp>
         <p:nvSpPr>
-          <p:cNvPr id="366" name="PlaceHolder 2"/>
+          <p:cNvPr id="365" name="PlaceHolder 2"/>
           <p:cNvSpPr>
             <a:spLocks noGrp="1"/>
           </p:cNvSpPr>
@@ -2378,33 +2378,33 @@
         <p:spPr>
           <a:xfrm>
             <a:off x="2194560" y="7702560"/>
-            <a:ext cx="39501360" cy="9106560"/>
-          </a:xfrm>
-          <a:prstGeom prst="rect">
-            <a:avLst/>
-          </a:prstGeom>
-        </p:spPr>
-        <p:txBody>
-          <a:bodyPr lIns="0" rIns="0" tIns="0" bIns="0"/>
-          <a:p>
-            <a:endParaRPr/>
-          </a:p>
-        </p:txBody>
-      </p:sp>
-      <p:sp>
-        <p:nvSpPr>
-          <p:cNvPr id="367" name="PlaceHolder 3"/>
-          <p:cNvSpPr>
-            <a:spLocks noGrp="1"/>
-          </p:cNvSpPr>
-          <p:nvPr>
-            <p:ph type="body"/>
-          </p:nvPr>
-        </p:nvSpPr>
-        <p:spPr>
-          <a:xfrm>
-            <a:off x="2194560" y="17674560"/>
-            <a:ext cx="39501360" cy="9106560"/>
+            <a:ext cx="39501720" cy="9106920"/>
+          </a:xfrm>
+          <a:prstGeom prst="rect">
+            <a:avLst/>
+          </a:prstGeom>
+        </p:spPr>
+        <p:txBody>
+          <a:bodyPr lIns="0" rIns="0" tIns="0" bIns="0"/>
+          <a:p>
+            <a:endParaRPr/>
+          </a:p>
+        </p:txBody>
+      </p:sp>
+      <p:sp>
+        <p:nvSpPr>
+          <p:cNvPr id="366" name="PlaceHolder 3"/>
+          <p:cNvSpPr>
+            <a:spLocks noGrp="1"/>
+          </p:cNvSpPr>
+          <p:nvPr>
+            <p:ph type="body"/>
+          </p:nvPr>
+        </p:nvSpPr>
+        <p:spPr>
+          <a:xfrm>
+            <a:off x="2194560" y="17674920"/>
+            <a:ext cx="39501720" cy="9106920"/>
           </a:xfrm>
           <a:prstGeom prst="rect">
             <a:avLst/>
@@ -2441,7 +2441,7 @@
       </p:grpSpPr>
       <p:sp>
         <p:nvSpPr>
-          <p:cNvPr id="368" name="PlaceHolder 1"/>
+          <p:cNvPr id="367" name="PlaceHolder 1"/>
           <p:cNvSpPr>
             <a:spLocks noGrp="1"/>
           </p:cNvSpPr>
@@ -2452,7 +2452,7 @@
         <p:spPr>
           <a:xfrm>
             <a:off x="2194560" y="1313280"/>
-            <a:ext cx="39501360" cy="5497200"/>
+            <a:ext cx="39501720" cy="5497200"/>
           </a:xfrm>
           <a:prstGeom prst="rect">
             <a:avLst/>
@@ -2468,7 +2468,7 @@
       </p:sp>
       <p:sp>
         <p:nvSpPr>
-          <p:cNvPr id="369" name="PlaceHolder 2"/>
+          <p:cNvPr id="368" name="PlaceHolder 2"/>
           <p:cNvSpPr>
             <a:spLocks noGrp="1"/>
           </p:cNvSpPr>
@@ -2479,22 +2479,22 @@
         <p:spPr>
           <a:xfrm>
             <a:off x="2194560" y="7702560"/>
-            <a:ext cx="19276560" cy="9106560"/>
-          </a:xfrm>
-          <a:prstGeom prst="rect">
-            <a:avLst/>
-          </a:prstGeom>
-        </p:spPr>
-        <p:txBody>
-          <a:bodyPr lIns="0" rIns="0" tIns="0" bIns="0"/>
-          <a:p>
-            <a:endParaRPr/>
-          </a:p>
-        </p:txBody>
-      </p:sp>
-      <p:sp>
-        <p:nvSpPr>
-          <p:cNvPr id="370" name="PlaceHolder 3"/>
+            <a:ext cx="19276560" cy="9106920"/>
+          </a:xfrm>
+          <a:prstGeom prst="rect">
+            <a:avLst/>
+          </a:prstGeom>
+        </p:spPr>
+        <p:txBody>
+          <a:bodyPr lIns="0" rIns="0" tIns="0" bIns="0"/>
+          <a:p>
+            <a:endParaRPr/>
+          </a:p>
+        </p:txBody>
+      </p:sp>
+      <p:sp>
+        <p:nvSpPr>
+          <p:cNvPr id="369" name="PlaceHolder 3"/>
           <p:cNvSpPr>
             <a:spLocks noGrp="1"/>
           </p:cNvSpPr>
@@ -2505,59 +2505,59 @@
         <p:spPr>
           <a:xfrm>
             <a:off x="22435200" y="7702560"/>
-            <a:ext cx="19276560" cy="9106560"/>
-          </a:xfrm>
-          <a:prstGeom prst="rect">
-            <a:avLst/>
-          </a:prstGeom>
-        </p:spPr>
-        <p:txBody>
-          <a:bodyPr lIns="0" rIns="0" tIns="0" bIns="0"/>
-          <a:p>
-            <a:endParaRPr/>
-          </a:p>
-        </p:txBody>
-      </p:sp>
-      <p:sp>
-        <p:nvSpPr>
-          <p:cNvPr id="371" name="PlaceHolder 4"/>
-          <p:cNvSpPr>
-            <a:spLocks noGrp="1"/>
-          </p:cNvSpPr>
-          <p:nvPr>
-            <p:ph type="body"/>
-          </p:nvPr>
-        </p:nvSpPr>
-        <p:spPr>
-          <a:xfrm>
-            <a:off x="22435200" y="17674560"/>
-            <a:ext cx="19276560" cy="9106560"/>
-          </a:xfrm>
-          <a:prstGeom prst="rect">
-            <a:avLst/>
-          </a:prstGeom>
-        </p:spPr>
-        <p:txBody>
-          <a:bodyPr lIns="0" rIns="0" tIns="0" bIns="0"/>
-          <a:p>
-            <a:endParaRPr/>
-          </a:p>
-        </p:txBody>
-      </p:sp>
-      <p:sp>
-        <p:nvSpPr>
-          <p:cNvPr id="372" name="PlaceHolder 5"/>
-          <p:cNvSpPr>
-            <a:spLocks noGrp="1"/>
-          </p:cNvSpPr>
-          <p:nvPr>
-            <p:ph type="body"/>
-          </p:nvPr>
-        </p:nvSpPr>
-        <p:spPr>
-          <a:xfrm>
-            <a:off x="2194560" y="17674560"/>
-            <a:ext cx="19276560" cy="9106560"/>
+            <a:ext cx="19276560" cy="9106920"/>
+          </a:xfrm>
+          <a:prstGeom prst="rect">
+            <a:avLst/>
+          </a:prstGeom>
+        </p:spPr>
+        <p:txBody>
+          <a:bodyPr lIns="0" rIns="0" tIns="0" bIns="0"/>
+          <a:p>
+            <a:endParaRPr/>
+          </a:p>
+        </p:txBody>
+      </p:sp>
+      <p:sp>
+        <p:nvSpPr>
+          <p:cNvPr id="370" name="PlaceHolder 4"/>
+          <p:cNvSpPr>
+            <a:spLocks noGrp="1"/>
+          </p:cNvSpPr>
+          <p:nvPr>
+            <p:ph type="body"/>
+          </p:nvPr>
+        </p:nvSpPr>
+        <p:spPr>
+          <a:xfrm>
+            <a:off x="22435200" y="17674920"/>
+            <a:ext cx="19276560" cy="9106920"/>
+          </a:xfrm>
+          <a:prstGeom prst="rect">
+            <a:avLst/>
+          </a:prstGeom>
+        </p:spPr>
+        <p:txBody>
+          <a:bodyPr lIns="0" rIns="0" tIns="0" bIns="0"/>
+          <a:p>
+            <a:endParaRPr/>
+          </a:p>
+        </p:txBody>
+      </p:sp>
+      <p:sp>
+        <p:nvSpPr>
+          <p:cNvPr id="371" name="PlaceHolder 5"/>
+          <p:cNvSpPr>
+            <a:spLocks noGrp="1"/>
+          </p:cNvSpPr>
+          <p:nvPr>
+            <p:ph type="body"/>
+          </p:nvPr>
+        </p:nvSpPr>
+        <p:spPr>
+          <a:xfrm>
+            <a:off x="2194560" y="17674920"/>
+            <a:ext cx="19276560" cy="9106920"/>
           </a:xfrm>
           <a:prstGeom prst="rect">
             <a:avLst/>
@@ -2605,7 +2605,7 @@
         <p:spPr>
           <a:xfrm>
             <a:off x="2194560" y="1313280"/>
-            <a:ext cx="39501360" cy="5497200"/>
+            <a:ext cx="39501720" cy="5497200"/>
           </a:xfrm>
           <a:prstGeom prst="rect">
             <a:avLst/>
@@ -2632,7 +2632,7 @@
         <p:spPr>
           <a:xfrm>
             <a:off x="2194560" y="7702560"/>
-            <a:ext cx="39501360" cy="19091880"/>
+            <a:ext cx="39501720" cy="19092240"/>
           </a:xfrm>
           <a:prstGeom prst="rect">
             <a:avLst/>
@@ -2658,7 +2658,7 @@
         <p:spPr>
           <a:xfrm>
             <a:off x="2194560" y="7702560"/>
-            <a:ext cx="39501360" cy="19091880"/>
+            <a:ext cx="39501720" cy="19092240"/>
           </a:xfrm>
           <a:prstGeom prst="rect">
             <a:avLst/>
@@ -2685,8 +2685,8 @@
         </p:blipFill>
         <p:spPr>
           <a:xfrm>
-            <a:off x="9981000" y="7702200"/>
-            <a:ext cx="23928120" cy="19091880"/>
+            <a:off x="9980640" y="7702560"/>
+            <a:ext cx="23928840" cy="19092240"/>
           </a:xfrm>
           <a:prstGeom prst="rect">
             <a:avLst/>
@@ -2710,8 +2710,8 @@
         </p:blipFill>
         <p:spPr>
           <a:xfrm>
-            <a:off x="9981000" y="7702200"/>
-            <a:ext cx="23928120" cy="19091880"/>
+            <a:off x="9980640" y="7702560"/>
+            <a:ext cx="23928840" cy="19092240"/>
           </a:xfrm>
           <a:prstGeom prst="rect">
             <a:avLst/>
@@ -2745,7 +2745,7 @@
       </p:grpSpPr>
       <p:sp>
         <p:nvSpPr>
-          <p:cNvPr id="373" name="PlaceHolder 1"/>
+          <p:cNvPr id="372" name="PlaceHolder 1"/>
           <p:cNvSpPr>
             <a:spLocks noGrp="1"/>
           </p:cNvSpPr>
@@ -2756,7 +2756,7 @@
         <p:spPr>
           <a:xfrm>
             <a:off x="2194560" y="1313280"/>
-            <a:ext cx="39501360" cy="5497200"/>
+            <a:ext cx="39501720" cy="5497200"/>
           </a:xfrm>
           <a:prstGeom prst="rect">
             <a:avLst/>
@@ -2772,7 +2772,7 @@
       </p:sp>
       <p:sp>
         <p:nvSpPr>
-          <p:cNvPr id="374" name="PlaceHolder 2"/>
+          <p:cNvPr id="373" name="PlaceHolder 2"/>
           <p:cNvSpPr>
             <a:spLocks noGrp="1"/>
           </p:cNvSpPr>
@@ -2783,22 +2783,22 @@
         <p:spPr>
           <a:xfrm>
             <a:off x="2194560" y="7702560"/>
-            <a:ext cx="39501360" cy="19091880"/>
-          </a:xfrm>
-          <a:prstGeom prst="rect">
-            <a:avLst/>
-          </a:prstGeom>
-        </p:spPr>
-        <p:txBody>
-          <a:bodyPr lIns="0" rIns="0" tIns="0" bIns="0"/>
-          <a:p>
-            <a:endParaRPr/>
-          </a:p>
-        </p:txBody>
-      </p:sp>
-      <p:sp>
-        <p:nvSpPr>
-          <p:cNvPr id="375" name="PlaceHolder 3"/>
+            <a:ext cx="39501720" cy="19092240"/>
+          </a:xfrm>
+          <a:prstGeom prst="rect">
+            <a:avLst/>
+          </a:prstGeom>
+        </p:spPr>
+        <p:txBody>
+          <a:bodyPr lIns="0" rIns="0" tIns="0" bIns="0"/>
+          <a:p>
+            <a:endParaRPr/>
+          </a:p>
+        </p:txBody>
+      </p:sp>
+      <p:sp>
+        <p:nvSpPr>
+          <p:cNvPr id="374" name="PlaceHolder 3"/>
           <p:cNvSpPr>
             <a:spLocks noGrp="1"/>
           </p:cNvSpPr>
@@ -2809,7 +2809,7 @@
         <p:spPr>
           <a:xfrm>
             <a:off x="2194560" y="7702560"/>
-            <a:ext cx="39501360" cy="19091880"/>
+            <a:ext cx="39501720" cy="19092240"/>
           </a:xfrm>
           <a:prstGeom prst="rect">
             <a:avLst/>
@@ -2824,7 +2824,7 @@
       </p:sp>
       <p:pic>
         <p:nvPicPr>
-          <p:cNvPr id="376" name="" descr=""/>
+          <p:cNvPr id="375" name="" descr=""/>
           <p:cNvPicPr/>
           <p:nvPr/>
         </p:nvPicPr>
@@ -2836,8 +2836,8 @@
         </p:blipFill>
         <p:spPr>
           <a:xfrm>
-            <a:off x="9981000" y="7702200"/>
-            <a:ext cx="23928120" cy="19091880"/>
+            <a:off x="9980640" y="7702560"/>
+            <a:ext cx="23928840" cy="19092240"/>
           </a:xfrm>
           <a:prstGeom prst="rect">
             <a:avLst/>
@@ -2849,7 +2849,7 @@
       </p:pic>
       <p:pic>
         <p:nvPicPr>
-          <p:cNvPr id="377" name="" descr=""/>
+          <p:cNvPr id="376" name="" descr=""/>
           <p:cNvPicPr/>
           <p:nvPr/>
         </p:nvPicPr>
@@ -2861,8 +2861,8 @@
         </p:blipFill>
         <p:spPr>
           <a:xfrm>
-            <a:off x="9981000" y="7702200"/>
-            <a:ext cx="23928120" cy="19091880"/>
+            <a:off x="9980640" y="7702560"/>
+            <a:ext cx="23928840" cy="19092240"/>
           </a:xfrm>
           <a:prstGeom prst="rect">
             <a:avLst/>
@@ -2929,7 +2929,7 @@
         <p:spPr>
           <a:xfrm>
             <a:off x="2194560" y="1313280"/>
-            <a:ext cx="39501360" cy="5497200"/>
+            <a:ext cx="39501720" cy="5497200"/>
           </a:xfrm>
           <a:prstGeom prst="rect">
             <a:avLst/>
@@ -2956,7 +2956,7 @@
         <p:spPr>
           <a:xfrm>
             <a:off x="2194560" y="7702560"/>
-            <a:ext cx="39501360" cy="19092240"/>
+            <a:ext cx="39501720" cy="19092600"/>
           </a:xfrm>
           <a:prstGeom prst="rect">
             <a:avLst/>
@@ -3005,7 +3005,7 @@
         <p:spPr>
           <a:xfrm>
             <a:off x="2194560" y="1313280"/>
-            <a:ext cx="39501360" cy="5497200"/>
+            <a:ext cx="39501720" cy="5497200"/>
           </a:xfrm>
           <a:prstGeom prst="rect">
             <a:avLst/>
@@ -3032,7 +3032,7 @@
         <p:spPr>
           <a:xfrm>
             <a:off x="2194560" y="7702560"/>
-            <a:ext cx="39501360" cy="19091880"/>
+            <a:ext cx="39501720" cy="19092240"/>
           </a:xfrm>
           <a:prstGeom prst="rect">
             <a:avLst/>
@@ -3080,7 +3080,7 @@
         <p:spPr>
           <a:xfrm>
             <a:off x="2194560" y="1313280"/>
-            <a:ext cx="39501360" cy="5497200"/>
+            <a:ext cx="39501720" cy="5497200"/>
           </a:xfrm>
           <a:prstGeom prst="rect">
             <a:avLst/>
@@ -3107,7 +3107,7 @@
         <p:spPr>
           <a:xfrm>
             <a:off x="2194560" y="7702560"/>
-            <a:ext cx="19276560" cy="19091880"/>
+            <a:ext cx="19276560" cy="19092240"/>
           </a:xfrm>
           <a:prstGeom prst="rect">
             <a:avLst/>
@@ -3133,7 +3133,7 @@
         <p:spPr>
           <a:xfrm>
             <a:off x="22435200" y="7702560"/>
-            <a:ext cx="19276560" cy="19091880"/>
+            <a:ext cx="19276560" cy="19092240"/>
           </a:xfrm>
           <a:prstGeom prst="rect">
             <a:avLst/>
@@ -3181,7 +3181,7 @@
         <p:spPr>
           <a:xfrm>
             <a:off x="2194560" y="1313280"/>
-            <a:ext cx="39501360" cy="5497200"/>
+            <a:ext cx="39501720" cy="5497200"/>
           </a:xfrm>
           <a:prstGeom prst="rect">
             <a:avLst/>
@@ -3230,7 +3230,7 @@
         <p:spPr>
           <a:xfrm>
             <a:off x="2194560" y="1313280"/>
-            <a:ext cx="39501360" cy="25481880"/>
+            <a:ext cx="39501720" cy="25481880"/>
           </a:xfrm>
           <a:prstGeom prst="rect">
             <a:avLst/>
@@ -3279,7 +3279,7 @@
         <p:spPr>
           <a:xfrm>
             <a:off x="2194560" y="1313280"/>
-            <a:ext cx="39501360" cy="5497200"/>
+            <a:ext cx="39501720" cy="5497200"/>
           </a:xfrm>
           <a:prstGeom prst="rect">
             <a:avLst/>
@@ -3306,7 +3306,7 @@
         <p:spPr>
           <a:xfrm>
             <a:off x="2194560" y="7702560"/>
-            <a:ext cx="19276560" cy="9106560"/>
+            <a:ext cx="19276560" cy="9106920"/>
           </a:xfrm>
           <a:prstGeom prst="rect">
             <a:avLst/>
@@ -3331,8 +3331,8 @@
         </p:nvSpPr>
         <p:spPr>
           <a:xfrm>
-            <a:off x="2194560" y="17674560"/>
-            <a:ext cx="19276560" cy="9106560"/>
+            <a:off x="2194560" y="17674920"/>
+            <a:ext cx="19276560" cy="9106920"/>
           </a:xfrm>
           <a:prstGeom prst="rect">
             <a:avLst/>
@@ -3358,7 +3358,7 @@
         <p:spPr>
           <a:xfrm>
             <a:off x="22435200" y="7702560"/>
-            <a:ext cx="19276560" cy="19091880"/>
+            <a:ext cx="19276560" cy="19092240"/>
           </a:xfrm>
           <a:prstGeom prst="rect">
             <a:avLst/>
@@ -3406,7 +3406,7 @@
         <p:spPr>
           <a:xfrm>
             <a:off x="2194560" y="1313280"/>
-            <a:ext cx="39501360" cy="5497200"/>
+            <a:ext cx="39501720" cy="5497200"/>
           </a:xfrm>
           <a:prstGeom prst="rect">
             <a:avLst/>
@@ -3433,7 +3433,7 @@
         <p:spPr>
           <a:xfrm>
             <a:off x="2194560" y="7702560"/>
-            <a:ext cx="39501360" cy="19092240"/>
+            <a:ext cx="39501720" cy="19092600"/>
           </a:xfrm>
           <a:prstGeom prst="rect">
             <a:avLst/>
@@ -3482,7 +3482,7 @@
         <p:spPr>
           <a:xfrm>
             <a:off x="2194560" y="1313280"/>
-            <a:ext cx="39501360" cy="5497200"/>
+            <a:ext cx="39501720" cy="5497200"/>
           </a:xfrm>
           <a:prstGeom prst="rect">
             <a:avLst/>
@@ -3509,7 +3509,7 @@
         <p:spPr>
           <a:xfrm>
             <a:off x="2194560" y="7702560"/>
-            <a:ext cx="19276560" cy="19091880"/>
+            <a:ext cx="19276560" cy="19092240"/>
           </a:xfrm>
           <a:prstGeom prst="rect">
             <a:avLst/>
@@ -3535,7 +3535,7 @@
         <p:spPr>
           <a:xfrm>
             <a:off x="22435200" y="7702560"/>
-            <a:ext cx="19276560" cy="9106560"/>
+            <a:ext cx="19276560" cy="9106920"/>
           </a:xfrm>
           <a:prstGeom prst="rect">
             <a:avLst/>
@@ -3560,8 +3560,8 @@
         </p:nvSpPr>
         <p:spPr>
           <a:xfrm>
-            <a:off x="22435200" y="17674560"/>
-            <a:ext cx="19276560" cy="9106560"/>
+            <a:off x="22435200" y="17674920"/>
+            <a:ext cx="19276560" cy="9106920"/>
           </a:xfrm>
           <a:prstGeom prst="rect">
             <a:avLst/>
@@ -3609,7 +3609,7 @@
         <p:spPr>
           <a:xfrm>
             <a:off x="2194560" y="1313280"/>
-            <a:ext cx="39501360" cy="5497200"/>
+            <a:ext cx="39501720" cy="5497200"/>
           </a:xfrm>
           <a:prstGeom prst="rect">
             <a:avLst/>
@@ -3636,7 +3636,7 @@
         <p:spPr>
           <a:xfrm>
             <a:off x="2194560" y="7702560"/>
-            <a:ext cx="19276560" cy="9106560"/>
+            <a:ext cx="19276560" cy="9106920"/>
           </a:xfrm>
           <a:prstGeom prst="rect">
             <a:avLst/>
@@ -3662,7 +3662,7 @@
         <p:spPr>
           <a:xfrm>
             <a:off x="22435200" y="7702560"/>
-            <a:ext cx="19276560" cy="9106560"/>
+            <a:ext cx="19276560" cy="9106920"/>
           </a:xfrm>
           <a:prstGeom prst="rect">
             <a:avLst/>
@@ -3687,8 +3687,8 @@
         </p:nvSpPr>
         <p:spPr>
           <a:xfrm>
-            <a:off x="2194560" y="17674560"/>
-            <a:ext cx="39501360" cy="9106560"/>
+            <a:off x="2194560" y="17674920"/>
+            <a:ext cx="39501720" cy="9106920"/>
           </a:xfrm>
           <a:prstGeom prst="rect">
             <a:avLst/>
@@ -3736,7 +3736,7 @@
         <p:spPr>
           <a:xfrm>
             <a:off x="2194560" y="1313280"/>
-            <a:ext cx="39501360" cy="5497200"/>
+            <a:ext cx="39501720" cy="5497200"/>
           </a:xfrm>
           <a:prstGeom prst="rect">
             <a:avLst/>
@@ -3763,7 +3763,7 @@
         <p:spPr>
           <a:xfrm>
             <a:off x="2194560" y="7702560"/>
-            <a:ext cx="39501360" cy="9106560"/>
+            <a:ext cx="39501720" cy="9106920"/>
           </a:xfrm>
           <a:prstGeom prst="rect">
             <a:avLst/>
@@ -3788,8 +3788,8 @@
         </p:nvSpPr>
         <p:spPr>
           <a:xfrm>
-            <a:off x="2194560" y="17674560"/>
-            <a:ext cx="39501360" cy="9106560"/>
+            <a:off x="2194560" y="17674920"/>
+            <a:ext cx="39501720" cy="9106920"/>
           </a:xfrm>
           <a:prstGeom prst="rect">
             <a:avLst/>
@@ -3837,7 +3837,7 @@
         <p:spPr>
           <a:xfrm>
             <a:off x="2194560" y="1313280"/>
-            <a:ext cx="39501360" cy="5497200"/>
+            <a:ext cx="39501720" cy="5497200"/>
           </a:xfrm>
           <a:prstGeom prst="rect">
             <a:avLst/>
@@ -3864,7 +3864,7 @@
         <p:spPr>
           <a:xfrm>
             <a:off x="2194560" y="7702560"/>
-            <a:ext cx="19276560" cy="9106560"/>
+            <a:ext cx="19276560" cy="9106920"/>
           </a:xfrm>
           <a:prstGeom prst="rect">
             <a:avLst/>
@@ -3890,7 +3890,7 @@
         <p:spPr>
           <a:xfrm>
             <a:off x="22435200" y="7702560"/>
-            <a:ext cx="19276560" cy="9106560"/>
+            <a:ext cx="19276560" cy="9106920"/>
           </a:xfrm>
           <a:prstGeom prst="rect">
             <a:avLst/>
@@ -3915,8 +3915,8 @@
         </p:nvSpPr>
         <p:spPr>
           <a:xfrm>
-            <a:off x="22435200" y="17674560"/>
-            <a:ext cx="19276560" cy="9106560"/>
+            <a:off x="22435200" y="17674920"/>
+            <a:ext cx="19276560" cy="9106920"/>
           </a:xfrm>
           <a:prstGeom prst="rect">
             <a:avLst/>
@@ -3941,8 +3941,8 @@
         </p:nvSpPr>
         <p:spPr>
           <a:xfrm>
-            <a:off x="2194560" y="17674560"/>
-            <a:ext cx="19276560" cy="9106560"/>
+            <a:off x="2194560" y="17674920"/>
+            <a:ext cx="19276560" cy="9106920"/>
           </a:xfrm>
           <a:prstGeom prst="rect">
             <a:avLst/>
@@ -3990,7 +3990,7 @@
         <p:spPr>
           <a:xfrm>
             <a:off x="2194560" y="1313280"/>
-            <a:ext cx="39501360" cy="5497200"/>
+            <a:ext cx="39501720" cy="5497200"/>
           </a:xfrm>
           <a:prstGeom prst="rect">
             <a:avLst/>
@@ -4017,7 +4017,7 @@
         <p:spPr>
           <a:xfrm>
             <a:off x="2194560" y="7702560"/>
-            <a:ext cx="39501360" cy="19091880"/>
+            <a:ext cx="39501720" cy="19092240"/>
           </a:xfrm>
           <a:prstGeom prst="rect">
             <a:avLst/>
@@ -4043,7 +4043,7 @@
         <p:spPr>
           <a:xfrm>
             <a:off x="2194560" y="7702560"/>
-            <a:ext cx="39501360" cy="19091880"/>
+            <a:ext cx="39501720" cy="19092240"/>
           </a:xfrm>
           <a:prstGeom prst="rect">
             <a:avLst/>
@@ -4070,8 +4070,8 @@
         </p:blipFill>
         <p:spPr>
           <a:xfrm>
-            <a:off x="9981000" y="7702200"/>
-            <a:ext cx="23928120" cy="19091880"/>
+            <a:off x="9980640" y="7702560"/>
+            <a:ext cx="23928840" cy="19092240"/>
           </a:xfrm>
           <a:prstGeom prst="rect">
             <a:avLst/>
@@ -4095,8 +4095,8 @@
         </p:blipFill>
         <p:spPr>
           <a:xfrm>
-            <a:off x="9981000" y="7702200"/>
-            <a:ext cx="23928120" cy="19091880"/>
+            <a:off x="9980640" y="7702560"/>
+            <a:ext cx="23928840" cy="19092240"/>
           </a:xfrm>
           <a:prstGeom prst="rect">
             <a:avLst/>
@@ -4163,7 +4163,7 @@
         <p:spPr>
           <a:xfrm>
             <a:off x="2194560" y="1313280"/>
-            <a:ext cx="39501360" cy="5497200"/>
+            <a:ext cx="39501720" cy="5497200"/>
           </a:xfrm>
           <a:prstGeom prst="rect">
             <a:avLst/>
@@ -4190,7 +4190,7 @@
         <p:spPr>
           <a:xfrm>
             <a:off x="2194560" y="7702560"/>
-            <a:ext cx="39501360" cy="19092240"/>
+            <a:ext cx="39501720" cy="19092600"/>
           </a:xfrm>
           <a:prstGeom prst="rect">
             <a:avLst/>
@@ -4239,7 +4239,7 @@
         <p:spPr>
           <a:xfrm>
             <a:off x="2194560" y="1313280"/>
-            <a:ext cx="39501360" cy="5497200"/>
+            <a:ext cx="39501720" cy="5497200"/>
           </a:xfrm>
           <a:prstGeom prst="rect">
             <a:avLst/>
@@ -4266,7 +4266,7 @@
         <p:spPr>
           <a:xfrm>
             <a:off x="2194560" y="7702560"/>
-            <a:ext cx="39501360" cy="19091880"/>
+            <a:ext cx="39501720" cy="19092240"/>
           </a:xfrm>
           <a:prstGeom prst="rect">
             <a:avLst/>
@@ -4314,7 +4314,7 @@
         <p:spPr>
           <a:xfrm>
             <a:off x="2194560" y="1313280"/>
-            <a:ext cx="39501360" cy="5497200"/>
+            <a:ext cx="39501720" cy="5497200"/>
           </a:xfrm>
           <a:prstGeom prst="rect">
             <a:avLst/>
@@ -4341,7 +4341,7 @@
         <p:spPr>
           <a:xfrm>
             <a:off x="2194560" y="7702560"/>
-            <a:ext cx="19276560" cy="19091880"/>
+            <a:ext cx="19276560" cy="19092240"/>
           </a:xfrm>
           <a:prstGeom prst="rect">
             <a:avLst/>
@@ -4367,7 +4367,7 @@
         <p:spPr>
           <a:xfrm>
             <a:off x="22435200" y="7702560"/>
-            <a:ext cx="19276560" cy="19091880"/>
+            <a:ext cx="19276560" cy="19092240"/>
           </a:xfrm>
           <a:prstGeom prst="rect">
             <a:avLst/>
@@ -4415,7 +4415,7 @@
         <p:spPr>
           <a:xfrm>
             <a:off x="2194560" y="1313280"/>
-            <a:ext cx="39501360" cy="5497200"/>
+            <a:ext cx="39501720" cy="5497200"/>
           </a:xfrm>
           <a:prstGeom prst="rect">
             <a:avLst/>
@@ -4464,7 +4464,7 @@
         <p:spPr>
           <a:xfrm>
             <a:off x="2194560" y="1313280"/>
-            <a:ext cx="39501360" cy="5497200"/>
+            <a:ext cx="39501720" cy="5497200"/>
           </a:xfrm>
           <a:prstGeom prst="rect">
             <a:avLst/>
@@ -4491,7 +4491,7 @@
         <p:spPr>
           <a:xfrm>
             <a:off x="2194560" y="7702560"/>
-            <a:ext cx="39501360" cy="19091880"/>
+            <a:ext cx="39501720" cy="19092240"/>
           </a:xfrm>
           <a:prstGeom prst="rect">
             <a:avLst/>
@@ -4539,7 +4539,7 @@
         <p:spPr>
           <a:xfrm>
             <a:off x="2194560" y="1313280"/>
-            <a:ext cx="39501360" cy="25481880"/>
+            <a:ext cx="39501720" cy="25481880"/>
           </a:xfrm>
           <a:prstGeom prst="rect">
             <a:avLst/>
@@ -4588,7 +4588,7 @@
         <p:spPr>
           <a:xfrm>
             <a:off x="2194560" y="1313280"/>
-            <a:ext cx="39501360" cy="5497200"/>
+            <a:ext cx="39501720" cy="5497200"/>
           </a:xfrm>
           <a:prstGeom prst="rect">
             <a:avLst/>
@@ -4615,7 +4615,7 @@
         <p:spPr>
           <a:xfrm>
             <a:off x="2194560" y="7702560"/>
-            <a:ext cx="19276560" cy="9106560"/>
+            <a:ext cx="19276560" cy="9106920"/>
           </a:xfrm>
           <a:prstGeom prst="rect">
             <a:avLst/>
@@ -4640,8 +4640,8 @@
         </p:nvSpPr>
         <p:spPr>
           <a:xfrm>
-            <a:off x="2194560" y="17674560"/>
-            <a:ext cx="19276560" cy="9106560"/>
+            <a:off x="2194560" y="17674920"/>
+            <a:ext cx="19276560" cy="9106920"/>
           </a:xfrm>
           <a:prstGeom prst="rect">
             <a:avLst/>
@@ -4667,7 +4667,7 @@
         <p:spPr>
           <a:xfrm>
             <a:off x="22435200" y="7702560"/>
-            <a:ext cx="19276560" cy="19091880"/>
+            <a:ext cx="19276560" cy="19092240"/>
           </a:xfrm>
           <a:prstGeom prst="rect">
             <a:avLst/>
@@ -4715,7 +4715,7 @@
         <p:spPr>
           <a:xfrm>
             <a:off x="2194560" y="1313280"/>
-            <a:ext cx="39501360" cy="5497200"/>
+            <a:ext cx="39501720" cy="5497200"/>
           </a:xfrm>
           <a:prstGeom prst="rect">
             <a:avLst/>
@@ -4742,7 +4742,7 @@
         <p:spPr>
           <a:xfrm>
             <a:off x="2194560" y="7702560"/>
-            <a:ext cx="19276560" cy="19091880"/>
+            <a:ext cx="19276560" cy="19092240"/>
           </a:xfrm>
           <a:prstGeom prst="rect">
             <a:avLst/>
@@ -4768,7 +4768,7 @@
         <p:spPr>
           <a:xfrm>
             <a:off x="22435200" y="7702560"/>
-            <a:ext cx="19276560" cy="9106560"/>
+            <a:ext cx="19276560" cy="9106920"/>
           </a:xfrm>
           <a:prstGeom prst="rect">
             <a:avLst/>
@@ -4793,8 +4793,8 @@
         </p:nvSpPr>
         <p:spPr>
           <a:xfrm>
-            <a:off x="22435200" y="17674560"/>
-            <a:ext cx="19276560" cy="9106560"/>
+            <a:off x="22435200" y="17674920"/>
+            <a:ext cx="19276560" cy="9106920"/>
           </a:xfrm>
           <a:prstGeom prst="rect">
             <a:avLst/>
@@ -4842,7 +4842,7 @@
         <p:spPr>
           <a:xfrm>
             <a:off x="2194560" y="1313280"/>
-            <a:ext cx="39501360" cy="5497200"/>
+            <a:ext cx="39501720" cy="5497200"/>
           </a:xfrm>
           <a:prstGeom prst="rect">
             <a:avLst/>
@@ -4869,7 +4869,7 @@
         <p:spPr>
           <a:xfrm>
             <a:off x="2194560" y="7702560"/>
-            <a:ext cx="19276560" cy="9106560"/>
+            <a:ext cx="19276560" cy="9106920"/>
           </a:xfrm>
           <a:prstGeom prst="rect">
             <a:avLst/>
@@ -4895,7 +4895,7 @@
         <p:spPr>
           <a:xfrm>
             <a:off x="22435200" y="7702560"/>
-            <a:ext cx="19276560" cy="9106560"/>
+            <a:ext cx="19276560" cy="9106920"/>
           </a:xfrm>
           <a:prstGeom prst="rect">
             <a:avLst/>
@@ -4920,8 +4920,8 @@
         </p:nvSpPr>
         <p:spPr>
           <a:xfrm>
-            <a:off x="2194560" y="17674560"/>
-            <a:ext cx="39501360" cy="9106560"/>
+            <a:off x="2194560" y="17674920"/>
+            <a:ext cx="39501720" cy="9106920"/>
           </a:xfrm>
           <a:prstGeom prst="rect">
             <a:avLst/>
@@ -4969,7 +4969,7 @@
         <p:spPr>
           <a:xfrm>
             <a:off x="2194560" y="1313280"/>
-            <a:ext cx="39501360" cy="5497200"/>
+            <a:ext cx="39501720" cy="5497200"/>
           </a:xfrm>
           <a:prstGeom prst="rect">
             <a:avLst/>
@@ -4996,7 +4996,7 @@
         <p:spPr>
           <a:xfrm>
             <a:off x="2194560" y="7702560"/>
-            <a:ext cx="39501360" cy="9106560"/>
+            <a:ext cx="39501720" cy="9106920"/>
           </a:xfrm>
           <a:prstGeom prst="rect">
             <a:avLst/>
@@ -5021,8 +5021,8 @@
         </p:nvSpPr>
         <p:spPr>
           <a:xfrm>
-            <a:off x="2194560" y="17674560"/>
-            <a:ext cx="39501360" cy="9106560"/>
+            <a:off x="2194560" y="17674920"/>
+            <a:ext cx="39501720" cy="9106920"/>
           </a:xfrm>
           <a:prstGeom prst="rect">
             <a:avLst/>
@@ -5070,7 +5070,7 @@
         <p:spPr>
           <a:xfrm>
             <a:off x="2194560" y="1313280"/>
-            <a:ext cx="39501360" cy="5497200"/>
+            <a:ext cx="39501720" cy="5497200"/>
           </a:xfrm>
           <a:prstGeom prst="rect">
             <a:avLst/>
@@ -5097,7 +5097,7 @@
         <p:spPr>
           <a:xfrm>
             <a:off x="2194560" y="7702560"/>
-            <a:ext cx="19276560" cy="9106560"/>
+            <a:ext cx="19276560" cy="9106920"/>
           </a:xfrm>
           <a:prstGeom prst="rect">
             <a:avLst/>
@@ -5123,7 +5123,7 @@
         <p:spPr>
           <a:xfrm>
             <a:off x="22435200" y="7702560"/>
-            <a:ext cx="19276560" cy="9106560"/>
+            <a:ext cx="19276560" cy="9106920"/>
           </a:xfrm>
           <a:prstGeom prst="rect">
             <a:avLst/>
@@ -5148,8 +5148,8 @@
         </p:nvSpPr>
         <p:spPr>
           <a:xfrm>
-            <a:off x="22435200" y="17674560"/>
-            <a:ext cx="19276560" cy="9106560"/>
+            <a:off x="22435200" y="17674920"/>
+            <a:ext cx="19276560" cy="9106920"/>
           </a:xfrm>
           <a:prstGeom prst="rect">
             <a:avLst/>
@@ -5174,8 +5174,8 @@
         </p:nvSpPr>
         <p:spPr>
           <a:xfrm>
-            <a:off x="2194560" y="17674560"/>
-            <a:ext cx="19276560" cy="9106560"/>
+            <a:off x="2194560" y="17674920"/>
+            <a:ext cx="19276560" cy="9106920"/>
           </a:xfrm>
           <a:prstGeom prst="rect">
             <a:avLst/>
@@ -5223,7 +5223,7 @@
         <p:spPr>
           <a:xfrm>
             <a:off x="2194560" y="1313280"/>
-            <a:ext cx="39501360" cy="5497200"/>
+            <a:ext cx="39501720" cy="5497200"/>
           </a:xfrm>
           <a:prstGeom prst="rect">
             <a:avLst/>
@@ -5250,7 +5250,7 @@
         <p:spPr>
           <a:xfrm>
             <a:off x="2194560" y="7702560"/>
-            <a:ext cx="39501360" cy="19091880"/>
+            <a:ext cx="39501720" cy="19092240"/>
           </a:xfrm>
           <a:prstGeom prst="rect">
             <a:avLst/>
@@ -5276,7 +5276,7 @@
         <p:spPr>
           <a:xfrm>
             <a:off x="2194560" y="7702560"/>
-            <a:ext cx="39501360" cy="19091880"/>
+            <a:ext cx="39501720" cy="19092240"/>
           </a:xfrm>
           <a:prstGeom prst="rect">
             <a:avLst/>
@@ -5303,8 +5303,8 @@
         </p:blipFill>
         <p:spPr>
           <a:xfrm>
-            <a:off x="9981000" y="7702200"/>
-            <a:ext cx="23928120" cy="19091880"/>
+            <a:off x="9980640" y="7702560"/>
+            <a:ext cx="23928840" cy="19092240"/>
           </a:xfrm>
           <a:prstGeom prst="rect">
             <a:avLst/>
@@ -5328,8 +5328,8 @@
         </p:blipFill>
         <p:spPr>
           <a:xfrm>
-            <a:off x="9981000" y="7702200"/>
-            <a:ext cx="23928120" cy="19091880"/>
+            <a:off x="9980640" y="7702560"/>
+            <a:ext cx="23928840" cy="19092240"/>
           </a:xfrm>
           <a:prstGeom prst="rect">
             <a:avLst/>
@@ -5396,7 +5396,7 @@
         <p:spPr>
           <a:xfrm>
             <a:off x="2194560" y="1313280"/>
-            <a:ext cx="39501360" cy="5497200"/>
+            <a:ext cx="39501720" cy="5497200"/>
           </a:xfrm>
           <a:prstGeom prst="rect">
             <a:avLst/>
@@ -5423,7 +5423,7 @@
         <p:spPr>
           <a:xfrm>
             <a:off x="2194560" y="7702560"/>
-            <a:ext cx="39501360" cy="19092240"/>
+            <a:ext cx="39501720" cy="19092600"/>
           </a:xfrm>
           <a:prstGeom prst="rect">
             <a:avLst/>
@@ -5472,7 +5472,7 @@
         <p:spPr>
           <a:xfrm>
             <a:off x="2194560" y="1313280"/>
-            <a:ext cx="39501360" cy="5497200"/>
+            <a:ext cx="39501720" cy="5497200"/>
           </a:xfrm>
           <a:prstGeom prst="rect">
             <a:avLst/>
@@ -5499,7 +5499,7 @@
         <p:spPr>
           <a:xfrm>
             <a:off x="2194560" y="7702560"/>
-            <a:ext cx="39501360" cy="19091880"/>
+            <a:ext cx="39501720" cy="19092240"/>
           </a:xfrm>
           <a:prstGeom prst="rect">
             <a:avLst/>
@@ -5547,7 +5547,7 @@
         <p:spPr>
           <a:xfrm>
             <a:off x="2194560" y="1313280"/>
-            <a:ext cx="39501360" cy="5497200"/>
+            <a:ext cx="39501720" cy="5497200"/>
           </a:xfrm>
           <a:prstGeom prst="rect">
             <a:avLst/>
@@ -5574,7 +5574,7 @@
         <p:spPr>
           <a:xfrm>
             <a:off x="2194560" y="7702560"/>
-            <a:ext cx="19276560" cy="19091880"/>
+            <a:ext cx="19276560" cy="19092240"/>
           </a:xfrm>
           <a:prstGeom prst="rect">
             <a:avLst/>
@@ -5600,7 +5600,7 @@
         <p:spPr>
           <a:xfrm>
             <a:off x="22435200" y="7702560"/>
-            <a:ext cx="19276560" cy="19091880"/>
+            <a:ext cx="19276560" cy="19092240"/>
           </a:xfrm>
           <a:prstGeom prst="rect">
             <a:avLst/>
@@ -5648,7 +5648,7 @@
         <p:spPr>
           <a:xfrm>
             <a:off x="2194560" y="1313280"/>
-            <a:ext cx="39501360" cy="5497200"/>
+            <a:ext cx="39501720" cy="5497200"/>
           </a:xfrm>
           <a:prstGeom prst="rect">
             <a:avLst/>
@@ -5675,7 +5675,7 @@
         <p:spPr>
           <a:xfrm>
             <a:off x="2194560" y="7702560"/>
-            <a:ext cx="19276560" cy="19091880"/>
+            <a:ext cx="19276560" cy="19092240"/>
           </a:xfrm>
           <a:prstGeom prst="rect">
             <a:avLst/>
@@ -5701,7 +5701,7 @@
         <p:spPr>
           <a:xfrm>
             <a:off x="22435200" y="7702560"/>
-            <a:ext cx="19276560" cy="19091880"/>
+            <a:ext cx="19276560" cy="19092240"/>
           </a:xfrm>
           <a:prstGeom prst="rect">
             <a:avLst/>
@@ -5749,7 +5749,7 @@
         <p:spPr>
           <a:xfrm>
             <a:off x="2194560" y="1313280"/>
-            <a:ext cx="39501360" cy="5497200"/>
+            <a:ext cx="39501720" cy="5497200"/>
           </a:xfrm>
           <a:prstGeom prst="rect">
             <a:avLst/>
@@ -5798,7 +5798,7 @@
         <p:spPr>
           <a:xfrm>
             <a:off x="2194560" y="1313280"/>
-            <a:ext cx="39501360" cy="25481880"/>
+            <a:ext cx="39501720" cy="25481880"/>
           </a:xfrm>
           <a:prstGeom prst="rect">
             <a:avLst/>
@@ -5847,7 +5847,7 @@
         <p:spPr>
           <a:xfrm>
             <a:off x="2194560" y="1313280"/>
-            <a:ext cx="39501360" cy="5497200"/>
+            <a:ext cx="39501720" cy="5497200"/>
           </a:xfrm>
           <a:prstGeom prst="rect">
             <a:avLst/>
@@ -5874,7 +5874,7 @@
         <p:spPr>
           <a:xfrm>
             <a:off x="2194560" y="7702560"/>
-            <a:ext cx="19276560" cy="9106560"/>
+            <a:ext cx="19276560" cy="9106920"/>
           </a:xfrm>
           <a:prstGeom prst="rect">
             <a:avLst/>
@@ -5899,8 +5899,8 @@
         </p:nvSpPr>
         <p:spPr>
           <a:xfrm>
-            <a:off x="2194560" y="17674560"/>
-            <a:ext cx="19276560" cy="9106560"/>
+            <a:off x="2194560" y="17674920"/>
+            <a:ext cx="19276560" cy="9106920"/>
           </a:xfrm>
           <a:prstGeom prst="rect">
             <a:avLst/>
@@ -5926,7 +5926,7 @@
         <p:spPr>
           <a:xfrm>
             <a:off x="22435200" y="7702560"/>
-            <a:ext cx="19276560" cy="19091880"/>
+            <a:ext cx="19276560" cy="19092240"/>
           </a:xfrm>
           <a:prstGeom prst="rect">
             <a:avLst/>
@@ -5974,7 +5974,7 @@
         <p:spPr>
           <a:xfrm>
             <a:off x="2194560" y="1313280"/>
-            <a:ext cx="39501360" cy="5497200"/>
+            <a:ext cx="39501720" cy="5497200"/>
           </a:xfrm>
           <a:prstGeom prst="rect">
             <a:avLst/>
@@ -6001,7 +6001,7 @@
         <p:spPr>
           <a:xfrm>
             <a:off x="2194560" y="7702560"/>
-            <a:ext cx="19276560" cy="19091880"/>
+            <a:ext cx="19276560" cy="19092240"/>
           </a:xfrm>
           <a:prstGeom prst="rect">
             <a:avLst/>
@@ -6027,7 +6027,7 @@
         <p:spPr>
           <a:xfrm>
             <a:off x="22435200" y="7702560"/>
-            <a:ext cx="19276560" cy="9106560"/>
+            <a:ext cx="19276560" cy="9106920"/>
           </a:xfrm>
           <a:prstGeom prst="rect">
             <a:avLst/>
@@ -6052,8 +6052,8 @@
         </p:nvSpPr>
         <p:spPr>
           <a:xfrm>
-            <a:off x="22435200" y="17674560"/>
-            <a:ext cx="19276560" cy="9106560"/>
+            <a:off x="22435200" y="17674920"/>
+            <a:ext cx="19276560" cy="9106920"/>
           </a:xfrm>
           <a:prstGeom prst="rect">
             <a:avLst/>
@@ -6101,7 +6101,7 @@
         <p:spPr>
           <a:xfrm>
             <a:off x="2194560" y="1313280"/>
-            <a:ext cx="39501360" cy="5497200"/>
+            <a:ext cx="39501720" cy="5497200"/>
           </a:xfrm>
           <a:prstGeom prst="rect">
             <a:avLst/>
@@ -6128,7 +6128,7 @@
         <p:spPr>
           <a:xfrm>
             <a:off x="2194560" y="7702560"/>
-            <a:ext cx="19276560" cy="9106560"/>
+            <a:ext cx="19276560" cy="9106920"/>
           </a:xfrm>
           <a:prstGeom prst="rect">
             <a:avLst/>
@@ -6154,7 +6154,7 @@
         <p:spPr>
           <a:xfrm>
             <a:off x="22435200" y="7702560"/>
-            <a:ext cx="19276560" cy="9106560"/>
+            <a:ext cx="19276560" cy="9106920"/>
           </a:xfrm>
           <a:prstGeom prst="rect">
             <a:avLst/>
@@ -6179,8 +6179,8 @@
         </p:nvSpPr>
         <p:spPr>
           <a:xfrm>
-            <a:off x="2194560" y="17674560"/>
-            <a:ext cx="39501360" cy="9106560"/>
+            <a:off x="2194560" y="17674920"/>
+            <a:ext cx="39501720" cy="9106920"/>
           </a:xfrm>
           <a:prstGeom prst="rect">
             <a:avLst/>
@@ -6228,7 +6228,7 @@
         <p:spPr>
           <a:xfrm>
             <a:off x="2194560" y="1313280"/>
-            <a:ext cx="39501360" cy="5497200"/>
+            <a:ext cx="39501720" cy="5497200"/>
           </a:xfrm>
           <a:prstGeom prst="rect">
             <a:avLst/>
@@ -6255,7 +6255,7 @@
         <p:spPr>
           <a:xfrm>
             <a:off x="2194560" y="7702560"/>
-            <a:ext cx="39501360" cy="9106560"/>
+            <a:ext cx="39501720" cy="9106920"/>
           </a:xfrm>
           <a:prstGeom prst="rect">
             <a:avLst/>
@@ -6280,8 +6280,8 @@
         </p:nvSpPr>
         <p:spPr>
           <a:xfrm>
-            <a:off x="2194560" y="17674560"/>
-            <a:ext cx="39501360" cy="9106560"/>
+            <a:off x="2194560" y="17674920"/>
+            <a:ext cx="39501720" cy="9106920"/>
           </a:xfrm>
           <a:prstGeom prst="rect">
             <a:avLst/>
@@ -6329,7 +6329,7 @@
         <p:spPr>
           <a:xfrm>
             <a:off x="2194560" y="1313280"/>
-            <a:ext cx="39501360" cy="5497200"/>
+            <a:ext cx="39501720" cy="5497200"/>
           </a:xfrm>
           <a:prstGeom prst="rect">
             <a:avLst/>
@@ -6356,7 +6356,7 @@
         <p:spPr>
           <a:xfrm>
             <a:off x="2194560" y="7702560"/>
-            <a:ext cx="19276560" cy="9106560"/>
+            <a:ext cx="19276560" cy="9106920"/>
           </a:xfrm>
           <a:prstGeom prst="rect">
             <a:avLst/>
@@ -6382,7 +6382,7 @@
         <p:spPr>
           <a:xfrm>
             <a:off x="22435200" y="7702560"/>
-            <a:ext cx="19276560" cy="9106560"/>
+            <a:ext cx="19276560" cy="9106920"/>
           </a:xfrm>
           <a:prstGeom prst="rect">
             <a:avLst/>
@@ -6407,8 +6407,8 @@
         </p:nvSpPr>
         <p:spPr>
           <a:xfrm>
-            <a:off x="22435200" y="17674560"/>
-            <a:ext cx="19276560" cy="9106560"/>
+            <a:off x="22435200" y="17674920"/>
+            <a:ext cx="19276560" cy="9106920"/>
           </a:xfrm>
           <a:prstGeom prst="rect">
             <a:avLst/>
@@ -6433,8 +6433,8 @@
         </p:nvSpPr>
         <p:spPr>
           <a:xfrm>
-            <a:off x="2194560" y="17674560"/>
-            <a:ext cx="19276560" cy="9106560"/>
+            <a:off x="2194560" y="17674920"/>
+            <a:ext cx="19276560" cy="9106920"/>
           </a:xfrm>
           <a:prstGeom prst="rect">
             <a:avLst/>
@@ -6482,7 +6482,7 @@
         <p:spPr>
           <a:xfrm>
             <a:off x="2194560" y="1313280"/>
-            <a:ext cx="39501360" cy="5497200"/>
+            <a:ext cx="39501720" cy="5497200"/>
           </a:xfrm>
           <a:prstGeom prst="rect">
             <a:avLst/>
@@ -6509,7 +6509,7 @@
         <p:spPr>
           <a:xfrm>
             <a:off x="2194560" y="7702560"/>
-            <a:ext cx="39501360" cy="19091880"/>
+            <a:ext cx="39501720" cy="19092240"/>
           </a:xfrm>
           <a:prstGeom prst="rect">
             <a:avLst/>
@@ -6535,7 +6535,7 @@
         <p:spPr>
           <a:xfrm>
             <a:off x="2194560" y="7702560"/>
-            <a:ext cx="39501360" cy="19091880"/>
+            <a:ext cx="39501720" cy="19092240"/>
           </a:xfrm>
           <a:prstGeom prst="rect">
             <a:avLst/>
@@ -6562,8 +6562,8 @@
         </p:blipFill>
         <p:spPr>
           <a:xfrm>
-            <a:off x="9981000" y="7702200"/>
-            <a:ext cx="23928120" cy="19091880"/>
+            <a:off x="9980640" y="7702560"/>
+            <a:ext cx="23928840" cy="19092240"/>
           </a:xfrm>
           <a:prstGeom prst="rect">
             <a:avLst/>
@@ -6587,8 +6587,8 @@
         </p:blipFill>
         <p:spPr>
           <a:xfrm>
-            <a:off x="9981000" y="7702200"/>
-            <a:ext cx="23928120" cy="19091880"/>
+            <a:off x="9980640" y="7702560"/>
+            <a:ext cx="23928840" cy="19092240"/>
           </a:xfrm>
           <a:prstGeom prst="rect">
             <a:avLst/>
@@ -6655,7 +6655,7 @@
         <p:spPr>
           <a:xfrm>
             <a:off x="2194560" y="1313280"/>
-            <a:ext cx="39501360" cy="5497200"/>
+            <a:ext cx="39501720" cy="5497200"/>
           </a:xfrm>
           <a:prstGeom prst="rect">
             <a:avLst/>
@@ -6704,7 +6704,7 @@
         <p:spPr>
           <a:xfrm>
             <a:off x="2194560" y="1313280"/>
-            <a:ext cx="39501360" cy="5497200"/>
+            <a:ext cx="39501720" cy="5497200"/>
           </a:xfrm>
           <a:prstGeom prst="rect">
             <a:avLst/>
@@ -6731,7 +6731,7 @@
         <p:spPr>
           <a:xfrm>
             <a:off x="2194560" y="7702560"/>
-            <a:ext cx="39501360" cy="19092240"/>
+            <a:ext cx="39501720" cy="19092600"/>
           </a:xfrm>
           <a:prstGeom prst="rect">
             <a:avLst/>
@@ -6780,7 +6780,7 @@
         <p:spPr>
           <a:xfrm>
             <a:off x="2194560" y="1313280"/>
-            <a:ext cx="39501360" cy="5497200"/>
+            <a:ext cx="39501720" cy="5497200"/>
           </a:xfrm>
           <a:prstGeom prst="rect">
             <a:avLst/>
@@ -6807,7 +6807,7 @@
         <p:spPr>
           <a:xfrm>
             <a:off x="2194560" y="7702560"/>
-            <a:ext cx="39501360" cy="19091880"/>
+            <a:ext cx="39501720" cy="19092240"/>
           </a:xfrm>
           <a:prstGeom prst="rect">
             <a:avLst/>
@@ -6855,7 +6855,7 @@
         <p:spPr>
           <a:xfrm>
             <a:off x="2194560" y="1313280"/>
-            <a:ext cx="39501360" cy="5497200"/>
+            <a:ext cx="39501720" cy="5497200"/>
           </a:xfrm>
           <a:prstGeom prst="rect">
             <a:avLst/>
@@ -6882,7 +6882,7 @@
         <p:spPr>
           <a:xfrm>
             <a:off x="2194560" y="7702560"/>
-            <a:ext cx="19276560" cy="19091880"/>
+            <a:ext cx="19276560" cy="19092240"/>
           </a:xfrm>
           <a:prstGeom prst="rect">
             <a:avLst/>
@@ -6908,7 +6908,7 @@
         <p:spPr>
           <a:xfrm>
             <a:off x="22435200" y="7702560"/>
-            <a:ext cx="19276560" cy="19091880"/>
+            <a:ext cx="19276560" cy="19092240"/>
           </a:xfrm>
           <a:prstGeom prst="rect">
             <a:avLst/>
@@ -6956,7 +6956,7 @@
         <p:spPr>
           <a:xfrm>
             <a:off x="2194560" y="1313280"/>
-            <a:ext cx="39501360" cy="5497200"/>
+            <a:ext cx="39501720" cy="5497200"/>
           </a:xfrm>
           <a:prstGeom prst="rect">
             <a:avLst/>
@@ -7005,7 +7005,7 @@
         <p:spPr>
           <a:xfrm>
             <a:off x="2194560" y="1313280"/>
-            <a:ext cx="39501360" cy="25481880"/>
+            <a:ext cx="39501720" cy="25481880"/>
           </a:xfrm>
           <a:prstGeom prst="rect">
             <a:avLst/>
@@ -7054,7 +7054,7 @@
         <p:spPr>
           <a:xfrm>
             <a:off x="2194560" y="1313280"/>
-            <a:ext cx="39501360" cy="5497200"/>
+            <a:ext cx="39501720" cy="5497200"/>
           </a:xfrm>
           <a:prstGeom prst="rect">
             <a:avLst/>
@@ -7081,7 +7081,7 @@
         <p:spPr>
           <a:xfrm>
             <a:off x="2194560" y="7702560"/>
-            <a:ext cx="19276560" cy="9106560"/>
+            <a:ext cx="19276560" cy="9106920"/>
           </a:xfrm>
           <a:prstGeom prst="rect">
             <a:avLst/>
@@ -7106,8 +7106,8 @@
         </p:nvSpPr>
         <p:spPr>
           <a:xfrm>
-            <a:off x="2194560" y="17674560"/>
-            <a:ext cx="19276560" cy="9106560"/>
+            <a:off x="2194560" y="17674920"/>
+            <a:ext cx="19276560" cy="9106920"/>
           </a:xfrm>
           <a:prstGeom prst="rect">
             <a:avLst/>
@@ -7133,7 +7133,7 @@
         <p:spPr>
           <a:xfrm>
             <a:off x="22435200" y="7702560"/>
-            <a:ext cx="19276560" cy="19091880"/>
+            <a:ext cx="19276560" cy="19092240"/>
           </a:xfrm>
           <a:prstGeom prst="rect">
             <a:avLst/>
@@ -7181,7 +7181,7 @@
         <p:spPr>
           <a:xfrm>
             <a:off x="2194560" y="1313280"/>
-            <a:ext cx="39501360" cy="5497200"/>
+            <a:ext cx="39501720" cy="5497200"/>
           </a:xfrm>
           <a:prstGeom prst="rect">
             <a:avLst/>
@@ -7208,7 +7208,7 @@
         <p:spPr>
           <a:xfrm>
             <a:off x="2194560" y="7702560"/>
-            <a:ext cx="19276560" cy="19091880"/>
+            <a:ext cx="19276560" cy="19092240"/>
           </a:xfrm>
           <a:prstGeom prst="rect">
             <a:avLst/>
@@ -7234,7 +7234,7 @@
         <p:spPr>
           <a:xfrm>
             <a:off x="22435200" y="7702560"/>
-            <a:ext cx="19276560" cy="9106560"/>
+            <a:ext cx="19276560" cy="9106920"/>
           </a:xfrm>
           <a:prstGeom prst="rect">
             <a:avLst/>
@@ -7259,8 +7259,8 @@
         </p:nvSpPr>
         <p:spPr>
           <a:xfrm>
-            <a:off x="22435200" y="17674560"/>
-            <a:ext cx="19276560" cy="9106560"/>
+            <a:off x="22435200" y="17674920"/>
+            <a:ext cx="19276560" cy="9106920"/>
           </a:xfrm>
           <a:prstGeom prst="rect">
             <a:avLst/>
@@ -7308,7 +7308,7 @@
         <p:spPr>
           <a:xfrm>
             <a:off x="2194560" y="1313280"/>
-            <a:ext cx="39501360" cy="5497200"/>
+            <a:ext cx="39501720" cy="5497200"/>
           </a:xfrm>
           <a:prstGeom prst="rect">
             <a:avLst/>
@@ -7335,7 +7335,7 @@
         <p:spPr>
           <a:xfrm>
             <a:off x="2194560" y="7702560"/>
-            <a:ext cx="19276560" cy="9106560"/>
+            <a:ext cx="19276560" cy="9106920"/>
           </a:xfrm>
           <a:prstGeom prst="rect">
             <a:avLst/>
@@ -7361,7 +7361,7 @@
         <p:spPr>
           <a:xfrm>
             <a:off x="22435200" y="7702560"/>
-            <a:ext cx="19276560" cy="9106560"/>
+            <a:ext cx="19276560" cy="9106920"/>
           </a:xfrm>
           <a:prstGeom prst="rect">
             <a:avLst/>
@@ -7386,8 +7386,8 @@
         </p:nvSpPr>
         <p:spPr>
           <a:xfrm>
-            <a:off x="2194560" y="17674560"/>
-            <a:ext cx="39501360" cy="9106560"/>
+            <a:off x="2194560" y="17674920"/>
+            <a:ext cx="39501720" cy="9106920"/>
           </a:xfrm>
           <a:prstGeom prst="rect">
             <a:avLst/>
@@ -7435,7 +7435,7 @@
         <p:spPr>
           <a:xfrm>
             <a:off x="2194560" y="1313280"/>
-            <a:ext cx="39501360" cy="5497200"/>
+            <a:ext cx="39501720" cy="5497200"/>
           </a:xfrm>
           <a:prstGeom prst="rect">
             <a:avLst/>
@@ -7462,7 +7462,7 @@
         <p:spPr>
           <a:xfrm>
             <a:off x="2194560" y="7702560"/>
-            <a:ext cx="39501360" cy="9106560"/>
+            <a:ext cx="39501720" cy="9106920"/>
           </a:xfrm>
           <a:prstGeom prst="rect">
             <a:avLst/>
@@ -7487,8 +7487,8 @@
         </p:nvSpPr>
         <p:spPr>
           <a:xfrm>
-            <a:off x="2194560" y="17674560"/>
-            <a:ext cx="39501360" cy="9106560"/>
+            <a:off x="2194560" y="17674920"/>
+            <a:ext cx="39501720" cy="9106920"/>
           </a:xfrm>
           <a:prstGeom prst="rect">
             <a:avLst/>
@@ -7536,7 +7536,7 @@
         <p:spPr>
           <a:xfrm>
             <a:off x="2194560" y="1313280"/>
-            <a:ext cx="39501360" cy="5497200"/>
+            <a:ext cx="39501720" cy="5497200"/>
           </a:xfrm>
           <a:prstGeom prst="rect">
             <a:avLst/>
@@ -7563,7 +7563,7 @@
         <p:spPr>
           <a:xfrm>
             <a:off x="2194560" y="7702560"/>
-            <a:ext cx="19276560" cy="9106560"/>
+            <a:ext cx="19276560" cy="9106920"/>
           </a:xfrm>
           <a:prstGeom prst="rect">
             <a:avLst/>
@@ -7589,7 +7589,7 @@
         <p:spPr>
           <a:xfrm>
             <a:off x="22435200" y="7702560"/>
-            <a:ext cx="19276560" cy="9106560"/>
+            <a:ext cx="19276560" cy="9106920"/>
           </a:xfrm>
           <a:prstGeom prst="rect">
             <a:avLst/>
@@ -7614,8 +7614,8 @@
         </p:nvSpPr>
         <p:spPr>
           <a:xfrm>
-            <a:off x="22435200" y="17674560"/>
-            <a:ext cx="19276560" cy="9106560"/>
+            <a:off x="22435200" y="17674920"/>
+            <a:ext cx="19276560" cy="9106920"/>
           </a:xfrm>
           <a:prstGeom prst="rect">
             <a:avLst/>
@@ -7640,8 +7640,8 @@
         </p:nvSpPr>
         <p:spPr>
           <a:xfrm>
-            <a:off x="2194560" y="17674560"/>
-            <a:ext cx="19276560" cy="9106560"/>
+            <a:off x="2194560" y="17674920"/>
+            <a:ext cx="19276560" cy="9106920"/>
           </a:xfrm>
           <a:prstGeom prst="rect">
             <a:avLst/>
@@ -7689,7 +7689,7 @@
         <p:spPr>
           <a:xfrm>
             <a:off x="2194560" y="1313280"/>
-            <a:ext cx="39501360" cy="25481880"/>
+            <a:ext cx="39501720" cy="25481880"/>
           </a:xfrm>
           <a:prstGeom prst="rect">
             <a:avLst/>
@@ -7738,7 +7738,7 @@
         <p:spPr>
           <a:xfrm>
             <a:off x="2194560" y="1313280"/>
-            <a:ext cx="39501360" cy="5497200"/>
+            <a:ext cx="39501720" cy="5497200"/>
           </a:xfrm>
           <a:prstGeom prst="rect">
             <a:avLst/>
@@ -7765,7 +7765,7 @@
         <p:spPr>
           <a:xfrm>
             <a:off x="2194560" y="7702560"/>
-            <a:ext cx="39501360" cy="19091880"/>
+            <a:ext cx="39501720" cy="19092240"/>
           </a:xfrm>
           <a:prstGeom prst="rect">
             <a:avLst/>
@@ -7791,7 +7791,7 @@
         <p:spPr>
           <a:xfrm>
             <a:off x="2194560" y="7702560"/>
-            <a:ext cx="39501360" cy="19091880"/>
+            <a:ext cx="39501720" cy="19092240"/>
           </a:xfrm>
           <a:prstGeom prst="rect">
             <a:avLst/>
@@ -7818,8 +7818,8 @@
         </p:blipFill>
         <p:spPr>
           <a:xfrm>
-            <a:off x="9981000" y="7702200"/>
-            <a:ext cx="23928120" cy="19091880"/>
+            <a:off x="9980640" y="7702560"/>
+            <a:ext cx="23928840" cy="19092240"/>
           </a:xfrm>
           <a:prstGeom prst="rect">
             <a:avLst/>
@@ -7843,8 +7843,8 @@
         </p:blipFill>
         <p:spPr>
           <a:xfrm>
-            <a:off x="9981000" y="7702200"/>
-            <a:ext cx="23928120" cy="19091880"/>
+            <a:off x="9980640" y="7702560"/>
+            <a:ext cx="23928840" cy="19092240"/>
           </a:xfrm>
           <a:prstGeom prst="rect">
             <a:avLst/>
@@ -7911,7 +7911,7 @@
         <p:spPr>
           <a:xfrm>
             <a:off x="2194560" y="1313280"/>
-            <a:ext cx="39501360" cy="5497200"/>
+            <a:ext cx="39501720" cy="5497200"/>
           </a:xfrm>
           <a:prstGeom prst="rect">
             <a:avLst/>
@@ -7938,7 +7938,7 @@
         <p:spPr>
           <a:xfrm>
             <a:off x="2194560" y="7702560"/>
-            <a:ext cx="39501360" cy="19092240"/>
+            <a:ext cx="39501720" cy="19092600"/>
           </a:xfrm>
           <a:prstGeom prst="rect">
             <a:avLst/>
@@ -7987,7 +7987,7 @@
         <p:spPr>
           <a:xfrm>
             <a:off x="2194560" y="1313280"/>
-            <a:ext cx="39501360" cy="5497200"/>
+            <a:ext cx="39501720" cy="5497200"/>
           </a:xfrm>
           <a:prstGeom prst="rect">
             <a:avLst/>
@@ -8014,7 +8014,7 @@
         <p:spPr>
           <a:xfrm>
             <a:off x="2194560" y="7702560"/>
-            <a:ext cx="39501360" cy="19091880"/>
+            <a:ext cx="39501720" cy="19092240"/>
           </a:xfrm>
           <a:prstGeom prst="rect">
             <a:avLst/>
@@ -8062,7 +8062,7 @@
         <p:spPr>
           <a:xfrm>
             <a:off x="2194560" y="1313280"/>
-            <a:ext cx="39501360" cy="5497200"/>
+            <a:ext cx="39501720" cy="5497200"/>
           </a:xfrm>
           <a:prstGeom prst="rect">
             <a:avLst/>
@@ -8089,7 +8089,7 @@
         <p:spPr>
           <a:xfrm>
             <a:off x="2194560" y="7702560"/>
-            <a:ext cx="19276560" cy="19091880"/>
+            <a:ext cx="19276560" cy="19092240"/>
           </a:xfrm>
           <a:prstGeom prst="rect">
             <a:avLst/>
@@ -8115,7 +8115,7 @@
         <p:spPr>
           <a:xfrm>
             <a:off x="22435200" y="7702560"/>
-            <a:ext cx="19276560" cy="19091880"/>
+            <a:ext cx="19276560" cy="19092240"/>
           </a:xfrm>
           <a:prstGeom prst="rect">
             <a:avLst/>
@@ -8163,7 +8163,7 @@
         <p:spPr>
           <a:xfrm>
             <a:off x="2194560" y="1313280"/>
-            <a:ext cx="39501360" cy="5497200"/>
+            <a:ext cx="39501720" cy="5497200"/>
           </a:xfrm>
           <a:prstGeom prst="rect">
             <a:avLst/>
@@ -8212,7 +8212,7 @@
         <p:spPr>
           <a:xfrm>
             <a:off x="2194560" y="1313280"/>
-            <a:ext cx="39501360" cy="25481880"/>
+            <a:ext cx="39501720" cy="25481880"/>
           </a:xfrm>
           <a:prstGeom prst="rect">
             <a:avLst/>
@@ -8261,7 +8261,7 @@
         <p:spPr>
           <a:xfrm>
             <a:off x="2194560" y="1313280"/>
-            <a:ext cx="39501360" cy="5497200"/>
+            <a:ext cx="39501720" cy="5497200"/>
           </a:xfrm>
           <a:prstGeom prst="rect">
             <a:avLst/>
@@ -8288,7 +8288,7 @@
         <p:spPr>
           <a:xfrm>
             <a:off x="2194560" y="7702560"/>
-            <a:ext cx="19276560" cy="9106560"/>
+            <a:ext cx="19276560" cy="9106920"/>
           </a:xfrm>
           <a:prstGeom prst="rect">
             <a:avLst/>
@@ -8313,8 +8313,8 @@
         </p:nvSpPr>
         <p:spPr>
           <a:xfrm>
-            <a:off x="2194560" y="17674560"/>
-            <a:ext cx="19276560" cy="9106560"/>
+            <a:off x="2194560" y="17674920"/>
+            <a:ext cx="19276560" cy="9106920"/>
           </a:xfrm>
           <a:prstGeom prst="rect">
             <a:avLst/>
@@ -8340,7 +8340,7 @@
         <p:spPr>
           <a:xfrm>
             <a:off x="22435200" y="7702560"/>
-            <a:ext cx="19276560" cy="19091880"/>
+            <a:ext cx="19276560" cy="19092240"/>
           </a:xfrm>
           <a:prstGeom prst="rect">
             <a:avLst/>
@@ -8388,7 +8388,7 @@
         <p:spPr>
           <a:xfrm>
             <a:off x="2194560" y="1313280"/>
-            <a:ext cx="39501360" cy="5497200"/>
+            <a:ext cx="39501720" cy="5497200"/>
           </a:xfrm>
           <a:prstGeom prst="rect">
             <a:avLst/>
@@ -8415,7 +8415,7 @@
         <p:spPr>
           <a:xfrm>
             <a:off x="2194560" y="7702560"/>
-            <a:ext cx="19276560" cy="19091880"/>
+            <a:ext cx="19276560" cy="19092240"/>
           </a:xfrm>
           <a:prstGeom prst="rect">
             <a:avLst/>
@@ -8441,7 +8441,7 @@
         <p:spPr>
           <a:xfrm>
             <a:off x="22435200" y="7702560"/>
-            <a:ext cx="19276560" cy="9106560"/>
+            <a:ext cx="19276560" cy="9106920"/>
           </a:xfrm>
           <a:prstGeom prst="rect">
             <a:avLst/>
@@ -8466,8 +8466,8 @@
         </p:nvSpPr>
         <p:spPr>
           <a:xfrm>
-            <a:off x="22435200" y="17674560"/>
-            <a:ext cx="19276560" cy="9106560"/>
+            <a:off x="22435200" y="17674920"/>
+            <a:ext cx="19276560" cy="9106920"/>
           </a:xfrm>
           <a:prstGeom prst="rect">
             <a:avLst/>
@@ -8515,7 +8515,7 @@
         <p:spPr>
           <a:xfrm>
             <a:off x="2194560" y="1313280"/>
-            <a:ext cx="39501360" cy="5497200"/>
+            <a:ext cx="39501720" cy="5497200"/>
           </a:xfrm>
           <a:prstGeom prst="rect">
             <a:avLst/>
@@ -8542,7 +8542,7 @@
         <p:spPr>
           <a:xfrm>
             <a:off x="2194560" y="7702560"/>
-            <a:ext cx="19276560" cy="9106560"/>
+            <a:ext cx="19276560" cy="9106920"/>
           </a:xfrm>
           <a:prstGeom prst="rect">
             <a:avLst/>
@@ -8568,7 +8568,7 @@
         <p:spPr>
           <a:xfrm>
             <a:off x="22435200" y="7702560"/>
-            <a:ext cx="19276560" cy="9106560"/>
+            <a:ext cx="19276560" cy="9106920"/>
           </a:xfrm>
           <a:prstGeom prst="rect">
             <a:avLst/>
@@ -8593,8 +8593,8 @@
         </p:nvSpPr>
         <p:spPr>
           <a:xfrm>
-            <a:off x="2194560" y="17674560"/>
-            <a:ext cx="39501360" cy="9106560"/>
+            <a:off x="2194560" y="17674920"/>
+            <a:ext cx="39501720" cy="9106920"/>
           </a:xfrm>
           <a:prstGeom prst="rect">
             <a:avLst/>
@@ -8642,7 +8642,7 @@
         <p:spPr>
           <a:xfrm>
             <a:off x="2194560" y="1313280"/>
-            <a:ext cx="39501360" cy="5497200"/>
+            <a:ext cx="39501720" cy="5497200"/>
           </a:xfrm>
           <a:prstGeom prst="rect">
             <a:avLst/>
@@ -8669,7 +8669,7 @@
         <p:spPr>
           <a:xfrm>
             <a:off x="2194560" y="7702560"/>
-            <a:ext cx="19276560" cy="9106560"/>
+            <a:ext cx="19276560" cy="9106920"/>
           </a:xfrm>
           <a:prstGeom prst="rect">
             <a:avLst/>
@@ -8694,8 +8694,8 @@
         </p:nvSpPr>
         <p:spPr>
           <a:xfrm>
-            <a:off x="2194560" y="17674560"/>
-            <a:ext cx="19276560" cy="9106560"/>
+            <a:off x="2194560" y="17674920"/>
+            <a:ext cx="19276560" cy="9106920"/>
           </a:xfrm>
           <a:prstGeom prst="rect">
             <a:avLst/>
@@ -8721,7 +8721,7 @@
         <p:spPr>
           <a:xfrm>
             <a:off x="22435200" y="7702560"/>
-            <a:ext cx="19276560" cy="19091880"/>
+            <a:ext cx="19276560" cy="19092240"/>
           </a:xfrm>
           <a:prstGeom prst="rect">
             <a:avLst/>
@@ -8769,7 +8769,7 @@
         <p:spPr>
           <a:xfrm>
             <a:off x="2194560" y="1313280"/>
-            <a:ext cx="39501360" cy="5497200"/>
+            <a:ext cx="39501720" cy="5497200"/>
           </a:xfrm>
           <a:prstGeom prst="rect">
             <a:avLst/>
@@ -8796,7 +8796,7 @@
         <p:spPr>
           <a:xfrm>
             <a:off x="2194560" y="7702560"/>
-            <a:ext cx="39501360" cy="9106560"/>
+            <a:ext cx="39501720" cy="9106920"/>
           </a:xfrm>
           <a:prstGeom prst="rect">
             <a:avLst/>
@@ -8821,8 +8821,8 @@
         </p:nvSpPr>
         <p:spPr>
           <a:xfrm>
-            <a:off x="2194560" y="17674560"/>
-            <a:ext cx="39501360" cy="9106560"/>
+            <a:off x="2194560" y="17674920"/>
+            <a:ext cx="39501720" cy="9106920"/>
           </a:xfrm>
           <a:prstGeom prst="rect">
             <a:avLst/>
@@ -8870,7 +8870,7 @@
         <p:spPr>
           <a:xfrm>
             <a:off x="2194560" y="1313280"/>
-            <a:ext cx="39501360" cy="5497200"/>
+            <a:ext cx="39501720" cy="5497200"/>
           </a:xfrm>
           <a:prstGeom prst="rect">
             <a:avLst/>
@@ -8897,7 +8897,7 @@
         <p:spPr>
           <a:xfrm>
             <a:off x="2194560" y="7702560"/>
-            <a:ext cx="19276560" cy="9106560"/>
+            <a:ext cx="19276560" cy="9106920"/>
           </a:xfrm>
           <a:prstGeom prst="rect">
             <a:avLst/>
@@ -8923,7 +8923,7 @@
         <p:spPr>
           <a:xfrm>
             <a:off x="22435200" y="7702560"/>
-            <a:ext cx="19276560" cy="9106560"/>
+            <a:ext cx="19276560" cy="9106920"/>
           </a:xfrm>
           <a:prstGeom prst="rect">
             <a:avLst/>
@@ -8948,8 +8948,8 @@
         </p:nvSpPr>
         <p:spPr>
           <a:xfrm>
-            <a:off x="22435200" y="17674560"/>
-            <a:ext cx="19276560" cy="9106560"/>
+            <a:off x="22435200" y="17674920"/>
+            <a:ext cx="19276560" cy="9106920"/>
           </a:xfrm>
           <a:prstGeom prst="rect">
             <a:avLst/>
@@ -8974,8 +8974,8 @@
         </p:nvSpPr>
         <p:spPr>
           <a:xfrm>
-            <a:off x="2194560" y="17674560"/>
-            <a:ext cx="19276560" cy="9106560"/>
+            <a:off x="2194560" y="17674920"/>
+            <a:ext cx="19276560" cy="9106920"/>
           </a:xfrm>
           <a:prstGeom prst="rect">
             <a:avLst/>
@@ -9023,7 +9023,7 @@
         <p:spPr>
           <a:xfrm>
             <a:off x="2194560" y="1313280"/>
-            <a:ext cx="39501360" cy="5497200"/>
+            <a:ext cx="39501720" cy="5497200"/>
           </a:xfrm>
           <a:prstGeom prst="rect">
             <a:avLst/>
@@ -9050,7 +9050,7 @@
         <p:spPr>
           <a:xfrm>
             <a:off x="2194560" y="7702560"/>
-            <a:ext cx="39501360" cy="19091880"/>
+            <a:ext cx="39501720" cy="19092240"/>
           </a:xfrm>
           <a:prstGeom prst="rect">
             <a:avLst/>
@@ -9076,7 +9076,7 @@
         <p:spPr>
           <a:xfrm>
             <a:off x="2194560" y="7702560"/>
-            <a:ext cx="39501360" cy="19091880"/>
+            <a:ext cx="39501720" cy="19092240"/>
           </a:xfrm>
           <a:prstGeom prst="rect">
             <a:avLst/>
@@ -9103,8 +9103,8 @@
         </p:blipFill>
         <p:spPr>
           <a:xfrm>
-            <a:off x="9981000" y="7702200"/>
-            <a:ext cx="23928120" cy="19091880"/>
+            <a:off x="9980640" y="7702560"/>
+            <a:ext cx="23928840" cy="19092240"/>
           </a:xfrm>
           <a:prstGeom prst="rect">
             <a:avLst/>
@@ -9128,8 +9128,8 @@
         </p:blipFill>
         <p:spPr>
           <a:xfrm>
-            <a:off x="9981000" y="7702200"/>
-            <a:ext cx="23928120" cy="19091880"/>
+            <a:off x="9980640" y="7702560"/>
+            <a:ext cx="23928840" cy="19092240"/>
           </a:xfrm>
           <a:prstGeom prst="rect">
             <a:avLst/>
@@ -9196,7 +9196,7 @@
         <p:spPr>
           <a:xfrm>
             <a:off x="2194560" y="1313280"/>
-            <a:ext cx="39501360" cy="5497200"/>
+            <a:ext cx="39501720" cy="5497200"/>
           </a:xfrm>
           <a:prstGeom prst="rect">
             <a:avLst/>
@@ -9223,7 +9223,7 @@
         <p:spPr>
           <a:xfrm>
             <a:off x="2194560" y="7702560"/>
-            <a:ext cx="39501360" cy="19092240"/>
+            <a:ext cx="39501720" cy="19092600"/>
           </a:xfrm>
           <a:prstGeom prst="rect">
             <a:avLst/>
@@ -9272,7 +9272,7 @@
         <p:spPr>
           <a:xfrm>
             <a:off x="2194560" y="1313280"/>
-            <a:ext cx="39501360" cy="5497200"/>
+            <a:ext cx="39501720" cy="5497200"/>
           </a:xfrm>
           <a:prstGeom prst="rect">
             <a:avLst/>
@@ -9299,7 +9299,7 @@
         <p:spPr>
           <a:xfrm>
             <a:off x="2194560" y="7702560"/>
-            <a:ext cx="39501360" cy="19091880"/>
+            <a:ext cx="39501720" cy="19092240"/>
           </a:xfrm>
           <a:prstGeom prst="rect">
             <a:avLst/>
@@ -9347,7 +9347,7 @@
         <p:spPr>
           <a:xfrm>
             <a:off x="2194560" y="1313280"/>
-            <a:ext cx="39501360" cy="5497200"/>
+            <a:ext cx="39501720" cy="5497200"/>
           </a:xfrm>
           <a:prstGeom prst="rect">
             <a:avLst/>
@@ -9374,7 +9374,7 @@
         <p:spPr>
           <a:xfrm>
             <a:off x="2194560" y="7702560"/>
-            <a:ext cx="19276560" cy="19091880"/>
+            <a:ext cx="19276560" cy="19092240"/>
           </a:xfrm>
           <a:prstGeom prst="rect">
             <a:avLst/>
@@ -9400,7 +9400,7 @@
         <p:spPr>
           <a:xfrm>
             <a:off x="22435200" y="7702560"/>
-            <a:ext cx="19276560" cy="19091880"/>
+            <a:ext cx="19276560" cy="19092240"/>
           </a:xfrm>
           <a:prstGeom prst="rect">
             <a:avLst/>
@@ -9448,7 +9448,7 @@
         <p:spPr>
           <a:xfrm>
             <a:off x="2194560" y="1313280"/>
-            <a:ext cx="39501360" cy="5497200"/>
+            <a:ext cx="39501720" cy="5497200"/>
           </a:xfrm>
           <a:prstGeom prst="rect">
             <a:avLst/>
@@ -9497,7 +9497,7 @@
         <p:spPr>
           <a:xfrm>
             <a:off x="2194560" y="1313280"/>
-            <a:ext cx="39501360" cy="25481880"/>
+            <a:ext cx="39501720" cy="25481880"/>
           </a:xfrm>
           <a:prstGeom prst="rect">
             <a:avLst/>
@@ -9546,7 +9546,7 @@
         <p:spPr>
           <a:xfrm>
             <a:off x="2194560" y="1313280"/>
-            <a:ext cx="39501360" cy="5497200"/>
+            <a:ext cx="39501720" cy="5497200"/>
           </a:xfrm>
           <a:prstGeom prst="rect">
             <a:avLst/>
@@ -9573,7 +9573,7 @@
         <p:spPr>
           <a:xfrm>
             <a:off x="2194560" y="7702560"/>
-            <a:ext cx="19276560" cy="9106560"/>
+            <a:ext cx="19276560" cy="9106920"/>
           </a:xfrm>
           <a:prstGeom prst="rect">
             <a:avLst/>
@@ -9598,8 +9598,8 @@
         </p:nvSpPr>
         <p:spPr>
           <a:xfrm>
-            <a:off x="2194560" y="17674560"/>
-            <a:ext cx="19276560" cy="9106560"/>
+            <a:off x="2194560" y="17674920"/>
+            <a:ext cx="19276560" cy="9106920"/>
           </a:xfrm>
           <a:prstGeom prst="rect">
             <a:avLst/>
@@ -9625,7 +9625,7 @@
         <p:spPr>
           <a:xfrm>
             <a:off x="22435200" y="7702560"/>
-            <a:ext cx="19276560" cy="19091880"/>
+            <a:ext cx="19276560" cy="19092240"/>
           </a:xfrm>
           <a:prstGeom prst="rect">
             <a:avLst/>
@@ -9673,7 +9673,7 @@
         <p:spPr>
           <a:xfrm>
             <a:off x="2194560" y="1313280"/>
-            <a:ext cx="39501360" cy="5497200"/>
+            <a:ext cx="39501720" cy="5497200"/>
           </a:xfrm>
           <a:prstGeom prst="rect">
             <a:avLst/>
@@ -9700,7 +9700,7 @@
         <p:spPr>
           <a:xfrm>
             <a:off x="2194560" y="7702560"/>
-            <a:ext cx="19276560" cy="19091880"/>
+            <a:ext cx="19276560" cy="19092240"/>
           </a:xfrm>
           <a:prstGeom prst="rect">
             <a:avLst/>
@@ -9726,7 +9726,7 @@
         <p:spPr>
           <a:xfrm>
             <a:off x="22435200" y="7702560"/>
-            <a:ext cx="19276560" cy="9106560"/>
+            <a:ext cx="19276560" cy="9106920"/>
           </a:xfrm>
           <a:prstGeom prst="rect">
             <a:avLst/>
@@ -9751,8 +9751,8 @@
         </p:nvSpPr>
         <p:spPr>
           <a:xfrm>
-            <a:off x="22435200" y="17674560"/>
-            <a:ext cx="19276560" cy="9106560"/>
+            <a:off x="22435200" y="17674920"/>
+            <a:ext cx="19276560" cy="9106920"/>
           </a:xfrm>
           <a:prstGeom prst="rect">
             <a:avLst/>
@@ -9800,7 +9800,7 @@
         <p:spPr>
           <a:xfrm>
             <a:off x="2194560" y="1313280"/>
-            <a:ext cx="39501360" cy="5497200"/>
+            <a:ext cx="39501720" cy="5497200"/>
           </a:xfrm>
           <a:prstGeom prst="rect">
             <a:avLst/>
@@ -9827,7 +9827,7 @@
         <p:spPr>
           <a:xfrm>
             <a:off x="2194560" y="7702560"/>
-            <a:ext cx="19276560" cy="19091880"/>
+            <a:ext cx="19276560" cy="19092240"/>
           </a:xfrm>
           <a:prstGeom prst="rect">
             <a:avLst/>
@@ -9853,7 +9853,7 @@
         <p:spPr>
           <a:xfrm>
             <a:off x="22435200" y="7702560"/>
-            <a:ext cx="19276560" cy="9106560"/>
+            <a:ext cx="19276560" cy="9106920"/>
           </a:xfrm>
           <a:prstGeom prst="rect">
             <a:avLst/>
@@ -9878,8 +9878,8 @@
         </p:nvSpPr>
         <p:spPr>
           <a:xfrm>
-            <a:off x="22435200" y="17674560"/>
-            <a:ext cx="19276560" cy="9106560"/>
+            <a:off x="22435200" y="17674920"/>
+            <a:ext cx="19276560" cy="9106920"/>
           </a:xfrm>
           <a:prstGeom prst="rect">
             <a:avLst/>
@@ -9927,7 +9927,7 @@
         <p:spPr>
           <a:xfrm>
             <a:off x="2194560" y="1313280"/>
-            <a:ext cx="39501360" cy="5497200"/>
+            <a:ext cx="39501720" cy="5497200"/>
           </a:xfrm>
           <a:prstGeom prst="rect">
             <a:avLst/>
@@ -9954,7 +9954,7 @@
         <p:spPr>
           <a:xfrm>
             <a:off x="2194560" y="7702560"/>
-            <a:ext cx="19276560" cy="9106560"/>
+            <a:ext cx="19276560" cy="9106920"/>
           </a:xfrm>
           <a:prstGeom prst="rect">
             <a:avLst/>
@@ -9980,7 +9980,7 @@
         <p:spPr>
           <a:xfrm>
             <a:off x="22435200" y="7702560"/>
-            <a:ext cx="19276560" cy="9106560"/>
+            <a:ext cx="19276560" cy="9106920"/>
           </a:xfrm>
           <a:prstGeom prst="rect">
             <a:avLst/>
@@ -10005,8 +10005,8 @@
         </p:nvSpPr>
         <p:spPr>
           <a:xfrm>
-            <a:off x="2194560" y="17674560"/>
-            <a:ext cx="39501360" cy="9106560"/>
+            <a:off x="2194560" y="17674920"/>
+            <a:ext cx="39501720" cy="9106920"/>
           </a:xfrm>
           <a:prstGeom prst="rect">
             <a:avLst/>
@@ -10054,7 +10054,7 @@
         <p:spPr>
           <a:xfrm>
             <a:off x="2194560" y="1313280"/>
-            <a:ext cx="39501360" cy="5497200"/>
+            <a:ext cx="39501720" cy="5497200"/>
           </a:xfrm>
           <a:prstGeom prst="rect">
             <a:avLst/>
@@ -10081,7 +10081,7 @@
         <p:spPr>
           <a:xfrm>
             <a:off x="2194560" y="7702560"/>
-            <a:ext cx="39501360" cy="9106560"/>
+            <a:ext cx="39501720" cy="9106920"/>
           </a:xfrm>
           <a:prstGeom prst="rect">
             <a:avLst/>
@@ -10106,8 +10106,8 @@
         </p:nvSpPr>
         <p:spPr>
           <a:xfrm>
-            <a:off x="2194560" y="17674560"/>
-            <a:ext cx="39501360" cy="9106560"/>
+            <a:off x="2194560" y="17674920"/>
+            <a:ext cx="39501720" cy="9106920"/>
           </a:xfrm>
           <a:prstGeom prst="rect">
             <a:avLst/>
@@ -10155,7 +10155,7 @@
         <p:spPr>
           <a:xfrm>
             <a:off x="2194560" y="1313280"/>
-            <a:ext cx="39501360" cy="5497200"/>
+            <a:ext cx="39501720" cy="5497200"/>
           </a:xfrm>
           <a:prstGeom prst="rect">
             <a:avLst/>
@@ -10182,7 +10182,7 @@
         <p:spPr>
           <a:xfrm>
             <a:off x="2194560" y="7702560"/>
-            <a:ext cx="19276560" cy="9106560"/>
+            <a:ext cx="19276560" cy="9106920"/>
           </a:xfrm>
           <a:prstGeom prst="rect">
             <a:avLst/>
@@ -10208,7 +10208,7 @@
         <p:spPr>
           <a:xfrm>
             <a:off x="22435200" y="7702560"/>
-            <a:ext cx="19276560" cy="9106560"/>
+            <a:ext cx="19276560" cy="9106920"/>
           </a:xfrm>
           <a:prstGeom prst="rect">
             <a:avLst/>
@@ -10233,8 +10233,8 @@
         </p:nvSpPr>
         <p:spPr>
           <a:xfrm>
-            <a:off x="22435200" y="17674560"/>
-            <a:ext cx="19276560" cy="9106560"/>
+            <a:off x="22435200" y="17674920"/>
+            <a:ext cx="19276560" cy="9106920"/>
           </a:xfrm>
           <a:prstGeom prst="rect">
             <a:avLst/>
@@ -10259,8 +10259,8 @@
         </p:nvSpPr>
         <p:spPr>
           <a:xfrm>
-            <a:off x="2194560" y="17674560"/>
-            <a:ext cx="19276560" cy="9106560"/>
+            <a:off x="2194560" y="17674920"/>
+            <a:ext cx="19276560" cy="9106920"/>
           </a:xfrm>
           <a:prstGeom prst="rect">
             <a:avLst/>
@@ -10308,7 +10308,7 @@
         <p:spPr>
           <a:xfrm>
             <a:off x="2194560" y="1313280"/>
-            <a:ext cx="39501360" cy="5497200"/>
+            <a:ext cx="39501720" cy="5497200"/>
           </a:xfrm>
           <a:prstGeom prst="rect">
             <a:avLst/>
@@ -10335,7 +10335,7 @@
         <p:spPr>
           <a:xfrm>
             <a:off x="2194560" y="7702560"/>
-            <a:ext cx="39501360" cy="19091880"/>
+            <a:ext cx="39501720" cy="19092240"/>
           </a:xfrm>
           <a:prstGeom prst="rect">
             <a:avLst/>
@@ -10361,7 +10361,7 @@
         <p:spPr>
           <a:xfrm>
             <a:off x="2194560" y="7702560"/>
-            <a:ext cx="39501360" cy="19091880"/>
+            <a:ext cx="39501720" cy="19092240"/>
           </a:xfrm>
           <a:prstGeom prst="rect">
             <a:avLst/>
@@ -10388,8 +10388,8 @@
         </p:blipFill>
         <p:spPr>
           <a:xfrm>
-            <a:off x="9981000" y="7702200"/>
-            <a:ext cx="23928120" cy="19091880"/>
+            <a:off x="9980640" y="7702560"/>
+            <a:ext cx="23928840" cy="19092240"/>
           </a:xfrm>
           <a:prstGeom prst="rect">
             <a:avLst/>
@@ -10413,8 +10413,8 @@
         </p:blipFill>
         <p:spPr>
           <a:xfrm>
-            <a:off x="9981000" y="7702200"/>
-            <a:ext cx="23928120" cy="19091880"/>
+            <a:off x="9980640" y="7702560"/>
+            <a:ext cx="23928840" cy="19092240"/>
           </a:xfrm>
           <a:prstGeom prst="rect">
             <a:avLst/>
@@ -10481,7 +10481,7 @@
         <p:spPr>
           <a:xfrm>
             <a:off x="2194560" y="1313280"/>
-            <a:ext cx="39501360" cy="5497200"/>
+            <a:ext cx="39501720" cy="5497200"/>
           </a:xfrm>
           <a:prstGeom prst="rect">
             <a:avLst/>
@@ -10508,7 +10508,7 @@
         <p:spPr>
           <a:xfrm>
             <a:off x="2194560" y="7702560"/>
-            <a:ext cx="39501360" cy="19092240"/>
+            <a:ext cx="39501720" cy="19092600"/>
           </a:xfrm>
           <a:prstGeom prst="rect">
             <a:avLst/>
@@ -10557,7 +10557,7 @@
         <p:spPr>
           <a:xfrm>
             <a:off x="2194560" y="1313280"/>
-            <a:ext cx="39501360" cy="5497200"/>
+            <a:ext cx="39501720" cy="5497200"/>
           </a:xfrm>
           <a:prstGeom prst="rect">
             <a:avLst/>
@@ -10584,7 +10584,7 @@
         <p:spPr>
           <a:xfrm>
             <a:off x="2194560" y="7702560"/>
-            <a:ext cx="39501360" cy="19091880"/>
+            <a:ext cx="39501720" cy="19092240"/>
           </a:xfrm>
           <a:prstGeom prst="rect">
             <a:avLst/>
@@ -10632,7 +10632,7 @@
         <p:spPr>
           <a:xfrm>
             <a:off x="2194560" y="1313280"/>
-            <a:ext cx="39501360" cy="5497200"/>
+            <a:ext cx="39501720" cy="5497200"/>
           </a:xfrm>
           <a:prstGeom prst="rect">
             <a:avLst/>
@@ -10659,7 +10659,7 @@
         <p:spPr>
           <a:xfrm>
             <a:off x="2194560" y="7702560"/>
-            <a:ext cx="19276560" cy="19091880"/>
+            <a:ext cx="19276560" cy="19092240"/>
           </a:xfrm>
           <a:prstGeom prst="rect">
             <a:avLst/>
@@ -10685,7 +10685,7 @@
         <p:spPr>
           <a:xfrm>
             <a:off x="22435200" y="7702560"/>
-            <a:ext cx="19276560" cy="19091880"/>
+            <a:ext cx="19276560" cy="19092240"/>
           </a:xfrm>
           <a:prstGeom prst="rect">
             <a:avLst/>
@@ -10733,7 +10733,7 @@
         <p:spPr>
           <a:xfrm>
             <a:off x="2194560" y="1313280"/>
-            <a:ext cx="39501360" cy="5497200"/>
+            <a:ext cx="39501720" cy="5497200"/>
           </a:xfrm>
           <a:prstGeom prst="rect">
             <a:avLst/>
@@ -10782,7 +10782,7 @@
         <p:spPr>
           <a:xfrm>
             <a:off x="2194560" y="1313280"/>
-            <a:ext cx="39501360" cy="5497200"/>
+            <a:ext cx="39501720" cy="5497200"/>
           </a:xfrm>
           <a:prstGeom prst="rect">
             <a:avLst/>
@@ -10809,7 +10809,7 @@
         <p:spPr>
           <a:xfrm>
             <a:off x="2194560" y="7702560"/>
-            <a:ext cx="19276560" cy="9106560"/>
+            <a:ext cx="19276560" cy="9106920"/>
           </a:xfrm>
           <a:prstGeom prst="rect">
             <a:avLst/>
@@ -10835,7 +10835,7 @@
         <p:spPr>
           <a:xfrm>
             <a:off x="22435200" y="7702560"/>
-            <a:ext cx="19276560" cy="9106560"/>
+            <a:ext cx="19276560" cy="9106920"/>
           </a:xfrm>
           <a:prstGeom prst="rect">
             <a:avLst/>
@@ -10860,8 +10860,8 @@
         </p:nvSpPr>
         <p:spPr>
           <a:xfrm>
-            <a:off x="2194560" y="17674560"/>
-            <a:ext cx="39501360" cy="9106560"/>
+            <a:off x="2194560" y="17674920"/>
+            <a:ext cx="39501720" cy="9106920"/>
           </a:xfrm>
           <a:prstGeom prst="rect">
             <a:avLst/>
@@ -10909,7 +10909,7 @@
         <p:spPr>
           <a:xfrm>
             <a:off x="2194560" y="1313280"/>
-            <a:ext cx="39501360" cy="25481880"/>
+            <a:ext cx="39501720" cy="25481880"/>
           </a:xfrm>
           <a:prstGeom prst="rect">
             <a:avLst/>
@@ -10958,7 +10958,7 @@
         <p:spPr>
           <a:xfrm>
             <a:off x="2194560" y="1313280"/>
-            <a:ext cx="39501360" cy="5497200"/>
+            <a:ext cx="39501720" cy="5497200"/>
           </a:xfrm>
           <a:prstGeom prst="rect">
             <a:avLst/>
@@ -10985,7 +10985,7 @@
         <p:spPr>
           <a:xfrm>
             <a:off x="2194560" y="7702560"/>
-            <a:ext cx="19276560" cy="9106560"/>
+            <a:ext cx="19276560" cy="9106920"/>
           </a:xfrm>
           <a:prstGeom prst="rect">
             <a:avLst/>
@@ -11010,8 +11010,8 @@
         </p:nvSpPr>
         <p:spPr>
           <a:xfrm>
-            <a:off x="2194560" y="17674560"/>
-            <a:ext cx="19276560" cy="9106560"/>
+            <a:off x="2194560" y="17674920"/>
+            <a:ext cx="19276560" cy="9106920"/>
           </a:xfrm>
           <a:prstGeom prst="rect">
             <a:avLst/>
@@ -11037,7 +11037,7 @@
         <p:spPr>
           <a:xfrm>
             <a:off x="22435200" y="7702560"/>
-            <a:ext cx="19276560" cy="19091880"/>
+            <a:ext cx="19276560" cy="19092240"/>
           </a:xfrm>
           <a:prstGeom prst="rect">
             <a:avLst/>
@@ -11085,7 +11085,7 @@
         <p:spPr>
           <a:xfrm>
             <a:off x="2194560" y="1313280"/>
-            <a:ext cx="39501360" cy="5497200"/>
+            <a:ext cx="39501720" cy="5497200"/>
           </a:xfrm>
           <a:prstGeom prst="rect">
             <a:avLst/>
@@ -11112,7 +11112,7 @@
         <p:spPr>
           <a:xfrm>
             <a:off x="2194560" y="7702560"/>
-            <a:ext cx="19276560" cy="19091880"/>
+            <a:ext cx="19276560" cy="19092240"/>
           </a:xfrm>
           <a:prstGeom prst="rect">
             <a:avLst/>
@@ -11138,7 +11138,7 @@
         <p:spPr>
           <a:xfrm>
             <a:off x="22435200" y="7702560"/>
-            <a:ext cx="19276560" cy="9106560"/>
+            <a:ext cx="19276560" cy="9106920"/>
           </a:xfrm>
           <a:prstGeom prst="rect">
             <a:avLst/>
@@ -11163,8 +11163,8 @@
         </p:nvSpPr>
         <p:spPr>
           <a:xfrm>
-            <a:off x="22435200" y="17674560"/>
-            <a:ext cx="19276560" cy="9106560"/>
+            <a:off x="22435200" y="17674920"/>
+            <a:ext cx="19276560" cy="9106920"/>
           </a:xfrm>
           <a:prstGeom prst="rect">
             <a:avLst/>
@@ -11212,7 +11212,7 @@
         <p:spPr>
           <a:xfrm>
             <a:off x="2194560" y="1313280"/>
-            <a:ext cx="39501360" cy="5497200"/>
+            <a:ext cx="39501720" cy="5497200"/>
           </a:xfrm>
           <a:prstGeom prst="rect">
             <a:avLst/>
@@ -11239,7 +11239,7 @@
         <p:spPr>
           <a:xfrm>
             <a:off x="2194560" y="7702560"/>
-            <a:ext cx="19276560" cy="9106560"/>
+            <a:ext cx="19276560" cy="9106920"/>
           </a:xfrm>
           <a:prstGeom prst="rect">
             <a:avLst/>
@@ -11265,7 +11265,7 @@
         <p:spPr>
           <a:xfrm>
             <a:off x="22435200" y="7702560"/>
-            <a:ext cx="19276560" cy="9106560"/>
+            <a:ext cx="19276560" cy="9106920"/>
           </a:xfrm>
           <a:prstGeom prst="rect">
             <a:avLst/>
@@ -11290,8 +11290,8 @@
         </p:nvSpPr>
         <p:spPr>
           <a:xfrm>
-            <a:off x="2194560" y="17674560"/>
-            <a:ext cx="39501360" cy="9106560"/>
+            <a:off x="2194560" y="17674920"/>
+            <a:ext cx="39501720" cy="9106920"/>
           </a:xfrm>
           <a:prstGeom prst="rect">
             <a:avLst/>
@@ -11339,7 +11339,7 @@
         <p:spPr>
           <a:xfrm>
             <a:off x="2194560" y="1313280"/>
-            <a:ext cx="39501360" cy="5497200"/>
+            <a:ext cx="39501720" cy="5497200"/>
           </a:xfrm>
           <a:prstGeom prst="rect">
             <a:avLst/>
@@ -11366,7 +11366,7 @@
         <p:spPr>
           <a:xfrm>
             <a:off x="2194560" y="7702560"/>
-            <a:ext cx="39501360" cy="9106560"/>
+            <a:ext cx="39501720" cy="9106920"/>
           </a:xfrm>
           <a:prstGeom prst="rect">
             <a:avLst/>
@@ -11391,8 +11391,8 @@
         </p:nvSpPr>
         <p:spPr>
           <a:xfrm>
-            <a:off x="2194560" y="17674560"/>
-            <a:ext cx="39501360" cy="9106560"/>
+            <a:off x="2194560" y="17674920"/>
+            <a:ext cx="39501720" cy="9106920"/>
           </a:xfrm>
           <a:prstGeom prst="rect">
             <a:avLst/>
@@ -11440,7 +11440,7 @@
         <p:spPr>
           <a:xfrm>
             <a:off x="2194560" y="1313280"/>
-            <a:ext cx="39501360" cy="5497200"/>
+            <a:ext cx="39501720" cy="5497200"/>
           </a:xfrm>
           <a:prstGeom prst="rect">
             <a:avLst/>
@@ -11467,7 +11467,7 @@
         <p:spPr>
           <a:xfrm>
             <a:off x="2194560" y="7702560"/>
-            <a:ext cx="19276560" cy="9106560"/>
+            <a:ext cx="19276560" cy="9106920"/>
           </a:xfrm>
           <a:prstGeom prst="rect">
             <a:avLst/>
@@ -11493,7 +11493,7 @@
         <p:spPr>
           <a:xfrm>
             <a:off x="22435200" y="7702560"/>
-            <a:ext cx="19276560" cy="9106560"/>
+            <a:ext cx="19276560" cy="9106920"/>
           </a:xfrm>
           <a:prstGeom prst="rect">
             <a:avLst/>
@@ -11518,8 +11518,8 @@
         </p:nvSpPr>
         <p:spPr>
           <a:xfrm>
-            <a:off x="22435200" y="17674560"/>
-            <a:ext cx="19276560" cy="9106560"/>
+            <a:off x="22435200" y="17674920"/>
+            <a:ext cx="19276560" cy="9106920"/>
           </a:xfrm>
           <a:prstGeom prst="rect">
             <a:avLst/>
@@ -11544,8 +11544,8 @@
         </p:nvSpPr>
         <p:spPr>
           <a:xfrm>
-            <a:off x="2194560" y="17674560"/>
-            <a:ext cx="19276560" cy="9106560"/>
+            <a:off x="2194560" y="17674920"/>
+            <a:ext cx="19276560" cy="9106920"/>
           </a:xfrm>
           <a:prstGeom prst="rect">
             <a:avLst/>
@@ -11593,7 +11593,7 @@
         <p:spPr>
           <a:xfrm>
             <a:off x="2194560" y="1313280"/>
-            <a:ext cx="39501360" cy="5497200"/>
+            <a:ext cx="39501720" cy="5497200"/>
           </a:xfrm>
           <a:prstGeom prst="rect">
             <a:avLst/>
@@ -11620,7 +11620,7 @@
         <p:spPr>
           <a:xfrm>
             <a:off x="2194560" y="7702560"/>
-            <a:ext cx="39501360" cy="19091880"/>
+            <a:ext cx="39501720" cy="19092240"/>
           </a:xfrm>
           <a:prstGeom prst="rect">
             <a:avLst/>
@@ -11646,7 +11646,7 @@
         <p:spPr>
           <a:xfrm>
             <a:off x="2194560" y="7702560"/>
-            <a:ext cx="39501360" cy="19091880"/>
+            <a:ext cx="39501720" cy="19092240"/>
           </a:xfrm>
           <a:prstGeom prst="rect">
             <a:avLst/>
@@ -11673,8 +11673,8 @@
         </p:blipFill>
         <p:spPr>
           <a:xfrm>
-            <a:off x="9981000" y="7702200"/>
-            <a:ext cx="23928120" cy="19091880"/>
+            <a:off x="9980640" y="7702560"/>
+            <a:ext cx="23928840" cy="19092240"/>
           </a:xfrm>
           <a:prstGeom prst="rect">
             <a:avLst/>
@@ -11698,8 +11698,8 @@
         </p:blipFill>
         <p:spPr>
           <a:xfrm>
-            <a:off x="9981000" y="7702200"/>
-            <a:ext cx="23928120" cy="19091880"/>
+            <a:off x="9980640" y="7702560"/>
+            <a:ext cx="23928840" cy="19092240"/>
           </a:xfrm>
           <a:prstGeom prst="rect">
             <a:avLst/>
@@ -11766,7 +11766,7 @@
         <p:spPr>
           <a:xfrm>
             <a:off x="2194560" y="1313280"/>
-            <a:ext cx="39501360" cy="5497200"/>
+            <a:ext cx="39501720" cy="5497200"/>
           </a:xfrm>
           <a:prstGeom prst="rect">
             <a:avLst/>
@@ -11793,7 +11793,7 @@
         <p:spPr>
           <a:xfrm>
             <a:off x="2194560" y="7702560"/>
-            <a:ext cx="39501360" cy="19092240"/>
+            <a:ext cx="39501720" cy="19092600"/>
           </a:xfrm>
           <a:prstGeom prst="rect">
             <a:avLst/>
@@ -11842,7 +11842,7 @@
         <p:spPr>
           <a:xfrm>
             <a:off x="2194560" y="1313280"/>
-            <a:ext cx="39501360" cy="5497200"/>
+            <a:ext cx="39501720" cy="5497200"/>
           </a:xfrm>
           <a:prstGeom prst="rect">
             <a:avLst/>
@@ -11869,7 +11869,7 @@
         <p:spPr>
           <a:xfrm>
             <a:off x="2194560" y="7702560"/>
-            <a:ext cx="39501360" cy="19091880"/>
+            <a:ext cx="39501720" cy="19092240"/>
           </a:xfrm>
           <a:prstGeom prst="rect">
             <a:avLst/>
@@ -12124,7 +12124,7 @@
         <p:spPr>
           <a:xfrm>
             <a:off x="9980640" y="7702560"/>
-            <a:ext cx="23927760" cy="19091160"/>
+            <a:ext cx="23927400" cy="19090800"/>
           </a:xfrm>
           <a:prstGeom prst="rect">
             <a:avLst/>
@@ -12149,7 +12149,7 @@
         <p:spPr>
           <a:xfrm>
             <a:off x="9980640" y="7702560"/>
-            <a:ext cx="23927760" cy="19091160"/>
+            <a:ext cx="23927400" cy="19090800"/>
           </a:xfrm>
           <a:prstGeom prst="rect">
             <a:avLst/>
@@ -12159,283 +12159,9 @@
           </a:ln>
         </p:spPr>
       </p:pic>
-      <p:sp>
-        <p:nvSpPr>
-          <p:cNvPr id="339" name="PlaceHolder 1"/>
-          <p:cNvSpPr>
-            <a:spLocks noGrp="1"/>
-          </p:cNvSpPr>
-          <p:nvPr>
-            <p:ph type="title"/>
-          </p:nvPr>
-        </p:nvSpPr>
-        <p:spPr>
-          <a:xfrm>
-            <a:off x="2194560" y="1313280"/>
-            <a:ext cx="39501360" cy="5496840"/>
-          </a:xfrm>
-          <a:prstGeom prst="rect">
-            <a:avLst/>
-          </a:prstGeom>
-        </p:spPr>
-        <p:txBody>
-          <a:bodyPr lIns="0" rIns="0" tIns="0" bIns="0" anchor="ctr"/>
-          <a:p>
-            <a:r>
-              <a:rPr lang="en-US">
-                <a:latin typeface="Arial"/>
-              </a:rPr>
-              <a:t>Click to edit the title text format</a:t>
-            </a:r>
-            <a:endParaRPr/>
-          </a:p>
-        </p:txBody>
-      </p:sp>
-      <p:sp>
-        <p:nvSpPr>
-          <p:cNvPr id="340" name="PlaceHolder 2"/>
-          <p:cNvSpPr>
-            <a:spLocks noGrp="1"/>
-          </p:cNvSpPr>
-          <p:nvPr>
-            <p:ph type="body"/>
-          </p:nvPr>
-        </p:nvSpPr>
-        <p:spPr>
-          <a:xfrm>
-            <a:off x="2194560" y="7702560"/>
-            <a:ext cx="39501360" cy="19091880"/>
-          </a:xfrm>
-          <a:prstGeom prst="rect">
-            <a:avLst/>
-          </a:prstGeom>
-        </p:spPr>
-        <p:txBody>
-          <a:bodyPr lIns="0" rIns="0" tIns="0" bIns="0"/>
-          <a:p>
-            <a:pPr>
-              <a:buSzPct val="45000"/>
-              <a:buFont typeface="StarSymbol"/>
-              <a:buChar char=""/>
-            </a:pPr>
-            <a:r>
-              <a:rPr lang="en-US">
-                <a:latin typeface="Arial"/>
-              </a:rPr>
-              <a:t>Click to edit the outline text format</a:t>
-            </a:r>
-            <a:endParaRPr/>
-          </a:p>
-          <a:p>
-            <a:pPr lvl="1">
-              <a:buSzPct val="75000"/>
-              <a:buFont typeface="StarSymbol"/>
-              <a:buChar char=""/>
-            </a:pPr>
-            <a:r>
-              <a:rPr lang="en-US">
-                <a:latin typeface="Arial"/>
-              </a:rPr>
-              <a:t>Second Outline Level</a:t>
-            </a:r>
-            <a:endParaRPr/>
-          </a:p>
-          <a:p>
-            <a:pPr lvl="2">
-              <a:buSzPct val="45000"/>
-              <a:buFont typeface="StarSymbol"/>
-              <a:buChar char=""/>
-            </a:pPr>
-            <a:r>
-              <a:rPr lang="en-US">
-                <a:latin typeface="Arial"/>
-              </a:rPr>
-              <a:t>Third Outline Level</a:t>
-            </a:r>
-            <a:endParaRPr/>
-          </a:p>
-          <a:p>
-            <a:pPr lvl="3">
-              <a:buSzPct val="75000"/>
-              <a:buFont typeface="StarSymbol"/>
-              <a:buChar char=""/>
-            </a:pPr>
-            <a:r>
-              <a:rPr lang="en-US">
-                <a:latin typeface="Arial"/>
-              </a:rPr>
-              <a:t>Fourth Outline Level</a:t>
-            </a:r>
-            <a:endParaRPr/>
-          </a:p>
-          <a:p>
-            <a:pPr lvl="4">
-              <a:buSzPct val="45000"/>
-              <a:buFont typeface="StarSymbol"/>
-              <a:buChar char=""/>
-            </a:pPr>
-            <a:r>
-              <a:rPr lang="en-US">
-                <a:latin typeface="Arial"/>
-              </a:rPr>
-              <a:t>Fifth Outline Level</a:t>
-            </a:r>
-            <a:endParaRPr/>
-          </a:p>
-          <a:p>
-            <a:pPr lvl="5">
-              <a:buSzPct val="45000"/>
-              <a:buFont typeface="StarSymbol"/>
-              <a:buChar char=""/>
-            </a:pPr>
-            <a:r>
-              <a:rPr lang="en-US">
-                <a:latin typeface="Arial"/>
-              </a:rPr>
-              <a:t>Sixth Outline Level</a:t>
-            </a:r>
-            <a:endParaRPr/>
-          </a:p>
-          <a:p>
-            <a:pPr lvl="6">
-              <a:buSzPct val="45000"/>
-              <a:buFont typeface="StarSymbol"/>
-              <a:buChar char=""/>
-            </a:pPr>
-            <a:r>
-              <a:rPr lang="en-US">
-                <a:latin typeface="Arial"/>
-              </a:rPr>
-              <a:t>Seventh Outline Level</a:t>
-            </a:r>
-            <a:endParaRPr/>
-          </a:p>
-        </p:txBody>
-      </p:sp>
-      <p:sp>
-        <p:nvSpPr>
-          <p:cNvPr id="341" name="PlaceHolder 3"/>
-          <p:cNvSpPr>
-            <a:spLocks noGrp="1"/>
-          </p:cNvSpPr>
-          <p:nvPr>
-            <p:ph type="body"/>
-          </p:nvPr>
-        </p:nvSpPr>
-        <p:spPr>
-          <a:xfrm>
-            <a:off x="2194560" y="7702560"/>
-            <a:ext cx="39501360" cy="19091880"/>
-          </a:xfrm>
-          <a:prstGeom prst="rect">
-            <a:avLst/>
-          </a:prstGeom>
-        </p:spPr>
-        <p:txBody>
-          <a:bodyPr lIns="0" rIns="0" tIns="0" bIns="0"/>
-          <a:p>
-            <a:pPr>
-              <a:buSzPct val="45000"/>
-              <a:buFont typeface="StarSymbol"/>
-              <a:buChar char=""/>
-            </a:pPr>
-            <a:r>
-              <a:rPr lang="en-US">
-                <a:latin typeface="Arial"/>
-              </a:rPr>
-              <a:t>Click to edit the outline text format</a:t>
-            </a:r>
-            <a:endParaRPr/>
-          </a:p>
-          <a:p>
-            <a:pPr lvl="1">
-              <a:buSzPct val="75000"/>
-              <a:buFont typeface="StarSymbol"/>
-              <a:buChar char=""/>
-            </a:pPr>
-            <a:r>
-              <a:rPr lang="en-US">
-                <a:latin typeface="Arial"/>
-              </a:rPr>
-              <a:t>Second Outline Level</a:t>
-            </a:r>
-            <a:endParaRPr/>
-          </a:p>
-          <a:p>
-            <a:pPr lvl="2">
-              <a:buSzPct val="45000"/>
-              <a:buFont typeface="StarSymbol"/>
-              <a:buChar char=""/>
-            </a:pPr>
-            <a:r>
-              <a:rPr lang="en-US">
-                <a:latin typeface="Arial"/>
-              </a:rPr>
-              <a:t>Third Outline Level</a:t>
-            </a:r>
-            <a:endParaRPr/>
-          </a:p>
-          <a:p>
-            <a:pPr lvl="3">
-              <a:buSzPct val="75000"/>
-              <a:buFont typeface="StarSymbol"/>
-              <a:buChar char=""/>
-            </a:pPr>
-            <a:r>
-              <a:rPr lang="en-US">
-                <a:latin typeface="Arial"/>
-              </a:rPr>
-              <a:t>Fourth Outline Level</a:t>
-            </a:r>
-            <a:endParaRPr/>
-          </a:p>
-          <a:p>
-            <a:pPr lvl="4">
-              <a:buSzPct val="45000"/>
-              <a:buFont typeface="StarSymbol"/>
-              <a:buChar char=""/>
-            </a:pPr>
-            <a:r>
-              <a:rPr lang="en-US">
-                <a:latin typeface="Arial"/>
-              </a:rPr>
-              <a:t>Fifth Outline Level</a:t>
-            </a:r>
-            <a:endParaRPr/>
-          </a:p>
-          <a:p>
-            <a:pPr lvl="5">
-              <a:buSzPct val="45000"/>
-              <a:buFont typeface="StarSymbol"/>
-              <a:buChar char=""/>
-            </a:pPr>
-            <a:r>
-              <a:rPr lang="en-US">
-                <a:latin typeface="Arial"/>
-              </a:rPr>
-              <a:t>Sixth Outline Level</a:t>
-            </a:r>
-            <a:endParaRPr/>
-          </a:p>
-          <a:p>
-            <a:pPr lvl="6">
-              <a:buSzPct val="45000"/>
-              <a:buFont typeface="StarSymbol"/>
-              <a:buChar char=""/>
-            </a:pPr>
-            <a:r>
-              <a:rPr lang="en-US">
-                <a:latin typeface="Arial"/>
-              </a:rPr>
-              <a:t>Seventh Outline Level</a:t>
-            </a:r>
-            <a:endParaRPr/>
-          </a:p>
-        </p:txBody>
-      </p:sp>
       <p:pic>
         <p:nvPicPr>
-          <p:cNvPr id="342" name="" descr=""/>
+          <p:cNvPr id="339" name="" descr=""/>
           <p:cNvPicPr/>
           <p:nvPr/>
         </p:nvPicPr>
@@ -12448,7 +12174,7 @@
         <p:spPr>
           <a:xfrm>
             <a:off x="9980640" y="7702560"/>
-            <a:ext cx="23928480" cy="19091880"/>
+            <a:ext cx="23928120" cy="19091520"/>
           </a:xfrm>
           <a:prstGeom prst="rect">
             <a:avLst/>
@@ -12460,7 +12186,7 @@
       </p:pic>
       <p:pic>
         <p:nvPicPr>
-          <p:cNvPr id="343" name="" descr=""/>
+          <p:cNvPr id="340" name="" descr=""/>
           <p:cNvPicPr/>
           <p:nvPr/>
         </p:nvPicPr>
@@ -12473,7 +12199,7 @@
         <p:spPr>
           <a:xfrm>
             <a:off x="9980640" y="7702560"/>
-            <a:ext cx="23928480" cy="19091880"/>
+            <a:ext cx="23928120" cy="19091520"/>
           </a:xfrm>
           <a:prstGeom prst="rect">
             <a:avLst/>
@@ -12483,6 +12209,160 @@
           </a:ln>
         </p:spPr>
       </p:pic>
+      <p:sp>
+        <p:nvSpPr>
+          <p:cNvPr id="341" name="PlaceHolder 1"/>
+          <p:cNvSpPr>
+            <a:spLocks noGrp="1"/>
+          </p:cNvSpPr>
+          <p:nvPr>
+            <p:ph type="title"/>
+          </p:nvPr>
+        </p:nvSpPr>
+        <p:spPr>
+          <a:xfrm>
+            <a:off x="2194560" y="1313280"/>
+            <a:ext cx="39501720" cy="5496840"/>
+          </a:xfrm>
+          <a:prstGeom prst="rect">
+            <a:avLst/>
+          </a:prstGeom>
+        </p:spPr>
+        <p:txBody>
+          <a:bodyPr lIns="0" rIns="0" tIns="0" bIns="0" anchor="ctr"/>
+          <a:p>
+            <a:pPr algn="ctr"/>
+            <a:r>
+              <a:rPr lang="en-US" sz="4400">
+                <a:latin typeface="Arial"/>
+              </a:rPr>
+              <a:t>Click to edit the title text format</a:t>
+            </a:r>
+            <a:endParaRPr/>
+          </a:p>
+        </p:txBody>
+      </p:sp>
+      <p:sp>
+        <p:nvSpPr>
+          <p:cNvPr id="342" name="PlaceHolder 2"/>
+          <p:cNvSpPr>
+            <a:spLocks noGrp="1"/>
+          </p:cNvSpPr>
+          <p:nvPr>
+            <p:ph type="body"/>
+          </p:nvPr>
+        </p:nvSpPr>
+        <p:spPr>
+          <a:xfrm>
+            <a:off x="2194560" y="7702560"/>
+            <a:ext cx="39501720" cy="19092240"/>
+          </a:xfrm>
+          <a:prstGeom prst="rect">
+            <a:avLst/>
+          </a:prstGeom>
+        </p:spPr>
+        <p:txBody>
+          <a:bodyPr lIns="0" rIns="0" tIns="0" bIns="0"/>
+          <a:p>
+            <a:pPr>
+              <a:buSzPct val="45000"/>
+              <a:buFont typeface="StarSymbol"/>
+              <a:buChar char=""/>
+            </a:pPr>
+            <a:r>
+              <a:rPr lang="en-US" sz="3200">
+                <a:latin typeface="Arial"/>
+              </a:rPr>
+              <a:t>Click to edit the outline text format</a:t>
+            </a:r>
+            <a:endParaRPr/>
+          </a:p>
+          <a:p>
+            <a:pPr lvl="1">
+              <a:buSzPct val="75000"/>
+              <a:buFont typeface="StarSymbol"/>
+              <a:buChar char=""/>
+            </a:pPr>
+            <a:r>
+              <a:rPr lang="en-US" sz="2800">
+                <a:latin typeface="Arial"/>
+              </a:rPr>
+              <a:t>Second Outline Level</a:t>
+            </a:r>
+            <a:endParaRPr/>
+          </a:p>
+          <a:p>
+            <a:pPr lvl="2">
+              <a:buSzPct val="45000"/>
+              <a:buFont typeface="StarSymbol"/>
+              <a:buChar char=""/>
+            </a:pPr>
+            <a:r>
+              <a:rPr lang="en-US" sz="2400">
+                <a:latin typeface="Arial"/>
+              </a:rPr>
+              <a:t>Third Outline Level</a:t>
+            </a:r>
+            <a:endParaRPr/>
+          </a:p>
+          <a:p>
+            <a:pPr lvl="3">
+              <a:buSzPct val="75000"/>
+              <a:buFont typeface="StarSymbol"/>
+              <a:buChar char=""/>
+            </a:pPr>
+            <a:r>
+              <a:rPr lang="en-US" sz="2000">
+                <a:latin typeface="Arial"/>
+              </a:rPr>
+              <a:t>Fourth Outline Level</a:t>
+            </a:r>
+            <a:endParaRPr/>
+          </a:p>
+          <a:p>
+            <a:pPr lvl="4">
+              <a:buSzPct val="45000"/>
+              <a:buFont typeface="StarSymbol"/>
+              <a:buChar char=""/>
+            </a:pPr>
+            <a:r>
+              <a:rPr lang="en-US" sz="2000">
+                <a:latin typeface="Arial"/>
+              </a:rPr>
+              <a:t>Fifth Outline Level</a:t>
+            </a:r>
+            <a:endParaRPr/>
+          </a:p>
+          <a:p>
+            <a:pPr lvl="5">
+              <a:buSzPct val="45000"/>
+              <a:buFont typeface="StarSymbol"/>
+              <a:buChar char=""/>
+            </a:pPr>
+            <a:r>
+              <a:rPr lang="en-US" sz="2000">
+                <a:latin typeface="Arial"/>
+              </a:rPr>
+              <a:t>Sixth Outline Level</a:t>
+            </a:r>
+            <a:endParaRPr/>
+          </a:p>
+          <a:p>
+            <a:pPr lvl="6">
+              <a:buSzPct val="45000"/>
+              <a:buFont typeface="StarSymbol"/>
+              <a:buChar char=""/>
+            </a:pPr>
+            <a:r>
+              <a:rPr lang="en-US" sz="2000">
+                <a:latin typeface="Arial"/>
+              </a:rPr>
+              <a:t>Seventh Outline Level</a:t>
+            </a:r>
+            <a:endParaRPr/>
+          </a:p>
+        </p:txBody>
+      </p:sp>
     </p:spTree>
   </p:cSld>
   <p:clrMap bg1="lt1" bg2="lt2" tx1="dk1" tx2="dk2" accent1="accent1" accent2="accent2" accent3="accent3" accent4="accent4" accent5="accent5" accent6="accent6" hlink="hlink" folHlink="folHlink"/>
@@ -13134,7 +13014,7 @@
         <p:spPr>
           <a:xfrm>
             <a:off x="2194560" y="1313280"/>
-            <a:ext cx="39501360" cy="5496840"/>
+            <a:ext cx="39501000" cy="5496840"/>
           </a:xfrm>
           <a:prstGeom prst="rect">
             <a:avLst/>
@@ -13166,7 +13046,7 @@
         <p:spPr>
           <a:xfrm>
             <a:off x="2194560" y="7702560"/>
-            <a:ext cx="19276200" cy="9106560"/>
+            <a:ext cx="19276200" cy="9106200"/>
           </a:xfrm>
           <a:prstGeom prst="rect">
             <a:avLst/>
@@ -13287,7 +13167,7 @@
         <p:spPr>
           <a:xfrm>
             <a:off x="22435200" y="7702560"/>
-            <a:ext cx="19276200" cy="9106560"/>
+            <a:ext cx="19276200" cy="9106200"/>
           </a:xfrm>
           <a:prstGeom prst="rect">
             <a:avLst/>
@@ -13407,8 +13287,8 @@
         </p:nvSpPr>
         <p:spPr>
           <a:xfrm>
-            <a:off x="2194560" y="17674920"/>
-            <a:ext cx="39501360" cy="9106560"/>
+            <a:off x="2194560" y="17674560"/>
+            <a:ext cx="39501000" cy="9106200"/>
           </a:xfrm>
           <a:prstGeom prst="rect">
             <a:avLst/>
@@ -13573,7 +13453,7 @@
         <p:spPr>
           <a:xfrm>
             <a:off x="2194560" y="1313280"/>
-            <a:ext cx="39501360" cy="5496840"/>
+            <a:ext cx="39501000" cy="5496840"/>
           </a:xfrm>
           <a:prstGeom prst="rect">
             <a:avLst/>
@@ -13605,7 +13485,7 @@
         <p:spPr>
           <a:xfrm>
             <a:off x="2194560" y="7702560"/>
-            <a:ext cx="39501360" cy="9106560"/>
+            <a:ext cx="39501000" cy="9106200"/>
           </a:xfrm>
           <a:prstGeom prst="rect">
             <a:avLst/>
@@ -13725,8 +13605,8 @@
         </p:nvSpPr>
         <p:spPr>
           <a:xfrm>
-            <a:off x="2194560" y="17674920"/>
-            <a:ext cx="39501360" cy="9106560"/>
+            <a:off x="2194560" y="17674560"/>
+            <a:ext cx="39501000" cy="9106200"/>
           </a:xfrm>
           <a:prstGeom prst="rect">
             <a:avLst/>
@@ -13891,7 +13771,7 @@
         <p:spPr>
           <a:xfrm>
             <a:off x="2194560" y="1313280"/>
-            <a:ext cx="39501360" cy="5496840"/>
+            <a:ext cx="39501000" cy="5496840"/>
           </a:xfrm>
           <a:prstGeom prst="rect">
             <a:avLst/>
@@ -13923,7 +13803,7 @@
         <p:spPr>
           <a:xfrm>
             <a:off x="2194560" y="7702560"/>
-            <a:ext cx="19276200" cy="9106560"/>
+            <a:ext cx="19276200" cy="9106200"/>
           </a:xfrm>
           <a:prstGeom prst="rect">
             <a:avLst/>
@@ -14044,7 +13924,7 @@
         <p:spPr>
           <a:xfrm>
             <a:off x="22435200" y="7702560"/>
-            <a:ext cx="19276200" cy="9106560"/>
+            <a:ext cx="19276200" cy="9106200"/>
           </a:xfrm>
           <a:prstGeom prst="rect">
             <a:avLst/>
@@ -14164,8 +14044,8 @@
         </p:nvSpPr>
         <p:spPr>
           <a:xfrm>
-            <a:off x="22435200" y="17674920"/>
-            <a:ext cx="19276200" cy="9106560"/>
+            <a:off x="22435200" y="17674560"/>
+            <a:ext cx="19276200" cy="9106200"/>
           </a:xfrm>
           <a:prstGeom prst="rect">
             <a:avLst/>
@@ -14285,8 +14165,8 @@
         </p:nvSpPr>
         <p:spPr>
           <a:xfrm>
-            <a:off x="2194560" y="17674920"/>
-            <a:ext cx="19276200" cy="9106560"/>
+            <a:off x="2194560" y="17674560"/>
+            <a:ext cx="19276200" cy="9106200"/>
           </a:xfrm>
           <a:prstGeom prst="rect">
             <a:avLst/>
@@ -14453,7 +14333,7 @@
         <p:spPr>
           <a:xfrm>
             <a:off x="9980640" y="7702560"/>
-            <a:ext cx="23927760" cy="19091160"/>
+            <a:ext cx="23927400" cy="19090800"/>
           </a:xfrm>
           <a:prstGeom prst="rect">
             <a:avLst/>
@@ -14478,7 +14358,7 @@
         <p:spPr>
           <a:xfrm>
             <a:off x="9980640" y="7702560"/>
-            <a:ext cx="23927760" cy="19091160"/>
+            <a:ext cx="23927400" cy="19090800"/>
           </a:xfrm>
           <a:prstGeom prst="rect">
             <a:avLst/>
@@ -14701,7 +14581,7 @@
         <p:spPr>
           <a:xfrm>
             <a:off x="9980640" y="7702560"/>
-            <a:ext cx="23927760" cy="19091160"/>
+            <a:ext cx="23927400" cy="19090800"/>
           </a:xfrm>
           <a:prstGeom prst="rect">
             <a:avLst/>
@@ -14726,7 +14606,7 @@
         <p:spPr>
           <a:xfrm>
             <a:off x="9980640" y="7702560"/>
-            <a:ext cx="23927760" cy="19091160"/>
+            <a:ext cx="23927400" cy="19090800"/>
           </a:xfrm>
           <a:prstGeom prst="rect">
             <a:avLst/>
@@ -14749,7 +14629,7 @@
         <p:spPr>
           <a:xfrm>
             <a:off x="2194560" y="1313280"/>
-            <a:ext cx="39501360" cy="5496840"/>
+            <a:ext cx="39501000" cy="5496840"/>
           </a:xfrm>
           <a:prstGeom prst="rect">
             <a:avLst/>
@@ -14781,7 +14661,7 @@
         <p:spPr>
           <a:xfrm>
             <a:off x="2194560" y="7702560"/>
-            <a:ext cx="19276200" cy="9106560"/>
+            <a:ext cx="19276200" cy="9106200"/>
           </a:xfrm>
           <a:prstGeom prst="rect">
             <a:avLst/>
@@ -14902,7 +14782,7 @@
         <p:spPr>
           <a:xfrm>
             <a:off x="22435200" y="7702560"/>
-            <a:ext cx="19276200" cy="9106560"/>
+            <a:ext cx="19276200" cy="9106200"/>
           </a:xfrm>
           <a:prstGeom prst="rect">
             <a:avLst/>
@@ -15022,8 +14902,8 @@
         </p:nvSpPr>
         <p:spPr>
           <a:xfrm>
-            <a:off x="22435200" y="17674920"/>
-            <a:ext cx="19276200" cy="9106560"/>
+            <a:off x="22435200" y="17674560"/>
+            <a:ext cx="19276200" cy="9106200"/>
           </a:xfrm>
           <a:prstGeom prst="rect">
             <a:avLst/>
@@ -15143,8 +15023,8 @@
         </p:nvSpPr>
         <p:spPr>
           <a:xfrm>
-            <a:off x="2194560" y="17674920"/>
-            <a:ext cx="19276200" cy="9106560"/>
+            <a:off x="2194560" y="17674560"/>
+            <a:ext cx="19276200" cy="9106200"/>
           </a:xfrm>
           <a:prstGeom prst="rect">
             <a:avLst/>
@@ -15291,14 +15171,14 @@
       </p:grpSpPr>
       <p:sp>
         <p:nvSpPr>
-          <p:cNvPr id="383" name="CustomShape 1"/>
+          <p:cNvPr id="382" name="CustomShape 1"/>
           <p:cNvSpPr/>
           <p:nvPr/>
         </p:nvSpPr>
         <p:spPr>
           <a:xfrm>
             <a:off x="32058720" y="20970360"/>
-            <a:ext cx="11831040" cy="11946600"/>
+            <a:ext cx="11830680" cy="11946240"/>
           </a:xfrm>
           <a:prstGeom prst="rect">
             <a:avLst/>
@@ -15313,14 +15193,14 @@
       </p:sp>
       <p:sp>
         <p:nvSpPr>
-          <p:cNvPr id="384" name="CustomShape 2"/>
+          <p:cNvPr id="383" name="CustomShape 2"/>
           <p:cNvSpPr/>
           <p:nvPr/>
         </p:nvSpPr>
         <p:spPr>
           <a:xfrm>
             <a:off x="32058720" y="5105520"/>
-            <a:ext cx="11831040" cy="16000560"/>
+            <a:ext cx="11830680" cy="16000200"/>
           </a:xfrm>
           <a:prstGeom prst="rect">
             <a:avLst/>
@@ -15335,14 +15215,14 @@
       </p:sp>
       <p:sp>
         <p:nvSpPr>
-          <p:cNvPr id="385" name="CustomShape 3"/>
+          <p:cNvPr id="384" name="CustomShape 3"/>
           <p:cNvSpPr/>
           <p:nvPr/>
         </p:nvSpPr>
         <p:spPr>
           <a:xfrm>
             <a:off x="12268080" y="5105520"/>
-            <a:ext cx="19585080" cy="27811440"/>
+            <a:ext cx="19584720" cy="27811080"/>
           </a:xfrm>
           <a:prstGeom prst="rect">
             <a:avLst/>
@@ -15355,14 +15235,14 @@
       </p:sp>
       <p:sp>
         <p:nvSpPr>
-          <p:cNvPr id="386" name="CustomShape 4"/>
+          <p:cNvPr id="385" name="CustomShape 4"/>
           <p:cNvSpPr/>
           <p:nvPr/>
         </p:nvSpPr>
         <p:spPr>
           <a:xfrm>
             <a:off x="0" y="5105520"/>
-            <a:ext cx="12077280" cy="27811440"/>
+            <a:ext cx="12076920" cy="27811080"/>
           </a:xfrm>
           <a:prstGeom prst="rect">
             <a:avLst/>
@@ -15377,14 +15257,14 @@
       </p:sp>
       <p:sp>
         <p:nvSpPr>
-          <p:cNvPr id="387" name="CustomShape 5"/>
+          <p:cNvPr id="386" name="CustomShape 5"/>
           <p:cNvSpPr/>
           <p:nvPr/>
         </p:nvSpPr>
         <p:spPr>
           <a:xfrm>
             <a:off x="0" y="0"/>
-            <a:ext cx="43878600" cy="3157560"/>
+            <a:ext cx="43878240" cy="3157200"/>
           </a:xfrm>
           <a:prstGeom prst="rect">
             <a:avLst/>
@@ -15418,14 +15298,14 @@
       </p:sp>
       <p:sp>
         <p:nvSpPr>
-          <p:cNvPr id="388" name="CustomShape 6"/>
+          <p:cNvPr id="387" name="CustomShape 6"/>
           <p:cNvSpPr/>
           <p:nvPr/>
         </p:nvSpPr>
         <p:spPr>
           <a:xfrm>
             <a:off x="0" y="5105520"/>
-            <a:ext cx="12077280" cy="1004400"/>
+            <a:ext cx="12076920" cy="1004040"/>
           </a:xfrm>
           <a:prstGeom prst="rect">
             <a:avLst/>
@@ -15461,14 +15341,14 @@
       </p:sp>
       <p:sp>
         <p:nvSpPr>
-          <p:cNvPr id="389" name="CustomShape 7"/>
+          <p:cNvPr id="388" name="CustomShape 7"/>
           <p:cNvSpPr/>
           <p:nvPr/>
         </p:nvSpPr>
         <p:spPr>
           <a:xfrm>
             <a:off x="32058720" y="21793320"/>
-            <a:ext cx="11831040" cy="1004400"/>
+            <a:ext cx="11830680" cy="1004040"/>
           </a:xfrm>
           <a:prstGeom prst="rect">
             <a:avLst/>
@@ -15504,14 +15384,14 @@
       </p:sp>
       <p:sp>
         <p:nvSpPr>
-          <p:cNvPr id="390" name="CustomShape 8"/>
+          <p:cNvPr id="389" name="CustomShape 8"/>
           <p:cNvSpPr/>
           <p:nvPr/>
         </p:nvSpPr>
         <p:spPr>
           <a:xfrm>
             <a:off x="11160" y="3124080"/>
-            <a:ext cx="43878600" cy="1792440"/>
+            <a:ext cx="43878240" cy="1792080"/>
           </a:xfrm>
           <a:prstGeom prst="rect">
             <a:avLst/>
@@ -15693,14 +15573,14 @@
       </p:sp>
       <p:sp>
         <p:nvSpPr>
-          <p:cNvPr id="391" name="CustomShape 9"/>
+          <p:cNvPr id="390" name="CustomShape 9"/>
           <p:cNvSpPr/>
           <p:nvPr/>
         </p:nvSpPr>
         <p:spPr>
           <a:xfrm>
             <a:off x="-43200" y="10013040"/>
-            <a:ext cx="12077280" cy="1004400"/>
+            <a:ext cx="12076920" cy="1004040"/>
           </a:xfrm>
           <a:prstGeom prst="rect">
             <a:avLst/>
@@ -15736,14 +15616,14 @@
       </p:sp>
       <p:sp>
         <p:nvSpPr>
-          <p:cNvPr id="392" name="CustomShape 10"/>
+          <p:cNvPr id="391" name="CustomShape 10"/>
           <p:cNvSpPr/>
           <p:nvPr/>
         </p:nvSpPr>
         <p:spPr>
           <a:xfrm>
             <a:off x="5092200" y="10103040"/>
-            <a:ext cx="183600" cy="312480"/>
+            <a:ext cx="183240" cy="312120"/>
           </a:xfrm>
           <a:prstGeom prst="rect">
             <a:avLst/>
@@ -15756,14 +15636,14 @@
       </p:sp>
       <p:sp>
         <p:nvSpPr>
-          <p:cNvPr id="393" name="CustomShape 11"/>
+          <p:cNvPr id="392" name="CustomShape 11"/>
           <p:cNvSpPr/>
           <p:nvPr/>
         </p:nvSpPr>
         <p:spPr>
           <a:xfrm>
             <a:off x="5290200" y="10023120"/>
-            <a:ext cx="181440" cy="312480"/>
+            <a:ext cx="181080" cy="312120"/>
           </a:xfrm>
           <a:prstGeom prst="rect">
             <a:avLst/>
@@ -15776,14 +15656,14 @@
       </p:sp>
       <p:sp>
         <p:nvSpPr>
-          <p:cNvPr id="394" name="CustomShape 12"/>
+          <p:cNvPr id="393" name="CustomShape 12"/>
           <p:cNvSpPr/>
           <p:nvPr/>
         </p:nvSpPr>
         <p:spPr>
           <a:xfrm>
             <a:off x="77040" y="13716000"/>
-            <a:ext cx="11143080" cy="2071440"/>
+            <a:ext cx="11142720" cy="2071080"/>
           </a:xfrm>
           <a:prstGeom prst="rect">
             <a:avLst/>
@@ -15796,14 +15676,14 @@
       </p:sp>
       <p:sp>
         <p:nvSpPr>
-          <p:cNvPr id="395" name="CustomShape 13"/>
+          <p:cNvPr id="394" name="CustomShape 13"/>
           <p:cNvSpPr/>
           <p:nvPr/>
         </p:nvSpPr>
         <p:spPr>
           <a:xfrm>
             <a:off x="0" y="23743800"/>
-            <a:ext cx="12077640" cy="1004400"/>
+            <a:ext cx="12077280" cy="1004040"/>
           </a:xfrm>
           <a:prstGeom prst="rect">
             <a:avLst/>
@@ -15839,14 +15719,14 @@
       </p:sp>
       <p:sp>
         <p:nvSpPr>
-          <p:cNvPr id="396" name="CustomShape 14"/>
+          <p:cNvPr id="395" name="CustomShape 14"/>
           <p:cNvSpPr/>
           <p:nvPr/>
         </p:nvSpPr>
         <p:spPr>
           <a:xfrm>
             <a:off x="12192120" y="6190560"/>
-            <a:ext cx="19650240" cy="14382000"/>
+            <a:ext cx="19649880" cy="14381640"/>
           </a:xfrm>
           <a:prstGeom prst="rect">
             <a:avLst/>
@@ -15859,14 +15739,14 @@
       </p:sp>
       <p:sp>
         <p:nvSpPr>
-          <p:cNvPr id="397" name="CustomShape 15"/>
+          <p:cNvPr id="396" name="CustomShape 15"/>
           <p:cNvSpPr/>
           <p:nvPr/>
         </p:nvSpPr>
         <p:spPr>
           <a:xfrm>
             <a:off x="12482280" y="27419400"/>
-            <a:ext cx="19658160" cy="1004400"/>
+            <a:ext cx="19657800" cy="1004040"/>
           </a:xfrm>
           <a:prstGeom prst="rect">
             <a:avLst/>
@@ -15910,14 +15790,14 @@
       </p:sp>
       <p:sp>
         <p:nvSpPr>
-          <p:cNvPr id="398" name="CustomShape 16"/>
+          <p:cNvPr id="397" name="CustomShape 16"/>
           <p:cNvSpPr/>
           <p:nvPr/>
         </p:nvSpPr>
         <p:spPr>
           <a:xfrm>
             <a:off x="32004000" y="6019920"/>
-            <a:ext cx="11880360" cy="2217600"/>
+            <a:ext cx="11880000" cy="2217240"/>
           </a:xfrm>
           <a:prstGeom prst="rect">
             <a:avLst/>
@@ -15954,14 +15834,14 @@
       </p:sp>
       <p:sp>
         <p:nvSpPr>
-          <p:cNvPr id="399" name="CustomShape 17"/>
+          <p:cNvPr id="398" name="CustomShape 17"/>
           <p:cNvSpPr/>
           <p:nvPr/>
         </p:nvSpPr>
         <p:spPr>
           <a:xfrm>
             <a:off x="32058720" y="8229600"/>
-            <a:ext cx="11831040" cy="1004400"/>
+            <a:ext cx="11830680" cy="1004040"/>
           </a:xfrm>
           <a:prstGeom prst="rect">
             <a:avLst/>
@@ -15997,14 +15877,14 @@
       </p:sp>
       <p:sp>
         <p:nvSpPr>
-          <p:cNvPr id="400" name="CustomShape 18"/>
+          <p:cNvPr id="399" name="CustomShape 18"/>
           <p:cNvSpPr/>
           <p:nvPr/>
         </p:nvSpPr>
         <p:spPr>
           <a:xfrm>
             <a:off x="0" y="17891640"/>
-            <a:ext cx="12077280" cy="1004400"/>
+            <a:ext cx="12076920" cy="1004040"/>
           </a:xfrm>
           <a:prstGeom prst="rect">
             <a:avLst/>
@@ -16040,14 +15920,14 @@
       </p:sp>
       <p:sp>
         <p:nvSpPr>
-          <p:cNvPr id="401" name="CustomShape 19"/>
+          <p:cNvPr id="400" name="CustomShape 19"/>
           <p:cNvSpPr/>
           <p:nvPr/>
         </p:nvSpPr>
         <p:spPr>
           <a:xfrm>
             <a:off x="32058720" y="5105520"/>
-            <a:ext cx="11831040" cy="1004400"/>
+            <a:ext cx="11830680" cy="1004040"/>
           </a:xfrm>
           <a:prstGeom prst="rect">
             <a:avLst/>
@@ -16083,7 +15963,7 @@
       </p:sp>
       <p:pic>
         <p:nvPicPr>
-          <p:cNvPr id="402" name="Picture 726" descr=""/>
+          <p:cNvPr id="401" name="Picture 726" descr=""/>
           <p:cNvPicPr/>
           <p:nvPr/>
         </p:nvPicPr>
@@ -16096,7 +15976,7 @@
         <p:spPr>
           <a:xfrm>
             <a:off x="36717120" y="3218040"/>
-            <a:ext cx="6410520" cy="1657440"/>
+            <a:ext cx="6410160" cy="1657080"/>
           </a:xfrm>
           <a:prstGeom prst="rect">
             <a:avLst/>
@@ -16108,14 +15988,14 @@
       </p:pic>
       <p:sp>
         <p:nvSpPr>
-          <p:cNvPr id="403" name="CustomShape 20"/>
+          <p:cNvPr id="402" name="CustomShape 20"/>
           <p:cNvSpPr/>
           <p:nvPr/>
         </p:nvSpPr>
         <p:spPr>
           <a:xfrm>
             <a:off x="548640" y="11163240"/>
-            <a:ext cx="11154960" cy="3100680"/>
+            <a:ext cx="11154600" cy="3100320"/>
           </a:xfrm>
           <a:prstGeom prst="rect">
             <a:avLst/>
@@ -16235,14 +16115,14 @@
       </p:sp>
       <p:sp>
         <p:nvSpPr>
-          <p:cNvPr id="404" name="CustomShape 21"/>
+          <p:cNvPr id="403" name="CustomShape 21"/>
           <p:cNvSpPr/>
           <p:nvPr/>
         </p:nvSpPr>
         <p:spPr>
           <a:xfrm>
             <a:off x="33026040" y="11860560"/>
-            <a:ext cx="9896400" cy="6490080"/>
+            <a:ext cx="9896040" cy="6489720"/>
           </a:xfrm>
           <a:prstGeom prst="rect">
             <a:avLst/>
@@ -16334,14 +16214,14 @@
       </p:sp>
       <p:sp>
         <p:nvSpPr>
-          <p:cNvPr id="405" name="CustomShape 22"/>
+          <p:cNvPr id="404" name="CustomShape 22"/>
           <p:cNvSpPr/>
           <p:nvPr/>
         </p:nvSpPr>
         <p:spPr>
           <a:xfrm>
             <a:off x="457200" y="6111000"/>
-            <a:ext cx="11246400" cy="3251880"/>
+            <a:ext cx="11246040" cy="3251520"/>
           </a:xfrm>
           <a:prstGeom prst="rect">
             <a:avLst/>
@@ -16425,14 +16305,14 @@
       </p:sp>
       <p:sp>
         <p:nvSpPr>
-          <p:cNvPr id="406" name="CustomShape 23"/>
+          <p:cNvPr id="405" name="CustomShape 23"/>
           <p:cNvSpPr/>
           <p:nvPr/>
         </p:nvSpPr>
         <p:spPr>
           <a:xfrm>
             <a:off x="518400" y="19058400"/>
-            <a:ext cx="11185200" cy="3251880"/>
+            <a:ext cx="11184840" cy="3251520"/>
           </a:xfrm>
           <a:prstGeom prst="rect">
             <a:avLst/>
@@ -16453,7 +16333,7 @@
               <a:buChar char=""/>
             </a:pPr>
             <a:r>
-              <a:rPr lang="en-US" sz="3200" u="sng">
+              <a:rPr lang="en-US" sz="3200">
                 <a:solidFill>
                   <a:srgbClr val="000000"/>
                 </a:solidFill>
@@ -16473,6 +16353,16 @@
               <a:buChar char=""/>
             </a:pPr>
             <a:r>
+              <a:rPr lang="en-US" sz="3200">
+                <a:solidFill>
+                  <a:srgbClr val="000000"/>
+                </a:solidFill>
+                <a:latin typeface="Century Gothic"/>
+                <a:ea typeface="Arial"/>
+              </a:rPr>
+              <a:t>When used alone, SSD provides extremely </a:t>
+            </a:r>
+            <a:r>
               <a:rPr lang="en-US" sz="3200" u="sng">
                 <a:solidFill>
                   <a:srgbClr val="000000"/>
@@ -16480,7 +16370,7 @@
                 <a:latin typeface="Century Gothic"/>
                 <a:ea typeface="Arial"/>
               </a:rPr>
-              <a:t>When used alone, SSD provides extremely “fast storage systems.”</a:t>
+              <a:t>“fast storage systems.”</a:t>
             </a:r>
             <a:endParaRPr/>
           </a:p>
@@ -16496,14 +16386,14 @@
       </p:sp>
       <p:sp>
         <p:nvSpPr>
-          <p:cNvPr id="407" name="CustomShape 24"/>
+          <p:cNvPr id="406" name="CustomShape 24"/>
           <p:cNvSpPr/>
           <p:nvPr/>
         </p:nvSpPr>
         <p:spPr>
           <a:xfrm>
             <a:off x="792720" y="25146000"/>
-            <a:ext cx="10910880" cy="3251880"/>
+            <a:ext cx="10910520" cy="3251520"/>
           </a:xfrm>
           <a:prstGeom prst="rect">
             <a:avLst/>
@@ -16524,7 +16414,7 @@
               <a:buChar char=""/>
             </a:pPr>
             <a:r>
-              <a:rPr lang="en-US" sz="3200" u="sng">
+              <a:rPr lang="en-US" sz="3200">
                 <a:solidFill>
                   <a:srgbClr val="000000"/>
                 </a:solidFill>
@@ -16544,7 +16434,7 @@
               <a:buChar char=""/>
             </a:pPr>
             <a:r>
-              <a:rPr lang="en-US" sz="3200" u="sng">
+              <a:rPr lang="en-US" sz="3200">
                 <a:solidFill>
                   <a:srgbClr val="000000"/>
                 </a:solidFill>
@@ -16564,6 +16454,16 @@
               <a:buChar char=""/>
             </a:pPr>
             <a:r>
+              <a:rPr lang="en-US" sz="3200">
+                <a:solidFill>
+                  <a:srgbClr val="000000"/>
+                </a:solidFill>
+                <a:latin typeface="Century Gothic"/>
+                <a:ea typeface="Arial"/>
+              </a:rPr>
+              <a:t>The three steps of swapping out pages according to HybridSwap are </a:t>
+            </a:r>
+            <a:r>
               <a:rPr lang="en-US" sz="3200" u="sng">
                 <a:solidFill>
                   <a:srgbClr val="000000"/>
@@ -16571,7 +16471,7 @@
                 <a:latin typeface="Century Gothic"/>
                 <a:ea typeface="Arial"/>
               </a:rPr>
-              <a:t>The three steps of swapping out pages according to HybridSwap are “selecting a candidate sequence, evaluating its spatial locality, and determining swapping destinations.”</a:t>
+              <a:t>“selecting a candidate sequence, evaluating its spatial locality, and determining swapping destinations.”</a:t>
             </a:r>
             <a:endParaRPr/>
           </a:p>
@@ -16587,14 +16487,14 @@
       </p:sp>
       <p:sp>
         <p:nvSpPr>
-          <p:cNvPr id="408" name="CustomShape 25"/>
+          <p:cNvPr id="407" name="CustomShape 25"/>
           <p:cNvSpPr/>
           <p:nvPr/>
         </p:nvSpPr>
         <p:spPr>
           <a:xfrm>
             <a:off x="32552640" y="23225760"/>
-            <a:ext cx="5789880" cy="3251880"/>
+            <a:ext cx="10881360" cy="3251520"/>
           </a:xfrm>
           <a:prstGeom prst="rect">
             <a:avLst/>
@@ -16622,22 +16522,22 @@
                 <a:latin typeface="Century Gothic"/>
                 <a:ea typeface="Arial"/>
               </a:rPr>
-              <a:t>ttttttt</a:t>
-            </a:r>
-            <a:endParaRPr/>
-          </a:p>
-        </p:txBody>
-      </p:sp>
-      <p:sp>
-        <p:nvSpPr>
-          <p:cNvPr id="409" name="CustomShape 26"/>
+              <a:t>Spatial locality can be used in conjunction with temporal locality to determine the optimal means of swapping pages between SSD and disk.</a:t>
+            </a:r>
+            <a:endParaRPr/>
+          </a:p>
+        </p:txBody>
+      </p:sp>
+      <p:sp>
+        <p:nvSpPr>
+          <p:cNvPr id="408" name="CustomShape 26"/>
           <p:cNvSpPr/>
           <p:nvPr/>
         </p:nvSpPr>
         <p:spPr>
           <a:xfrm>
             <a:off x="12265200" y="5106600"/>
-            <a:ext cx="19476360" cy="27811440"/>
+            <a:ext cx="19476000" cy="27811080"/>
           </a:xfrm>
           <a:prstGeom prst="rect">
             <a:avLst/>
@@ -16652,14 +16552,14 @@
       </p:sp>
       <p:sp>
         <p:nvSpPr>
-          <p:cNvPr id="410" name="CustomShape 27"/>
+          <p:cNvPr id="409" name="CustomShape 27"/>
           <p:cNvSpPr/>
           <p:nvPr/>
         </p:nvSpPr>
         <p:spPr>
           <a:xfrm>
             <a:off x="12893040" y="6583680"/>
-            <a:ext cx="18104760" cy="3251880"/>
+            <a:ext cx="18104400" cy="3251520"/>
           </a:xfrm>
           <a:prstGeom prst="rect">
             <a:avLst/>
@@ -16680,7 +16580,7 @@
               <a:buChar char=""/>
             </a:pPr>
             <a:r>
-              <a:rPr lang="en-US" sz="3200" u="sng">
+              <a:rPr lang="en-US" sz="3200">
                 <a:solidFill>
                   <a:srgbClr val="000000"/>
                 </a:solidFill>
@@ -16700,14 +16600,14 @@
               <a:buChar char=""/>
             </a:pPr>
             <a:r>
-              <a:rPr lang="en-US" sz="3200" u="sng">
+              <a:rPr lang="en-US" sz="3200">
                 <a:solidFill>
                   <a:srgbClr val="000000"/>
                 </a:solidFill>
                 <a:latin typeface="Century Gothic"/>
                 <a:ea typeface="Arial"/>
               </a:rPr>
-              <a:t>Spatial locality must also be acknowledged to make certain that swap-in latency and page-fault latency are not increased. </a:t>
+              <a:t>Spatial locality must also be used to make certain that swap-in latency and page-fault latency are not increased. </a:t>
             </a:r>
             <a:endParaRPr/>
           </a:p>
@@ -16720,14 +16620,14 @@
               <a:buChar char=""/>
             </a:pPr>
             <a:r>
-              <a:rPr lang="en-US" sz="3200" u="sng">
+              <a:rPr lang="en-US" sz="3200">
                 <a:solidFill>
                   <a:srgbClr val="000000"/>
                 </a:solidFill>
                 <a:latin typeface="Century Gothic"/>
                 <a:ea typeface="Arial"/>
               </a:rPr>
-              <a:t>Hard disk and SSD divide swapped page sequences between them. Disk swap manage sequences with strong spatial locality and weak temporal locality, while SSD swap manages page sequences with weak spatial locality.</a:t>
+              <a:t>Disk swap manages sequences with strong spatial locality and weak temporal locality, while SSD swap manages page sequences with weak spatial locality.</a:t>
             </a:r>
             <a:endParaRPr/>
           </a:p>
@@ -16740,6 +16640,16 @@
               <a:buChar char=""/>
             </a:pPr>
             <a:r>
+              <a:rPr lang="en-US" sz="3200">
+                <a:solidFill>
+                  <a:srgbClr val="000000"/>
+                </a:solidFill>
+                <a:latin typeface="Century Gothic"/>
+                <a:ea typeface="Arial"/>
+              </a:rPr>
+              <a:t>A variant of the LRU replacement algorithm is used, </a:t>
+            </a:r>
+            <a:r>
               <a:rPr lang="en-US" sz="3200" u="sng">
                 <a:solidFill>
                   <a:srgbClr val="000000"/>
@@ -16747,7 +16657,7 @@
                 <a:latin typeface="Century Gothic"/>
                 <a:ea typeface="Arial"/>
               </a:rPr>
-              <a:t>A variant of the LRU replacement algorithm is used, similar to 2Q</a:t>
+              <a:t>“similar to the 2Q replacement”</a:t>
             </a:r>
             <a:r>
               <a:rPr lang="en-US" sz="3200">
@@ -16765,14 +16675,14 @@
       </p:sp>
       <p:sp>
         <p:nvSpPr>
-          <p:cNvPr id="411" name="CustomShape 28"/>
+          <p:cNvPr id="410" name="CustomShape 28"/>
           <p:cNvSpPr/>
           <p:nvPr/>
         </p:nvSpPr>
         <p:spPr>
           <a:xfrm>
             <a:off x="12265200" y="5105520"/>
-            <a:ext cx="19585080" cy="1004400"/>
+            <a:ext cx="19476000" cy="1004040"/>
           </a:xfrm>
           <a:prstGeom prst="rect">
             <a:avLst/>
@@ -16808,14 +16718,14 @@
       </p:sp>
       <p:sp>
         <p:nvSpPr>
-          <p:cNvPr id="412" name="CustomShape 29"/>
+          <p:cNvPr id="411" name="CustomShape 29"/>
           <p:cNvSpPr/>
           <p:nvPr/>
         </p:nvSpPr>
         <p:spPr>
           <a:xfrm>
             <a:off x="12268440" y="20954880"/>
-            <a:ext cx="19585080" cy="1004400"/>
+            <a:ext cx="19472760" cy="1004040"/>
           </a:xfrm>
           <a:prstGeom prst="rect">
             <a:avLst/>
@@ -16851,14 +16761,14 @@
       </p:sp>
       <p:sp>
         <p:nvSpPr>
-          <p:cNvPr id="413" name="CustomShape 30"/>
+          <p:cNvPr id="412" name="CustomShape 30"/>
           <p:cNvSpPr/>
           <p:nvPr/>
         </p:nvSpPr>
         <p:spPr>
           <a:xfrm>
             <a:off x="12264840" y="28483560"/>
-            <a:ext cx="19588320" cy="1004400"/>
+            <a:ext cx="19476360" cy="1004040"/>
           </a:xfrm>
           <a:prstGeom prst="rect">
             <a:avLst/>
@@ -16894,14 +16804,14 @@
       </p:sp>
       <p:sp>
         <p:nvSpPr>
-          <p:cNvPr id="414" name="CustomShape 31"/>
+          <p:cNvPr id="413" name="CustomShape 31"/>
           <p:cNvSpPr/>
           <p:nvPr/>
         </p:nvSpPr>
         <p:spPr>
           <a:xfrm>
             <a:off x="12863520" y="22168080"/>
-            <a:ext cx="18500400" cy="3251880"/>
+            <a:ext cx="18500040" cy="3251520"/>
           </a:xfrm>
           <a:prstGeom prst="rect">
             <a:avLst/>
@@ -16962,6 +16872,16 @@
               <a:buChar char=""/>
             </a:pPr>
             <a:r>
+              <a:rPr lang="en-US" sz="3200">
+                <a:solidFill>
+                  <a:srgbClr val="000000"/>
+                </a:solidFill>
+                <a:latin typeface="Century Gothic"/>
+                <a:ea typeface="Arial"/>
+              </a:rPr>
+              <a:t>A sequence of pages is swapped to disk only</a:t>
+            </a:r>
+            <a:r>
               <a:rPr lang="en-US" sz="3200" u="sng">
                 <a:solidFill>
                   <a:srgbClr val="000000"/>
@@ -16969,22 +16889,22 @@
                 <a:latin typeface="Century Gothic"/>
                 <a:ea typeface="Arial"/>
               </a:rPr>
-              <a:t>A sequence of pages is swapped to disk only “If the difference between any two pages' access times is” less “than the system's current average lifetime, or if some anonymous pages in the sequence ... have access times.”</a:t>
-            </a:r>
-            <a:endParaRPr/>
-          </a:p>
-        </p:txBody>
-      </p:sp>
-      <p:sp>
-        <p:nvSpPr>
-          <p:cNvPr id="415" name="CustomShape 32"/>
+              <a:t> “If the difference between any two pages' access times is” less “than the system's current average lifetime,” and “ if some anonymous pages in the sequence ... have access times.”</a:t>
+            </a:r>
+            <a:endParaRPr/>
+          </a:p>
+        </p:txBody>
+      </p:sp>
+      <p:sp>
+        <p:nvSpPr>
+          <p:cNvPr id="414" name="CustomShape 32"/>
           <p:cNvSpPr/>
           <p:nvPr/>
         </p:nvSpPr>
         <p:spPr>
           <a:xfrm>
             <a:off x="12618720" y="29666160"/>
-            <a:ext cx="18500400" cy="3251880"/>
+            <a:ext cx="18500040" cy="3251520"/>
           </a:xfrm>
           <a:prstGeom prst="rect">
             <a:avLst/>
@@ -17012,7 +16932,27 @@
                 <a:latin typeface="Century Gothic"/>
                 <a:ea typeface="Arial"/>
               </a:rPr>
-              <a:t>ttttttt</a:t>
+              <a:t>In the range of the last N pages in the inactive list of pages, a process's pages are replaced in each swap.</a:t>
+            </a:r>
+            <a:endParaRPr/>
+          </a:p>
+          <a:p>
+            <a:pPr>
+              <a:lnSpc>
+                <a:spcPct val="100000"/>
+              </a:lnSpc>
+              <a:buFont typeface="Wingdings" charset="2"/>
+              <a:buChar char=""/>
+            </a:pPr>
+            <a:r>
+              <a:rPr lang="en-US" sz="3200">
+                <a:solidFill>
+                  <a:srgbClr val="000000"/>
+                </a:solidFill>
+                <a:latin typeface="Century Gothic"/>
+                <a:ea typeface="Arial"/>
+              </a:rPr>
+              <a:t>N must be small enough to avoid swapping too many recently used pages, but large enough to add disk efficiency.</a:t>
             </a:r>
             <a:endParaRPr/>
           </a:p>
@@ -17069,14 +17009,14 @@
       </p:grpSpPr>
       <p:sp>
         <p:nvSpPr>
-          <p:cNvPr id="447" name="CustomShape 1"/>
+          <p:cNvPr id="446" name="CustomShape 1"/>
           <p:cNvSpPr/>
           <p:nvPr/>
         </p:nvSpPr>
         <p:spPr>
           <a:xfrm>
             <a:off x="2194560" y="1313280"/>
-            <a:ext cx="39501360" cy="5496840"/>
+            <a:ext cx="39501000" cy="5496480"/>
           </a:xfrm>
           <a:prstGeom prst="rect">
             <a:avLst/>
@@ -17089,14 +17029,14 @@
       </p:sp>
       <p:sp>
         <p:nvSpPr>
-          <p:cNvPr id="448" name="CustomShape 2"/>
+          <p:cNvPr id="447" name="CustomShape 2"/>
           <p:cNvSpPr/>
           <p:nvPr/>
         </p:nvSpPr>
         <p:spPr>
           <a:xfrm>
             <a:off x="2194560" y="7702560"/>
-            <a:ext cx="39501360" cy="19091880"/>
+            <a:ext cx="39501000" cy="19091520"/>
           </a:xfrm>
           <a:prstGeom prst="rect">
             <a:avLst/>
@@ -17109,14 +17049,14 @@
       </p:sp>
       <p:sp>
         <p:nvSpPr>
-          <p:cNvPr id="449" name="CustomShape 3"/>
+          <p:cNvPr id="448" name="CustomShape 3"/>
           <p:cNvSpPr/>
           <p:nvPr/>
         </p:nvSpPr>
         <p:spPr>
           <a:xfrm>
             <a:off x="2194560" y="7702560"/>
-            <a:ext cx="39501360" cy="19091880"/>
+            <a:ext cx="39501000" cy="19091520"/>
           </a:xfrm>
           <a:prstGeom prst="rect">
             <a:avLst/>
@@ -17129,7 +17069,7 @@
       </p:sp>
       <p:pic>
         <p:nvPicPr>
-          <p:cNvPr id="450" name="" descr=""/>
+          <p:cNvPr id="449" name="" descr=""/>
           <p:cNvPicPr/>
           <p:nvPr/>
         </p:nvPicPr>
@@ -17142,7 +17082,7 @@
         <p:spPr>
           <a:xfrm>
             <a:off x="9980640" y="7702560"/>
-            <a:ext cx="23928480" cy="19091880"/>
+            <a:ext cx="23928120" cy="19091520"/>
           </a:xfrm>
           <a:prstGeom prst="rect">
             <a:avLst/>
@@ -17154,7 +17094,7 @@
       </p:pic>
       <p:pic>
         <p:nvPicPr>
-          <p:cNvPr id="451" name="" descr=""/>
+          <p:cNvPr id="450" name="" descr=""/>
           <p:cNvPicPr/>
           <p:nvPr/>
         </p:nvPicPr>
@@ -17167,7 +17107,7 @@
         <p:spPr>
           <a:xfrm>
             <a:off x="9980640" y="7702560"/>
-            <a:ext cx="23928480" cy="19091880"/>
+            <a:ext cx="23928120" cy="19091520"/>
           </a:xfrm>
           <a:prstGeom prst="rect">
             <a:avLst/>
@@ -17201,14 +17141,14 @@
       </p:grpSpPr>
       <p:sp>
         <p:nvSpPr>
-          <p:cNvPr id="416" name="CustomShape 1"/>
+          <p:cNvPr id="415" name="CustomShape 1"/>
           <p:cNvSpPr/>
           <p:nvPr/>
         </p:nvSpPr>
         <p:spPr>
           <a:xfrm>
             <a:off x="2194560" y="1313280"/>
-            <a:ext cx="39500640" cy="25480800"/>
+            <a:ext cx="39500280" cy="25480440"/>
           </a:xfrm>
           <a:prstGeom prst="rect">
             <a:avLst/>
@@ -17243,14 +17183,14 @@
       </p:grpSpPr>
       <p:sp>
         <p:nvSpPr>
-          <p:cNvPr id="417" name="CustomShape 1"/>
+          <p:cNvPr id="416" name="CustomShape 1"/>
           <p:cNvSpPr/>
           <p:nvPr/>
         </p:nvSpPr>
         <p:spPr>
           <a:xfrm>
             <a:off x="2194560" y="1313280"/>
-            <a:ext cx="39500640" cy="5496120"/>
+            <a:ext cx="39500280" cy="5495760"/>
           </a:xfrm>
           <a:prstGeom prst="rect">
             <a:avLst/>
@@ -17263,14 +17203,14 @@
       </p:sp>
       <p:sp>
         <p:nvSpPr>
-          <p:cNvPr id="418" name="CustomShape 2"/>
+          <p:cNvPr id="417" name="CustomShape 2"/>
           <p:cNvSpPr/>
           <p:nvPr/>
         </p:nvSpPr>
         <p:spPr>
           <a:xfrm>
             <a:off x="2194560" y="7702560"/>
-            <a:ext cx="19275480" cy="9105840"/>
+            <a:ext cx="19275120" cy="9105480"/>
           </a:xfrm>
           <a:prstGeom prst="rect">
             <a:avLst/>
@@ -17283,14 +17223,14 @@
       </p:sp>
       <p:sp>
         <p:nvSpPr>
-          <p:cNvPr id="419" name="CustomShape 3"/>
+          <p:cNvPr id="418" name="CustomShape 3"/>
           <p:cNvSpPr/>
           <p:nvPr/>
         </p:nvSpPr>
         <p:spPr>
           <a:xfrm>
             <a:off x="2194560" y="17674920"/>
-            <a:ext cx="19275480" cy="9105840"/>
+            <a:ext cx="19275120" cy="9105480"/>
           </a:xfrm>
           <a:prstGeom prst="rect">
             <a:avLst/>
@@ -17303,14 +17243,14 @@
       </p:sp>
       <p:sp>
         <p:nvSpPr>
-          <p:cNvPr id="420" name="CustomShape 4"/>
+          <p:cNvPr id="419" name="CustomShape 4"/>
           <p:cNvSpPr/>
           <p:nvPr/>
         </p:nvSpPr>
         <p:spPr>
           <a:xfrm>
             <a:off x="22435200" y="7702560"/>
-            <a:ext cx="19275480" cy="19091160"/>
+            <a:ext cx="19275120" cy="19090800"/>
           </a:xfrm>
           <a:prstGeom prst="rect">
             <a:avLst/>
@@ -17345,14 +17285,14 @@
       </p:grpSpPr>
       <p:sp>
         <p:nvSpPr>
-          <p:cNvPr id="421" name="CustomShape 1"/>
+          <p:cNvPr id="420" name="CustomShape 1"/>
           <p:cNvSpPr/>
           <p:nvPr/>
         </p:nvSpPr>
         <p:spPr>
           <a:xfrm>
             <a:off x="2194560" y="1313280"/>
-            <a:ext cx="39500640" cy="5496120"/>
+            <a:ext cx="39500280" cy="5495760"/>
           </a:xfrm>
           <a:prstGeom prst="rect">
             <a:avLst/>
@@ -17365,14 +17305,14 @@
       </p:sp>
       <p:sp>
         <p:nvSpPr>
-          <p:cNvPr id="422" name="CustomShape 2"/>
+          <p:cNvPr id="421" name="CustomShape 2"/>
           <p:cNvSpPr/>
           <p:nvPr/>
         </p:nvSpPr>
         <p:spPr>
           <a:xfrm>
             <a:off x="2194560" y="7702560"/>
-            <a:ext cx="19275480" cy="19091160"/>
+            <a:ext cx="19275120" cy="19090800"/>
           </a:xfrm>
           <a:prstGeom prst="rect">
             <a:avLst/>
@@ -17385,14 +17325,14 @@
       </p:sp>
       <p:sp>
         <p:nvSpPr>
-          <p:cNvPr id="423" name="CustomShape 3"/>
+          <p:cNvPr id="422" name="CustomShape 3"/>
           <p:cNvSpPr/>
           <p:nvPr/>
         </p:nvSpPr>
         <p:spPr>
           <a:xfrm>
             <a:off x="22435200" y="7702560"/>
-            <a:ext cx="19275480" cy="9105840"/>
+            <a:ext cx="19275120" cy="9105480"/>
           </a:xfrm>
           <a:prstGeom prst="rect">
             <a:avLst/>
@@ -17405,14 +17345,14 @@
       </p:sp>
       <p:sp>
         <p:nvSpPr>
-          <p:cNvPr id="424" name="CustomShape 4"/>
+          <p:cNvPr id="423" name="CustomShape 4"/>
           <p:cNvSpPr/>
           <p:nvPr/>
         </p:nvSpPr>
         <p:spPr>
           <a:xfrm>
             <a:off x="22435200" y="17674920"/>
-            <a:ext cx="19275480" cy="9105840"/>
+            <a:ext cx="19275120" cy="9105480"/>
           </a:xfrm>
           <a:prstGeom prst="rect">
             <a:avLst/>
@@ -17447,14 +17387,14 @@
       </p:grpSpPr>
       <p:sp>
         <p:nvSpPr>
-          <p:cNvPr id="425" name="CustomShape 1"/>
+          <p:cNvPr id="424" name="CustomShape 1"/>
           <p:cNvSpPr/>
           <p:nvPr/>
         </p:nvSpPr>
         <p:spPr>
           <a:xfrm>
             <a:off x="2194560" y="1313280"/>
-            <a:ext cx="39500640" cy="5496120"/>
+            <a:ext cx="39500280" cy="5495760"/>
           </a:xfrm>
           <a:prstGeom prst="rect">
             <a:avLst/>
@@ -17467,14 +17407,14 @@
       </p:sp>
       <p:sp>
         <p:nvSpPr>
-          <p:cNvPr id="426" name="CustomShape 2"/>
+          <p:cNvPr id="425" name="CustomShape 2"/>
           <p:cNvSpPr/>
           <p:nvPr/>
         </p:nvSpPr>
         <p:spPr>
           <a:xfrm>
             <a:off x="2194560" y="7702560"/>
-            <a:ext cx="19275480" cy="9105840"/>
+            <a:ext cx="19275120" cy="9105480"/>
           </a:xfrm>
           <a:prstGeom prst="rect">
             <a:avLst/>
@@ -17487,14 +17427,14 @@
       </p:sp>
       <p:sp>
         <p:nvSpPr>
-          <p:cNvPr id="427" name="CustomShape 3"/>
+          <p:cNvPr id="426" name="CustomShape 3"/>
           <p:cNvSpPr/>
           <p:nvPr/>
         </p:nvSpPr>
         <p:spPr>
           <a:xfrm>
             <a:off x="22435200" y="7702560"/>
-            <a:ext cx="19275480" cy="9105840"/>
+            <a:ext cx="19275120" cy="9105480"/>
           </a:xfrm>
           <a:prstGeom prst="rect">
             <a:avLst/>
@@ -17507,14 +17447,14 @@
       </p:sp>
       <p:sp>
         <p:nvSpPr>
-          <p:cNvPr id="428" name="CustomShape 4"/>
+          <p:cNvPr id="427" name="CustomShape 4"/>
           <p:cNvSpPr/>
           <p:nvPr/>
         </p:nvSpPr>
         <p:spPr>
           <a:xfrm>
             <a:off x="2194560" y="17674920"/>
-            <a:ext cx="39500640" cy="9105840"/>
+            <a:ext cx="39500280" cy="9105480"/>
           </a:xfrm>
           <a:prstGeom prst="rect">
             <a:avLst/>
@@ -17549,14 +17489,14 @@
       </p:grpSpPr>
       <p:sp>
         <p:nvSpPr>
-          <p:cNvPr id="429" name="CustomShape 1"/>
+          <p:cNvPr id="428" name="CustomShape 1"/>
           <p:cNvSpPr/>
           <p:nvPr/>
         </p:nvSpPr>
         <p:spPr>
           <a:xfrm>
             <a:off x="2194560" y="1313280"/>
-            <a:ext cx="39500640" cy="5496120"/>
+            <a:ext cx="39500280" cy="5495760"/>
           </a:xfrm>
           <a:prstGeom prst="rect">
             <a:avLst/>
@@ -17569,14 +17509,14 @@
       </p:sp>
       <p:sp>
         <p:nvSpPr>
-          <p:cNvPr id="430" name="CustomShape 2"/>
+          <p:cNvPr id="429" name="CustomShape 2"/>
           <p:cNvSpPr/>
           <p:nvPr/>
         </p:nvSpPr>
         <p:spPr>
           <a:xfrm>
             <a:off x="2194560" y="7702560"/>
-            <a:ext cx="39500640" cy="9105840"/>
+            <a:ext cx="39500280" cy="9105480"/>
           </a:xfrm>
           <a:prstGeom prst="rect">
             <a:avLst/>
@@ -17589,14 +17529,14 @@
       </p:sp>
       <p:sp>
         <p:nvSpPr>
-          <p:cNvPr id="431" name="CustomShape 3"/>
+          <p:cNvPr id="430" name="CustomShape 3"/>
           <p:cNvSpPr/>
           <p:nvPr/>
         </p:nvSpPr>
         <p:spPr>
           <a:xfrm>
             <a:off x="2194560" y="17674920"/>
-            <a:ext cx="39500640" cy="9105840"/>
+            <a:ext cx="39500280" cy="9105480"/>
           </a:xfrm>
           <a:prstGeom prst="rect">
             <a:avLst/>
@@ -17631,14 +17571,14 @@
       </p:grpSpPr>
       <p:sp>
         <p:nvSpPr>
-          <p:cNvPr id="432" name="CustomShape 1"/>
+          <p:cNvPr id="431" name="CustomShape 1"/>
           <p:cNvSpPr/>
           <p:nvPr/>
         </p:nvSpPr>
         <p:spPr>
           <a:xfrm>
             <a:off x="2194560" y="1313280"/>
-            <a:ext cx="39500640" cy="5496120"/>
+            <a:ext cx="39500280" cy="5495760"/>
           </a:xfrm>
           <a:prstGeom prst="rect">
             <a:avLst/>
@@ -17651,14 +17591,14 @@
       </p:sp>
       <p:sp>
         <p:nvSpPr>
-          <p:cNvPr id="433" name="CustomShape 2"/>
+          <p:cNvPr id="432" name="CustomShape 2"/>
           <p:cNvSpPr/>
           <p:nvPr/>
         </p:nvSpPr>
         <p:spPr>
           <a:xfrm>
             <a:off x="2194560" y="7702560"/>
-            <a:ext cx="19275480" cy="9105840"/>
+            <a:ext cx="19275120" cy="9105480"/>
           </a:xfrm>
           <a:prstGeom prst="rect">
             <a:avLst/>
@@ -17671,14 +17611,14 @@
       </p:sp>
       <p:sp>
         <p:nvSpPr>
-          <p:cNvPr id="434" name="CustomShape 3"/>
+          <p:cNvPr id="433" name="CustomShape 3"/>
           <p:cNvSpPr/>
           <p:nvPr/>
         </p:nvSpPr>
         <p:spPr>
           <a:xfrm>
             <a:off x="22435200" y="7702560"/>
-            <a:ext cx="19275480" cy="9105840"/>
+            <a:ext cx="19275120" cy="9105480"/>
           </a:xfrm>
           <a:prstGeom prst="rect">
             <a:avLst/>
@@ -17691,14 +17631,14 @@
       </p:sp>
       <p:sp>
         <p:nvSpPr>
-          <p:cNvPr id="435" name="CustomShape 4"/>
+          <p:cNvPr id="434" name="CustomShape 4"/>
           <p:cNvSpPr/>
           <p:nvPr/>
         </p:nvSpPr>
         <p:spPr>
           <a:xfrm>
             <a:off x="22435200" y="17674920"/>
-            <a:ext cx="19275480" cy="9105840"/>
+            <a:ext cx="19275120" cy="9105480"/>
           </a:xfrm>
           <a:prstGeom prst="rect">
             <a:avLst/>
@@ -17711,14 +17651,14 @@
       </p:sp>
       <p:sp>
         <p:nvSpPr>
-          <p:cNvPr id="436" name="CustomShape 5"/>
+          <p:cNvPr id="435" name="CustomShape 5"/>
           <p:cNvSpPr/>
           <p:nvPr/>
         </p:nvSpPr>
         <p:spPr>
           <a:xfrm>
             <a:off x="2194560" y="17674920"/>
-            <a:ext cx="19275480" cy="9105840"/>
+            <a:ext cx="19275120" cy="9105480"/>
           </a:xfrm>
           <a:prstGeom prst="rect">
             <a:avLst/>
@@ -17753,14 +17693,14 @@
       </p:grpSpPr>
       <p:sp>
         <p:nvSpPr>
-          <p:cNvPr id="437" name="CustomShape 1"/>
+          <p:cNvPr id="436" name="CustomShape 1"/>
           <p:cNvSpPr/>
           <p:nvPr/>
         </p:nvSpPr>
         <p:spPr>
           <a:xfrm>
             <a:off x="2194560" y="1313280"/>
-            <a:ext cx="39500640" cy="5496120"/>
+            <a:ext cx="39500280" cy="5495760"/>
           </a:xfrm>
           <a:prstGeom prst="rect">
             <a:avLst/>
@@ -17773,14 +17713,14 @@
       </p:sp>
       <p:sp>
         <p:nvSpPr>
-          <p:cNvPr id="438" name="CustomShape 2"/>
+          <p:cNvPr id="437" name="CustomShape 2"/>
           <p:cNvSpPr/>
           <p:nvPr/>
         </p:nvSpPr>
         <p:spPr>
           <a:xfrm>
             <a:off x="2194560" y="7702560"/>
-            <a:ext cx="39500640" cy="19091160"/>
+            <a:ext cx="39500280" cy="19090800"/>
           </a:xfrm>
           <a:prstGeom prst="rect">
             <a:avLst/>
@@ -17793,14 +17733,14 @@
       </p:sp>
       <p:sp>
         <p:nvSpPr>
-          <p:cNvPr id="439" name="CustomShape 3"/>
+          <p:cNvPr id="438" name="CustomShape 3"/>
           <p:cNvSpPr/>
           <p:nvPr/>
         </p:nvSpPr>
         <p:spPr>
           <a:xfrm>
             <a:off x="2194560" y="7702560"/>
-            <a:ext cx="39500640" cy="19091160"/>
+            <a:ext cx="39500280" cy="19090800"/>
           </a:xfrm>
           <a:prstGeom prst="rect">
             <a:avLst/>
@@ -17813,7 +17753,7 @@
       </p:sp>
       <p:pic>
         <p:nvPicPr>
-          <p:cNvPr id="440" name="" descr=""/>
+          <p:cNvPr id="439" name="" descr=""/>
           <p:cNvPicPr/>
           <p:nvPr/>
         </p:nvPicPr>
@@ -17826,7 +17766,7 @@
         <p:spPr>
           <a:xfrm>
             <a:off x="9980640" y="7702560"/>
-            <a:ext cx="23927760" cy="19091160"/>
+            <a:ext cx="23927400" cy="19090800"/>
           </a:xfrm>
           <a:prstGeom prst="rect">
             <a:avLst/>
@@ -17838,7 +17778,7 @@
       </p:pic>
       <p:pic>
         <p:nvPicPr>
-          <p:cNvPr id="441" name="" descr=""/>
+          <p:cNvPr id="440" name="" descr=""/>
           <p:cNvPicPr/>
           <p:nvPr/>
         </p:nvPicPr>
@@ -17851,7 +17791,7 @@
         <p:spPr>
           <a:xfrm>
             <a:off x="9980640" y="7702560"/>
-            <a:ext cx="23927760" cy="19091160"/>
+            <a:ext cx="23927400" cy="19090800"/>
           </a:xfrm>
           <a:prstGeom prst="rect">
             <a:avLst/>
@@ -17885,14 +17825,14 @@
       </p:grpSpPr>
       <p:sp>
         <p:nvSpPr>
-          <p:cNvPr id="442" name="CustomShape 1"/>
+          <p:cNvPr id="441" name="CustomShape 1"/>
           <p:cNvSpPr/>
           <p:nvPr/>
         </p:nvSpPr>
         <p:spPr>
           <a:xfrm>
             <a:off x="2194560" y="1313280"/>
-            <a:ext cx="39501360" cy="5496840"/>
+            <a:ext cx="39501000" cy="5496480"/>
           </a:xfrm>
           <a:prstGeom prst="rect">
             <a:avLst/>
@@ -17905,14 +17845,14 @@
       </p:sp>
       <p:sp>
         <p:nvSpPr>
-          <p:cNvPr id="443" name="CustomShape 2"/>
+          <p:cNvPr id="442" name="CustomShape 2"/>
           <p:cNvSpPr/>
           <p:nvPr/>
         </p:nvSpPr>
         <p:spPr>
           <a:xfrm>
             <a:off x="2194560" y="7702560"/>
-            <a:ext cx="19276200" cy="9106560"/>
+            <a:ext cx="19275840" cy="9106200"/>
           </a:xfrm>
           <a:prstGeom prst="rect">
             <a:avLst/>
@@ -17925,14 +17865,14 @@
       </p:sp>
       <p:sp>
         <p:nvSpPr>
-          <p:cNvPr id="444" name="CustomShape 3"/>
+          <p:cNvPr id="443" name="CustomShape 3"/>
           <p:cNvSpPr/>
           <p:nvPr/>
         </p:nvSpPr>
         <p:spPr>
           <a:xfrm>
             <a:off x="22435200" y="7702560"/>
-            <a:ext cx="19276200" cy="9106560"/>
+            <a:ext cx="19275840" cy="9106200"/>
           </a:xfrm>
           <a:prstGeom prst="rect">
             <a:avLst/>
@@ -17945,14 +17885,14 @@
       </p:sp>
       <p:sp>
         <p:nvSpPr>
-          <p:cNvPr id="445" name="CustomShape 4"/>
+          <p:cNvPr id="444" name="CustomShape 4"/>
           <p:cNvSpPr/>
           <p:nvPr/>
         </p:nvSpPr>
         <p:spPr>
           <a:xfrm>
             <a:off x="22435200" y="17674920"/>
-            <a:ext cx="19276200" cy="9106560"/>
+            <a:ext cx="19275840" cy="9106200"/>
           </a:xfrm>
           <a:prstGeom prst="rect">
             <a:avLst/>
@@ -17965,14 +17905,14 @@
       </p:sp>
       <p:sp>
         <p:nvSpPr>
-          <p:cNvPr id="446" name="CustomShape 5"/>
+          <p:cNvPr id="445" name="CustomShape 5"/>
           <p:cNvSpPr/>
           <p:nvPr/>
         </p:nvSpPr>
         <p:spPr>
           <a:xfrm>
             <a:off x="2194560" y="17674920"/>
-            <a:ext cx="19276200" cy="9106560"/>
+            <a:ext cx="19275840" cy="9106200"/>
           </a:xfrm>
           <a:prstGeom prst="rect">
             <a:avLst/>

--- a/CF_Poster.pptx
+++ b/CF_Poster.pptx
@@ -202,7 +202,7 @@
           <a:bodyPr lIns="0" rIns="0" tIns="0" bIns="0" anchor="b"/>
           <a:p>
             <a:pPr algn="r"/>
-            <a:fld id="{7ACDAFBB-3AD2-4FF9-9ECA-0A29DDE58DB5}" type="slidenum">
+            <a:fld id="{D137C7B9-9C0A-4671-9D9B-BB28C38DFCFE}" type="slidenum">
               <a:rPr lang="en-US" sz="1400">
                 <a:latin typeface="Times New Roman"/>
               </a:rPr>
@@ -237,14 +237,14 @@
       </p:grpSpPr>
       <p:sp>
         <p:nvSpPr>
-          <p:cNvPr id="451" name="CustomShape 1"/>
+          <p:cNvPr id="452" name="CustomShape 1"/>
           <p:cNvSpPr/>
           <p:nvPr/>
         </p:nvSpPr>
         <p:spPr>
           <a:xfrm>
             <a:off x="4143600" y="9119520"/>
-            <a:ext cx="3168000" cy="478080"/>
+            <a:ext cx="3167640" cy="477720"/>
           </a:xfrm>
           <a:prstGeom prst="rect">
             <a:avLst/>
@@ -262,7 +262,7 @@
                 <a:spcPct val="100000"/>
               </a:lnSpc>
             </a:pPr>
-            <a:fld id="{210A6A3F-9A05-4916-969B-56AAAC533D87}" type="slidenum">
+            <a:fld id="{5F9CA4CC-7D2D-4986-A62B-BC1943F8AE5F}" type="slidenum">
               <a:rPr lang="en-US" sz="1200">
                 <a:solidFill>
                   <a:srgbClr val="000000"/>
@@ -278,7 +278,7 @@
       </p:sp>
       <p:sp>
         <p:nvSpPr>
-          <p:cNvPr id="452" name="PlaceHolder 2"/>
+          <p:cNvPr id="453" name="PlaceHolder 2"/>
           <p:cNvSpPr>
             <a:spLocks noGrp="1"/>
           </p:cNvSpPr>
@@ -289,7 +289,7 @@
         <p:spPr>
           <a:xfrm>
             <a:off x="731520" y="4561560"/>
-            <a:ext cx="5850360" cy="4318560"/>
+            <a:ext cx="5850000" cy="4318200"/>
           </a:xfrm>
           <a:prstGeom prst="rect">
             <a:avLst/>
@@ -12124,7 +12124,7 @@
         <p:spPr>
           <a:xfrm>
             <a:off x="9980640" y="7702560"/>
-            <a:ext cx="23927400" cy="19090800"/>
+            <a:ext cx="23927040" cy="19090440"/>
           </a:xfrm>
           <a:prstGeom prst="rect">
             <a:avLst/>
@@ -12149,7 +12149,7 @@
         <p:spPr>
           <a:xfrm>
             <a:off x="9980640" y="7702560"/>
-            <a:ext cx="23927400" cy="19090800"/>
+            <a:ext cx="23927040" cy="19090440"/>
           </a:xfrm>
           <a:prstGeom prst="rect">
             <a:avLst/>
@@ -12174,7 +12174,7 @@
         <p:spPr>
           <a:xfrm>
             <a:off x="9980640" y="7702560"/>
-            <a:ext cx="23928120" cy="19091520"/>
+            <a:ext cx="23927760" cy="19091160"/>
           </a:xfrm>
           <a:prstGeom prst="rect">
             <a:avLst/>
@@ -12199,7 +12199,7 @@
         <p:spPr>
           <a:xfrm>
             <a:off x="9980640" y="7702560"/>
-            <a:ext cx="23928120" cy="19091520"/>
+            <a:ext cx="23927760" cy="19091160"/>
           </a:xfrm>
           <a:prstGeom prst="rect">
             <a:avLst/>
@@ -13014,7 +13014,7 @@
         <p:spPr>
           <a:xfrm>
             <a:off x="2194560" y="1313280"/>
-            <a:ext cx="39501000" cy="5496840"/>
+            <a:ext cx="39501360" cy="5496840"/>
           </a:xfrm>
           <a:prstGeom prst="rect">
             <a:avLst/>
@@ -13046,7 +13046,7 @@
         <p:spPr>
           <a:xfrm>
             <a:off x="2194560" y="7702560"/>
-            <a:ext cx="19276200" cy="9106200"/>
+            <a:ext cx="19276200" cy="9106560"/>
           </a:xfrm>
           <a:prstGeom prst="rect">
             <a:avLst/>
@@ -13167,7 +13167,7 @@
         <p:spPr>
           <a:xfrm>
             <a:off x="22435200" y="7702560"/>
-            <a:ext cx="19276200" cy="9106200"/>
+            <a:ext cx="19276200" cy="9106560"/>
           </a:xfrm>
           <a:prstGeom prst="rect">
             <a:avLst/>
@@ -13287,8 +13287,8 @@
         </p:nvSpPr>
         <p:spPr>
           <a:xfrm>
-            <a:off x="2194560" y="17674560"/>
-            <a:ext cx="39501000" cy="9106200"/>
+            <a:off x="2194560" y="17674920"/>
+            <a:ext cx="39501360" cy="9106560"/>
           </a:xfrm>
           <a:prstGeom prst="rect">
             <a:avLst/>
@@ -13453,7 +13453,7 @@
         <p:spPr>
           <a:xfrm>
             <a:off x="2194560" y="1313280"/>
-            <a:ext cx="39501000" cy="5496840"/>
+            <a:ext cx="39501360" cy="5496840"/>
           </a:xfrm>
           <a:prstGeom prst="rect">
             <a:avLst/>
@@ -13485,7 +13485,7 @@
         <p:spPr>
           <a:xfrm>
             <a:off x="2194560" y="7702560"/>
-            <a:ext cx="39501000" cy="9106200"/>
+            <a:ext cx="39501360" cy="9106560"/>
           </a:xfrm>
           <a:prstGeom prst="rect">
             <a:avLst/>
@@ -13605,8 +13605,8 @@
         </p:nvSpPr>
         <p:spPr>
           <a:xfrm>
-            <a:off x="2194560" y="17674560"/>
-            <a:ext cx="39501000" cy="9106200"/>
+            <a:off x="2194560" y="17674920"/>
+            <a:ext cx="39501360" cy="9106560"/>
           </a:xfrm>
           <a:prstGeom prst="rect">
             <a:avLst/>
@@ -13771,7 +13771,7 @@
         <p:spPr>
           <a:xfrm>
             <a:off x="2194560" y="1313280"/>
-            <a:ext cx="39501000" cy="5496840"/>
+            <a:ext cx="39501360" cy="5496840"/>
           </a:xfrm>
           <a:prstGeom prst="rect">
             <a:avLst/>
@@ -13803,7 +13803,7 @@
         <p:spPr>
           <a:xfrm>
             <a:off x="2194560" y="7702560"/>
-            <a:ext cx="19276200" cy="9106200"/>
+            <a:ext cx="19276200" cy="9106560"/>
           </a:xfrm>
           <a:prstGeom prst="rect">
             <a:avLst/>
@@ -13924,7 +13924,7 @@
         <p:spPr>
           <a:xfrm>
             <a:off x="22435200" y="7702560"/>
-            <a:ext cx="19276200" cy="9106200"/>
+            <a:ext cx="19276200" cy="9106560"/>
           </a:xfrm>
           <a:prstGeom prst="rect">
             <a:avLst/>
@@ -14044,8 +14044,8 @@
         </p:nvSpPr>
         <p:spPr>
           <a:xfrm>
-            <a:off x="22435200" y="17674560"/>
-            <a:ext cx="19276200" cy="9106200"/>
+            <a:off x="22435200" y="17674920"/>
+            <a:ext cx="19276200" cy="9106560"/>
           </a:xfrm>
           <a:prstGeom prst="rect">
             <a:avLst/>
@@ -14165,8 +14165,8 @@
         </p:nvSpPr>
         <p:spPr>
           <a:xfrm>
-            <a:off x="2194560" y="17674560"/>
-            <a:ext cx="19276200" cy="9106200"/>
+            <a:off x="2194560" y="17674920"/>
+            <a:ext cx="19276200" cy="9106560"/>
           </a:xfrm>
           <a:prstGeom prst="rect">
             <a:avLst/>
@@ -14333,7 +14333,7 @@
         <p:spPr>
           <a:xfrm>
             <a:off x="9980640" y="7702560"/>
-            <a:ext cx="23927400" cy="19090800"/>
+            <a:ext cx="23927040" cy="19090440"/>
           </a:xfrm>
           <a:prstGeom prst="rect">
             <a:avLst/>
@@ -14358,7 +14358,7 @@
         <p:spPr>
           <a:xfrm>
             <a:off x="9980640" y="7702560"/>
-            <a:ext cx="23927400" cy="19090800"/>
+            <a:ext cx="23927040" cy="19090440"/>
           </a:xfrm>
           <a:prstGeom prst="rect">
             <a:avLst/>
@@ -14581,7 +14581,7 @@
         <p:spPr>
           <a:xfrm>
             <a:off x="9980640" y="7702560"/>
-            <a:ext cx="23927400" cy="19090800"/>
+            <a:ext cx="23927040" cy="19090440"/>
           </a:xfrm>
           <a:prstGeom prst="rect">
             <a:avLst/>
@@ -14606,7 +14606,7 @@
         <p:spPr>
           <a:xfrm>
             <a:off x="9980640" y="7702560"/>
-            <a:ext cx="23927400" cy="19090800"/>
+            <a:ext cx="23927040" cy="19090440"/>
           </a:xfrm>
           <a:prstGeom prst="rect">
             <a:avLst/>
@@ -14629,7 +14629,7 @@
         <p:spPr>
           <a:xfrm>
             <a:off x="2194560" y="1313280"/>
-            <a:ext cx="39501000" cy="5496840"/>
+            <a:ext cx="39501360" cy="5496840"/>
           </a:xfrm>
           <a:prstGeom prst="rect">
             <a:avLst/>
@@ -14661,7 +14661,7 @@
         <p:spPr>
           <a:xfrm>
             <a:off x="2194560" y="7702560"/>
-            <a:ext cx="19276200" cy="9106200"/>
+            <a:ext cx="19276200" cy="9106560"/>
           </a:xfrm>
           <a:prstGeom prst="rect">
             <a:avLst/>
@@ -14782,7 +14782,7 @@
         <p:spPr>
           <a:xfrm>
             <a:off x="22435200" y="7702560"/>
-            <a:ext cx="19276200" cy="9106200"/>
+            <a:ext cx="19276200" cy="9106560"/>
           </a:xfrm>
           <a:prstGeom prst="rect">
             <a:avLst/>
@@ -14902,8 +14902,8 @@
         </p:nvSpPr>
         <p:spPr>
           <a:xfrm>
-            <a:off x="22435200" y="17674560"/>
-            <a:ext cx="19276200" cy="9106200"/>
+            <a:off x="22435200" y="17674920"/>
+            <a:ext cx="19276200" cy="9106560"/>
           </a:xfrm>
           <a:prstGeom prst="rect">
             <a:avLst/>
@@ -15023,8 +15023,8 @@
         </p:nvSpPr>
         <p:spPr>
           <a:xfrm>
-            <a:off x="2194560" y="17674560"/>
-            <a:ext cx="19276200" cy="9106200"/>
+            <a:off x="2194560" y="17674920"/>
+            <a:ext cx="19276200" cy="9106560"/>
           </a:xfrm>
           <a:prstGeom prst="rect">
             <a:avLst/>
@@ -15178,7 +15178,7 @@
         <p:spPr>
           <a:xfrm>
             <a:off x="32058720" y="20970360"/>
-            <a:ext cx="11830680" cy="11946240"/>
+            <a:ext cx="11830320" cy="11945880"/>
           </a:xfrm>
           <a:prstGeom prst="rect">
             <a:avLst/>
@@ -15200,7 +15200,7 @@
         <p:spPr>
           <a:xfrm>
             <a:off x="32058720" y="5105520"/>
-            <a:ext cx="11830680" cy="16000200"/>
+            <a:ext cx="11830320" cy="15999840"/>
           </a:xfrm>
           <a:prstGeom prst="rect">
             <a:avLst/>
@@ -15222,7 +15222,7 @@
         <p:spPr>
           <a:xfrm>
             <a:off x="12268080" y="5105520"/>
-            <a:ext cx="19584720" cy="27811080"/>
+            <a:ext cx="19584360" cy="27810720"/>
           </a:xfrm>
           <a:prstGeom prst="rect">
             <a:avLst/>
@@ -15242,7 +15242,7 @@
         <p:spPr>
           <a:xfrm>
             <a:off x="0" y="5105520"/>
-            <a:ext cx="12076920" cy="27811080"/>
+            <a:ext cx="12076560" cy="27810720"/>
           </a:xfrm>
           <a:prstGeom prst="rect">
             <a:avLst/>
@@ -15264,7 +15264,7 @@
         <p:spPr>
           <a:xfrm>
             <a:off x="0" y="0"/>
-            <a:ext cx="43878240" cy="3157200"/>
+            <a:ext cx="43877880" cy="3156840"/>
           </a:xfrm>
           <a:prstGeom prst="rect">
             <a:avLst/>
@@ -15305,7 +15305,7 @@
         <p:spPr>
           <a:xfrm>
             <a:off x="0" y="5105520"/>
-            <a:ext cx="12076920" cy="1004040"/>
+            <a:ext cx="12076560" cy="1003680"/>
           </a:xfrm>
           <a:prstGeom prst="rect">
             <a:avLst/>
@@ -15348,7 +15348,7 @@
         <p:spPr>
           <a:xfrm>
             <a:off x="32058720" y="21793320"/>
-            <a:ext cx="11830680" cy="1004040"/>
+            <a:ext cx="11830320" cy="1003680"/>
           </a:xfrm>
           <a:prstGeom prst="rect">
             <a:avLst/>
@@ -15391,7 +15391,7 @@
         <p:spPr>
           <a:xfrm>
             <a:off x="11160" y="3124080"/>
-            <a:ext cx="43878240" cy="1792080"/>
+            <a:ext cx="43877880" cy="1791720"/>
           </a:xfrm>
           <a:prstGeom prst="rect">
             <a:avLst/>
@@ -15580,7 +15580,7 @@
         <p:spPr>
           <a:xfrm>
             <a:off x="-43200" y="10013040"/>
-            <a:ext cx="12076920" cy="1004040"/>
+            <a:ext cx="12076560" cy="1003680"/>
           </a:xfrm>
           <a:prstGeom prst="rect">
             <a:avLst/>
@@ -15623,7 +15623,7 @@
         <p:spPr>
           <a:xfrm>
             <a:off x="5092200" y="10103040"/>
-            <a:ext cx="183240" cy="312120"/>
+            <a:ext cx="182880" cy="311760"/>
           </a:xfrm>
           <a:prstGeom prst="rect">
             <a:avLst/>
@@ -15643,7 +15643,7 @@
         <p:spPr>
           <a:xfrm>
             <a:off x="5290200" y="10023120"/>
-            <a:ext cx="181080" cy="312120"/>
+            <a:ext cx="180720" cy="311760"/>
           </a:xfrm>
           <a:prstGeom prst="rect">
             <a:avLst/>
@@ -15663,7 +15663,7 @@
         <p:spPr>
           <a:xfrm>
             <a:off x="77040" y="13716000"/>
-            <a:ext cx="11142720" cy="2071080"/>
+            <a:ext cx="11142360" cy="2070720"/>
           </a:xfrm>
           <a:prstGeom prst="rect">
             <a:avLst/>
@@ -15683,7 +15683,7 @@
         <p:spPr>
           <a:xfrm>
             <a:off x="0" y="23743800"/>
-            <a:ext cx="12077280" cy="1004040"/>
+            <a:ext cx="12076920" cy="1003680"/>
           </a:xfrm>
           <a:prstGeom prst="rect">
             <a:avLst/>
@@ -15726,7 +15726,7 @@
         <p:spPr>
           <a:xfrm>
             <a:off x="12192120" y="6190560"/>
-            <a:ext cx="19649880" cy="14381640"/>
+            <a:ext cx="19649520" cy="14381280"/>
           </a:xfrm>
           <a:prstGeom prst="rect">
             <a:avLst/>
@@ -15746,7 +15746,7 @@
         <p:spPr>
           <a:xfrm>
             <a:off x="12482280" y="27419400"/>
-            <a:ext cx="19657800" cy="1004040"/>
+            <a:ext cx="19657440" cy="1003680"/>
           </a:xfrm>
           <a:prstGeom prst="rect">
             <a:avLst/>
@@ -15797,7 +15797,7 @@
         <p:spPr>
           <a:xfrm>
             <a:off x="32004000" y="6019920"/>
-            <a:ext cx="11880000" cy="2217240"/>
+            <a:ext cx="11879640" cy="2216880"/>
           </a:xfrm>
           <a:prstGeom prst="rect">
             <a:avLst/>
@@ -15826,7 +15826,28 @@
                 <a:latin typeface="Century Gothic"/>
                 <a:ea typeface="Times New Roman"/>
               </a:rPr>
-              <a:t>tttt</a:t>
+              <a:t>Pages were from a single call of shrink_page_list.</a:t>
+            </a:r>
+            <a:endParaRPr/>
+          </a:p>
+          <a:p>
+            <a:pPr lvl="4">
+              <a:lnSpc>
+                <a:spcPct val="100000"/>
+              </a:lnSpc>
+              <a:buSzPct val="120000"/>
+              <a:buFont typeface="Arial"/>
+              <a:buChar char="•"/>
+            </a:pPr>
+            <a:r>
+              <a:rPr lang="en-US" sz="3200">
+                <a:solidFill>
+                  <a:srgbClr val="000000"/>
+                </a:solidFill>
+                <a:latin typeface="Century Gothic"/>
+                <a:ea typeface="Times New Roman"/>
+              </a:rPr>
+              <a:t>Number of pages found in each VMA:</a:t>
             </a:r>
             <a:endParaRPr/>
           </a:p>
@@ -15840,8 +15861,8 @@
         </p:nvSpPr>
         <p:spPr>
           <a:xfrm>
-            <a:off x="32058720" y="8229600"/>
-            <a:ext cx="11830680" cy="1004040"/>
+            <a:off x="32060880" y="13898880"/>
+            <a:ext cx="11830320" cy="1003680"/>
           </a:xfrm>
           <a:prstGeom prst="rect">
             <a:avLst/>
@@ -15884,7 +15905,7 @@
         <p:spPr>
           <a:xfrm>
             <a:off x="0" y="17891640"/>
-            <a:ext cx="12076920" cy="1004040"/>
+            <a:ext cx="12076560" cy="1003680"/>
           </a:xfrm>
           <a:prstGeom prst="rect">
             <a:avLst/>
@@ -15927,7 +15948,7 @@
         <p:spPr>
           <a:xfrm>
             <a:off x="32058720" y="5105520"/>
-            <a:ext cx="11830680" cy="1004040"/>
+            <a:ext cx="11830320" cy="1003680"/>
           </a:xfrm>
           <a:prstGeom prst="rect">
             <a:avLst/>
@@ -15976,7 +15997,7 @@
         <p:spPr>
           <a:xfrm>
             <a:off x="36717120" y="3218040"/>
-            <a:ext cx="6410160" cy="1657080"/>
+            <a:ext cx="6409800" cy="1656720"/>
           </a:xfrm>
           <a:prstGeom prst="rect">
             <a:avLst/>
@@ -15995,7 +16016,7 @@
         <p:spPr>
           <a:xfrm>
             <a:off x="548640" y="11163240"/>
-            <a:ext cx="11154600" cy="3100320"/>
+            <a:ext cx="11154240" cy="3099960"/>
           </a:xfrm>
           <a:prstGeom prst="rect">
             <a:avLst/>
@@ -16121,8 +16142,8 @@
         </p:nvSpPr>
         <p:spPr>
           <a:xfrm>
-            <a:off x="33026040" y="11860560"/>
-            <a:ext cx="9896040" cy="6489720"/>
+            <a:off x="32532480" y="15303960"/>
+            <a:ext cx="9895680" cy="6489360"/>
           </a:xfrm>
           <a:prstGeom prst="rect">
             <a:avLst/>
@@ -16221,7 +16242,7 @@
         <p:spPr>
           <a:xfrm>
             <a:off x="457200" y="6111000"/>
-            <a:ext cx="11246040" cy="3251520"/>
+            <a:ext cx="11245680" cy="3251160"/>
           </a:xfrm>
           <a:prstGeom prst="rect">
             <a:avLst/>
@@ -16312,7 +16333,7 @@
         <p:spPr>
           <a:xfrm>
             <a:off x="518400" y="19058400"/>
-            <a:ext cx="11184840" cy="3251520"/>
+            <a:ext cx="11184480" cy="3251160"/>
           </a:xfrm>
           <a:prstGeom prst="rect">
             <a:avLst/>
@@ -16393,7 +16414,7 @@
         <p:spPr>
           <a:xfrm>
             <a:off x="792720" y="25146000"/>
-            <a:ext cx="10910520" cy="3251520"/>
+            <a:ext cx="10910160" cy="3251160"/>
           </a:xfrm>
           <a:prstGeom prst="rect">
             <a:avLst/>
@@ -16494,7 +16515,7 @@
         <p:spPr>
           <a:xfrm>
             <a:off x="32552640" y="23225760"/>
-            <a:ext cx="10881360" cy="3251520"/>
+            <a:ext cx="10881000" cy="3251160"/>
           </a:xfrm>
           <a:prstGeom prst="rect">
             <a:avLst/>
@@ -16537,7 +16558,7 @@
         <p:spPr>
           <a:xfrm>
             <a:off x="12265200" y="5106600"/>
-            <a:ext cx="19476000" cy="27811080"/>
+            <a:ext cx="19475640" cy="27810720"/>
           </a:xfrm>
           <a:prstGeom prst="rect">
             <a:avLst/>
@@ -16559,7 +16580,7 @@
         <p:spPr>
           <a:xfrm>
             <a:off x="12893040" y="6583680"/>
-            <a:ext cx="18104400" cy="3251520"/>
+            <a:ext cx="18104040" cy="3251160"/>
           </a:xfrm>
           <a:prstGeom prst="rect">
             <a:avLst/>
@@ -16682,7 +16703,7 @@
         <p:spPr>
           <a:xfrm>
             <a:off x="12265200" y="5105520"/>
-            <a:ext cx="19476000" cy="1004040"/>
+            <a:ext cx="19475640" cy="1003680"/>
           </a:xfrm>
           <a:prstGeom prst="rect">
             <a:avLst/>
@@ -16725,7 +16746,7 @@
         <p:spPr>
           <a:xfrm>
             <a:off x="12268440" y="20954880"/>
-            <a:ext cx="19472760" cy="1004040"/>
+            <a:ext cx="19472400" cy="1003680"/>
           </a:xfrm>
           <a:prstGeom prst="rect">
             <a:avLst/>
@@ -16768,7 +16789,7 @@
         <p:spPr>
           <a:xfrm>
             <a:off x="12264840" y="28483560"/>
-            <a:ext cx="19476360" cy="1004040"/>
+            <a:ext cx="19476000" cy="1003680"/>
           </a:xfrm>
           <a:prstGeom prst="rect">
             <a:avLst/>
@@ -16811,7 +16832,7 @@
         <p:spPr>
           <a:xfrm>
             <a:off x="12863520" y="22168080"/>
-            <a:ext cx="18500040" cy="3251520"/>
+            <a:ext cx="18499680" cy="3251160"/>
           </a:xfrm>
           <a:prstGeom prst="rect">
             <a:avLst/>
@@ -16904,7 +16925,7 @@
         <p:spPr>
           <a:xfrm>
             <a:off x="12618720" y="29666160"/>
-            <a:ext cx="18500040" cy="3251520"/>
+            <a:ext cx="18499680" cy="3251160"/>
           </a:xfrm>
           <a:prstGeom prst="rect">
             <a:avLst/>
@@ -16958,6 +16979,31 @@
           </a:p>
         </p:txBody>
       </p:sp>
+      <p:pic>
+        <p:nvPicPr>
+          <p:cNvPr id="415" name="" descr=""/>
+          <p:cNvPicPr/>
+          <p:nvPr/>
+        </p:nvPicPr>
+        <p:blipFill>
+          <a:blip r:embed="rId2"/>
+          <a:stretch>
+            <a:fillRect/>
+          </a:stretch>
+        </p:blipFill>
+        <p:spPr>
+          <a:xfrm>
+            <a:off x="32058720" y="7680960"/>
+            <a:ext cx="11741040" cy="5810760"/>
+          </a:xfrm>
+          <a:prstGeom prst="rect">
+            <a:avLst/>
+          </a:prstGeom>
+          <a:ln>
+            <a:noFill/>
+          </a:ln>
+        </p:spPr>
+      </p:pic>
     </p:spTree>
   </p:cSld>
   <p:timing>
@@ -17009,14 +17055,14 @@
       </p:grpSpPr>
       <p:sp>
         <p:nvSpPr>
-          <p:cNvPr id="446" name="CustomShape 1"/>
+          <p:cNvPr id="447" name="CustomShape 1"/>
           <p:cNvSpPr/>
           <p:nvPr/>
         </p:nvSpPr>
         <p:spPr>
           <a:xfrm>
             <a:off x="2194560" y="1313280"/>
-            <a:ext cx="39501000" cy="5496480"/>
+            <a:ext cx="39500640" cy="5496120"/>
           </a:xfrm>
           <a:prstGeom prst="rect">
             <a:avLst/>
@@ -17029,14 +17075,14 @@
       </p:sp>
       <p:sp>
         <p:nvSpPr>
-          <p:cNvPr id="447" name="CustomShape 2"/>
+          <p:cNvPr id="448" name="CustomShape 2"/>
           <p:cNvSpPr/>
           <p:nvPr/>
         </p:nvSpPr>
         <p:spPr>
           <a:xfrm>
             <a:off x="2194560" y="7702560"/>
-            <a:ext cx="39501000" cy="19091520"/>
+            <a:ext cx="39500640" cy="19091160"/>
           </a:xfrm>
           <a:prstGeom prst="rect">
             <a:avLst/>
@@ -17049,14 +17095,14 @@
       </p:sp>
       <p:sp>
         <p:nvSpPr>
-          <p:cNvPr id="448" name="CustomShape 3"/>
+          <p:cNvPr id="449" name="CustomShape 3"/>
           <p:cNvSpPr/>
           <p:nvPr/>
         </p:nvSpPr>
         <p:spPr>
           <a:xfrm>
             <a:off x="2194560" y="7702560"/>
-            <a:ext cx="39501000" cy="19091520"/>
+            <a:ext cx="39500640" cy="19091160"/>
           </a:xfrm>
           <a:prstGeom prst="rect">
             <a:avLst/>
@@ -17069,7 +17115,7 @@
       </p:sp>
       <p:pic>
         <p:nvPicPr>
-          <p:cNvPr id="449" name="" descr=""/>
+          <p:cNvPr id="450" name="" descr=""/>
           <p:cNvPicPr/>
           <p:nvPr/>
         </p:nvPicPr>
@@ -17082,7 +17128,7 @@
         <p:spPr>
           <a:xfrm>
             <a:off x="9980640" y="7702560"/>
-            <a:ext cx="23928120" cy="19091520"/>
+            <a:ext cx="23927760" cy="19091160"/>
           </a:xfrm>
           <a:prstGeom prst="rect">
             <a:avLst/>
@@ -17094,7 +17140,7 @@
       </p:pic>
       <p:pic>
         <p:nvPicPr>
-          <p:cNvPr id="450" name="" descr=""/>
+          <p:cNvPr id="451" name="" descr=""/>
           <p:cNvPicPr/>
           <p:nvPr/>
         </p:nvPicPr>
@@ -17107,7 +17153,7 @@
         <p:spPr>
           <a:xfrm>
             <a:off x="9980640" y="7702560"/>
-            <a:ext cx="23928120" cy="19091520"/>
+            <a:ext cx="23927760" cy="19091160"/>
           </a:xfrm>
           <a:prstGeom prst="rect">
             <a:avLst/>
@@ -17141,14 +17187,14 @@
       </p:grpSpPr>
       <p:sp>
         <p:nvSpPr>
-          <p:cNvPr id="415" name="CustomShape 1"/>
+          <p:cNvPr id="416" name="CustomShape 1"/>
           <p:cNvSpPr/>
           <p:nvPr/>
         </p:nvSpPr>
         <p:spPr>
           <a:xfrm>
             <a:off x="2194560" y="1313280"/>
-            <a:ext cx="39500280" cy="25480440"/>
+            <a:ext cx="39499920" cy="25480080"/>
           </a:xfrm>
           <a:prstGeom prst="rect">
             <a:avLst/>
@@ -17183,14 +17229,14 @@
       </p:grpSpPr>
       <p:sp>
         <p:nvSpPr>
-          <p:cNvPr id="416" name="CustomShape 1"/>
+          <p:cNvPr id="417" name="CustomShape 1"/>
           <p:cNvSpPr/>
           <p:nvPr/>
         </p:nvSpPr>
         <p:spPr>
           <a:xfrm>
             <a:off x="2194560" y="1313280"/>
-            <a:ext cx="39500280" cy="5495760"/>
+            <a:ext cx="39499920" cy="5495400"/>
           </a:xfrm>
           <a:prstGeom prst="rect">
             <a:avLst/>
@@ -17203,14 +17249,14 @@
       </p:sp>
       <p:sp>
         <p:nvSpPr>
-          <p:cNvPr id="417" name="CustomShape 2"/>
+          <p:cNvPr id="418" name="CustomShape 2"/>
           <p:cNvSpPr/>
           <p:nvPr/>
         </p:nvSpPr>
         <p:spPr>
           <a:xfrm>
             <a:off x="2194560" y="7702560"/>
-            <a:ext cx="19275120" cy="9105480"/>
+            <a:ext cx="19274760" cy="9105120"/>
           </a:xfrm>
           <a:prstGeom prst="rect">
             <a:avLst/>
@@ -17223,14 +17269,14 @@
       </p:sp>
       <p:sp>
         <p:nvSpPr>
-          <p:cNvPr id="418" name="CustomShape 3"/>
+          <p:cNvPr id="419" name="CustomShape 3"/>
           <p:cNvSpPr/>
           <p:nvPr/>
         </p:nvSpPr>
         <p:spPr>
           <a:xfrm>
             <a:off x="2194560" y="17674920"/>
-            <a:ext cx="19275120" cy="9105480"/>
+            <a:ext cx="19274760" cy="9105120"/>
           </a:xfrm>
           <a:prstGeom prst="rect">
             <a:avLst/>
@@ -17243,14 +17289,14 @@
       </p:sp>
       <p:sp>
         <p:nvSpPr>
-          <p:cNvPr id="419" name="CustomShape 4"/>
+          <p:cNvPr id="420" name="CustomShape 4"/>
           <p:cNvSpPr/>
           <p:nvPr/>
         </p:nvSpPr>
         <p:spPr>
           <a:xfrm>
             <a:off x="22435200" y="7702560"/>
-            <a:ext cx="19275120" cy="19090800"/>
+            <a:ext cx="19274760" cy="19090440"/>
           </a:xfrm>
           <a:prstGeom prst="rect">
             <a:avLst/>
@@ -17285,14 +17331,14 @@
       </p:grpSpPr>
       <p:sp>
         <p:nvSpPr>
-          <p:cNvPr id="420" name="CustomShape 1"/>
+          <p:cNvPr id="421" name="CustomShape 1"/>
           <p:cNvSpPr/>
           <p:nvPr/>
         </p:nvSpPr>
         <p:spPr>
           <a:xfrm>
             <a:off x="2194560" y="1313280"/>
-            <a:ext cx="39500280" cy="5495760"/>
+            <a:ext cx="39499920" cy="5495400"/>
           </a:xfrm>
           <a:prstGeom prst="rect">
             <a:avLst/>
@@ -17305,14 +17351,14 @@
       </p:sp>
       <p:sp>
         <p:nvSpPr>
-          <p:cNvPr id="421" name="CustomShape 2"/>
+          <p:cNvPr id="422" name="CustomShape 2"/>
           <p:cNvSpPr/>
           <p:nvPr/>
         </p:nvSpPr>
         <p:spPr>
           <a:xfrm>
             <a:off x="2194560" y="7702560"/>
-            <a:ext cx="19275120" cy="19090800"/>
+            <a:ext cx="19274760" cy="19090440"/>
           </a:xfrm>
           <a:prstGeom prst="rect">
             <a:avLst/>
@@ -17325,14 +17371,14 @@
       </p:sp>
       <p:sp>
         <p:nvSpPr>
-          <p:cNvPr id="422" name="CustomShape 3"/>
+          <p:cNvPr id="423" name="CustomShape 3"/>
           <p:cNvSpPr/>
           <p:nvPr/>
         </p:nvSpPr>
         <p:spPr>
           <a:xfrm>
             <a:off x="22435200" y="7702560"/>
-            <a:ext cx="19275120" cy="9105480"/>
+            <a:ext cx="19274760" cy="9105120"/>
           </a:xfrm>
           <a:prstGeom prst="rect">
             <a:avLst/>
@@ -17345,14 +17391,14 @@
       </p:sp>
       <p:sp>
         <p:nvSpPr>
-          <p:cNvPr id="423" name="CustomShape 4"/>
+          <p:cNvPr id="424" name="CustomShape 4"/>
           <p:cNvSpPr/>
           <p:nvPr/>
         </p:nvSpPr>
         <p:spPr>
           <a:xfrm>
             <a:off x="22435200" y="17674920"/>
-            <a:ext cx="19275120" cy="9105480"/>
+            <a:ext cx="19274760" cy="9105120"/>
           </a:xfrm>
           <a:prstGeom prst="rect">
             <a:avLst/>
@@ -17387,14 +17433,14 @@
       </p:grpSpPr>
       <p:sp>
         <p:nvSpPr>
-          <p:cNvPr id="424" name="CustomShape 1"/>
+          <p:cNvPr id="425" name="CustomShape 1"/>
           <p:cNvSpPr/>
           <p:nvPr/>
         </p:nvSpPr>
         <p:spPr>
           <a:xfrm>
             <a:off x="2194560" y="1313280"/>
-            <a:ext cx="39500280" cy="5495760"/>
+            <a:ext cx="39499920" cy="5495400"/>
           </a:xfrm>
           <a:prstGeom prst="rect">
             <a:avLst/>
@@ -17407,14 +17453,14 @@
       </p:sp>
       <p:sp>
         <p:nvSpPr>
-          <p:cNvPr id="425" name="CustomShape 2"/>
+          <p:cNvPr id="426" name="CustomShape 2"/>
           <p:cNvSpPr/>
           <p:nvPr/>
         </p:nvSpPr>
         <p:spPr>
           <a:xfrm>
             <a:off x="2194560" y="7702560"/>
-            <a:ext cx="19275120" cy="9105480"/>
+            <a:ext cx="19274760" cy="9105120"/>
           </a:xfrm>
           <a:prstGeom prst="rect">
             <a:avLst/>
@@ -17427,14 +17473,14 @@
       </p:sp>
       <p:sp>
         <p:nvSpPr>
-          <p:cNvPr id="426" name="CustomShape 3"/>
+          <p:cNvPr id="427" name="CustomShape 3"/>
           <p:cNvSpPr/>
           <p:nvPr/>
         </p:nvSpPr>
         <p:spPr>
           <a:xfrm>
             <a:off x="22435200" y="7702560"/>
-            <a:ext cx="19275120" cy="9105480"/>
+            <a:ext cx="19274760" cy="9105120"/>
           </a:xfrm>
           <a:prstGeom prst="rect">
             <a:avLst/>
@@ -17447,14 +17493,14 @@
       </p:sp>
       <p:sp>
         <p:nvSpPr>
-          <p:cNvPr id="427" name="CustomShape 4"/>
+          <p:cNvPr id="428" name="CustomShape 4"/>
           <p:cNvSpPr/>
           <p:nvPr/>
         </p:nvSpPr>
         <p:spPr>
           <a:xfrm>
             <a:off x="2194560" y="17674920"/>
-            <a:ext cx="39500280" cy="9105480"/>
+            <a:ext cx="39499920" cy="9105120"/>
           </a:xfrm>
           <a:prstGeom prst="rect">
             <a:avLst/>
@@ -17489,14 +17535,14 @@
       </p:grpSpPr>
       <p:sp>
         <p:nvSpPr>
-          <p:cNvPr id="428" name="CustomShape 1"/>
+          <p:cNvPr id="429" name="CustomShape 1"/>
           <p:cNvSpPr/>
           <p:nvPr/>
         </p:nvSpPr>
         <p:spPr>
           <a:xfrm>
             <a:off x="2194560" y="1313280"/>
-            <a:ext cx="39500280" cy="5495760"/>
+            <a:ext cx="39499920" cy="5495400"/>
           </a:xfrm>
           <a:prstGeom prst="rect">
             <a:avLst/>
@@ -17509,14 +17555,14 @@
       </p:sp>
       <p:sp>
         <p:nvSpPr>
-          <p:cNvPr id="429" name="CustomShape 2"/>
+          <p:cNvPr id="430" name="CustomShape 2"/>
           <p:cNvSpPr/>
           <p:nvPr/>
         </p:nvSpPr>
         <p:spPr>
           <a:xfrm>
             <a:off x="2194560" y="7702560"/>
-            <a:ext cx="39500280" cy="9105480"/>
+            <a:ext cx="39499920" cy="9105120"/>
           </a:xfrm>
           <a:prstGeom prst="rect">
             <a:avLst/>
@@ -17529,14 +17575,14 @@
       </p:sp>
       <p:sp>
         <p:nvSpPr>
-          <p:cNvPr id="430" name="CustomShape 3"/>
+          <p:cNvPr id="431" name="CustomShape 3"/>
           <p:cNvSpPr/>
           <p:nvPr/>
         </p:nvSpPr>
         <p:spPr>
           <a:xfrm>
             <a:off x="2194560" y="17674920"/>
-            <a:ext cx="39500280" cy="9105480"/>
+            <a:ext cx="39499920" cy="9105120"/>
           </a:xfrm>
           <a:prstGeom prst="rect">
             <a:avLst/>
@@ -17571,14 +17617,14 @@
       </p:grpSpPr>
       <p:sp>
         <p:nvSpPr>
-          <p:cNvPr id="431" name="CustomShape 1"/>
+          <p:cNvPr id="432" name="CustomShape 1"/>
           <p:cNvSpPr/>
           <p:nvPr/>
         </p:nvSpPr>
         <p:spPr>
           <a:xfrm>
             <a:off x="2194560" y="1313280"/>
-            <a:ext cx="39500280" cy="5495760"/>
+            <a:ext cx="39499920" cy="5495400"/>
           </a:xfrm>
           <a:prstGeom prst="rect">
             <a:avLst/>
@@ -17591,14 +17637,14 @@
       </p:sp>
       <p:sp>
         <p:nvSpPr>
-          <p:cNvPr id="432" name="CustomShape 2"/>
+          <p:cNvPr id="433" name="CustomShape 2"/>
           <p:cNvSpPr/>
           <p:nvPr/>
         </p:nvSpPr>
         <p:spPr>
           <a:xfrm>
             <a:off x="2194560" y="7702560"/>
-            <a:ext cx="19275120" cy="9105480"/>
+            <a:ext cx="19274760" cy="9105120"/>
           </a:xfrm>
           <a:prstGeom prst="rect">
             <a:avLst/>
@@ -17611,14 +17657,14 @@
       </p:sp>
       <p:sp>
         <p:nvSpPr>
-          <p:cNvPr id="433" name="CustomShape 3"/>
+          <p:cNvPr id="434" name="CustomShape 3"/>
           <p:cNvSpPr/>
           <p:nvPr/>
         </p:nvSpPr>
         <p:spPr>
           <a:xfrm>
             <a:off x="22435200" y="7702560"/>
-            <a:ext cx="19275120" cy="9105480"/>
+            <a:ext cx="19274760" cy="9105120"/>
           </a:xfrm>
           <a:prstGeom prst="rect">
             <a:avLst/>
@@ -17631,14 +17677,14 @@
       </p:sp>
       <p:sp>
         <p:nvSpPr>
-          <p:cNvPr id="434" name="CustomShape 4"/>
+          <p:cNvPr id="435" name="CustomShape 4"/>
           <p:cNvSpPr/>
           <p:nvPr/>
         </p:nvSpPr>
         <p:spPr>
           <a:xfrm>
             <a:off x="22435200" y="17674920"/>
-            <a:ext cx="19275120" cy="9105480"/>
+            <a:ext cx="19274760" cy="9105120"/>
           </a:xfrm>
           <a:prstGeom prst="rect">
             <a:avLst/>
@@ -17651,14 +17697,14 @@
       </p:sp>
       <p:sp>
         <p:nvSpPr>
-          <p:cNvPr id="435" name="CustomShape 5"/>
+          <p:cNvPr id="436" name="CustomShape 5"/>
           <p:cNvSpPr/>
           <p:nvPr/>
         </p:nvSpPr>
         <p:spPr>
           <a:xfrm>
             <a:off x="2194560" y="17674920"/>
-            <a:ext cx="19275120" cy="9105480"/>
+            <a:ext cx="19274760" cy="9105120"/>
           </a:xfrm>
           <a:prstGeom prst="rect">
             <a:avLst/>
@@ -17693,14 +17739,14 @@
       </p:grpSpPr>
       <p:sp>
         <p:nvSpPr>
-          <p:cNvPr id="436" name="CustomShape 1"/>
+          <p:cNvPr id="437" name="CustomShape 1"/>
           <p:cNvSpPr/>
           <p:nvPr/>
         </p:nvSpPr>
         <p:spPr>
           <a:xfrm>
             <a:off x="2194560" y="1313280"/>
-            <a:ext cx="39500280" cy="5495760"/>
+            <a:ext cx="39499920" cy="5495400"/>
           </a:xfrm>
           <a:prstGeom prst="rect">
             <a:avLst/>
@@ -17713,14 +17759,14 @@
       </p:sp>
       <p:sp>
         <p:nvSpPr>
-          <p:cNvPr id="437" name="CustomShape 2"/>
+          <p:cNvPr id="438" name="CustomShape 2"/>
           <p:cNvSpPr/>
           <p:nvPr/>
         </p:nvSpPr>
         <p:spPr>
           <a:xfrm>
             <a:off x="2194560" y="7702560"/>
-            <a:ext cx="39500280" cy="19090800"/>
+            <a:ext cx="39499920" cy="19090440"/>
           </a:xfrm>
           <a:prstGeom prst="rect">
             <a:avLst/>
@@ -17733,14 +17779,14 @@
       </p:sp>
       <p:sp>
         <p:nvSpPr>
-          <p:cNvPr id="438" name="CustomShape 3"/>
+          <p:cNvPr id="439" name="CustomShape 3"/>
           <p:cNvSpPr/>
           <p:nvPr/>
         </p:nvSpPr>
         <p:spPr>
           <a:xfrm>
             <a:off x="2194560" y="7702560"/>
-            <a:ext cx="39500280" cy="19090800"/>
+            <a:ext cx="39499920" cy="19090440"/>
           </a:xfrm>
           <a:prstGeom prst="rect">
             <a:avLst/>
@@ -17753,7 +17799,7 @@
       </p:sp>
       <p:pic>
         <p:nvPicPr>
-          <p:cNvPr id="439" name="" descr=""/>
+          <p:cNvPr id="440" name="" descr=""/>
           <p:cNvPicPr/>
           <p:nvPr/>
         </p:nvPicPr>
@@ -17766,7 +17812,7 @@
         <p:spPr>
           <a:xfrm>
             <a:off x="9980640" y="7702560"/>
-            <a:ext cx="23927400" cy="19090800"/>
+            <a:ext cx="23927040" cy="19090440"/>
           </a:xfrm>
           <a:prstGeom prst="rect">
             <a:avLst/>
@@ -17778,7 +17824,7 @@
       </p:pic>
       <p:pic>
         <p:nvPicPr>
-          <p:cNvPr id="440" name="" descr=""/>
+          <p:cNvPr id="441" name="" descr=""/>
           <p:cNvPicPr/>
           <p:nvPr/>
         </p:nvPicPr>
@@ -17791,7 +17837,7 @@
         <p:spPr>
           <a:xfrm>
             <a:off x="9980640" y="7702560"/>
-            <a:ext cx="23927400" cy="19090800"/>
+            <a:ext cx="23927040" cy="19090440"/>
           </a:xfrm>
           <a:prstGeom prst="rect">
             <a:avLst/>
@@ -17825,14 +17871,14 @@
       </p:grpSpPr>
       <p:sp>
         <p:nvSpPr>
-          <p:cNvPr id="441" name="CustomShape 1"/>
+          <p:cNvPr id="442" name="CustomShape 1"/>
           <p:cNvSpPr/>
           <p:nvPr/>
         </p:nvSpPr>
         <p:spPr>
           <a:xfrm>
             <a:off x="2194560" y="1313280"/>
-            <a:ext cx="39501000" cy="5496480"/>
+            <a:ext cx="39500640" cy="5496120"/>
           </a:xfrm>
           <a:prstGeom prst="rect">
             <a:avLst/>
@@ -17845,14 +17891,14 @@
       </p:sp>
       <p:sp>
         <p:nvSpPr>
-          <p:cNvPr id="442" name="CustomShape 2"/>
+          <p:cNvPr id="443" name="CustomShape 2"/>
           <p:cNvSpPr/>
           <p:nvPr/>
         </p:nvSpPr>
         <p:spPr>
           <a:xfrm>
             <a:off x="2194560" y="7702560"/>
-            <a:ext cx="19275840" cy="9106200"/>
+            <a:ext cx="19275480" cy="9105840"/>
           </a:xfrm>
           <a:prstGeom prst="rect">
             <a:avLst/>
@@ -17865,14 +17911,14 @@
       </p:sp>
       <p:sp>
         <p:nvSpPr>
-          <p:cNvPr id="443" name="CustomShape 3"/>
+          <p:cNvPr id="444" name="CustomShape 3"/>
           <p:cNvSpPr/>
           <p:nvPr/>
         </p:nvSpPr>
         <p:spPr>
           <a:xfrm>
             <a:off x="22435200" y="7702560"/>
-            <a:ext cx="19275840" cy="9106200"/>
+            <a:ext cx="19275480" cy="9105840"/>
           </a:xfrm>
           <a:prstGeom prst="rect">
             <a:avLst/>
@@ -17885,14 +17931,14 @@
       </p:sp>
       <p:sp>
         <p:nvSpPr>
-          <p:cNvPr id="444" name="CustomShape 4"/>
+          <p:cNvPr id="445" name="CustomShape 4"/>
           <p:cNvSpPr/>
           <p:nvPr/>
         </p:nvSpPr>
         <p:spPr>
           <a:xfrm>
             <a:off x="22435200" y="17674920"/>
-            <a:ext cx="19275840" cy="9106200"/>
+            <a:ext cx="19275480" cy="9105840"/>
           </a:xfrm>
           <a:prstGeom prst="rect">
             <a:avLst/>
@@ -17905,14 +17951,14 @@
       </p:sp>
       <p:sp>
         <p:nvSpPr>
-          <p:cNvPr id="445" name="CustomShape 5"/>
+          <p:cNvPr id="446" name="CustomShape 5"/>
           <p:cNvSpPr/>
           <p:nvPr/>
         </p:nvSpPr>
         <p:spPr>
           <a:xfrm>
             <a:off x="2194560" y="17674920"/>
-            <a:ext cx="19275840" cy="9106200"/>
+            <a:ext cx="19275480" cy="9105840"/>
           </a:xfrm>
           <a:prstGeom prst="rect">
             <a:avLst/>

--- a/CF_Poster.pptx
+++ b/CF_Poster.pptx
@@ -202,7 +202,7 @@
           <a:bodyPr lIns="0" rIns="0" tIns="0" bIns="0" anchor="b"/>
           <a:p>
             <a:pPr algn="r"/>
-            <a:fld id="{D137C7B9-9C0A-4671-9D9B-BB28C38DFCFE}" type="slidenum">
+            <a:fld id="{5196FF0D-7EFD-40DB-AD1C-07E4E18EED89}" type="slidenum">
               <a:rPr lang="en-US" sz="1400">
                 <a:latin typeface="Times New Roman"/>
               </a:rPr>
@@ -244,7 +244,7 @@
         <p:spPr>
           <a:xfrm>
             <a:off x="4143600" y="9119520"/>
-            <a:ext cx="3167640" cy="477720"/>
+            <a:ext cx="3167280" cy="477360"/>
           </a:xfrm>
           <a:prstGeom prst="rect">
             <a:avLst/>
@@ -262,7 +262,7 @@
                 <a:spcPct val="100000"/>
               </a:lnSpc>
             </a:pPr>
-            <a:fld id="{5F9CA4CC-7D2D-4986-A62B-BC1943F8AE5F}" type="slidenum">
+            <a:fld id="{BF1EE4A6-75A0-4641-B5D0-29AF03C6A207}" type="slidenum">
               <a:rPr lang="en-US" sz="1200">
                 <a:solidFill>
                   <a:srgbClr val="000000"/>
@@ -289,7 +289,7 @@
         <p:spPr>
           <a:xfrm>
             <a:off x="731520" y="4561560"/>
-            <a:ext cx="5850000" cy="4318200"/>
+            <a:ext cx="5849640" cy="4317840"/>
           </a:xfrm>
           <a:prstGeom prst="rect">
             <a:avLst/>
@@ -12124,7 +12124,7 @@
         <p:spPr>
           <a:xfrm>
             <a:off x="9980640" y="7702560"/>
-            <a:ext cx="23927040" cy="19090440"/>
+            <a:ext cx="23926680" cy="19090080"/>
           </a:xfrm>
           <a:prstGeom prst="rect">
             <a:avLst/>
@@ -12149,7 +12149,7 @@
         <p:spPr>
           <a:xfrm>
             <a:off x="9980640" y="7702560"/>
-            <a:ext cx="23927040" cy="19090440"/>
+            <a:ext cx="23926680" cy="19090080"/>
           </a:xfrm>
           <a:prstGeom prst="rect">
             <a:avLst/>
@@ -12174,7 +12174,7 @@
         <p:spPr>
           <a:xfrm>
             <a:off x="9980640" y="7702560"/>
-            <a:ext cx="23927760" cy="19091160"/>
+            <a:ext cx="23927400" cy="19090800"/>
           </a:xfrm>
           <a:prstGeom prst="rect">
             <a:avLst/>
@@ -12199,7 +12199,7 @@
         <p:spPr>
           <a:xfrm>
             <a:off x="9980640" y="7702560"/>
-            <a:ext cx="23927760" cy="19091160"/>
+            <a:ext cx="23927400" cy="19090800"/>
           </a:xfrm>
           <a:prstGeom prst="rect">
             <a:avLst/>
@@ -14333,7 +14333,7 @@
         <p:spPr>
           <a:xfrm>
             <a:off x="9980640" y="7702560"/>
-            <a:ext cx="23927040" cy="19090440"/>
+            <a:ext cx="23926680" cy="19090080"/>
           </a:xfrm>
           <a:prstGeom prst="rect">
             <a:avLst/>
@@ -14358,7 +14358,7 @@
         <p:spPr>
           <a:xfrm>
             <a:off x="9980640" y="7702560"/>
-            <a:ext cx="23927040" cy="19090440"/>
+            <a:ext cx="23926680" cy="19090080"/>
           </a:xfrm>
           <a:prstGeom prst="rect">
             <a:avLst/>
@@ -14581,7 +14581,7 @@
         <p:spPr>
           <a:xfrm>
             <a:off x="9980640" y="7702560"/>
-            <a:ext cx="23927040" cy="19090440"/>
+            <a:ext cx="23926680" cy="19090080"/>
           </a:xfrm>
           <a:prstGeom prst="rect">
             <a:avLst/>
@@ -14606,7 +14606,7 @@
         <p:spPr>
           <a:xfrm>
             <a:off x="9980640" y="7702560"/>
-            <a:ext cx="23927040" cy="19090440"/>
+            <a:ext cx="23926680" cy="19090080"/>
           </a:xfrm>
           <a:prstGeom prst="rect">
             <a:avLst/>
@@ -15178,7 +15178,7 @@
         <p:spPr>
           <a:xfrm>
             <a:off x="32058720" y="20970360"/>
-            <a:ext cx="11830320" cy="11945880"/>
+            <a:ext cx="11829960" cy="11945520"/>
           </a:xfrm>
           <a:prstGeom prst="rect">
             <a:avLst/>
@@ -15200,7 +15200,7 @@
         <p:spPr>
           <a:xfrm>
             <a:off x="32058720" y="5105520"/>
-            <a:ext cx="11830320" cy="15999840"/>
+            <a:ext cx="11829960" cy="15999480"/>
           </a:xfrm>
           <a:prstGeom prst="rect">
             <a:avLst/>
@@ -15222,7 +15222,7 @@
         <p:spPr>
           <a:xfrm>
             <a:off x="12268080" y="5105520"/>
-            <a:ext cx="19584360" cy="27810720"/>
+            <a:ext cx="19584000" cy="27810360"/>
           </a:xfrm>
           <a:prstGeom prst="rect">
             <a:avLst/>
@@ -15242,7 +15242,7 @@
         <p:spPr>
           <a:xfrm>
             <a:off x="0" y="5105520"/>
-            <a:ext cx="12076560" cy="27810720"/>
+            <a:ext cx="12076200" cy="27810360"/>
           </a:xfrm>
           <a:prstGeom prst="rect">
             <a:avLst/>
@@ -15264,7 +15264,7 @@
         <p:spPr>
           <a:xfrm>
             <a:off x="0" y="0"/>
-            <a:ext cx="43877880" cy="3156840"/>
+            <a:ext cx="43877520" cy="3156480"/>
           </a:xfrm>
           <a:prstGeom prst="rect">
             <a:avLst/>
@@ -15305,7 +15305,7 @@
         <p:spPr>
           <a:xfrm>
             <a:off x="0" y="5105520"/>
-            <a:ext cx="12076560" cy="1003680"/>
+            <a:ext cx="12076200" cy="1003320"/>
           </a:xfrm>
           <a:prstGeom prst="rect">
             <a:avLst/>
@@ -15348,7 +15348,7 @@
         <p:spPr>
           <a:xfrm>
             <a:off x="32058720" y="21793320"/>
-            <a:ext cx="11830320" cy="1003680"/>
+            <a:ext cx="11829960" cy="1003320"/>
           </a:xfrm>
           <a:prstGeom prst="rect">
             <a:avLst/>
@@ -15391,7 +15391,7 @@
         <p:spPr>
           <a:xfrm>
             <a:off x="11160" y="3124080"/>
-            <a:ext cx="43877880" cy="1791720"/>
+            <a:ext cx="43877520" cy="1791360"/>
           </a:xfrm>
           <a:prstGeom prst="rect">
             <a:avLst/>
@@ -15580,7 +15580,7 @@
         <p:spPr>
           <a:xfrm>
             <a:off x="-43200" y="10013040"/>
-            <a:ext cx="12076560" cy="1003680"/>
+            <a:ext cx="12076200" cy="1003320"/>
           </a:xfrm>
           <a:prstGeom prst="rect">
             <a:avLst/>
@@ -15623,7 +15623,7 @@
         <p:spPr>
           <a:xfrm>
             <a:off x="5092200" y="10103040"/>
-            <a:ext cx="182880" cy="311760"/>
+            <a:ext cx="182520" cy="311400"/>
           </a:xfrm>
           <a:prstGeom prst="rect">
             <a:avLst/>
@@ -15643,7 +15643,7 @@
         <p:spPr>
           <a:xfrm>
             <a:off x="5290200" y="10023120"/>
-            <a:ext cx="180720" cy="311760"/>
+            <a:ext cx="180360" cy="311400"/>
           </a:xfrm>
           <a:prstGeom prst="rect">
             <a:avLst/>
@@ -15663,7 +15663,7 @@
         <p:spPr>
           <a:xfrm>
             <a:off x="77040" y="13716000"/>
-            <a:ext cx="11142360" cy="2070720"/>
+            <a:ext cx="11142000" cy="2070360"/>
           </a:xfrm>
           <a:prstGeom prst="rect">
             <a:avLst/>
@@ -15683,7 +15683,7 @@
         <p:spPr>
           <a:xfrm>
             <a:off x="0" y="23743800"/>
-            <a:ext cx="12076920" cy="1003680"/>
+            <a:ext cx="12076560" cy="1003320"/>
           </a:xfrm>
           <a:prstGeom prst="rect">
             <a:avLst/>
@@ -15726,7 +15726,7 @@
         <p:spPr>
           <a:xfrm>
             <a:off x="12192120" y="6190560"/>
-            <a:ext cx="19649520" cy="14381280"/>
+            <a:ext cx="19649160" cy="14380920"/>
           </a:xfrm>
           <a:prstGeom prst="rect">
             <a:avLst/>
@@ -15746,7 +15746,7 @@
         <p:spPr>
           <a:xfrm>
             <a:off x="12482280" y="27419400"/>
-            <a:ext cx="19657440" cy="1003680"/>
+            <a:ext cx="19657080" cy="1003320"/>
           </a:xfrm>
           <a:prstGeom prst="rect">
             <a:avLst/>
@@ -15797,7 +15797,7 @@
         <p:spPr>
           <a:xfrm>
             <a:off x="32004000" y="6019920"/>
-            <a:ext cx="11879640" cy="2216880"/>
+            <a:ext cx="11879280" cy="2216520"/>
           </a:xfrm>
           <a:prstGeom prst="rect">
             <a:avLst/>
@@ -15862,7 +15862,7 @@
         <p:spPr>
           <a:xfrm>
             <a:off x="32060880" y="13898880"/>
-            <a:ext cx="11830320" cy="1003680"/>
+            <a:ext cx="11829960" cy="1003320"/>
           </a:xfrm>
           <a:prstGeom prst="rect">
             <a:avLst/>
@@ -15905,7 +15905,7 @@
         <p:spPr>
           <a:xfrm>
             <a:off x="0" y="17891640"/>
-            <a:ext cx="12076560" cy="1003680"/>
+            <a:ext cx="12076200" cy="1003320"/>
           </a:xfrm>
           <a:prstGeom prst="rect">
             <a:avLst/>
@@ -15948,7 +15948,7 @@
         <p:spPr>
           <a:xfrm>
             <a:off x="32058720" y="5105520"/>
-            <a:ext cx="11830320" cy="1003680"/>
+            <a:ext cx="11829960" cy="1003320"/>
           </a:xfrm>
           <a:prstGeom prst="rect">
             <a:avLst/>
@@ -15997,7 +15997,7 @@
         <p:spPr>
           <a:xfrm>
             <a:off x="36717120" y="3218040"/>
-            <a:ext cx="6409800" cy="1656720"/>
+            <a:ext cx="6409440" cy="1656360"/>
           </a:xfrm>
           <a:prstGeom prst="rect">
             <a:avLst/>
@@ -16016,7 +16016,7 @@
         <p:spPr>
           <a:xfrm>
             <a:off x="548640" y="11163240"/>
-            <a:ext cx="11154240" cy="3099960"/>
+            <a:ext cx="11153880" cy="3099600"/>
           </a:xfrm>
           <a:prstGeom prst="rect">
             <a:avLst/>
@@ -16143,7 +16143,7 @@
         <p:spPr>
           <a:xfrm>
             <a:off x="32532480" y="15303960"/>
-            <a:ext cx="9895680" cy="6489360"/>
+            <a:ext cx="9895320" cy="6489000"/>
           </a:xfrm>
           <a:prstGeom prst="rect">
             <a:avLst/>
@@ -16242,7 +16242,7 @@
         <p:spPr>
           <a:xfrm>
             <a:off x="457200" y="6111000"/>
-            <a:ext cx="11245680" cy="3251160"/>
+            <a:ext cx="11245320" cy="3250800"/>
           </a:xfrm>
           <a:prstGeom prst="rect">
             <a:avLst/>
@@ -16333,7 +16333,7 @@
         <p:spPr>
           <a:xfrm>
             <a:off x="518400" y="19058400"/>
-            <a:ext cx="11184480" cy="3251160"/>
+            <a:ext cx="11184120" cy="3250800"/>
           </a:xfrm>
           <a:prstGeom prst="rect">
             <a:avLst/>
@@ -16414,7 +16414,7 @@
         <p:spPr>
           <a:xfrm>
             <a:off x="792720" y="25146000"/>
-            <a:ext cx="10910160" cy="3251160"/>
+            <a:ext cx="10909800" cy="3250800"/>
           </a:xfrm>
           <a:prstGeom prst="rect">
             <a:avLst/>
@@ -16515,7 +16515,7 @@
         <p:spPr>
           <a:xfrm>
             <a:off x="32552640" y="23225760"/>
-            <a:ext cx="10881000" cy="3251160"/>
+            <a:ext cx="10880640" cy="3250800"/>
           </a:xfrm>
           <a:prstGeom prst="rect">
             <a:avLst/>
@@ -16558,7 +16558,7 @@
         <p:spPr>
           <a:xfrm>
             <a:off x="12265200" y="5106600"/>
-            <a:ext cx="19475640" cy="27810720"/>
+            <a:ext cx="19475280" cy="27810360"/>
           </a:xfrm>
           <a:prstGeom prst="rect">
             <a:avLst/>
@@ -16580,7 +16580,7 @@
         <p:spPr>
           <a:xfrm>
             <a:off x="12893040" y="6583680"/>
-            <a:ext cx="18104040" cy="3251160"/>
+            <a:ext cx="18103680" cy="3250800"/>
           </a:xfrm>
           <a:prstGeom prst="rect">
             <a:avLst/>
@@ -16703,7 +16703,7 @@
         <p:spPr>
           <a:xfrm>
             <a:off x="12265200" y="5105520"/>
-            <a:ext cx="19475640" cy="1003680"/>
+            <a:ext cx="19475280" cy="1003320"/>
           </a:xfrm>
           <a:prstGeom prst="rect">
             <a:avLst/>
@@ -16746,7 +16746,7 @@
         <p:spPr>
           <a:xfrm>
             <a:off x="12268440" y="20954880"/>
-            <a:ext cx="19472400" cy="1003680"/>
+            <a:ext cx="19472040" cy="1003320"/>
           </a:xfrm>
           <a:prstGeom prst="rect">
             <a:avLst/>
@@ -16789,7 +16789,7 @@
         <p:spPr>
           <a:xfrm>
             <a:off x="12264840" y="28483560"/>
-            <a:ext cx="19476000" cy="1003680"/>
+            <a:ext cx="19475640" cy="1003320"/>
           </a:xfrm>
           <a:prstGeom prst="rect">
             <a:avLst/>
@@ -16832,7 +16832,7 @@
         <p:spPr>
           <a:xfrm>
             <a:off x="12863520" y="22168080"/>
-            <a:ext cx="18499680" cy="3251160"/>
+            <a:ext cx="18499320" cy="3250800"/>
           </a:xfrm>
           <a:prstGeom prst="rect">
             <a:avLst/>
@@ -16925,7 +16925,7 @@
         <p:spPr>
           <a:xfrm>
             <a:off x="12618720" y="29666160"/>
-            <a:ext cx="18499680" cy="3251160"/>
+            <a:ext cx="18499320" cy="3250800"/>
           </a:xfrm>
           <a:prstGeom prst="rect">
             <a:avLst/>
@@ -16993,8 +16993,8 @@
         </p:blipFill>
         <p:spPr>
           <a:xfrm>
-            <a:off x="32058720" y="7680960"/>
-            <a:ext cx="11741040" cy="5810760"/>
+            <a:off x="32194800" y="7680960"/>
+            <a:ext cx="11693880" cy="6217920"/>
           </a:xfrm>
           <a:prstGeom prst="rect">
             <a:avLst/>
@@ -17062,7 +17062,7 @@
         <p:spPr>
           <a:xfrm>
             <a:off x="2194560" y="1313280"/>
-            <a:ext cx="39500640" cy="5496120"/>
+            <a:ext cx="39500280" cy="5495760"/>
           </a:xfrm>
           <a:prstGeom prst="rect">
             <a:avLst/>
@@ -17082,7 +17082,7 @@
         <p:spPr>
           <a:xfrm>
             <a:off x="2194560" y="7702560"/>
-            <a:ext cx="39500640" cy="19091160"/>
+            <a:ext cx="39500280" cy="19090800"/>
           </a:xfrm>
           <a:prstGeom prst="rect">
             <a:avLst/>
@@ -17102,7 +17102,7 @@
         <p:spPr>
           <a:xfrm>
             <a:off x="2194560" y="7702560"/>
-            <a:ext cx="39500640" cy="19091160"/>
+            <a:ext cx="39500280" cy="19090800"/>
           </a:xfrm>
           <a:prstGeom prst="rect">
             <a:avLst/>
@@ -17128,7 +17128,7 @@
         <p:spPr>
           <a:xfrm>
             <a:off x="9980640" y="7702560"/>
-            <a:ext cx="23927760" cy="19091160"/>
+            <a:ext cx="23927400" cy="19090800"/>
           </a:xfrm>
           <a:prstGeom prst="rect">
             <a:avLst/>
@@ -17153,7 +17153,7 @@
         <p:spPr>
           <a:xfrm>
             <a:off x="9980640" y="7702560"/>
-            <a:ext cx="23927760" cy="19091160"/>
+            <a:ext cx="23927400" cy="19090800"/>
           </a:xfrm>
           <a:prstGeom prst="rect">
             <a:avLst/>
@@ -17194,7 +17194,7 @@
         <p:spPr>
           <a:xfrm>
             <a:off x="2194560" y="1313280"/>
-            <a:ext cx="39499920" cy="25480080"/>
+            <a:ext cx="39499560" cy="25479720"/>
           </a:xfrm>
           <a:prstGeom prst="rect">
             <a:avLst/>
@@ -17236,7 +17236,7 @@
         <p:spPr>
           <a:xfrm>
             <a:off x="2194560" y="1313280"/>
-            <a:ext cx="39499920" cy="5495400"/>
+            <a:ext cx="39499560" cy="5495040"/>
           </a:xfrm>
           <a:prstGeom prst="rect">
             <a:avLst/>
@@ -17256,7 +17256,7 @@
         <p:spPr>
           <a:xfrm>
             <a:off x="2194560" y="7702560"/>
-            <a:ext cx="19274760" cy="9105120"/>
+            <a:ext cx="19274400" cy="9104760"/>
           </a:xfrm>
           <a:prstGeom prst="rect">
             <a:avLst/>
@@ -17276,7 +17276,7 @@
         <p:spPr>
           <a:xfrm>
             <a:off x="2194560" y="17674920"/>
-            <a:ext cx="19274760" cy="9105120"/>
+            <a:ext cx="19274400" cy="9104760"/>
           </a:xfrm>
           <a:prstGeom prst="rect">
             <a:avLst/>
@@ -17296,7 +17296,7 @@
         <p:spPr>
           <a:xfrm>
             <a:off x="22435200" y="7702560"/>
-            <a:ext cx="19274760" cy="19090440"/>
+            <a:ext cx="19274400" cy="19090080"/>
           </a:xfrm>
           <a:prstGeom prst="rect">
             <a:avLst/>
@@ -17338,7 +17338,7 @@
         <p:spPr>
           <a:xfrm>
             <a:off x="2194560" y="1313280"/>
-            <a:ext cx="39499920" cy="5495400"/>
+            <a:ext cx="39499560" cy="5495040"/>
           </a:xfrm>
           <a:prstGeom prst="rect">
             <a:avLst/>
@@ -17358,7 +17358,7 @@
         <p:spPr>
           <a:xfrm>
             <a:off x="2194560" y="7702560"/>
-            <a:ext cx="19274760" cy="19090440"/>
+            <a:ext cx="19274400" cy="19090080"/>
           </a:xfrm>
           <a:prstGeom prst="rect">
             <a:avLst/>
@@ -17378,7 +17378,7 @@
         <p:spPr>
           <a:xfrm>
             <a:off x="22435200" y="7702560"/>
-            <a:ext cx="19274760" cy="9105120"/>
+            <a:ext cx="19274400" cy="9104760"/>
           </a:xfrm>
           <a:prstGeom prst="rect">
             <a:avLst/>
@@ -17398,7 +17398,7 @@
         <p:spPr>
           <a:xfrm>
             <a:off x="22435200" y="17674920"/>
-            <a:ext cx="19274760" cy="9105120"/>
+            <a:ext cx="19274400" cy="9104760"/>
           </a:xfrm>
           <a:prstGeom prst="rect">
             <a:avLst/>
@@ -17440,7 +17440,7 @@
         <p:spPr>
           <a:xfrm>
             <a:off x="2194560" y="1313280"/>
-            <a:ext cx="39499920" cy="5495400"/>
+            <a:ext cx="39499560" cy="5495040"/>
           </a:xfrm>
           <a:prstGeom prst="rect">
             <a:avLst/>
@@ -17460,7 +17460,7 @@
         <p:spPr>
           <a:xfrm>
             <a:off x="2194560" y="7702560"/>
-            <a:ext cx="19274760" cy="9105120"/>
+            <a:ext cx="19274400" cy="9104760"/>
           </a:xfrm>
           <a:prstGeom prst="rect">
             <a:avLst/>
@@ -17480,7 +17480,7 @@
         <p:spPr>
           <a:xfrm>
             <a:off x="22435200" y="7702560"/>
-            <a:ext cx="19274760" cy="9105120"/>
+            <a:ext cx="19274400" cy="9104760"/>
           </a:xfrm>
           <a:prstGeom prst="rect">
             <a:avLst/>
@@ -17500,7 +17500,7 @@
         <p:spPr>
           <a:xfrm>
             <a:off x="2194560" y="17674920"/>
-            <a:ext cx="39499920" cy="9105120"/>
+            <a:ext cx="39499560" cy="9104760"/>
           </a:xfrm>
           <a:prstGeom prst="rect">
             <a:avLst/>
@@ -17542,7 +17542,7 @@
         <p:spPr>
           <a:xfrm>
             <a:off x="2194560" y="1313280"/>
-            <a:ext cx="39499920" cy="5495400"/>
+            <a:ext cx="39499560" cy="5495040"/>
           </a:xfrm>
           <a:prstGeom prst="rect">
             <a:avLst/>
@@ -17562,7 +17562,7 @@
         <p:spPr>
           <a:xfrm>
             <a:off x="2194560" y="7702560"/>
-            <a:ext cx="39499920" cy="9105120"/>
+            <a:ext cx="39499560" cy="9104760"/>
           </a:xfrm>
           <a:prstGeom prst="rect">
             <a:avLst/>
@@ -17582,7 +17582,7 @@
         <p:spPr>
           <a:xfrm>
             <a:off x="2194560" y="17674920"/>
-            <a:ext cx="39499920" cy="9105120"/>
+            <a:ext cx="39499560" cy="9104760"/>
           </a:xfrm>
           <a:prstGeom prst="rect">
             <a:avLst/>
@@ -17624,7 +17624,7 @@
         <p:spPr>
           <a:xfrm>
             <a:off x="2194560" y="1313280"/>
-            <a:ext cx="39499920" cy="5495400"/>
+            <a:ext cx="39499560" cy="5495040"/>
           </a:xfrm>
           <a:prstGeom prst="rect">
             <a:avLst/>
@@ -17644,7 +17644,7 @@
         <p:spPr>
           <a:xfrm>
             <a:off x="2194560" y="7702560"/>
-            <a:ext cx="19274760" cy="9105120"/>
+            <a:ext cx="19274400" cy="9104760"/>
           </a:xfrm>
           <a:prstGeom prst="rect">
             <a:avLst/>
@@ -17664,7 +17664,7 @@
         <p:spPr>
           <a:xfrm>
             <a:off x="22435200" y="7702560"/>
-            <a:ext cx="19274760" cy="9105120"/>
+            <a:ext cx="19274400" cy="9104760"/>
           </a:xfrm>
           <a:prstGeom prst="rect">
             <a:avLst/>
@@ -17684,7 +17684,7 @@
         <p:spPr>
           <a:xfrm>
             <a:off x="22435200" y="17674920"/>
-            <a:ext cx="19274760" cy="9105120"/>
+            <a:ext cx="19274400" cy="9104760"/>
           </a:xfrm>
           <a:prstGeom prst="rect">
             <a:avLst/>
@@ -17704,7 +17704,7 @@
         <p:spPr>
           <a:xfrm>
             <a:off x="2194560" y="17674920"/>
-            <a:ext cx="19274760" cy="9105120"/>
+            <a:ext cx="19274400" cy="9104760"/>
           </a:xfrm>
           <a:prstGeom prst="rect">
             <a:avLst/>
@@ -17746,7 +17746,7 @@
         <p:spPr>
           <a:xfrm>
             <a:off x="2194560" y="1313280"/>
-            <a:ext cx="39499920" cy="5495400"/>
+            <a:ext cx="39499560" cy="5495040"/>
           </a:xfrm>
           <a:prstGeom prst="rect">
             <a:avLst/>
@@ -17766,7 +17766,7 @@
         <p:spPr>
           <a:xfrm>
             <a:off x="2194560" y="7702560"/>
-            <a:ext cx="39499920" cy="19090440"/>
+            <a:ext cx="39499560" cy="19090080"/>
           </a:xfrm>
           <a:prstGeom prst="rect">
             <a:avLst/>
@@ -17786,7 +17786,7 @@
         <p:spPr>
           <a:xfrm>
             <a:off x="2194560" y="7702560"/>
-            <a:ext cx="39499920" cy="19090440"/>
+            <a:ext cx="39499560" cy="19090080"/>
           </a:xfrm>
           <a:prstGeom prst="rect">
             <a:avLst/>
@@ -17812,7 +17812,7 @@
         <p:spPr>
           <a:xfrm>
             <a:off x="9980640" y="7702560"/>
-            <a:ext cx="23927040" cy="19090440"/>
+            <a:ext cx="23926680" cy="19090080"/>
           </a:xfrm>
           <a:prstGeom prst="rect">
             <a:avLst/>
@@ -17837,7 +17837,7 @@
         <p:spPr>
           <a:xfrm>
             <a:off x="9980640" y="7702560"/>
-            <a:ext cx="23927040" cy="19090440"/>
+            <a:ext cx="23926680" cy="19090080"/>
           </a:xfrm>
           <a:prstGeom prst="rect">
             <a:avLst/>
@@ -17878,7 +17878,7 @@
         <p:spPr>
           <a:xfrm>
             <a:off x="2194560" y="1313280"/>
-            <a:ext cx="39500640" cy="5496120"/>
+            <a:ext cx="39500280" cy="5495760"/>
           </a:xfrm>
           <a:prstGeom prst="rect">
             <a:avLst/>
@@ -17898,7 +17898,7 @@
         <p:spPr>
           <a:xfrm>
             <a:off x="2194560" y="7702560"/>
-            <a:ext cx="19275480" cy="9105840"/>
+            <a:ext cx="19275120" cy="9105480"/>
           </a:xfrm>
           <a:prstGeom prst="rect">
             <a:avLst/>
@@ -17918,7 +17918,7 @@
         <p:spPr>
           <a:xfrm>
             <a:off x="22435200" y="7702560"/>
-            <a:ext cx="19275480" cy="9105840"/>
+            <a:ext cx="19275120" cy="9105480"/>
           </a:xfrm>
           <a:prstGeom prst="rect">
             <a:avLst/>
@@ -17938,7 +17938,7 @@
         <p:spPr>
           <a:xfrm>
             <a:off x="22435200" y="17674920"/>
-            <a:ext cx="19275480" cy="9105840"/>
+            <a:ext cx="19275120" cy="9105480"/>
           </a:xfrm>
           <a:prstGeom prst="rect">
             <a:avLst/>
@@ -17958,7 +17958,7 @@
         <p:spPr>
           <a:xfrm>
             <a:off x="2194560" y="17674920"/>
-            <a:ext cx="19275480" cy="9105840"/>
+            <a:ext cx="19275120" cy="9105480"/>
           </a:xfrm>
           <a:prstGeom prst="rect">
             <a:avLst/>

--- a/CF_Poster.pptx
+++ b/CF_Poster.pptx
@@ -27,6 +27,13 @@
     <p:sldId id="263" r:id="rId20"/>
     <p:sldId id="264" r:id="rId21"/>
     <p:sldId id="265" r:id="rId22"/>
+    <p:sldId id="266" r:id="rId23"/>
+    <p:sldId id="267" r:id="rId24"/>
+    <p:sldId id="268" r:id="rId25"/>
+    <p:sldId id="269" r:id="rId26"/>
+    <p:sldId id="270" r:id="rId27"/>
+    <p:sldId id="271" r:id="rId28"/>
+    <p:sldId id="272" r:id="rId29"/>
   </p:sldIdLst>
   <p:sldSz cx="43891200" cy="32918400"/>
   <p:notesSz cx="7315200" cy="9601200"/>
@@ -202,7 +209,7 @@
           <a:bodyPr lIns="0" rIns="0" tIns="0" bIns="0" anchor="b"/>
           <a:p>
             <a:pPr algn="r"/>
-            <a:fld id="{5196FF0D-7EFD-40DB-AD1C-07E4E18EED89}" type="slidenum">
+            <a:fld id="{91286936-9CB5-4407-AAC2-E07092AB93D7}" type="slidenum">
               <a:rPr lang="en-US" sz="1400">
                 <a:latin typeface="Times New Roman"/>
               </a:rPr>
@@ -237,14 +244,14 @@
       </p:grpSpPr>
       <p:sp>
         <p:nvSpPr>
-          <p:cNvPr id="452" name="CustomShape 1"/>
+          <p:cNvPr id="472" name="CustomShape 1"/>
           <p:cNvSpPr/>
           <p:nvPr/>
         </p:nvSpPr>
         <p:spPr>
           <a:xfrm>
             <a:off x="4143600" y="9119520"/>
-            <a:ext cx="3167280" cy="477360"/>
+            <a:ext cx="3166920" cy="477000"/>
           </a:xfrm>
           <a:prstGeom prst="rect">
             <a:avLst/>
@@ -262,7 +269,7 @@
                 <a:spcPct val="100000"/>
               </a:lnSpc>
             </a:pPr>
-            <a:fld id="{BF1EE4A6-75A0-4641-B5D0-29AF03C6A207}" type="slidenum">
+            <a:fld id="{8B1AAFA1-8911-44A6-B755-DCD1095FF337}" type="slidenum">
               <a:rPr lang="en-US" sz="1200">
                 <a:solidFill>
                   <a:srgbClr val="000000"/>
@@ -278,7 +285,7 @@
       </p:sp>
       <p:sp>
         <p:nvSpPr>
-          <p:cNvPr id="453" name="PlaceHolder 2"/>
+          <p:cNvPr id="473" name="PlaceHolder 2"/>
           <p:cNvSpPr>
             <a:spLocks noGrp="1"/>
           </p:cNvSpPr>
@@ -289,7 +296,7 @@
         <p:spPr>
           <a:xfrm>
             <a:off x="731520" y="4561560"/>
-            <a:ext cx="5849640" cy="4317840"/>
+            <a:ext cx="5849280" cy="4317480"/>
           </a:xfrm>
           <a:prstGeom prst="rect">
             <a:avLst/>
@@ -12124,7 +12131,7 @@
         <p:spPr>
           <a:xfrm>
             <a:off x="9980640" y="7702560"/>
-            <a:ext cx="23926680" cy="19090080"/>
+            <a:ext cx="23926320" cy="19089720"/>
           </a:xfrm>
           <a:prstGeom prst="rect">
             <a:avLst/>
@@ -12149,7 +12156,7 @@
         <p:spPr>
           <a:xfrm>
             <a:off x="9980640" y="7702560"/>
-            <a:ext cx="23926680" cy="19090080"/>
+            <a:ext cx="23926320" cy="19089720"/>
           </a:xfrm>
           <a:prstGeom prst="rect">
             <a:avLst/>
@@ -12174,7 +12181,7 @@
         <p:spPr>
           <a:xfrm>
             <a:off x="9980640" y="7702560"/>
-            <a:ext cx="23927400" cy="19090800"/>
+            <a:ext cx="23927040" cy="19090440"/>
           </a:xfrm>
           <a:prstGeom prst="rect">
             <a:avLst/>
@@ -12199,7 +12206,7 @@
         <p:spPr>
           <a:xfrm>
             <a:off x="9980640" y="7702560"/>
-            <a:ext cx="23927400" cy="19090800"/>
+            <a:ext cx="23927040" cy="19090440"/>
           </a:xfrm>
           <a:prstGeom prst="rect">
             <a:avLst/>
@@ -14333,7 +14340,7 @@
         <p:spPr>
           <a:xfrm>
             <a:off x="9980640" y="7702560"/>
-            <a:ext cx="23926680" cy="19090080"/>
+            <a:ext cx="23926320" cy="19089720"/>
           </a:xfrm>
           <a:prstGeom prst="rect">
             <a:avLst/>
@@ -14358,7 +14365,7 @@
         <p:spPr>
           <a:xfrm>
             <a:off x="9980640" y="7702560"/>
-            <a:ext cx="23926680" cy="19090080"/>
+            <a:ext cx="23926320" cy="19089720"/>
           </a:xfrm>
           <a:prstGeom prst="rect">
             <a:avLst/>
@@ -14581,7 +14588,7 @@
         <p:spPr>
           <a:xfrm>
             <a:off x="9980640" y="7702560"/>
-            <a:ext cx="23926680" cy="19090080"/>
+            <a:ext cx="23926320" cy="19089720"/>
           </a:xfrm>
           <a:prstGeom prst="rect">
             <a:avLst/>
@@ -14606,7 +14613,7 @@
         <p:spPr>
           <a:xfrm>
             <a:off x="9980640" y="7702560"/>
-            <a:ext cx="23926680" cy="19090080"/>
+            <a:ext cx="23926320" cy="19089720"/>
           </a:xfrm>
           <a:prstGeom prst="rect">
             <a:avLst/>
@@ -15178,7 +15185,7 @@
         <p:spPr>
           <a:xfrm>
             <a:off x="32058720" y="20970360"/>
-            <a:ext cx="11829960" cy="11945520"/>
+            <a:ext cx="11829600" cy="11945160"/>
           </a:xfrm>
           <a:prstGeom prst="rect">
             <a:avLst/>
@@ -15200,7 +15207,7 @@
         <p:spPr>
           <a:xfrm>
             <a:off x="32058720" y="5105520"/>
-            <a:ext cx="11829960" cy="15999480"/>
+            <a:ext cx="11829600" cy="15999120"/>
           </a:xfrm>
           <a:prstGeom prst="rect">
             <a:avLst/>
@@ -15222,7 +15229,7 @@
         <p:spPr>
           <a:xfrm>
             <a:off x="12268080" y="5105520"/>
-            <a:ext cx="19584000" cy="27810360"/>
+            <a:ext cx="19583640" cy="27810000"/>
           </a:xfrm>
           <a:prstGeom prst="rect">
             <a:avLst/>
@@ -15241,8 +15248,8 @@
         </p:nvSpPr>
         <p:spPr>
           <a:xfrm>
-            <a:off x="0" y="5105520"/>
-            <a:ext cx="12076200" cy="27810360"/>
+            <a:off x="0" y="5108400"/>
+            <a:ext cx="12075840" cy="27810000"/>
           </a:xfrm>
           <a:prstGeom prst="rect">
             <a:avLst/>
@@ -15264,7 +15271,7 @@
         <p:spPr>
           <a:xfrm>
             <a:off x="0" y="0"/>
-            <a:ext cx="43877520" cy="3156480"/>
+            <a:ext cx="43877160" cy="3156120"/>
           </a:xfrm>
           <a:prstGeom prst="rect">
             <a:avLst/>
@@ -15305,7 +15312,7 @@
         <p:spPr>
           <a:xfrm>
             <a:off x="0" y="5105520"/>
-            <a:ext cx="12076200" cy="1003320"/>
+            <a:ext cx="12075840" cy="1002960"/>
           </a:xfrm>
           <a:prstGeom prst="rect">
             <a:avLst/>
@@ -15348,7 +15355,7 @@
         <p:spPr>
           <a:xfrm>
             <a:off x="32058720" y="21793320"/>
-            <a:ext cx="11829960" cy="1003320"/>
+            <a:ext cx="11829600" cy="1002960"/>
           </a:xfrm>
           <a:prstGeom prst="rect">
             <a:avLst/>
@@ -15391,7 +15398,7 @@
         <p:spPr>
           <a:xfrm>
             <a:off x="11160" y="3124080"/>
-            <a:ext cx="43877520" cy="1791360"/>
+            <a:ext cx="43877160" cy="1791000"/>
           </a:xfrm>
           <a:prstGeom prst="rect">
             <a:avLst/>
@@ -15579,8 +15586,8 @@
         </p:nvSpPr>
         <p:spPr>
           <a:xfrm>
-            <a:off x="-43200" y="10013040"/>
-            <a:ext cx="12076200" cy="1003320"/>
+            <a:off x="0" y="11250000"/>
+            <a:ext cx="12075840" cy="1002960"/>
           </a:xfrm>
           <a:prstGeom prst="rect">
             <a:avLst/>
@@ -15623,7 +15630,7 @@
         <p:spPr>
           <a:xfrm>
             <a:off x="5092200" y="10103040"/>
-            <a:ext cx="182520" cy="311400"/>
+            <a:ext cx="182160" cy="311040"/>
           </a:xfrm>
           <a:prstGeom prst="rect">
             <a:avLst/>
@@ -15643,7 +15650,7 @@
         <p:spPr>
           <a:xfrm>
             <a:off x="5290200" y="10023120"/>
-            <a:ext cx="180360" cy="311400"/>
+            <a:ext cx="180000" cy="311040"/>
           </a:xfrm>
           <a:prstGeom prst="rect">
             <a:avLst/>
@@ -15663,7 +15670,7 @@
         <p:spPr>
           <a:xfrm>
             <a:off x="77040" y="13716000"/>
-            <a:ext cx="11142000" cy="2070360"/>
+            <a:ext cx="11141640" cy="2070000"/>
           </a:xfrm>
           <a:prstGeom prst="rect">
             <a:avLst/>
@@ -15682,51 +15689,8 @@
         </p:nvSpPr>
         <p:spPr>
           <a:xfrm>
-            <a:off x="0" y="23743800"/>
-            <a:ext cx="12076560" cy="1003320"/>
-          </a:xfrm>
-          <a:prstGeom prst="rect">
-            <a:avLst/>
-          </a:prstGeom>
-          <a:solidFill>
-            <a:srgbClr val="c6d9f1"/>
-          </a:solidFill>
-          <a:ln>
-            <a:noFill/>
-          </a:ln>
-        </p:spPr>
-        <p:txBody>
-          <a:bodyPr lIns="90000" rIns="90000" tIns="45000" bIns="45000" anchor="ctr"/>
-          <a:p>
-            <a:pPr algn="ctr">
-              <a:lnSpc>
-                <a:spcPct val="100000"/>
-              </a:lnSpc>
-            </a:pPr>
-            <a:r>
-              <a:rPr b="1" lang="en-US" sz="4000">
-                <a:solidFill>
-                  <a:srgbClr val="000000"/>
-                </a:solidFill>
-                <a:latin typeface="Century Gothic"/>
-                <a:ea typeface="Arial"/>
-              </a:rPr>
-              <a:t>Our Solution: HybridSwap</a:t>
-            </a:r>
-            <a:endParaRPr/>
-          </a:p>
-        </p:txBody>
-      </p:sp>
-      <p:sp>
-        <p:nvSpPr>
-          <p:cNvPr id="395" name="CustomShape 14"/>
-          <p:cNvSpPr/>
-          <p:nvPr/>
-        </p:nvSpPr>
-        <p:spPr>
-          <a:xfrm>
             <a:off x="12192120" y="6190560"/>
-            <a:ext cx="19649160" cy="14380920"/>
+            <a:ext cx="19648800" cy="14380560"/>
           </a:xfrm>
           <a:prstGeom prst="rect">
             <a:avLst/>
@@ -15739,14 +15703,14 @@
       </p:sp>
       <p:sp>
         <p:nvSpPr>
-          <p:cNvPr id="396" name="CustomShape 15"/>
+          <p:cNvPr id="395" name="CustomShape 14"/>
           <p:cNvSpPr/>
           <p:nvPr/>
         </p:nvSpPr>
         <p:spPr>
           <a:xfrm>
             <a:off x="12482280" y="27419400"/>
-            <a:ext cx="19657080" cy="1003320"/>
+            <a:ext cx="19656720" cy="1002960"/>
           </a:xfrm>
           <a:prstGeom prst="rect">
             <a:avLst/>
@@ -15790,14 +15754,14 @@
       </p:sp>
       <p:sp>
         <p:nvSpPr>
-          <p:cNvPr id="397" name="CustomShape 16"/>
+          <p:cNvPr id="396" name="CustomShape 15"/>
           <p:cNvSpPr/>
           <p:nvPr/>
         </p:nvSpPr>
         <p:spPr>
           <a:xfrm>
             <a:off x="32004000" y="6019920"/>
-            <a:ext cx="11879280" cy="2216520"/>
+            <a:ext cx="11878920" cy="2216160"/>
           </a:xfrm>
           <a:prstGeom prst="rect">
             <a:avLst/>
@@ -15855,14 +15819,14 @@
       </p:sp>
       <p:sp>
         <p:nvSpPr>
-          <p:cNvPr id="398" name="CustomShape 17"/>
+          <p:cNvPr id="397" name="CustomShape 16"/>
           <p:cNvSpPr/>
           <p:nvPr/>
         </p:nvSpPr>
         <p:spPr>
           <a:xfrm>
             <a:off x="32060880" y="13898880"/>
-            <a:ext cx="11829960" cy="1003320"/>
+            <a:ext cx="11829600" cy="1002960"/>
           </a:xfrm>
           <a:prstGeom prst="rect">
             <a:avLst/>
@@ -15898,14 +15862,14 @@
       </p:sp>
       <p:sp>
         <p:nvSpPr>
-          <p:cNvPr id="399" name="CustomShape 18"/>
+          <p:cNvPr id="398" name="CustomShape 17"/>
           <p:cNvSpPr/>
           <p:nvPr/>
         </p:nvSpPr>
         <p:spPr>
           <a:xfrm>
             <a:off x="0" y="17891640"/>
-            <a:ext cx="12076200" cy="1003320"/>
+            <a:ext cx="12075840" cy="1002960"/>
           </a:xfrm>
           <a:prstGeom prst="rect">
             <a:avLst/>
@@ -15933,22 +15897,22 @@
                 <a:latin typeface="Century Gothic"/>
                 <a:ea typeface="Arial"/>
               </a:rPr>
-              <a:t>Existing Solution</a:t>
-            </a:r>
-            <a:endParaRPr/>
-          </a:p>
-        </p:txBody>
-      </p:sp>
-      <p:sp>
-        <p:nvSpPr>
-          <p:cNvPr id="400" name="CustomShape 19"/>
+              <a:t>Existing Solutions</a:t>
+            </a:r>
+            <a:endParaRPr/>
+          </a:p>
+        </p:txBody>
+      </p:sp>
+      <p:sp>
+        <p:nvSpPr>
+          <p:cNvPr id="399" name="CustomShape 18"/>
           <p:cNvSpPr/>
           <p:nvPr/>
         </p:nvSpPr>
         <p:spPr>
           <a:xfrm>
             <a:off x="32058720" y="5105520"/>
-            <a:ext cx="11829960" cy="1003320"/>
+            <a:ext cx="11829600" cy="1002960"/>
           </a:xfrm>
           <a:prstGeom prst="rect">
             <a:avLst/>
@@ -15984,7 +15948,7 @@
       </p:sp>
       <p:pic>
         <p:nvPicPr>
-          <p:cNvPr id="401" name="Picture 726" descr=""/>
+          <p:cNvPr id="400" name="Picture 726" descr=""/>
           <p:cNvPicPr/>
           <p:nvPr/>
         </p:nvPicPr>
@@ -15997,7 +15961,7 @@
         <p:spPr>
           <a:xfrm>
             <a:off x="36717120" y="3218040"/>
-            <a:ext cx="6409440" cy="1656360"/>
+            <a:ext cx="6409080" cy="1656000"/>
           </a:xfrm>
           <a:prstGeom prst="rect">
             <a:avLst/>
@@ -16009,14 +15973,14 @@
       </p:pic>
       <p:sp>
         <p:nvSpPr>
-          <p:cNvPr id="402" name="CustomShape 20"/>
+          <p:cNvPr id="401" name="CustomShape 19"/>
           <p:cNvSpPr/>
           <p:nvPr/>
         </p:nvSpPr>
         <p:spPr>
           <a:xfrm>
-            <a:off x="548640" y="11163240"/>
-            <a:ext cx="11153880" cy="3099600"/>
+            <a:off x="548640" y="12618720"/>
+            <a:ext cx="11153520" cy="3099240"/>
           </a:xfrm>
           <a:prstGeom prst="rect">
             <a:avLst/>
@@ -16038,7 +16002,7 @@
               <a:buChar char="l"/>
             </a:pPr>
             <a:r>
-              <a:rPr lang="en-US" sz="3200">
+              <a:rPr b="1" lang="en-US" sz="3200">
                 <a:solidFill>
                   <a:srgbClr val="000000"/>
                 </a:solidFill>
@@ -16048,7 +16012,7 @@
               <a:t> </a:t>
             </a:r>
             <a:r>
-              <a:rPr lang="en-US" sz="3200">
+              <a:rPr b="1" lang="en-US" sz="3200">
                 <a:solidFill>
                   <a:srgbClr val="000000"/>
                 </a:solidFill>
@@ -16076,7 +16040,7 @@
                 <a:latin typeface="Century Gothic"/>
                 <a:ea typeface="Arial"/>
               </a:rPr>
-              <a:t>Incorporating SSD into VMM can  increase the bandwidth of the swapping system.</a:t>
+              <a:t>Incorporating SSD into Virtual Memory Management can  increase the bandwidth of the swapping system.</a:t>
             </a:r>
             <a:endParaRPr/>
           </a:p>
@@ -16090,7 +16054,7 @@
               <a:buChar char="l"/>
             </a:pPr>
             <a:r>
-              <a:rPr lang="en-US" sz="3200">
+              <a:rPr b="1" lang="en-US" sz="3200">
                 <a:solidFill>
                   <a:srgbClr val="000000"/>
                 </a:solidFill>
@@ -16100,7 +16064,7 @@
               <a:t> </a:t>
             </a:r>
             <a:r>
-              <a:rPr lang="en-US" sz="3200">
+              <a:rPr b="1" lang="en-US" sz="3200">
                 <a:solidFill>
                   <a:srgbClr val="000000"/>
                 </a:solidFill>
@@ -16136,14 +16100,14 @@
       </p:sp>
       <p:sp>
         <p:nvSpPr>
-          <p:cNvPr id="403" name="CustomShape 21"/>
+          <p:cNvPr id="402" name="CustomShape 20"/>
           <p:cNvSpPr/>
           <p:nvPr/>
         </p:nvSpPr>
         <p:spPr>
           <a:xfrm>
             <a:off x="32532480" y="15303960"/>
-            <a:ext cx="9895320" cy="6489000"/>
+            <a:ext cx="9894960" cy="6488640"/>
           </a:xfrm>
           <a:prstGeom prst="rect">
             <a:avLst/>
@@ -16235,14 +16199,14 @@
       </p:sp>
       <p:sp>
         <p:nvSpPr>
-          <p:cNvPr id="404" name="CustomShape 22"/>
+          <p:cNvPr id="403" name="CustomShape 21"/>
           <p:cNvSpPr/>
           <p:nvPr/>
         </p:nvSpPr>
         <p:spPr>
           <a:xfrm>
             <a:off x="457200" y="6111000"/>
-            <a:ext cx="11245320" cy="3250800"/>
+            <a:ext cx="11244960" cy="4861800"/>
           </a:xfrm>
           <a:prstGeom prst="rect">
             <a:avLst/>
@@ -16319,21 +16283,61 @@
               <a:lnSpc>
                 <a:spcPct val="100000"/>
               </a:lnSpc>
+              <a:buFont typeface="Wingdings" charset="2"/>
+              <a:buChar char=""/>
             </a:pPr>
-            <a:endParaRPr/>
-          </a:p>
-        </p:txBody>
-      </p:sp>
-      <p:sp>
-        <p:nvSpPr>
-          <p:cNvPr id="405" name="CustomShape 23"/>
+            <a:r>
+              <a:rPr lang="en-US" sz="3200">
+                <a:solidFill>
+                  <a:srgbClr val="dd4814"/>
+                </a:solidFill>
+                <a:latin typeface="Century Gothic"/>
+                <a:ea typeface="Arial"/>
+              </a:rPr>
+              <a:t>TODO: Find example </a:t>
+            </a:r>
+            <a:r>
+              <a:rPr b="1" lang="en-US" sz="3200">
+                <a:solidFill>
+                  <a:srgbClr val="dd4814"/>
+                </a:solidFill>
+                <a:latin typeface="Century Gothic"/>
+                <a:ea typeface="Arial"/>
+              </a:rPr>
+              <a:t>picture</a:t>
+            </a:r>
+            <a:r>
+              <a:rPr lang="en-US" sz="3200">
+                <a:solidFill>
+                  <a:srgbClr val="dd4814"/>
+                </a:solidFill>
+                <a:latin typeface="Century Gothic"/>
+                <a:ea typeface="Arial"/>
+              </a:rPr>
+              <a:t> of SSD vs. HDD.</a:t>
+            </a:r>
+            <a:endParaRPr/>
+          </a:p>
+          <a:p>
+            <a:pPr>
+              <a:lnSpc>
+                <a:spcPct val="100000"/>
+              </a:lnSpc>
+            </a:pPr>
+            <a:endParaRPr/>
+          </a:p>
+        </p:txBody>
+      </p:sp>
+      <p:sp>
+        <p:nvSpPr>
+          <p:cNvPr id="404" name="CustomShape 22"/>
           <p:cNvSpPr/>
           <p:nvPr/>
         </p:nvSpPr>
         <p:spPr>
           <a:xfrm>
-            <a:off x="518400" y="19058400"/>
-            <a:ext cx="11184120" cy="3250800"/>
+            <a:off x="548640" y="19152360"/>
+            <a:ext cx="11183760" cy="3250440"/>
           </a:xfrm>
           <a:prstGeom prst="rect">
             <a:avLst/>
@@ -16361,7 +16365,47 @@
                 <a:latin typeface="Century Gothic"/>
                 <a:ea typeface="Arial"/>
               </a:rPr>
-              <a:t>SSD is used for speeding up disk access.</a:t>
+              <a:t>SSD has been used for enhancing the speed of hard disk either by being a buffer cache between DRAM and hard disk </a:t>
+            </a:r>
+            <a:r>
+              <a:rPr lang="en-US" sz="3200">
+                <a:solidFill>
+                  <a:srgbClr val="dd4814"/>
+                </a:solidFill>
+                <a:latin typeface="Century Gothic"/>
+                <a:ea typeface="Arial"/>
+              </a:rPr>
+              <a:t>[26], [22]</a:t>
+            </a:r>
+            <a:r>
+              <a:rPr lang="en-US" sz="3200">
+                <a:solidFill>
+                  <a:srgbClr val="000000"/>
+                </a:solidFill>
+                <a:latin typeface="Century Gothic"/>
+                <a:ea typeface="Arial"/>
+              </a:rPr>
+              <a:t>, or by being used in parallel with hard disk </a:t>
+            </a:r>
+            <a:r>
+              <a:rPr lang="en-US" sz="3200">
+                <a:solidFill>
+                  <a:srgbClr val="dd4814"/>
+                </a:solidFill>
+                <a:latin typeface="Century Gothic"/>
+                <a:ea typeface="Arial"/>
+              </a:rPr>
+              <a:t>[6], [21],[29]</a:t>
+            </a:r>
+            <a:r>
+              <a:rPr lang="en-US" sz="3200">
+                <a:solidFill>
+                  <a:srgbClr val="000000"/>
+                </a:solidFill>
+                <a:latin typeface="Century Gothic"/>
+                <a:ea typeface="Arial"/>
+              </a:rPr>
+              <a:t>.</a:t>
             </a:r>
             <a:endParaRPr/>
           </a:p>
@@ -16373,59 +16417,8 @@
               <a:buFont typeface="Wingdings" charset="2"/>
               <a:buChar char=""/>
             </a:pPr>
-            <a:r>
-              <a:rPr lang="en-US" sz="3200">
-                <a:solidFill>
-                  <a:srgbClr val="000000"/>
-                </a:solidFill>
-                <a:latin typeface="Century Gothic"/>
-                <a:ea typeface="Arial"/>
-              </a:rPr>
-              <a:t>When used alone, SSD provides extremely </a:t>
-            </a:r>
-            <a:r>
-              <a:rPr lang="en-US" sz="3200" u="sng">
-                <a:solidFill>
-                  <a:srgbClr val="000000"/>
-                </a:solidFill>
-                <a:latin typeface="Century Gothic"/>
-                <a:ea typeface="Arial"/>
-              </a:rPr>
-              <a:t>“fast storage systems.”</a:t>
-            </a:r>
-            <a:endParaRPr/>
-          </a:p>
-          <a:p>
-            <a:pPr>
-              <a:lnSpc>
-                <a:spcPct val="100000"/>
-              </a:lnSpc>
-            </a:pPr>
-            <a:endParaRPr/>
-          </a:p>
-        </p:txBody>
-      </p:sp>
-      <p:sp>
-        <p:nvSpPr>
-          <p:cNvPr id="406" name="CustomShape 24"/>
-          <p:cNvSpPr/>
-          <p:nvPr/>
-        </p:nvSpPr>
-        <p:spPr>
-          <a:xfrm>
-            <a:off x="792720" y="25146000"/>
-            <a:ext cx="10909800" cy="3250800"/>
-          </a:xfrm>
-          <a:prstGeom prst="rect">
-            <a:avLst/>
-          </a:prstGeom>
-          <a:noFill/>
-          <a:ln w="19080">
-            <a:noFill/>
-          </a:ln>
-        </p:spPr>
-        <p:txBody>
-          <a:bodyPr lIns="90000" rIns="90000" tIns="45000" bIns="45000"/>
+            <a:endParaRPr/>
+          </a:p>
           <a:p>
             <a:pPr>
               <a:lnSpc>
@@ -16442,10 +16435,53 @@
                 <a:latin typeface="Century Gothic"/>
                 <a:ea typeface="Arial"/>
               </a:rPr>
-              <a:t>Disk manages sequential reads and SSD manages random reads.</a:t>
-            </a:r>
-            <a:endParaRPr/>
-          </a:p>
+              <a:t>Hard disk has also been used intentionally for reducing SSD writes </a:t>
+            </a:r>
+            <a:r>
+              <a:rPr lang="en-US" sz="3200">
+                <a:solidFill>
+                  <a:srgbClr val="dd4814"/>
+                </a:solidFill>
+                <a:latin typeface="Century Gothic"/>
+                <a:ea typeface="Arial"/>
+              </a:rPr>
+              <a:t>[9], [23]</a:t>
+            </a:r>
+            <a:r>
+              <a:rPr lang="en-US" sz="3200">
+                <a:solidFill>
+                  <a:srgbClr val="000000"/>
+                </a:solidFill>
+                <a:latin typeface="Century Gothic"/>
+                <a:ea typeface="Arial"/>
+              </a:rPr>
+              <a:t>.</a:t>
+            </a:r>
+            <a:endParaRPr/>
+          </a:p>
+        </p:txBody>
+      </p:sp>
+      <p:sp>
+        <p:nvSpPr>
+          <p:cNvPr id="405" name="CustomShape 23"/>
+          <p:cNvSpPr/>
+          <p:nvPr/>
+        </p:nvSpPr>
+        <p:spPr>
+          <a:xfrm>
+            <a:off x="32552640" y="23225760"/>
+            <a:ext cx="10880280" cy="3250440"/>
+          </a:xfrm>
+          <a:prstGeom prst="rect">
+            <a:avLst/>
+          </a:prstGeom>
+          <a:noFill/>
+          <a:ln w="19080">
+            <a:noFill/>
+          </a:ln>
+        </p:spPr>
+        <p:txBody>
+          <a:bodyPr lIns="90000" rIns="90000" tIns="45000" bIns="45000"/>
           <a:p>
             <a:pPr>
               <a:lnSpc>
@@ -16462,10 +16498,55 @@
                 <a:latin typeface="Century Gothic"/>
                 <a:ea typeface="Arial"/>
               </a:rPr>
-              <a:t>SSD provides enhanced performance, while disk allows a longer lifetime for SSD, thus combining the advantages of both.</a:t>
-            </a:r>
-            <a:endParaRPr/>
-          </a:p>
+              <a:t>Spatial locality can be used in conjunction with temporal locality to determine the optimal means of swapping pages between SSD and disk.</a:t>
+            </a:r>
+            <a:endParaRPr/>
+          </a:p>
+        </p:txBody>
+      </p:sp>
+      <p:sp>
+        <p:nvSpPr>
+          <p:cNvPr id="406" name="CustomShape 24"/>
+          <p:cNvSpPr/>
+          <p:nvPr/>
+        </p:nvSpPr>
+        <p:spPr>
+          <a:xfrm>
+            <a:off x="12265200" y="5106600"/>
+            <a:ext cx="19474920" cy="27810000"/>
+          </a:xfrm>
+          <a:prstGeom prst="rect">
+            <a:avLst/>
+          </a:prstGeom>
+          <a:solidFill>
+            <a:srgbClr val="ffffff"/>
+          </a:solidFill>
+          <a:ln>
+            <a:noFill/>
+          </a:ln>
+        </p:spPr>
+      </p:sp>
+      <p:sp>
+        <p:nvSpPr>
+          <p:cNvPr id="407" name="CustomShape 25"/>
+          <p:cNvSpPr/>
+          <p:nvPr/>
+        </p:nvSpPr>
+        <p:spPr>
+          <a:xfrm>
+            <a:off x="12894840" y="18329400"/>
+            <a:ext cx="18103320" cy="3250440"/>
+          </a:xfrm>
+          <a:prstGeom prst="rect">
+            <a:avLst/>
+          </a:prstGeom>
+          <a:noFill/>
+          <a:ln w="19080">
+            <a:noFill/>
+          </a:ln>
+        </p:spPr>
+        <p:txBody>
+          <a:bodyPr lIns="90000" rIns="90000" tIns="45000" bIns="45000"/>
           <a:p>
             <a:pPr>
               <a:lnSpc>
@@ -16482,51 +16563,10 @@
                 <a:latin typeface="Century Gothic"/>
                 <a:ea typeface="Arial"/>
               </a:rPr>
-              <a:t>The three steps of swapping out pages according to HybridSwap are </a:t>
-            </a:r>
-            <a:r>
-              <a:rPr lang="en-US" sz="3200" u="sng">
-                <a:solidFill>
-                  <a:srgbClr val="000000"/>
-                </a:solidFill>
-                <a:latin typeface="Century Gothic"/>
-                <a:ea typeface="Arial"/>
-              </a:rPr>
-              <a:t>“selecting a candidate sequence, evaluating its spatial locality, and determining swapping destinations.”</a:t>
-            </a:r>
-            <a:endParaRPr/>
-          </a:p>
-          <a:p>
-            <a:pPr>
-              <a:lnSpc>
-                <a:spcPct val="100000"/>
-              </a:lnSpc>
-            </a:pPr>
-            <a:endParaRPr/>
-          </a:p>
-        </p:txBody>
-      </p:sp>
-      <p:sp>
-        <p:nvSpPr>
-          <p:cNvPr id="407" name="CustomShape 25"/>
-          <p:cNvSpPr/>
-          <p:nvPr/>
-        </p:nvSpPr>
-        <p:spPr>
-          <a:xfrm>
-            <a:off x="32552640" y="23225760"/>
-            <a:ext cx="10880640" cy="3250800"/>
-          </a:xfrm>
-          <a:prstGeom prst="rect">
-            <a:avLst/>
-          </a:prstGeom>
-          <a:noFill/>
-          <a:ln w="19080">
-            <a:noFill/>
-          </a:ln>
-        </p:spPr>
-        <p:txBody>
-          <a:bodyPr lIns="90000" rIns="90000" tIns="45000" bIns="45000"/>
+              <a:t>Pages with the least temporal locality are the most likely to be swapped out.</a:t>
+            </a:r>
+            <a:endParaRPr/>
+          </a:p>
           <a:p>
             <a:pPr>
               <a:lnSpc>
@@ -16543,55 +16583,10 @@
                 <a:latin typeface="Century Gothic"/>
                 <a:ea typeface="Arial"/>
               </a:rPr>
-              <a:t>Spatial locality can be used in conjunction with temporal locality to determine the optimal means of swapping pages between SSD and disk.</a:t>
-            </a:r>
-            <a:endParaRPr/>
-          </a:p>
-        </p:txBody>
-      </p:sp>
-      <p:sp>
-        <p:nvSpPr>
-          <p:cNvPr id="408" name="CustomShape 26"/>
-          <p:cNvSpPr/>
-          <p:nvPr/>
-        </p:nvSpPr>
-        <p:spPr>
-          <a:xfrm>
-            <a:off x="12265200" y="5106600"/>
-            <a:ext cx="19475280" cy="27810360"/>
-          </a:xfrm>
-          <a:prstGeom prst="rect">
-            <a:avLst/>
-          </a:prstGeom>
-          <a:solidFill>
-            <a:srgbClr val="ffffff"/>
-          </a:solidFill>
-          <a:ln>
-            <a:noFill/>
-          </a:ln>
-        </p:spPr>
-      </p:sp>
-      <p:sp>
-        <p:nvSpPr>
-          <p:cNvPr id="409" name="CustomShape 27"/>
-          <p:cNvSpPr/>
-          <p:nvPr/>
-        </p:nvSpPr>
-        <p:spPr>
-          <a:xfrm>
-            <a:off x="12893040" y="6583680"/>
-            <a:ext cx="18103680" cy="3250800"/>
-          </a:xfrm>
-          <a:prstGeom prst="rect">
-            <a:avLst/>
-          </a:prstGeom>
-          <a:noFill/>
-          <a:ln w="19080">
-            <a:noFill/>
-          </a:ln>
-        </p:spPr>
-        <p:txBody>
-          <a:bodyPr lIns="90000" rIns="90000" tIns="45000" bIns="45000"/>
+              <a:t>Spatial locality must also be used to make certain that swap-in latency and page-fault latency are not increased. </a:t>
+            </a:r>
+            <a:endParaRPr/>
+          </a:p>
           <a:p>
             <a:pPr>
               <a:lnSpc>
@@ -16608,7 +16603,7 @@
                 <a:latin typeface="Century Gothic"/>
                 <a:ea typeface="Arial"/>
               </a:rPr>
-              <a:t>Pages with the least temporal locality are the most likely to be swapped out.</a:t>
+              <a:t>Disk swap manages sequences with strong spatial locality and weak temporal locality, while SSD swap manages page sequences with weak spatial locality.</a:t>
             </a:r>
             <a:endParaRPr/>
           </a:p>
@@ -16628,10 +16623,182 @@
                 <a:latin typeface="Century Gothic"/>
                 <a:ea typeface="Arial"/>
               </a:rPr>
-              <a:t>Spatial locality must also be used to make certain that swap-in latency and page-fault latency are not increased. </a:t>
-            </a:r>
-            <a:endParaRPr/>
-          </a:p>
+              <a:t>A variant of the LRU replacement algorithm is used, </a:t>
+            </a:r>
+            <a:r>
+              <a:rPr lang="en-US" sz="3200" u="sng">
+                <a:solidFill>
+                  <a:srgbClr val="000000"/>
+                </a:solidFill>
+                <a:latin typeface="Century Gothic"/>
+                <a:ea typeface="Arial"/>
+              </a:rPr>
+              <a:t>“similar to the 2Q replacement”</a:t>
+            </a:r>
+            <a:r>
+              <a:rPr lang="en-US" sz="3200">
+                <a:solidFill>
+                  <a:srgbClr val="000000"/>
+                </a:solidFill>
+                <a:latin typeface="Century Gothic"/>
+                <a:ea typeface="Arial"/>
+              </a:rPr>
+              <a:t>.</a:t>
+            </a:r>
+            <a:endParaRPr/>
+          </a:p>
+        </p:txBody>
+      </p:sp>
+      <p:sp>
+        <p:nvSpPr>
+          <p:cNvPr id="408" name="CustomShape 26"/>
+          <p:cNvSpPr/>
+          <p:nvPr/>
+        </p:nvSpPr>
+        <p:spPr>
+          <a:xfrm>
+            <a:off x="12265200" y="16827840"/>
+            <a:ext cx="19474920" cy="1002960"/>
+          </a:xfrm>
+          <a:prstGeom prst="rect">
+            <a:avLst/>
+          </a:prstGeom>
+          <a:solidFill>
+            <a:srgbClr val="c6d9f1"/>
+          </a:solidFill>
+          <a:ln>
+            <a:noFill/>
+          </a:ln>
+        </p:spPr>
+        <p:txBody>
+          <a:bodyPr lIns="90000" rIns="90000" tIns="45000" bIns="45000" anchor="ctr"/>
+          <a:p>
+            <a:pPr algn="ctr">
+              <a:lnSpc>
+                <a:spcPct val="100000"/>
+              </a:lnSpc>
+            </a:pPr>
+            <a:r>
+              <a:rPr b="1" lang="en-US" sz="4000">
+                <a:solidFill>
+                  <a:srgbClr val="000000"/>
+                </a:solidFill>
+                <a:latin typeface="Century Gothic"/>
+                <a:ea typeface="Arial"/>
+              </a:rPr>
+              <a:t>Integration of Temporal Locality and Spatial Locality</a:t>
+            </a:r>
+            <a:endParaRPr/>
+          </a:p>
+        </p:txBody>
+      </p:sp>
+      <p:sp>
+        <p:nvSpPr>
+          <p:cNvPr id="409" name="CustomShape 27"/>
+          <p:cNvSpPr/>
+          <p:nvPr/>
+        </p:nvSpPr>
+        <p:spPr>
+          <a:xfrm>
+            <a:off x="12265200" y="22513680"/>
+            <a:ext cx="19471680" cy="1002960"/>
+          </a:xfrm>
+          <a:prstGeom prst="rect">
+            <a:avLst/>
+          </a:prstGeom>
+          <a:solidFill>
+            <a:srgbClr val="c6d9f1"/>
+          </a:solidFill>
+          <a:ln>
+            <a:noFill/>
+          </a:ln>
+        </p:spPr>
+        <p:txBody>
+          <a:bodyPr lIns="90000" rIns="90000" tIns="45000" bIns="45000" anchor="ctr"/>
+          <a:p>
+            <a:pPr algn="ctr">
+              <a:lnSpc>
+                <a:spcPct val="100000"/>
+              </a:lnSpc>
+            </a:pPr>
+            <a:r>
+              <a:rPr b="1" lang="en-US" sz="4000">
+                <a:solidFill>
+                  <a:srgbClr val="000000"/>
+                </a:solidFill>
+                <a:latin typeface="Century Gothic"/>
+                <a:ea typeface="Arial"/>
+              </a:rPr>
+              <a:t>Evaluation of Spatial Locality of Page Sequences</a:t>
+            </a:r>
+            <a:endParaRPr/>
+          </a:p>
+        </p:txBody>
+      </p:sp>
+      <p:sp>
+        <p:nvSpPr>
+          <p:cNvPr id="410" name="CustomShape 28"/>
+          <p:cNvSpPr/>
+          <p:nvPr/>
+        </p:nvSpPr>
+        <p:spPr>
+          <a:xfrm>
+            <a:off x="12264840" y="28483560"/>
+            <a:ext cx="19475280" cy="1002960"/>
+          </a:xfrm>
+          <a:prstGeom prst="rect">
+            <a:avLst/>
+          </a:prstGeom>
+          <a:solidFill>
+            <a:srgbClr val="c6d9f1"/>
+          </a:solidFill>
+          <a:ln>
+            <a:noFill/>
+          </a:ln>
+        </p:spPr>
+        <p:txBody>
+          <a:bodyPr lIns="90000" rIns="90000" tIns="45000" bIns="45000" anchor="ctr"/>
+          <a:p>
+            <a:pPr algn="ctr">
+              <a:lnSpc>
+                <a:spcPct val="100000"/>
+              </a:lnSpc>
+            </a:pPr>
+            <a:r>
+              <a:rPr b="1" lang="en-US" sz="4000">
+                <a:solidFill>
+                  <a:srgbClr val="000000"/>
+                </a:solidFill>
+                <a:latin typeface="Century Gothic"/>
+                <a:ea typeface="Arial"/>
+              </a:rPr>
+              <a:t>Scheduling Page Swapping</a:t>
+            </a:r>
+            <a:endParaRPr/>
+          </a:p>
+        </p:txBody>
+      </p:sp>
+      <p:sp>
+        <p:nvSpPr>
+          <p:cNvPr id="411" name="CustomShape 29"/>
+          <p:cNvSpPr/>
+          <p:nvPr/>
+        </p:nvSpPr>
+        <p:spPr>
+          <a:xfrm>
+            <a:off x="12864960" y="23907240"/>
+            <a:ext cx="18498960" cy="3250440"/>
+          </a:xfrm>
+          <a:prstGeom prst="rect">
+            <a:avLst/>
+          </a:prstGeom>
+          <a:noFill/>
+          <a:ln w="19080">
+            <a:noFill/>
+          </a:ln>
+        </p:spPr>
+        <p:txBody>
+          <a:bodyPr lIns="90000" rIns="90000" tIns="45000" bIns="45000"/>
           <a:p>
             <a:pPr>
               <a:lnSpc>
@@ -16648,7 +16815,7 @@
                 <a:latin typeface="Century Gothic"/>
                 <a:ea typeface="Arial"/>
               </a:rPr>
-              <a:t>Disk swap manages sequences with strong spatial locality and weak temporal locality, while SSD swap manages page sequences with weak spatial locality.</a:t>
+              <a:t>In order to reduce overhead and minimize time to detect page accesses, HybridSwap only records page accesses when there is a page fault.</a:t>
             </a:r>
             <a:endParaRPr/>
           </a:p>
@@ -16668,182 +16835,10 @@
                 <a:latin typeface="Century Gothic"/>
                 <a:ea typeface="Arial"/>
               </a:rPr>
-              <a:t>A variant of the LRU replacement algorithm is used, </a:t>
-            </a:r>
-            <a:r>
-              <a:rPr lang="en-US" sz="3200" u="sng">
-                <a:solidFill>
-                  <a:srgbClr val="000000"/>
-                </a:solidFill>
-                <a:latin typeface="Century Gothic"/>
-                <a:ea typeface="Arial"/>
-              </a:rPr>
-              <a:t>“similar to the 2Q replacement”</a:t>
-            </a:r>
-            <a:r>
-              <a:rPr lang="en-US" sz="3200">
-                <a:solidFill>
-                  <a:srgbClr val="000000"/>
-                </a:solidFill>
-                <a:latin typeface="Century Gothic"/>
-                <a:ea typeface="Arial"/>
-              </a:rPr>
-              <a:t>.</a:t>
-            </a:r>
-            <a:endParaRPr/>
-          </a:p>
-        </p:txBody>
-      </p:sp>
-      <p:sp>
-        <p:nvSpPr>
-          <p:cNvPr id="410" name="CustomShape 28"/>
-          <p:cNvSpPr/>
-          <p:nvPr/>
-        </p:nvSpPr>
-        <p:spPr>
-          <a:xfrm>
-            <a:off x="12265200" y="5105520"/>
-            <a:ext cx="19475280" cy="1003320"/>
-          </a:xfrm>
-          <a:prstGeom prst="rect">
-            <a:avLst/>
-          </a:prstGeom>
-          <a:solidFill>
-            <a:srgbClr val="c6d9f1"/>
-          </a:solidFill>
-          <a:ln>
-            <a:noFill/>
-          </a:ln>
-        </p:spPr>
-        <p:txBody>
-          <a:bodyPr lIns="90000" rIns="90000" tIns="45000" bIns="45000" anchor="ctr"/>
-          <a:p>
-            <a:pPr algn="ctr">
-              <a:lnSpc>
-                <a:spcPct val="100000"/>
-              </a:lnSpc>
-            </a:pPr>
-            <a:r>
-              <a:rPr b="1" lang="en-US" sz="4000">
-                <a:solidFill>
-                  <a:srgbClr val="000000"/>
-                </a:solidFill>
-                <a:latin typeface="Century Gothic"/>
-                <a:ea typeface="Arial"/>
-              </a:rPr>
-              <a:t>Integration of Temporal Locality and Spatial Locality</a:t>
-            </a:r>
-            <a:endParaRPr/>
-          </a:p>
-        </p:txBody>
-      </p:sp>
-      <p:sp>
-        <p:nvSpPr>
-          <p:cNvPr id="411" name="CustomShape 29"/>
-          <p:cNvSpPr/>
-          <p:nvPr/>
-        </p:nvSpPr>
-        <p:spPr>
-          <a:xfrm>
-            <a:off x="12268440" y="20954880"/>
-            <a:ext cx="19472040" cy="1003320"/>
-          </a:xfrm>
-          <a:prstGeom prst="rect">
-            <a:avLst/>
-          </a:prstGeom>
-          <a:solidFill>
-            <a:srgbClr val="c6d9f1"/>
-          </a:solidFill>
-          <a:ln>
-            <a:noFill/>
-          </a:ln>
-        </p:spPr>
-        <p:txBody>
-          <a:bodyPr lIns="90000" rIns="90000" tIns="45000" bIns="45000" anchor="ctr"/>
-          <a:p>
-            <a:pPr algn="ctr">
-              <a:lnSpc>
-                <a:spcPct val="100000"/>
-              </a:lnSpc>
-            </a:pPr>
-            <a:r>
-              <a:rPr b="1" lang="en-US" sz="4000">
-                <a:solidFill>
-                  <a:srgbClr val="000000"/>
-                </a:solidFill>
-                <a:latin typeface="Century Gothic"/>
-                <a:ea typeface="Arial"/>
-              </a:rPr>
-              <a:t>Evaluation of Spatial Locality of Page Sequences</a:t>
-            </a:r>
-            <a:endParaRPr/>
-          </a:p>
-        </p:txBody>
-      </p:sp>
-      <p:sp>
-        <p:nvSpPr>
-          <p:cNvPr id="412" name="CustomShape 30"/>
-          <p:cNvSpPr/>
-          <p:nvPr/>
-        </p:nvSpPr>
-        <p:spPr>
-          <a:xfrm>
-            <a:off x="12264840" y="28483560"/>
-            <a:ext cx="19475640" cy="1003320"/>
-          </a:xfrm>
-          <a:prstGeom prst="rect">
-            <a:avLst/>
-          </a:prstGeom>
-          <a:solidFill>
-            <a:srgbClr val="c6d9f1"/>
-          </a:solidFill>
-          <a:ln>
-            <a:noFill/>
-          </a:ln>
-        </p:spPr>
-        <p:txBody>
-          <a:bodyPr lIns="90000" rIns="90000" tIns="45000" bIns="45000" anchor="ctr"/>
-          <a:p>
-            <a:pPr algn="ctr">
-              <a:lnSpc>
-                <a:spcPct val="100000"/>
-              </a:lnSpc>
-            </a:pPr>
-            <a:r>
-              <a:rPr b="1" lang="en-US" sz="4000">
-                <a:solidFill>
-                  <a:srgbClr val="000000"/>
-                </a:solidFill>
-                <a:latin typeface="Century Gothic"/>
-                <a:ea typeface="Arial"/>
-              </a:rPr>
-              <a:t>Scheduling Page Swapping</a:t>
-            </a:r>
-            <a:endParaRPr/>
-          </a:p>
-        </p:txBody>
-      </p:sp>
-      <p:sp>
-        <p:nvSpPr>
-          <p:cNvPr id="413" name="CustomShape 31"/>
-          <p:cNvSpPr/>
-          <p:nvPr/>
-        </p:nvSpPr>
-        <p:spPr>
-          <a:xfrm>
-            <a:off x="12863520" y="22168080"/>
-            <a:ext cx="18499320" cy="3250800"/>
-          </a:xfrm>
-          <a:prstGeom prst="rect">
-            <a:avLst/>
-          </a:prstGeom>
-          <a:noFill/>
-          <a:ln w="19080">
-            <a:noFill/>
-          </a:ln>
-        </p:spPr>
-        <p:txBody>
-          <a:bodyPr lIns="90000" rIns="90000" tIns="45000" bIns="45000"/>
+              <a:t>The lifetime of a page at swap-out is considered to be the most recent time between page accesses (swap-in and current time).</a:t>
+            </a:r>
+            <a:endParaRPr/>
+          </a:p>
           <a:p>
             <a:pPr>
               <a:lnSpc>
@@ -16860,10 +16855,43 @@
                 <a:latin typeface="Century Gothic"/>
                 <a:ea typeface="Arial"/>
               </a:rPr>
-              <a:t>In order to reduce overhead and minimize time to detect page accesses, HybridSwap only records page accesses when there is a page fault.</a:t>
-            </a:r>
-            <a:endParaRPr/>
-          </a:p>
+              <a:t>A sequence of pages is swapped to disk only</a:t>
+            </a:r>
+            <a:r>
+              <a:rPr lang="en-US" sz="3200" u="sng">
+                <a:solidFill>
+                  <a:srgbClr val="000000"/>
+                </a:solidFill>
+                <a:latin typeface="Century Gothic"/>
+                <a:ea typeface="Arial"/>
+              </a:rPr>
+              <a:t> “If the difference between any two pages' access times is” less “than the system's current average lifetime,” and “ if some anonymous pages in the sequence ... have access times.”</a:t>
+            </a:r>
+            <a:endParaRPr/>
+          </a:p>
+        </p:txBody>
+      </p:sp>
+      <p:sp>
+        <p:nvSpPr>
+          <p:cNvPr id="412" name="CustomShape 30"/>
+          <p:cNvSpPr/>
+          <p:nvPr/>
+        </p:nvSpPr>
+        <p:spPr>
+          <a:xfrm>
+            <a:off x="12618720" y="29666160"/>
+            <a:ext cx="18498960" cy="3250440"/>
+          </a:xfrm>
+          <a:prstGeom prst="rect">
+            <a:avLst/>
+          </a:prstGeom>
+          <a:noFill/>
+          <a:ln w="19080">
+            <a:noFill/>
+          </a:ln>
+        </p:spPr>
+        <p:txBody>
+          <a:bodyPr lIns="90000" rIns="90000" tIns="45000" bIns="45000"/>
           <a:p>
             <a:pPr>
               <a:lnSpc>
@@ -16880,7 +16908,7 @@
                 <a:latin typeface="Century Gothic"/>
                 <a:ea typeface="Arial"/>
               </a:rPr>
-              <a:t>The lifetime of a page at swap-out is considered to be the most recent time between page accesses (swap-in and current time).</a:t>
+              <a:t>In the range of the last N pages in the inactive list of pages, a process's pages are replaced in each swap.</a:t>
             </a:r>
             <a:endParaRPr/>
           </a:p>
@@ -16900,79 +16928,6 @@
                 <a:latin typeface="Century Gothic"/>
                 <a:ea typeface="Arial"/>
               </a:rPr>
-              <a:t>A sequence of pages is swapped to disk only</a:t>
-            </a:r>
-            <a:r>
-              <a:rPr lang="en-US" sz="3200" u="sng">
-                <a:solidFill>
-                  <a:srgbClr val="000000"/>
-                </a:solidFill>
-                <a:latin typeface="Century Gothic"/>
-                <a:ea typeface="Arial"/>
-              </a:rPr>
-              <a:t> “If the difference between any two pages' access times is” less “than the system's current average lifetime,” and “ if some anonymous pages in the sequence ... have access times.”</a:t>
-            </a:r>
-            <a:endParaRPr/>
-          </a:p>
-        </p:txBody>
-      </p:sp>
-      <p:sp>
-        <p:nvSpPr>
-          <p:cNvPr id="414" name="CustomShape 32"/>
-          <p:cNvSpPr/>
-          <p:nvPr/>
-        </p:nvSpPr>
-        <p:spPr>
-          <a:xfrm>
-            <a:off x="12618720" y="29666160"/>
-            <a:ext cx="18499320" cy="3250800"/>
-          </a:xfrm>
-          <a:prstGeom prst="rect">
-            <a:avLst/>
-          </a:prstGeom>
-          <a:noFill/>
-          <a:ln w="19080">
-            <a:noFill/>
-          </a:ln>
-        </p:spPr>
-        <p:txBody>
-          <a:bodyPr lIns="90000" rIns="90000" tIns="45000" bIns="45000"/>
-          <a:p>
-            <a:pPr>
-              <a:lnSpc>
-                <a:spcPct val="100000"/>
-              </a:lnSpc>
-              <a:buFont typeface="Wingdings" charset="2"/>
-              <a:buChar char=""/>
-            </a:pPr>
-            <a:r>
-              <a:rPr lang="en-US" sz="3200">
-                <a:solidFill>
-                  <a:srgbClr val="000000"/>
-                </a:solidFill>
-                <a:latin typeface="Century Gothic"/>
-                <a:ea typeface="Arial"/>
-              </a:rPr>
-              <a:t>In the range of the last N pages in the inactive list of pages, a process's pages are replaced in each swap.</a:t>
-            </a:r>
-            <a:endParaRPr/>
-          </a:p>
-          <a:p>
-            <a:pPr>
-              <a:lnSpc>
-                <a:spcPct val="100000"/>
-              </a:lnSpc>
-              <a:buFont typeface="Wingdings" charset="2"/>
-              <a:buChar char=""/>
-            </a:pPr>
-            <a:r>
-              <a:rPr lang="en-US" sz="3200">
-                <a:solidFill>
-                  <a:srgbClr val="000000"/>
-                </a:solidFill>
-                <a:latin typeface="Century Gothic"/>
-                <a:ea typeface="Arial"/>
-              </a:rPr>
               <a:t>N must be small enough to avoid swapping too many recently used pages, but large enough to add disk efficiency.</a:t>
             </a:r>
             <a:endParaRPr/>
@@ -16981,7 +16936,7 @@
       </p:sp>
       <p:pic>
         <p:nvPicPr>
-          <p:cNvPr id="415" name="" descr=""/>
+          <p:cNvPr id="413" name="" descr=""/>
           <p:cNvPicPr/>
           <p:nvPr/>
         </p:nvPicPr>
@@ -16994,7 +16949,7 @@
         <p:spPr>
           <a:xfrm>
             <a:off x="32194800" y="7680960"/>
-            <a:ext cx="11693880" cy="6217920"/>
+            <a:ext cx="11693520" cy="6217560"/>
           </a:xfrm>
           <a:prstGeom prst="rect">
             <a:avLst/>
@@ -17004,6 +16959,160 @@
           </a:ln>
         </p:spPr>
       </p:pic>
+      <p:sp>
+        <p:nvSpPr>
+          <p:cNvPr id="414" name="CustomShape 31"/>
+          <p:cNvSpPr/>
+          <p:nvPr/>
+        </p:nvSpPr>
+        <p:spPr>
+          <a:xfrm>
+            <a:off x="12265200" y="5106600"/>
+            <a:ext cx="19474920" cy="1002960"/>
+          </a:xfrm>
+          <a:prstGeom prst="rect">
+            <a:avLst/>
+          </a:prstGeom>
+          <a:solidFill>
+            <a:srgbClr val="c6d9f1"/>
+          </a:solidFill>
+          <a:ln>
+            <a:noFill/>
+          </a:ln>
+        </p:spPr>
+        <p:txBody>
+          <a:bodyPr lIns="90000" rIns="90000" tIns="45000" bIns="45000" anchor="ctr"/>
+          <a:p>
+            <a:pPr algn="ctr">
+              <a:lnSpc>
+                <a:spcPct val="100000"/>
+              </a:lnSpc>
+            </a:pPr>
+            <a:r>
+              <a:rPr b="1" lang="en-US" sz="4000">
+                <a:solidFill>
+                  <a:srgbClr val="000000"/>
+                </a:solidFill>
+                <a:latin typeface="Century Gothic"/>
+                <a:ea typeface="Arial"/>
+              </a:rPr>
+              <a:t>Our Solution: HybridSwap</a:t>
+            </a:r>
+            <a:endParaRPr/>
+          </a:p>
+        </p:txBody>
+      </p:sp>
+      <p:sp>
+        <p:nvSpPr>
+          <p:cNvPr id="415" name="CustomShape 32"/>
+          <p:cNvSpPr/>
+          <p:nvPr/>
+        </p:nvSpPr>
+        <p:spPr>
+          <a:xfrm>
+            <a:off x="12682080" y="6309360"/>
+            <a:ext cx="10909440" cy="5760720"/>
+          </a:xfrm>
+          <a:prstGeom prst="rect">
+            <a:avLst/>
+          </a:prstGeom>
+          <a:noFill/>
+          <a:ln w="19080">
+            <a:noFill/>
+          </a:ln>
+        </p:spPr>
+        <p:txBody>
+          <a:bodyPr lIns="90000" rIns="90000" tIns="45000" bIns="45000"/>
+          <a:p>
+            <a:pPr>
+              <a:lnSpc>
+                <a:spcPct val="100000"/>
+              </a:lnSpc>
+              <a:buFont typeface="Wingdings" charset="2"/>
+              <a:buChar char=""/>
+            </a:pPr>
+            <a:r>
+              <a:rPr lang="en-US" sz="3200">
+                <a:solidFill>
+                  <a:srgbClr val="000000"/>
+                </a:solidFill>
+                <a:latin typeface="Century Gothic"/>
+                <a:ea typeface="Arial"/>
+              </a:rPr>
+              <a:t>Disk manages sequential reads and SSD manages random reads.</a:t>
+            </a:r>
+            <a:endParaRPr/>
+          </a:p>
+          <a:p>
+            <a:pPr>
+              <a:lnSpc>
+                <a:spcPct val="100000"/>
+              </a:lnSpc>
+              <a:buFont typeface="Wingdings" charset="2"/>
+              <a:buChar char=""/>
+            </a:pPr>
+            <a:r>
+              <a:rPr lang="en-US" sz="3200">
+                <a:solidFill>
+                  <a:srgbClr val="000000"/>
+                </a:solidFill>
+                <a:latin typeface="Century Gothic"/>
+                <a:ea typeface="Arial"/>
+              </a:rPr>
+              <a:t>SSD provides enhanced performance, while disk allows a longer lifetime for SSD, thus combining the advantages of both.</a:t>
+            </a:r>
+            <a:endParaRPr/>
+          </a:p>
+          <a:p>
+            <a:pPr>
+              <a:lnSpc>
+                <a:spcPct val="100000"/>
+              </a:lnSpc>
+              <a:buFont typeface="Wingdings" charset="2"/>
+              <a:buChar char=""/>
+            </a:pPr>
+            <a:r>
+              <a:rPr lang="en-US" sz="3200">
+                <a:solidFill>
+                  <a:srgbClr val="dd4814"/>
+                </a:solidFill>
+                <a:latin typeface="Century Gothic"/>
+                <a:ea typeface="Arial"/>
+              </a:rPr>
+              <a:t>TODO: Make this a </a:t>
+            </a:r>
+            <a:r>
+              <a:rPr b="1" lang="en-US" sz="3200">
+                <a:solidFill>
+                  <a:srgbClr val="dd4814"/>
+                </a:solidFill>
+                <a:latin typeface="Century Gothic"/>
+                <a:ea typeface="Arial"/>
+              </a:rPr>
+              <a:t>diagram/picture</a:t>
+            </a:r>
+            <a:r>
+              <a:rPr lang="en-US" sz="3200">
+                <a:solidFill>
+                  <a:srgbClr val="dd4814"/>
+                </a:solidFill>
+                <a:latin typeface="Century Gothic"/>
+                <a:ea typeface="Arial"/>
+              </a:rPr>
+              <a:t>! HybridSwap first chooses a sequence of pages, then determines whether the sequence's spatial locality is below a threshold, and finally gives destinations for swapping.</a:t>
+            </a:r>
+            <a:endParaRPr/>
+          </a:p>
+          <a:p>
+            <a:pPr>
+              <a:lnSpc>
+                <a:spcPct val="100000"/>
+              </a:lnSpc>
+            </a:pPr>
+            <a:endParaRPr/>
+          </a:p>
+        </p:txBody>
+      </p:sp>
     </p:spTree>
   </p:cSld>
   <p:timing>
@@ -17062,7 +17171,7 @@
         <p:spPr>
           <a:xfrm>
             <a:off x="2194560" y="1313280"/>
-            <a:ext cx="39500280" cy="5495760"/>
+            <a:ext cx="39499920" cy="5495400"/>
           </a:xfrm>
           <a:prstGeom prst="rect">
             <a:avLst/>
@@ -17082,7 +17191,7 @@
         <p:spPr>
           <a:xfrm>
             <a:off x="2194560" y="7702560"/>
-            <a:ext cx="39500280" cy="19090800"/>
+            <a:ext cx="39499920" cy="19090440"/>
           </a:xfrm>
           <a:prstGeom prst="rect">
             <a:avLst/>
@@ -17102,7 +17211,7 @@
         <p:spPr>
           <a:xfrm>
             <a:off x="2194560" y="7702560"/>
-            <a:ext cx="39500280" cy="19090800"/>
+            <a:ext cx="39499920" cy="19090440"/>
           </a:xfrm>
           <a:prstGeom prst="rect">
             <a:avLst/>
@@ -17128,7 +17237,7 @@
         <p:spPr>
           <a:xfrm>
             <a:off x="9980640" y="7702560"/>
-            <a:ext cx="23927400" cy="19090800"/>
+            <a:ext cx="23927040" cy="19090440"/>
           </a:xfrm>
           <a:prstGeom prst="rect">
             <a:avLst/>
@@ -17153,7 +17262,7 @@
         <p:spPr>
           <a:xfrm>
             <a:off x="9980640" y="7702560"/>
-            <a:ext cx="23927400" cy="19090800"/>
+            <a:ext cx="23927040" cy="19090440"/>
           </a:xfrm>
           <a:prstGeom prst="rect">
             <a:avLst/>
@@ -17163,6 +17272,607 @@
           </a:ln>
         </p:spPr>
       </p:pic>
+    </p:spTree>
+  </p:cSld>
+</p:sld>
+</file>
+
+<file path=ppt/slides/slide11.xml><?xml version="1.0" encoding="utf-8"?>
+<p:sld xmlns:a="http://schemas.openxmlformats.org/drawingml/2006/main" xmlns:p="http://schemas.openxmlformats.org/presentationml/2006/main" xmlns:r="http://schemas.openxmlformats.org/officeDocument/2006/relationships">
+  <p:cSld>
+    <p:spTree>
+      <p:nvGrpSpPr>
+        <p:cNvPr id="1" name=""/>
+        <p:cNvGrpSpPr/>
+        <p:nvPr/>
+      </p:nvGrpSpPr>
+      <p:grpSpPr>
+        <a:xfrm>
+          <a:off x="0" y="0"/>
+          <a:ext cx="0" cy="0"/>
+          <a:chOff x="0" y="0"/>
+          <a:chExt cx="0" cy="0"/>
+        </a:xfrm>
+      </p:grpSpPr>
+      <p:sp>
+        <p:nvSpPr>
+          <p:cNvPr id="452" name="TextShape 1"/>
+          <p:cNvSpPr txBox="1"/>
+          <p:nvPr/>
+        </p:nvSpPr>
+        <p:spPr>
+          <a:xfrm>
+            <a:off x="2194560" y="1313280"/>
+            <a:ext cx="39501720" cy="5497200"/>
+          </a:xfrm>
+          <a:prstGeom prst="rect">
+            <a:avLst/>
+          </a:prstGeom>
+        </p:spPr>
+        <p:txBody>
+          <a:bodyPr lIns="0" rIns="0" tIns="0" bIns="0" anchor="ctr"/>
+          <a:p>
+            <a:pPr algn="ctr"/>
+            <a:endParaRPr/>
+          </a:p>
+        </p:txBody>
+      </p:sp>
+      <p:sp>
+        <p:nvSpPr>
+          <p:cNvPr id="453" name="TextShape 2"/>
+          <p:cNvSpPr txBox="1"/>
+          <p:nvPr/>
+        </p:nvSpPr>
+        <p:spPr>
+          <a:xfrm>
+            <a:off x="2194560" y="7702560"/>
+            <a:ext cx="19276560" cy="19092240"/>
+          </a:xfrm>
+          <a:prstGeom prst="rect">
+            <a:avLst/>
+          </a:prstGeom>
+        </p:spPr>
+        <p:txBody>
+          <a:bodyPr lIns="0" rIns="0" tIns="0" bIns="0"/>
+          <a:p>
+            <a:endParaRPr/>
+          </a:p>
+        </p:txBody>
+      </p:sp>
+      <p:sp>
+        <p:nvSpPr>
+          <p:cNvPr id="454" name="TextShape 3"/>
+          <p:cNvSpPr txBox="1"/>
+          <p:nvPr/>
+        </p:nvSpPr>
+        <p:spPr>
+          <a:xfrm>
+            <a:off x="22435200" y="7702560"/>
+            <a:ext cx="19276560" cy="19092240"/>
+          </a:xfrm>
+          <a:prstGeom prst="rect">
+            <a:avLst/>
+          </a:prstGeom>
+        </p:spPr>
+        <p:txBody>
+          <a:bodyPr lIns="0" rIns="0" tIns="0" bIns="0"/>
+          <a:p>
+            <a:endParaRPr/>
+          </a:p>
+        </p:txBody>
+      </p:sp>
+    </p:spTree>
+  </p:cSld>
+</p:sld>
+</file>
+
+<file path=ppt/slides/slide12.xml><?xml version="1.0" encoding="utf-8"?>
+<p:sld xmlns:a="http://schemas.openxmlformats.org/drawingml/2006/main" xmlns:p="http://schemas.openxmlformats.org/presentationml/2006/main" xmlns:r="http://schemas.openxmlformats.org/officeDocument/2006/relationships">
+  <p:cSld>
+    <p:spTree>
+      <p:nvGrpSpPr>
+        <p:cNvPr id="1" name=""/>
+        <p:cNvGrpSpPr/>
+        <p:nvPr/>
+      </p:nvGrpSpPr>
+      <p:grpSpPr>
+        <a:xfrm>
+          <a:off x="0" y="0"/>
+          <a:ext cx="0" cy="0"/>
+          <a:chOff x="0" y="0"/>
+          <a:chExt cx="0" cy="0"/>
+        </a:xfrm>
+      </p:grpSpPr>
+      <p:sp>
+        <p:nvSpPr>
+          <p:cNvPr id="455" name="TextShape 1"/>
+          <p:cNvSpPr txBox="1"/>
+          <p:nvPr/>
+        </p:nvSpPr>
+        <p:spPr>
+          <a:xfrm>
+            <a:off x="2194560" y="1313280"/>
+            <a:ext cx="39501720" cy="5497200"/>
+          </a:xfrm>
+          <a:prstGeom prst="rect">
+            <a:avLst/>
+          </a:prstGeom>
+        </p:spPr>
+        <p:txBody>
+          <a:bodyPr lIns="0" rIns="0" tIns="0" bIns="0" anchor="ctr"/>
+          <a:p>
+            <a:pPr algn="ctr"/>
+            <a:endParaRPr/>
+          </a:p>
+        </p:txBody>
+      </p:sp>
+    </p:spTree>
+  </p:cSld>
+</p:sld>
+</file>
+
+<file path=ppt/slides/slide13.xml><?xml version="1.0" encoding="utf-8"?>
+<p:sld xmlns:a="http://schemas.openxmlformats.org/drawingml/2006/main" xmlns:p="http://schemas.openxmlformats.org/presentationml/2006/main" xmlns:r="http://schemas.openxmlformats.org/officeDocument/2006/relationships">
+  <p:cSld>
+    <p:spTree>
+      <p:nvGrpSpPr>
+        <p:cNvPr id="1" name=""/>
+        <p:cNvGrpSpPr/>
+        <p:nvPr/>
+      </p:nvGrpSpPr>
+      <p:grpSpPr>
+        <a:xfrm>
+          <a:off x="0" y="0"/>
+          <a:ext cx="0" cy="0"/>
+          <a:chOff x="0" y="0"/>
+          <a:chExt cx="0" cy="0"/>
+        </a:xfrm>
+      </p:grpSpPr>
+      <p:sp>
+        <p:nvSpPr>
+          <p:cNvPr id="456" name="TextShape 1"/>
+          <p:cNvSpPr txBox="1"/>
+          <p:nvPr/>
+        </p:nvSpPr>
+        <p:spPr>
+          <a:xfrm>
+            <a:off x="2194560" y="1313280"/>
+            <a:ext cx="39501720" cy="25481880"/>
+          </a:xfrm>
+          <a:prstGeom prst="rect">
+            <a:avLst/>
+          </a:prstGeom>
+        </p:spPr>
+        <p:txBody>
+          <a:bodyPr lIns="0" rIns="0" tIns="0" bIns="0" anchor="ctr"/>
+          <a:p>
+            <a:pPr algn="ctr"/>
+            <a:endParaRPr/>
+          </a:p>
+        </p:txBody>
+      </p:sp>
+    </p:spTree>
+  </p:cSld>
+</p:sld>
+</file>
+
+<file path=ppt/slides/slide14.xml><?xml version="1.0" encoding="utf-8"?>
+<p:sld xmlns:a="http://schemas.openxmlformats.org/drawingml/2006/main" xmlns:p="http://schemas.openxmlformats.org/presentationml/2006/main" xmlns:r="http://schemas.openxmlformats.org/officeDocument/2006/relationships">
+  <p:cSld>
+    <p:spTree>
+      <p:nvGrpSpPr>
+        <p:cNvPr id="1" name=""/>
+        <p:cNvGrpSpPr/>
+        <p:nvPr/>
+      </p:nvGrpSpPr>
+      <p:grpSpPr>
+        <a:xfrm>
+          <a:off x="0" y="0"/>
+          <a:ext cx="0" cy="0"/>
+          <a:chOff x="0" y="0"/>
+          <a:chExt cx="0" cy="0"/>
+        </a:xfrm>
+      </p:grpSpPr>
+      <p:sp>
+        <p:nvSpPr>
+          <p:cNvPr id="457" name="TextShape 1"/>
+          <p:cNvSpPr txBox="1"/>
+          <p:nvPr/>
+        </p:nvSpPr>
+        <p:spPr>
+          <a:xfrm>
+            <a:off x="2194560" y="1313280"/>
+            <a:ext cx="39501720" cy="5497200"/>
+          </a:xfrm>
+          <a:prstGeom prst="rect">
+            <a:avLst/>
+          </a:prstGeom>
+        </p:spPr>
+        <p:txBody>
+          <a:bodyPr lIns="0" rIns="0" tIns="0" bIns="0" anchor="ctr"/>
+          <a:p>
+            <a:pPr algn="ctr"/>
+            <a:endParaRPr/>
+          </a:p>
+        </p:txBody>
+      </p:sp>
+      <p:sp>
+        <p:nvSpPr>
+          <p:cNvPr id="458" name="TextShape 2"/>
+          <p:cNvSpPr txBox="1"/>
+          <p:nvPr/>
+        </p:nvSpPr>
+        <p:spPr>
+          <a:xfrm>
+            <a:off x="2194560" y="7702560"/>
+            <a:ext cx="19276560" cy="9106920"/>
+          </a:xfrm>
+          <a:prstGeom prst="rect">
+            <a:avLst/>
+          </a:prstGeom>
+        </p:spPr>
+        <p:txBody>
+          <a:bodyPr lIns="0" rIns="0" tIns="0" bIns="0"/>
+          <a:p>
+            <a:endParaRPr/>
+          </a:p>
+        </p:txBody>
+      </p:sp>
+      <p:sp>
+        <p:nvSpPr>
+          <p:cNvPr id="459" name="TextShape 3"/>
+          <p:cNvSpPr txBox="1"/>
+          <p:nvPr/>
+        </p:nvSpPr>
+        <p:spPr>
+          <a:xfrm>
+            <a:off x="2194560" y="17674920"/>
+            <a:ext cx="19276560" cy="9106920"/>
+          </a:xfrm>
+          <a:prstGeom prst="rect">
+            <a:avLst/>
+          </a:prstGeom>
+        </p:spPr>
+        <p:txBody>
+          <a:bodyPr lIns="0" rIns="0" tIns="0" bIns="0"/>
+          <a:p>
+            <a:endParaRPr/>
+          </a:p>
+        </p:txBody>
+      </p:sp>
+      <p:sp>
+        <p:nvSpPr>
+          <p:cNvPr id="460" name="TextShape 4"/>
+          <p:cNvSpPr txBox="1"/>
+          <p:nvPr/>
+        </p:nvSpPr>
+        <p:spPr>
+          <a:xfrm>
+            <a:off x="22435200" y="7702560"/>
+            <a:ext cx="19276560" cy="19092240"/>
+          </a:xfrm>
+          <a:prstGeom prst="rect">
+            <a:avLst/>
+          </a:prstGeom>
+        </p:spPr>
+        <p:txBody>
+          <a:bodyPr lIns="0" rIns="0" tIns="0" bIns="0"/>
+          <a:p>
+            <a:endParaRPr/>
+          </a:p>
+        </p:txBody>
+      </p:sp>
+    </p:spTree>
+  </p:cSld>
+</p:sld>
+</file>
+
+<file path=ppt/slides/slide15.xml><?xml version="1.0" encoding="utf-8"?>
+<p:sld xmlns:a="http://schemas.openxmlformats.org/drawingml/2006/main" xmlns:p="http://schemas.openxmlformats.org/presentationml/2006/main" xmlns:r="http://schemas.openxmlformats.org/officeDocument/2006/relationships">
+  <p:cSld>
+    <p:spTree>
+      <p:nvGrpSpPr>
+        <p:cNvPr id="1" name=""/>
+        <p:cNvGrpSpPr/>
+        <p:nvPr/>
+      </p:nvGrpSpPr>
+      <p:grpSpPr>
+        <a:xfrm>
+          <a:off x="0" y="0"/>
+          <a:ext cx="0" cy="0"/>
+          <a:chOff x="0" y="0"/>
+          <a:chExt cx="0" cy="0"/>
+        </a:xfrm>
+      </p:grpSpPr>
+      <p:sp>
+        <p:nvSpPr>
+          <p:cNvPr id="461" name="TextShape 1"/>
+          <p:cNvSpPr txBox="1"/>
+          <p:nvPr/>
+        </p:nvSpPr>
+        <p:spPr>
+          <a:xfrm>
+            <a:off x="2194560" y="1313280"/>
+            <a:ext cx="39501720" cy="5497200"/>
+          </a:xfrm>
+          <a:prstGeom prst="rect">
+            <a:avLst/>
+          </a:prstGeom>
+        </p:spPr>
+        <p:txBody>
+          <a:bodyPr lIns="0" rIns="0" tIns="0" bIns="0" anchor="ctr"/>
+          <a:p>
+            <a:pPr algn="ctr"/>
+            <a:endParaRPr/>
+          </a:p>
+        </p:txBody>
+      </p:sp>
+      <p:sp>
+        <p:nvSpPr>
+          <p:cNvPr id="462" name="TextShape 2"/>
+          <p:cNvSpPr txBox="1"/>
+          <p:nvPr/>
+        </p:nvSpPr>
+        <p:spPr>
+          <a:xfrm>
+            <a:off x="2194560" y="7702560"/>
+            <a:ext cx="19276560" cy="19092240"/>
+          </a:xfrm>
+          <a:prstGeom prst="rect">
+            <a:avLst/>
+          </a:prstGeom>
+        </p:spPr>
+        <p:txBody>
+          <a:bodyPr lIns="0" rIns="0" tIns="0" bIns="0"/>
+          <a:p>
+            <a:endParaRPr/>
+          </a:p>
+        </p:txBody>
+      </p:sp>
+      <p:sp>
+        <p:nvSpPr>
+          <p:cNvPr id="463" name="TextShape 3"/>
+          <p:cNvSpPr txBox="1"/>
+          <p:nvPr/>
+        </p:nvSpPr>
+        <p:spPr>
+          <a:xfrm>
+            <a:off x="22435200" y="7702560"/>
+            <a:ext cx="19276560" cy="9106920"/>
+          </a:xfrm>
+          <a:prstGeom prst="rect">
+            <a:avLst/>
+          </a:prstGeom>
+        </p:spPr>
+        <p:txBody>
+          <a:bodyPr lIns="0" rIns="0" tIns="0" bIns="0"/>
+          <a:p>
+            <a:endParaRPr/>
+          </a:p>
+        </p:txBody>
+      </p:sp>
+      <p:sp>
+        <p:nvSpPr>
+          <p:cNvPr id="464" name="TextShape 4"/>
+          <p:cNvSpPr txBox="1"/>
+          <p:nvPr/>
+        </p:nvSpPr>
+        <p:spPr>
+          <a:xfrm>
+            <a:off x="22435200" y="17674920"/>
+            <a:ext cx="19276560" cy="9106920"/>
+          </a:xfrm>
+          <a:prstGeom prst="rect">
+            <a:avLst/>
+          </a:prstGeom>
+        </p:spPr>
+        <p:txBody>
+          <a:bodyPr lIns="0" rIns="0" tIns="0" bIns="0"/>
+          <a:p>
+            <a:endParaRPr/>
+          </a:p>
+        </p:txBody>
+      </p:sp>
+    </p:spTree>
+  </p:cSld>
+</p:sld>
+</file>
+
+<file path=ppt/slides/slide16.xml><?xml version="1.0" encoding="utf-8"?>
+<p:sld xmlns:a="http://schemas.openxmlformats.org/drawingml/2006/main" xmlns:p="http://schemas.openxmlformats.org/presentationml/2006/main" xmlns:r="http://schemas.openxmlformats.org/officeDocument/2006/relationships">
+  <p:cSld>
+    <p:spTree>
+      <p:nvGrpSpPr>
+        <p:cNvPr id="1" name=""/>
+        <p:cNvGrpSpPr/>
+        <p:nvPr/>
+      </p:nvGrpSpPr>
+      <p:grpSpPr>
+        <a:xfrm>
+          <a:off x="0" y="0"/>
+          <a:ext cx="0" cy="0"/>
+          <a:chOff x="0" y="0"/>
+          <a:chExt cx="0" cy="0"/>
+        </a:xfrm>
+      </p:grpSpPr>
+      <p:sp>
+        <p:nvSpPr>
+          <p:cNvPr id="465" name="TextShape 1"/>
+          <p:cNvSpPr txBox="1"/>
+          <p:nvPr/>
+        </p:nvSpPr>
+        <p:spPr>
+          <a:xfrm>
+            <a:off x="2194560" y="1313280"/>
+            <a:ext cx="39501720" cy="5497200"/>
+          </a:xfrm>
+          <a:prstGeom prst="rect">
+            <a:avLst/>
+          </a:prstGeom>
+        </p:spPr>
+        <p:txBody>
+          <a:bodyPr lIns="0" rIns="0" tIns="0" bIns="0" anchor="ctr"/>
+          <a:p>
+            <a:pPr algn="ctr"/>
+            <a:endParaRPr/>
+          </a:p>
+        </p:txBody>
+      </p:sp>
+      <p:sp>
+        <p:nvSpPr>
+          <p:cNvPr id="466" name="TextShape 2"/>
+          <p:cNvSpPr txBox="1"/>
+          <p:nvPr/>
+        </p:nvSpPr>
+        <p:spPr>
+          <a:xfrm>
+            <a:off x="2194560" y="7702560"/>
+            <a:ext cx="19276560" cy="9106920"/>
+          </a:xfrm>
+          <a:prstGeom prst="rect">
+            <a:avLst/>
+          </a:prstGeom>
+        </p:spPr>
+        <p:txBody>
+          <a:bodyPr lIns="0" rIns="0" tIns="0" bIns="0"/>
+          <a:p>
+            <a:endParaRPr/>
+          </a:p>
+        </p:txBody>
+      </p:sp>
+      <p:sp>
+        <p:nvSpPr>
+          <p:cNvPr id="467" name="TextShape 3"/>
+          <p:cNvSpPr txBox="1"/>
+          <p:nvPr/>
+        </p:nvSpPr>
+        <p:spPr>
+          <a:xfrm>
+            <a:off x="22435200" y="7702560"/>
+            <a:ext cx="19276560" cy="9106920"/>
+          </a:xfrm>
+          <a:prstGeom prst="rect">
+            <a:avLst/>
+          </a:prstGeom>
+        </p:spPr>
+        <p:txBody>
+          <a:bodyPr lIns="0" rIns="0" tIns="0" bIns="0"/>
+          <a:p>
+            <a:endParaRPr/>
+          </a:p>
+        </p:txBody>
+      </p:sp>
+      <p:sp>
+        <p:nvSpPr>
+          <p:cNvPr id="468" name="TextShape 4"/>
+          <p:cNvSpPr txBox="1"/>
+          <p:nvPr/>
+        </p:nvSpPr>
+        <p:spPr>
+          <a:xfrm>
+            <a:off x="2194560" y="17674920"/>
+            <a:ext cx="39501720" cy="9106920"/>
+          </a:xfrm>
+          <a:prstGeom prst="rect">
+            <a:avLst/>
+          </a:prstGeom>
+        </p:spPr>
+        <p:txBody>
+          <a:bodyPr lIns="0" rIns="0" tIns="0" bIns="0"/>
+          <a:p>
+            <a:endParaRPr/>
+          </a:p>
+        </p:txBody>
+      </p:sp>
+    </p:spTree>
+  </p:cSld>
+</p:sld>
+</file>
+
+<file path=ppt/slides/slide17.xml><?xml version="1.0" encoding="utf-8"?>
+<p:sld xmlns:a="http://schemas.openxmlformats.org/drawingml/2006/main" xmlns:p="http://schemas.openxmlformats.org/presentationml/2006/main" xmlns:r="http://schemas.openxmlformats.org/officeDocument/2006/relationships">
+  <p:cSld>
+    <p:spTree>
+      <p:nvGrpSpPr>
+        <p:cNvPr id="1" name=""/>
+        <p:cNvGrpSpPr/>
+        <p:nvPr/>
+      </p:nvGrpSpPr>
+      <p:grpSpPr>
+        <a:xfrm>
+          <a:off x="0" y="0"/>
+          <a:ext cx="0" cy="0"/>
+          <a:chOff x="0" y="0"/>
+          <a:chExt cx="0" cy="0"/>
+        </a:xfrm>
+      </p:grpSpPr>
+      <p:sp>
+        <p:nvSpPr>
+          <p:cNvPr id="469" name="TextShape 1"/>
+          <p:cNvSpPr txBox="1"/>
+          <p:nvPr/>
+        </p:nvSpPr>
+        <p:spPr>
+          <a:xfrm>
+            <a:off x="2194560" y="1313280"/>
+            <a:ext cx="39501720" cy="5497200"/>
+          </a:xfrm>
+          <a:prstGeom prst="rect">
+            <a:avLst/>
+          </a:prstGeom>
+        </p:spPr>
+        <p:txBody>
+          <a:bodyPr lIns="0" rIns="0" tIns="0" bIns="0" anchor="ctr"/>
+          <a:p>
+            <a:pPr algn="ctr"/>
+            <a:endParaRPr/>
+          </a:p>
+        </p:txBody>
+      </p:sp>
+      <p:sp>
+        <p:nvSpPr>
+          <p:cNvPr id="470" name="TextShape 2"/>
+          <p:cNvSpPr txBox="1"/>
+          <p:nvPr/>
+        </p:nvSpPr>
+        <p:spPr>
+          <a:xfrm>
+            <a:off x="2194560" y="7702560"/>
+            <a:ext cx="39501720" cy="9106920"/>
+          </a:xfrm>
+          <a:prstGeom prst="rect">
+            <a:avLst/>
+          </a:prstGeom>
+        </p:spPr>
+        <p:txBody>
+          <a:bodyPr lIns="0" rIns="0" tIns="0" bIns="0"/>
+          <a:p>
+            <a:endParaRPr/>
+          </a:p>
+        </p:txBody>
+      </p:sp>
+      <p:sp>
+        <p:nvSpPr>
+          <p:cNvPr id="471" name="TextShape 3"/>
+          <p:cNvSpPr txBox="1"/>
+          <p:nvPr/>
+        </p:nvSpPr>
+        <p:spPr>
+          <a:xfrm>
+            <a:off x="2194560" y="17674920"/>
+            <a:ext cx="39501720" cy="9106920"/>
+          </a:xfrm>
+          <a:prstGeom prst="rect">
+            <a:avLst/>
+          </a:prstGeom>
+        </p:spPr>
+        <p:txBody>
+          <a:bodyPr lIns="0" rIns="0" tIns="0" bIns="0"/>
+          <a:p>
+            <a:endParaRPr/>
+          </a:p>
+        </p:txBody>
+      </p:sp>
     </p:spTree>
   </p:cSld>
 </p:sld>
@@ -17194,7 +17904,7 @@
         <p:spPr>
           <a:xfrm>
             <a:off x="2194560" y="1313280"/>
-            <a:ext cx="39499560" cy="25479720"/>
+            <a:ext cx="39499200" cy="25479360"/>
           </a:xfrm>
           <a:prstGeom prst="rect">
             <a:avLst/>
@@ -17236,7 +17946,7 @@
         <p:spPr>
           <a:xfrm>
             <a:off x="2194560" y="1313280"/>
-            <a:ext cx="39499560" cy="5495040"/>
+            <a:ext cx="39499200" cy="5494680"/>
           </a:xfrm>
           <a:prstGeom prst="rect">
             <a:avLst/>
@@ -17256,7 +17966,7 @@
         <p:spPr>
           <a:xfrm>
             <a:off x="2194560" y="7702560"/>
-            <a:ext cx="19274400" cy="9104760"/>
+            <a:ext cx="19274040" cy="9104400"/>
           </a:xfrm>
           <a:prstGeom prst="rect">
             <a:avLst/>
@@ -17276,7 +17986,7 @@
         <p:spPr>
           <a:xfrm>
             <a:off x="2194560" y="17674920"/>
-            <a:ext cx="19274400" cy="9104760"/>
+            <a:ext cx="19274040" cy="9104400"/>
           </a:xfrm>
           <a:prstGeom prst="rect">
             <a:avLst/>
@@ -17296,7 +18006,7 @@
         <p:spPr>
           <a:xfrm>
             <a:off x="22435200" y="7702560"/>
-            <a:ext cx="19274400" cy="19090080"/>
+            <a:ext cx="19274040" cy="19089720"/>
           </a:xfrm>
           <a:prstGeom prst="rect">
             <a:avLst/>
@@ -17338,7 +18048,7 @@
         <p:spPr>
           <a:xfrm>
             <a:off x="2194560" y="1313280"/>
-            <a:ext cx="39499560" cy="5495040"/>
+            <a:ext cx="39499200" cy="5494680"/>
           </a:xfrm>
           <a:prstGeom prst="rect">
             <a:avLst/>
@@ -17358,7 +18068,7 @@
         <p:spPr>
           <a:xfrm>
             <a:off x="2194560" y="7702560"/>
-            <a:ext cx="19274400" cy="19090080"/>
+            <a:ext cx="19274040" cy="19089720"/>
           </a:xfrm>
           <a:prstGeom prst="rect">
             <a:avLst/>
@@ -17378,7 +18088,7 @@
         <p:spPr>
           <a:xfrm>
             <a:off x="22435200" y="7702560"/>
-            <a:ext cx="19274400" cy="9104760"/>
+            <a:ext cx="19274040" cy="9104400"/>
           </a:xfrm>
           <a:prstGeom prst="rect">
             <a:avLst/>
@@ -17398,7 +18108,7 @@
         <p:spPr>
           <a:xfrm>
             <a:off x="22435200" y="17674920"/>
-            <a:ext cx="19274400" cy="9104760"/>
+            <a:ext cx="19274040" cy="9104400"/>
           </a:xfrm>
           <a:prstGeom prst="rect">
             <a:avLst/>
@@ -17440,7 +18150,7 @@
         <p:spPr>
           <a:xfrm>
             <a:off x="2194560" y="1313280"/>
-            <a:ext cx="39499560" cy="5495040"/>
+            <a:ext cx="39499200" cy="5494680"/>
           </a:xfrm>
           <a:prstGeom prst="rect">
             <a:avLst/>
@@ -17460,7 +18170,7 @@
         <p:spPr>
           <a:xfrm>
             <a:off x="2194560" y="7702560"/>
-            <a:ext cx="19274400" cy="9104760"/>
+            <a:ext cx="19274040" cy="9104400"/>
           </a:xfrm>
           <a:prstGeom prst="rect">
             <a:avLst/>
@@ -17480,7 +18190,7 @@
         <p:spPr>
           <a:xfrm>
             <a:off x="22435200" y="7702560"/>
-            <a:ext cx="19274400" cy="9104760"/>
+            <a:ext cx="19274040" cy="9104400"/>
           </a:xfrm>
           <a:prstGeom prst="rect">
             <a:avLst/>
@@ -17500,7 +18210,7 @@
         <p:spPr>
           <a:xfrm>
             <a:off x="2194560" y="17674920"/>
-            <a:ext cx="39499560" cy="9104760"/>
+            <a:ext cx="39499200" cy="9104400"/>
           </a:xfrm>
           <a:prstGeom prst="rect">
             <a:avLst/>
@@ -17542,7 +18252,7 @@
         <p:spPr>
           <a:xfrm>
             <a:off x="2194560" y="1313280"/>
-            <a:ext cx="39499560" cy="5495040"/>
+            <a:ext cx="39499200" cy="5494680"/>
           </a:xfrm>
           <a:prstGeom prst="rect">
             <a:avLst/>
@@ -17562,7 +18272,7 @@
         <p:spPr>
           <a:xfrm>
             <a:off x="2194560" y="7702560"/>
-            <a:ext cx="39499560" cy="9104760"/>
+            <a:ext cx="39499200" cy="9104400"/>
           </a:xfrm>
           <a:prstGeom prst="rect">
             <a:avLst/>
@@ -17582,7 +18292,7 @@
         <p:spPr>
           <a:xfrm>
             <a:off x="2194560" y="17674920"/>
-            <a:ext cx="39499560" cy="9104760"/>
+            <a:ext cx="39499200" cy="9104400"/>
           </a:xfrm>
           <a:prstGeom prst="rect">
             <a:avLst/>
@@ -17624,7 +18334,7 @@
         <p:spPr>
           <a:xfrm>
             <a:off x="2194560" y="1313280"/>
-            <a:ext cx="39499560" cy="5495040"/>
+            <a:ext cx="39499200" cy="5494680"/>
           </a:xfrm>
           <a:prstGeom prst="rect">
             <a:avLst/>
@@ -17644,7 +18354,7 @@
         <p:spPr>
           <a:xfrm>
             <a:off x="2194560" y="7702560"/>
-            <a:ext cx="19274400" cy="9104760"/>
+            <a:ext cx="19274040" cy="9104400"/>
           </a:xfrm>
           <a:prstGeom prst="rect">
             <a:avLst/>
@@ -17664,7 +18374,7 @@
         <p:spPr>
           <a:xfrm>
             <a:off x="22435200" y="7702560"/>
-            <a:ext cx="19274400" cy="9104760"/>
+            <a:ext cx="19274040" cy="9104400"/>
           </a:xfrm>
           <a:prstGeom prst="rect">
             <a:avLst/>
@@ -17684,7 +18394,7 @@
         <p:spPr>
           <a:xfrm>
             <a:off x="22435200" y="17674920"/>
-            <a:ext cx="19274400" cy="9104760"/>
+            <a:ext cx="19274040" cy="9104400"/>
           </a:xfrm>
           <a:prstGeom prst="rect">
             <a:avLst/>
@@ -17704,7 +18414,7 @@
         <p:spPr>
           <a:xfrm>
             <a:off x="2194560" y="17674920"/>
-            <a:ext cx="19274400" cy="9104760"/>
+            <a:ext cx="19274040" cy="9104400"/>
           </a:xfrm>
           <a:prstGeom prst="rect">
             <a:avLst/>
@@ -17746,7 +18456,7 @@
         <p:spPr>
           <a:xfrm>
             <a:off x="2194560" y="1313280"/>
-            <a:ext cx="39499560" cy="5495040"/>
+            <a:ext cx="39499200" cy="5494680"/>
           </a:xfrm>
           <a:prstGeom prst="rect">
             <a:avLst/>
@@ -17766,7 +18476,7 @@
         <p:spPr>
           <a:xfrm>
             <a:off x="2194560" y="7702560"/>
-            <a:ext cx="39499560" cy="19090080"/>
+            <a:ext cx="39499200" cy="19089720"/>
           </a:xfrm>
           <a:prstGeom prst="rect">
             <a:avLst/>
@@ -17786,7 +18496,7 @@
         <p:spPr>
           <a:xfrm>
             <a:off x="2194560" y="7702560"/>
-            <a:ext cx="39499560" cy="19090080"/>
+            <a:ext cx="39499200" cy="19089720"/>
           </a:xfrm>
           <a:prstGeom prst="rect">
             <a:avLst/>
@@ -17812,7 +18522,7 @@
         <p:spPr>
           <a:xfrm>
             <a:off x="9980640" y="7702560"/>
-            <a:ext cx="23926680" cy="19090080"/>
+            <a:ext cx="23926320" cy="19089720"/>
           </a:xfrm>
           <a:prstGeom prst="rect">
             <a:avLst/>
@@ -17837,7 +18547,7 @@
         <p:spPr>
           <a:xfrm>
             <a:off x="9980640" y="7702560"/>
-            <a:ext cx="23926680" cy="19090080"/>
+            <a:ext cx="23926320" cy="19089720"/>
           </a:xfrm>
           <a:prstGeom prst="rect">
             <a:avLst/>
@@ -17878,7 +18588,7 @@
         <p:spPr>
           <a:xfrm>
             <a:off x="2194560" y="1313280"/>
-            <a:ext cx="39500280" cy="5495760"/>
+            <a:ext cx="39499920" cy="5495400"/>
           </a:xfrm>
           <a:prstGeom prst="rect">
             <a:avLst/>
@@ -17898,7 +18608,7 @@
         <p:spPr>
           <a:xfrm>
             <a:off x="2194560" y="7702560"/>
-            <a:ext cx="19275120" cy="9105480"/>
+            <a:ext cx="19274760" cy="9105120"/>
           </a:xfrm>
           <a:prstGeom prst="rect">
             <a:avLst/>
@@ -17918,7 +18628,7 @@
         <p:spPr>
           <a:xfrm>
             <a:off x="22435200" y="7702560"/>
-            <a:ext cx="19275120" cy="9105480"/>
+            <a:ext cx="19274760" cy="9105120"/>
           </a:xfrm>
           <a:prstGeom prst="rect">
             <a:avLst/>
@@ -17938,7 +18648,7 @@
         <p:spPr>
           <a:xfrm>
             <a:off x="22435200" y="17674920"/>
-            <a:ext cx="19275120" cy="9105480"/>
+            <a:ext cx="19274760" cy="9105120"/>
           </a:xfrm>
           <a:prstGeom prst="rect">
             <a:avLst/>
@@ -17958,7 +18668,7 @@
         <p:spPr>
           <a:xfrm>
             <a:off x="2194560" y="17674920"/>
-            <a:ext cx="19275120" cy="9105480"/>
+            <a:ext cx="19274760" cy="9105120"/>
           </a:xfrm>
           <a:prstGeom prst="rect">
             <a:avLst/>
